--- a/surveys/survey_analysis_and_pca_theory.pptx
+++ b/surveys/survey_analysis_and_pca_theory.pptx
@@ -5,7 +5,7 @@
     <p:sldMasterId id="2147483753" r:id="rId1"/>
   </p:sldMasterIdLst>
   <p:notesMasterIdLst>
-    <p:notesMasterId r:id="rId28"/>
+    <p:notesMasterId r:id="rId33"/>
   </p:notesMasterIdLst>
   <p:sldIdLst>
     <p:sldId id="256" r:id="rId2"/>
@@ -34,6 +34,11 @@
     <p:sldId id="271" r:id="rId25"/>
     <p:sldId id="272" r:id="rId26"/>
     <p:sldId id="273" r:id="rId27"/>
+    <p:sldId id="285" r:id="rId28"/>
+    <p:sldId id="286" r:id="rId29"/>
+    <p:sldId id="287" r:id="rId30"/>
+    <p:sldId id="289" r:id="rId31"/>
+    <p:sldId id="288" r:id="rId32"/>
   </p:sldIdLst>
   <p:sldSz cx="12192000" cy="6858000"/>
   <p:notesSz cx="6858000" cy="9144000"/>
@@ -3287,6 +3292,90 @@
     <p:extLst>
       <p:ext uri="{BB962C8B-B14F-4D97-AF65-F5344CB8AC3E}">
         <p14:creationId xmlns:p14="http://schemas.microsoft.com/office/powerpoint/2010/main" val="3543101197"/>
+      </p:ext>
+    </p:extLst>
+  </p:cSld>
+  <p:clrMapOvr>
+    <a:masterClrMapping/>
+  </p:clrMapOvr>
+</p:notes>
+</file>
+
+<file path=ppt/notesSlides/notesSlide9.xml><?xml version="1.0" encoding="utf-8"?>
+<p:notes xmlns:a="http://schemas.openxmlformats.org/drawingml/2006/main" xmlns:r="http://schemas.openxmlformats.org/officeDocument/2006/relationships" xmlns:p="http://schemas.openxmlformats.org/presentationml/2006/main">
+  <p:cSld>
+    <p:spTree>
+      <p:nvGrpSpPr>
+        <p:cNvPr id="1" name=""/>
+        <p:cNvGrpSpPr/>
+        <p:nvPr/>
+      </p:nvGrpSpPr>
+      <p:grpSpPr>
+        <a:xfrm>
+          <a:off x="0" y="0"/>
+          <a:ext cx="0" cy="0"/>
+          <a:chOff x="0" y="0"/>
+          <a:chExt cx="0" cy="0"/>
+        </a:xfrm>
+      </p:grpSpPr>
+      <p:sp>
+        <p:nvSpPr>
+          <p:cNvPr id="2" name="Slide Image Placeholder 1"/>
+          <p:cNvSpPr>
+            <a:spLocks noGrp="1" noRot="1" noChangeAspect="1"/>
+          </p:cNvSpPr>
+          <p:nvPr>
+            <p:ph type="sldImg"/>
+          </p:nvPr>
+        </p:nvSpPr>
+        <p:spPr/>
+      </p:sp>
+      <p:sp>
+        <p:nvSpPr>
+          <p:cNvPr id="3" name="Notes Placeholder 2"/>
+          <p:cNvSpPr>
+            <a:spLocks noGrp="1"/>
+          </p:cNvSpPr>
+          <p:nvPr>
+            <p:ph type="body" idx="1"/>
+          </p:nvPr>
+        </p:nvSpPr>
+        <p:spPr/>
+        <p:txBody>
+          <a:bodyPr/>
+          <a:lstStyle/>
+          <a:p>
+            <a:endParaRPr lang="en-US" dirty="0"/>
+          </a:p>
+        </p:txBody>
+      </p:sp>
+      <p:sp>
+        <p:nvSpPr>
+          <p:cNvPr id="4" name="Slide Number Placeholder 3"/>
+          <p:cNvSpPr>
+            <a:spLocks noGrp="1"/>
+          </p:cNvSpPr>
+          <p:nvPr>
+            <p:ph type="sldNum" sz="quarter" idx="5"/>
+          </p:nvPr>
+        </p:nvSpPr>
+        <p:spPr/>
+        <p:txBody>
+          <a:bodyPr/>
+          <a:lstStyle/>
+          <a:p>
+            <a:fld id="{337C1EA3-F53F-1B47-B656-7229C750B466}" type="slidenum">
+              <a:rPr lang="en-US" smtClean="0"/>
+              <a:t>31</a:t>
+            </a:fld>
+            <a:endParaRPr lang="en-US"/>
+          </a:p>
+        </p:txBody>
+      </p:sp>
+    </p:spTree>
+    <p:extLst>
+      <p:ext uri="{BB962C8B-B14F-4D97-AF65-F5344CB8AC3E}">
+        <p14:creationId xmlns:p14="http://schemas.microsoft.com/office/powerpoint/2010/main" val="2372134041"/>
       </p:ext>
     </p:extLst>
   </p:cSld>
@@ -10766,6 +10855,615 @@
 </p:sld>
 </file>
 
+<file path=ppt/slides/slide27.xml><?xml version="1.0" encoding="utf-8"?>
+<p:sld xmlns:a="http://schemas.openxmlformats.org/drawingml/2006/main" xmlns:r="http://schemas.openxmlformats.org/officeDocument/2006/relationships" xmlns:p="http://schemas.openxmlformats.org/presentationml/2006/main" showMasterSp="0">
+  <p:cSld>
+    <p:bg>
+      <p:bgPr>
+        <a:solidFill>
+          <a:schemeClr val="tx1"/>
+        </a:solidFill>
+        <a:effectLst/>
+      </p:bgPr>
+    </p:bg>
+    <p:spTree>
+      <p:nvGrpSpPr>
+        <p:cNvPr id="1" name=""/>
+        <p:cNvGrpSpPr/>
+        <p:nvPr/>
+      </p:nvGrpSpPr>
+      <p:grpSpPr>
+        <a:xfrm>
+          <a:off x="0" y="0"/>
+          <a:ext cx="0" cy="0"/>
+          <a:chOff x="0" y="0"/>
+          <a:chExt cx="0" cy="0"/>
+        </a:xfrm>
+      </p:grpSpPr>
+      <p:sp>
+        <p:nvSpPr>
+          <p:cNvPr id="2" name="Title 1">
+            <a:extLst>
+              <a:ext uri="{FF2B5EF4-FFF2-40B4-BE49-F238E27FC236}">
+                <a16:creationId xmlns:a16="http://schemas.microsoft.com/office/drawing/2014/main" id="{F376363F-57CB-7C46-8D30-6997A8CB848E}"/>
+              </a:ext>
+            </a:extLst>
+          </p:cNvPr>
+          <p:cNvSpPr>
+            <a:spLocks noGrp="1"/>
+          </p:cNvSpPr>
+          <p:nvPr>
+            <p:ph type="title"/>
+          </p:nvPr>
+        </p:nvSpPr>
+        <p:spPr>
+          <a:xfrm>
+            <a:off x="744713" y="311775"/>
+            <a:ext cx="4049708" cy="1477328"/>
+          </a:xfrm>
+        </p:spPr>
+        <p:txBody>
+          <a:bodyPr/>
+          <a:lstStyle/>
+          <a:p>
+            <a:pPr algn="ctr"/>
+            <a:r>
+              <a:rPr lang="en-US" dirty="0">
+                <a:solidFill>
+                  <a:schemeClr val="bg1"/>
+                </a:solidFill>
+                <a:latin typeface="Times New Roman" panose="02020603050405020304" pitchFamily="18" charset="0"/>
+                <a:cs typeface="Times New Roman" panose="02020603050405020304" pitchFamily="18" charset="0"/>
+              </a:rPr>
+              <a:t>Bogota 0</a:t>
+            </a:r>
+            <a:br>
+              <a:rPr lang="en-US" dirty="0">
+                <a:solidFill>
+                  <a:schemeClr val="bg1"/>
+                </a:solidFill>
+                <a:latin typeface="Times New Roman" panose="02020603050405020304" pitchFamily="18" charset="0"/>
+                <a:cs typeface="Times New Roman" panose="02020603050405020304" pitchFamily="18" charset="0"/>
+              </a:rPr>
+            </a:br>
+            <a:r>
+              <a:rPr lang="en-US" b="1" dirty="0">
+                <a:solidFill>
+                  <a:schemeClr val="bg1"/>
+                </a:solidFill>
+                <a:latin typeface="Times New Roman" panose="02020603050405020304" pitchFamily="18" charset="0"/>
+                <a:cs typeface="Times New Roman" panose="02020603050405020304" pitchFamily="18" charset="0"/>
+              </a:rPr>
+              <a:t> No</a:t>
+            </a:r>
+            <a:br>
+              <a:rPr lang="en-US" b="1" dirty="0">
+                <a:solidFill>
+                  <a:schemeClr val="bg1"/>
+                </a:solidFill>
+                <a:latin typeface="Times New Roman" panose="02020603050405020304" pitchFamily="18" charset="0"/>
+                <a:cs typeface="Times New Roman" panose="02020603050405020304" pitchFamily="18" charset="0"/>
+              </a:rPr>
+            </a:br>
+            <a:r>
+              <a:rPr lang="en-US" b="1" dirty="0">
+                <a:solidFill>
+                  <a:schemeClr val="bg1"/>
+                </a:solidFill>
+                <a:latin typeface="Times New Roman" panose="02020603050405020304" pitchFamily="18" charset="0"/>
+                <a:cs typeface="Times New Roman" panose="02020603050405020304" pitchFamily="18" charset="0"/>
+              </a:rPr>
+              <a:t>Transparency  </a:t>
+            </a:r>
+          </a:p>
+        </p:txBody>
+      </p:sp>
+      <p:sp>
+        <p:nvSpPr>
+          <p:cNvPr id="6" name="Rectangle 5">
+            <a:extLst>
+              <a:ext uri="{FF2B5EF4-FFF2-40B4-BE49-F238E27FC236}">
+                <a16:creationId xmlns:a16="http://schemas.microsoft.com/office/drawing/2014/main" id="{B335D236-8F50-8C4C-8D59-BEC353129962}"/>
+              </a:ext>
+            </a:extLst>
+          </p:cNvPr>
+          <p:cNvSpPr/>
+          <p:nvPr/>
+        </p:nvSpPr>
+        <p:spPr>
+          <a:xfrm>
+            <a:off x="4411362" y="311776"/>
+            <a:ext cx="7035925" cy="1169551"/>
+          </a:xfrm>
+          <a:prstGeom prst="rect">
+            <a:avLst/>
+          </a:prstGeom>
+        </p:spPr>
+        <p:txBody>
+          <a:bodyPr wrap="square">
+            <a:spAutoFit/>
+          </a:bodyPr>
+          <a:lstStyle/>
+          <a:p>
+            <a:r>
+              <a:rPr lang="en-MY" sz="3200" dirty="0">
+                <a:solidFill>
+                  <a:schemeClr val="bg1"/>
+                </a:solidFill>
+                <a:latin typeface="Times New Roman" panose="02020603050405020304" pitchFamily="18" charset="0"/>
+                <a:cs typeface="Times New Roman" panose="02020603050405020304" pitchFamily="18" charset="0"/>
+              </a:rPr>
+              <a:t>Q24 - </a:t>
+            </a:r>
+            <a:r>
+              <a:rPr lang="en-MY" sz="3500" dirty="0">
+                <a:solidFill>
+                  <a:schemeClr val="tx2">
+                    <a:lumMod val="10000"/>
+                  </a:schemeClr>
+                </a:solidFill>
+                <a:latin typeface="Times New Roman" panose="02020603050405020304" pitchFamily="18" charset="0"/>
+                <a:cs typeface="Times New Roman" panose="02020603050405020304" pitchFamily="18" charset="0"/>
+              </a:rPr>
+              <a:t>In which of the following classes are you enrolled?</a:t>
+            </a:r>
+          </a:p>
+        </p:txBody>
+      </p:sp>
+      <p:pic>
+        <p:nvPicPr>
+          <p:cNvPr id="8" name="Content Placeholder 7" descr="Chart, bar chart&#10;&#10;Description automatically generated">
+            <a:extLst>
+              <a:ext uri="{FF2B5EF4-FFF2-40B4-BE49-F238E27FC236}">
+                <a16:creationId xmlns:a16="http://schemas.microsoft.com/office/drawing/2014/main" id="{C4F29456-6A48-0F43-9979-7F1B59C6E807}"/>
+              </a:ext>
+            </a:extLst>
+          </p:cNvPr>
+          <p:cNvPicPr>
+            <a:picLocks noGrp="1" noChangeAspect="1"/>
+          </p:cNvPicPr>
+          <p:nvPr>
+            <p:ph idx="1"/>
+          </p:nvPr>
+        </p:nvPicPr>
+        <p:blipFill>
+          <a:blip r:embed="rId2"/>
+          <a:stretch>
+            <a:fillRect/>
+          </a:stretch>
+        </p:blipFill>
+        <p:spPr>
+          <a:xfrm>
+            <a:off x="1708571" y="1997970"/>
+            <a:ext cx="9282157" cy="4556696"/>
+          </a:xfrm>
+        </p:spPr>
+      </p:pic>
+    </p:spTree>
+    <p:extLst>
+      <p:ext uri="{BB962C8B-B14F-4D97-AF65-F5344CB8AC3E}">
+        <p14:creationId xmlns:p14="http://schemas.microsoft.com/office/powerpoint/2010/main" val="36979565"/>
+      </p:ext>
+    </p:extLst>
+  </p:cSld>
+  <p:clrMapOvr>
+    <a:masterClrMapping/>
+  </p:clrMapOvr>
+</p:sld>
+</file>
+
+<file path=ppt/slides/slide28.xml><?xml version="1.0" encoding="utf-8"?>
+<p:sld xmlns:a="http://schemas.openxmlformats.org/drawingml/2006/main" xmlns:r="http://schemas.openxmlformats.org/officeDocument/2006/relationships" xmlns:p="http://schemas.openxmlformats.org/presentationml/2006/main" showMasterSp="0">
+  <p:cSld>
+    <p:bg>
+      <p:bgPr>
+        <a:solidFill>
+          <a:schemeClr val="tx1"/>
+        </a:solidFill>
+        <a:effectLst/>
+      </p:bgPr>
+    </p:bg>
+    <p:spTree>
+      <p:nvGrpSpPr>
+        <p:cNvPr id="1" name=""/>
+        <p:cNvGrpSpPr/>
+        <p:nvPr/>
+      </p:nvGrpSpPr>
+      <p:grpSpPr>
+        <a:xfrm>
+          <a:off x="0" y="0"/>
+          <a:ext cx="0" cy="0"/>
+          <a:chOff x="0" y="0"/>
+          <a:chExt cx="0" cy="0"/>
+        </a:xfrm>
+      </p:grpSpPr>
+      <p:sp>
+        <p:nvSpPr>
+          <p:cNvPr id="2" name="Title 1">
+            <a:extLst>
+              <a:ext uri="{FF2B5EF4-FFF2-40B4-BE49-F238E27FC236}">
+                <a16:creationId xmlns:a16="http://schemas.microsoft.com/office/drawing/2014/main" id="{F376363F-57CB-7C46-8D30-6997A8CB848E}"/>
+              </a:ext>
+            </a:extLst>
+          </p:cNvPr>
+          <p:cNvSpPr>
+            <a:spLocks noGrp="1"/>
+          </p:cNvSpPr>
+          <p:nvPr>
+            <p:ph type="title"/>
+          </p:nvPr>
+        </p:nvSpPr>
+        <p:spPr>
+          <a:xfrm>
+            <a:off x="744713" y="311775"/>
+            <a:ext cx="4049708" cy="1477328"/>
+          </a:xfrm>
+        </p:spPr>
+        <p:txBody>
+          <a:bodyPr/>
+          <a:lstStyle/>
+          <a:p>
+            <a:pPr algn="ctr"/>
+            <a:r>
+              <a:rPr lang="en-US" dirty="0">
+                <a:solidFill>
+                  <a:schemeClr val="bg1"/>
+                </a:solidFill>
+                <a:latin typeface="Times New Roman" panose="02020603050405020304" pitchFamily="18" charset="0"/>
+                <a:cs typeface="Times New Roman" panose="02020603050405020304" pitchFamily="18" charset="0"/>
+              </a:rPr>
+              <a:t>Bogota 1</a:t>
+            </a:r>
+            <a:br>
+              <a:rPr lang="en-US" dirty="0">
+                <a:solidFill>
+                  <a:schemeClr val="bg1"/>
+                </a:solidFill>
+                <a:latin typeface="Times New Roman" panose="02020603050405020304" pitchFamily="18" charset="0"/>
+                <a:cs typeface="Times New Roman" panose="02020603050405020304" pitchFamily="18" charset="0"/>
+              </a:rPr>
+            </a:br>
+            <a:r>
+              <a:rPr lang="en-US" b="1" dirty="0">
+                <a:solidFill>
+                  <a:schemeClr val="bg1"/>
+                </a:solidFill>
+                <a:latin typeface="Times New Roman" panose="02020603050405020304" pitchFamily="18" charset="0"/>
+                <a:cs typeface="Times New Roman" panose="02020603050405020304" pitchFamily="18" charset="0"/>
+              </a:rPr>
+              <a:t> Performance</a:t>
+            </a:r>
+            <a:br>
+              <a:rPr lang="en-US" b="1" dirty="0">
+                <a:solidFill>
+                  <a:schemeClr val="bg1"/>
+                </a:solidFill>
+                <a:latin typeface="Times New Roman" panose="02020603050405020304" pitchFamily="18" charset="0"/>
+                <a:cs typeface="Times New Roman" panose="02020603050405020304" pitchFamily="18" charset="0"/>
+              </a:rPr>
+            </a:br>
+            <a:r>
+              <a:rPr lang="en-US" b="1" dirty="0">
+                <a:solidFill>
+                  <a:schemeClr val="bg1"/>
+                </a:solidFill>
+                <a:latin typeface="Times New Roman" panose="02020603050405020304" pitchFamily="18" charset="0"/>
+                <a:cs typeface="Times New Roman" panose="02020603050405020304" pitchFamily="18" charset="0"/>
+              </a:rPr>
+              <a:t>Transparency  </a:t>
+            </a:r>
+          </a:p>
+        </p:txBody>
+      </p:sp>
+      <p:sp>
+        <p:nvSpPr>
+          <p:cNvPr id="6" name="Rectangle 5">
+            <a:extLst>
+              <a:ext uri="{FF2B5EF4-FFF2-40B4-BE49-F238E27FC236}">
+                <a16:creationId xmlns:a16="http://schemas.microsoft.com/office/drawing/2014/main" id="{B335D236-8F50-8C4C-8D59-BEC353129962}"/>
+              </a:ext>
+            </a:extLst>
+          </p:cNvPr>
+          <p:cNvSpPr/>
+          <p:nvPr/>
+        </p:nvSpPr>
+        <p:spPr>
+          <a:xfrm>
+            <a:off x="4411362" y="311776"/>
+            <a:ext cx="7035925" cy="1569660"/>
+          </a:xfrm>
+          <a:prstGeom prst="rect">
+            <a:avLst/>
+          </a:prstGeom>
+        </p:spPr>
+        <p:txBody>
+          <a:bodyPr wrap="square">
+            <a:spAutoFit/>
+          </a:bodyPr>
+          <a:lstStyle/>
+          <a:p>
+            <a:r>
+              <a:rPr lang="en-MY" sz="2800" dirty="0">
+                <a:solidFill>
+                  <a:schemeClr val="bg1"/>
+                </a:solidFill>
+                <a:latin typeface="Times New Roman" panose="02020603050405020304" pitchFamily="18" charset="0"/>
+                <a:cs typeface="Times New Roman" panose="02020603050405020304" pitchFamily="18" charset="0"/>
+              </a:rPr>
+              <a:t>Q24 - </a:t>
+            </a:r>
+            <a:r>
+              <a:rPr lang="en-MY" sz="3200" dirty="0">
+                <a:solidFill>
+                  <a:schemeClr val="tx2">
+                    <a:lumMod val="10000"/>
+                  </a:schemeClr>
+                </a:solidFill>
+                <a:latin typeface="Times New Roman" panose="02020603050405020304" pitchFamily="18" charset="0"/>
+                <a:cs typeface="Times New Roman" panose="02020603050405020304" pitchFamily="18" charset="0"/>
+              </a:rPr>
+              <a:t>In which of the following classes are you enrolled?</a:t>
+            </a:r>
+          </a:p>
+          <a:p>
+            <a:endParaRPr lang="en-MY" sz="3200" dirty="0">
+              <a:solidFill>
+                <a:schemeClr val="bg1"/>
+              </a:solidFill>
+              <a:latin typeface="Times New Roman" panose="02020603050405020304" pitchFamily="18" charset="0"/>
+              <a:cs typeface="Times New Roman" panose="02020603050405020304" pitchFamily="18" charset="0"/>
+            </a:endParaRPr>
+          </a:p>
+        </p:txBody>
+      </p:sp>
+      <p:pic>
+        <p:nvPicPr>
+          <p:cNvPr id="8" name="Content Placeholder 7" descr="Chart, bar chart&#10;&#10;Description automatically generated">
+            <a:extLst>
+              <a:ext uri="{FF2B5EF4-FFF2-40B4-BE49-F238E27FC236}">
+                <a16:creationId xmlns:a16="http://schemas.microsoft.com/office/drawing/2014/main" id="{8D379436-0CBF-924B-846F-BA2FCA3F3EB7}"/>
+              </a:ext>
+            </a:extLst>
+          </p:cNvPr>
+          <p:cNvPicPr>
+            <a:picLocks noGrp="1" noChangeAspect="1"/>
+          </p:cNvPicPr>
+          <p:nvPr>
+            <p:ph idx="1"/>
+          </p:nvPr>
+        </p:nvPicPr>
+        <p:blipFill>
+          <a:blip r:embed="rId2"/>
+          <a:stretch>
+            <a:fillRect/>
+          </a:stretch>
+        </p:blipFill>
+        <p:spPr>
+          <a:xfrm>
+            <a:off x="2187388" y="2283782"/>
+            <a:ext cx="8393941" cy="4023076"/>
+          </a:xfrm>
+        </p:spPr>
+      </p:pic>
+    </p:spTree>
+    <p:extLst>
+      <p:ext uri="{BB962C8B-B14F-4D97-AF65-F5344CB8AC3E}">
+        <p14:creationId xmlns:p14="http://schemas.microsoft.com/office/powerpoint/2010/main" val="3918705222"/>
+      </p:ext>
+    </p:extLst>
+  </p:cSld>
+  <p:clrMapOvr>
+    <a:masterClrMapping/>
+  </p:clrMapOvr>
+</p:sld>
+</file>
+
+<file path=ppt/slides/slide29.xml><?xml version="1.0" encoding="utf-8"?>
+<p:sld xmlns:a="http://schemas.openxmlformats.org/drawingml/2006/main" xmlns:r="http://schemas.openxmlformats.org/officeDocument/2006/relationships" xmlns:p="http://schemas.openxmlformats.org/presentationml/2006/main" showMasterSp="0">
+  <p:cSld>
+    <p:bg>
+      <p:bgPr>
+        <a:solidFill>
+          <a:schemeClr val="tx1"/>
+        </a:solidFill>
+        <a:effectLst/>
+      </p:bgPr>
+    </p:bg>
+    <p:spTree>
+      <p:nvGrpSpPr>
+        <p:cNvPr id="1" name=""/>
+        <p:cNvGrpSpPr/>
+        <p:nvPr/>
+      </p:nvGrpSpPr>
+      <p:grpSpPr>
+        <a:xfrm>
+          <a:off x="0" y="0"/>
+          <a:ext cx="0" cy="0"/>
+          <a:chOff x="0" y="0"/>
+          <a:chExt cx="0" cy="0"/>
+        </a:xfrm>
+      </p:grpSpPr>
+      <p:sp>
+        <p:nvSpPr>
+          <p:cNvPr id="2" name="Title 1">
+            <a:extLst>
+              <a:ext uri="{FF2B5EF4-FFF2-40B4-BE49-F238E27FC236}">
+                <a16:creationId xmlns:a16="http://schemas.microsoft.com/office/drawing/2014/main" id="{F376363F-57CB-7C46-8D30-6997A8CB848E}"/>
+              </a:ext>
+            </a:extLst>
+          </p:cNvPr>
+          <p:cNvSpPr>
+            <a:spLocks noGrp="1"/>
+          </p:cNvSpPr>
+          <p:nvPr>
+            <p:ph type="title"/>
+          </p:nvPr>
+        </p:nvSpPr>
+        <p:spPr>
+          <a:xfrm>
+            <a:off x="744713" y="311775"/>
+            <a:ext cx="4049708" cy="1477328"/>
+          </a:xfrm>
+        </p:spPr>
+        <p:txBody>
+          <a:bodyPr/>
+          <a:lstStyle/>
+          <a:p>
+            <a:pPr algn="ctr"/>
+            <a:r>
+              <a:rPr lang="en-US" dirty="0">
+                <a:solidFill>
+                  <a:schemeClr val="bg1"/>
+                </a:solidFill>
+                <a:latin typeface="Times New Roman" panose="02020603050405020304" pitchFamily="18" charset="0"/>
+                <a:cs typeface="Times New Roman" panose="02020603050405020304" pitchFamily="18" charset="0"/>
+              </a:rPr>
+              <a:t>Bogota 2</a:t>
+            </a:r>
+            <a:br>
+              <a:rPr lang="en-US" dirty="0">
+                <a:solidFill>
+                  <a:schemeClr val="bg1"/>
+                </a:solidFill>
+                <a:latin typeface="Times New Roman" panose="02020603050405020304" pitchFamily="18" charset="0"/>
+                <a:cs typeface="Times New Roman" panose="02020603050405020304" pitchFamily="18" charset="0"/>
+              </a:rPr>
+            </a:br>
+            <a:r>
+              <a:rPr lang="en-US" b="1" dirty="0">
+                <a:solidFill>
+                  <a:schemeClr val="bg1"/>
+                </a:solidFill>
+                <a:latin typeface="Times New Roman" panose="02020603050405020304" pitchFamily="18" charset="0"/>
+                <a:cs typeface="Times New Roman" panose="02020603050405020304" pitchFamily="18" charset="0"/>
+              </a:rPr>
+              <a:t> Solution</a:t>
+            </a:r>
+            <a:br>
+              <a:rPr lang="en-US" b="1" dirty="0">
+                <a:solidFill>
+                  <a:schemeClr val="bg1"/>
+                </a:solidFill>
+                <a:latin typeface="Times New Roman" panose="02020603050405020304" pitchFamily="18" charset="0"/>
+                <a:cs typeface="Times New Roman" panose="02020603050405020304" pitchFamily="18" charset="0"/>
+              </a:rPr>
+            </a:br>
+            <a:r>
+              <a:rPr lang="en-US" b="1" dirty="0">
+                <a:solidFill>
+                  <a:schemeClr val="bg1"/>
+                </a:solidFill>
+                <a:latin typeface="Times New Roman" panose="02020603050405020304" pitchFamily="18" charset="0"/>
+                <a:cs typeface="Times New Roman" panose="02020603050405020304" pitchFamily="18" charset="0"/>
+              </a:rPr>
+              <a:t>Transparency  </a:t>
+            </a:r>
+          </a:p>
+        </p:txBody>
+      </p:sp>
+      <p:sp>
+        <p:nvSpPr>
+          <p:cNvPr id="6" name="Rectangle 5">
+            <a:extLst>
+              <a:ext uri="{FF2B5EF4-FFF2-40B4-BE49-F238E27FC236}">
+                <a16:creationId xmlns:a16="http://schemas.microsoft.com/office/drawing/2014/main" id="{B335D236-8F50-8C4C-8D59-BEC353129962}"/>
+              </a:ext>
+            </a:extLst>
+          </p:cNvPr>
+          <p:cNvSpPr/>
+          <p:nvPr/>
+        </p:nvSpPr>
+        <p:spPr>
+          <a:xfrm>
+            <a:off x="4411362" y="311776"/>
+            <a:ext cx="7035925" cy="1569660"/>
+          </a:xfrm>
+          <a:prstGeom prst="rect">
+            <a:avLst/>
+          </a:prstGeom>
+        </p:spPr>
+        <p:txBody>
+          <a:bodyPr wrap="square">
+            <a:spAutoFit/>
+          </a:bodyPr>
+          <a:lstStyle/>
+          <a:p>
+            <a:r>
+              <a:rPr lang="en-MY" sz="2800" dirty="0">
+                <a:solidFill>
+                  <a:schemeClr val="bg1"/>
+                </a:solidFill>
+                <a:latin typeface="Times New Roman" panose="02020603050405020304" pitchFamily="18" charset="0"/>
+                <a:cs typeface="Times New Roman" panose="02020603050405020304" pitchFamily="18" charset="0"/>
+              </a:rPr>
+              <a:t>Q24 - </a:t>
+            </a:r>
+            <a:r>
+              <a:rPr lang="en-MY" sz="3200" dirty="0">
+                <a:solidFill>
+                  <a:schemeClr val="tx2">
+                    <a:lumMod val="10000"/>
+                  </a:schemeClr>
+                </a:solidFill>
+                <a:latin typeface="Times New Roman" panose="02020603050405020304" pitchFamily="18" charset="0"/>
+                <a:cs typeface="Times New Roman" panose="02020603050405020304" pitchFamily="18" charset="0"/>
+              </a:rPr>
+              <a:t>In which of the following classes are you enrolled?</a:t>
+            </a:r>
+          </a:p>
+          <a:p>
+            <a:endParaRPr lang="en-MY" sz="3200" dirty="0">
+              <a:solidFill>
+                <a:schemeClr val="bg1"/>
+              </a:solidFill>
+              <a:latin typeface="Times New Roman" panose="02020603050405020304" pitchFamily="18" charset="0"/>
+              <a:cs typeface="Times New Roman" panose="02020603050405020304" pitchFamily="18" charset="0"/>
+            </a:endParaRPr>
+          </a:p>
+        </p:txBody>
+      </p:sp>
+      <p:pic>
+        <p:nvPicPr>
+          <p:cNvPr id="8" name="Content Placeholder 7" descr="Chart, bar chart&#10;&#10;Description automatically generated">
+            <a:extLst>
+              <a:ext uri="{FF2B5EF4-FFF2-40B4-BE49-F238E27FC236}">
+                <a16:creationId xmlns:a16="http://schemas.microsoft.com/office/drawing/2014/main" id="{9804F967-C4B5-FC45-80FD-D4C81315AEFB}"/>
+              </a:ext>
+            </a:extLst>
+          </p:cNvPr>
+          <p:cNvPicPr>
+            <a:picLocks noGrp="1" noChangeAspect="1"/>
+          </p:cNvPicPr>
+          <p:nvPr>
+            <p:ph idx="1"/>
+          </p:nvPr>
+        </p:nvPicPr>
+        <p:blipFill>
+          <a:blip r:embed="rId2"/>
+          <a:stretch>
+            <a:fillRect/>
+          </a:stretch>
+        </p:blipFill>
+        <p:spPr>
+          <a:xfrm>
+            <a:off x="1416423" y="1789103"/>
+            <a:ext cx="9627847" cy="4546192"/>
+          </a:xfrm>
+        </p:spPr>
+      </p:pic>
+    </p:spTree>
+    <p:extLst>
+      <p:ext uri="{BB962C8B-B14F-4D97-AF65-F5344CB8AC3E}">
+        <p14:creationId xmlns:p14="http://schemas.microsoft.com/office/powerpoint/2010/main" val="2369318655"/>
+      </p:ext>
+    </p:extLst>
+  </p:cSld>
+  <p:clrMapOvr>
+    <a:masterClrMapping/>
+  </p:clrMapOvr>
+</p:sld>
+</file>
+
 <file path=ppt/slides/slide3.xml><?xml version="1.0" encoding="utf-8"?>
 <p:sld xmlns:a="http://schemas.openxmlformats.org/drawingml/2006/main" xmlns:r="http://schemas.openxmlformats.org/officeDocument/2006/relationships" xmlns:p="http://schemas.openxmlformats.org/presentationml/2006/main" showMasterSp="0">
   <p:cSld>
@@ -10909,6 +11607,388 @@
     <p:extLst>
       <p:ext uri="{BB962C8B-B14F-4D97-AF65-F5344CB8AC3E}">
         <p14:creationId xmlns:p14="http://schemas.microsoft.com/office/powerpoint/2010/main" val="3122935008"/>
+      </p:ext>
+    </p:extLst>
+  </p:cSld>
+  <p:clrMapOvr>
+    <a:masterClrMapping/>
+  </p:clrMapOvr>
+</p:sld>
+</file>
+
+<file path=ppt/slides/slide30.xml><?xml version="1.0" encoding="utf-8"?>
+<p:sld xmlns:a="http://schemas.openxmlformats.org/drawingml/2006/main" xmlns:r="http://schemas.openxmlformats.org/officeDocument/2006/relationships" xmlns:p="http://schemas.openxmlformats.org/presentationml/2006/main" showMasterSp="0">
+  <p:cSld>
+    <p:bg>
+      <p:bgPr>
+        <a:solidFill>
+          <a:schemeClr val="tx1"/>
+        </a:solidFill>
+        <a:effectLst/>
+      </p:bgPr>
+    </p:bg>
+    <p:spTree>
+      <p:nvGrpSpPr>
+        <p:cNvPr id="1" name=""/>
+        <p:cNvGrpSpPr/>
+        <p:nvPr/>
+      </p:nvGrpSpPr>
+      <p:grpSpPr>
+        <a:xfrm>
+          <a:off x="0" y="0"/>
+          <a:ext cx="0" cy="0"/>
+          <a:chOff x="0" y="0"/>
+          <a:chExt cx="0" cy="0"/>
+        </a:xfrm>
+      </p:grpSpPr>
+      <p:sp>
+        <p:nvSpPr>
+          <p:cNvPr id="2" name="Title 1">
+            <a:extLst>
+              <a:ext uri="{FF2B5EF4-FFF2-40B4-BE49-F238E27FC236}">
+                <a16:creationId xmlns:a16="http://schemas.microsoft.com/office/drawing/2014/main" id="{3BAB5246-BF58-5E47-919A-8541967ADDDC}"/>
+              </a:ext>
+            </a:extLst>
+          </p:cNvPr>
+          <p:cNvSpPr>
+            <a:spLocks noGrp="1"/>
+          </p:cNvSpPr>
+          <p:nvPr>
+            <p:ph type="title"/>
+          </p:nvPr>
+        </p:nvSpPr>
+        <p:spPr/>
+        <p:txBody>
+          <a:bodyPr>
+            <a:normAutofit fontScale="90000"/>
+          </a:bodyPr>
+          <a:lstStyle/>
+          <a:p>
+            <a:pPr algn="ctr"/>
+            <a:r>
+              <a:rPr lang="en-US" sz="3500" b="1" dirty="0">
+                <a:solidFill>
+                  <a:schemeClr val="bg1"/>
+                </a:solidFill>
+                <a:latin typeface="Times New Roman" panose="02020603050405020304" pitchFamily="18" charset="0"/>
+                <a:cs typeface="Times New Roman" panose="02020603050405020304" pitchFamily="18" charset="0"/>
+              </a:rPr>
+              <a:t>Interpretation:</a:t>
+            </a:r>
+            <a:br>
+              <a:rPr lang="en-US" sz="3500" b="1" dirty="0">
+                <a:solidFill>
+                  <a:schemeClr val="bg1"/>
+                </a:solidFill>
+                <a:latin typeface="Times New Roman" panose="02020603050405020304" pitchFamily="18" charset="0"/>
+                <a:cs typeface="Times New Roman" panose="02020603050405020304" pitchFamily="18" charset="0"/>
+              </a:rPr>
+            </a:br>
+            <a:r>
+              <a:rPr lang="en-MY" dirty="0">
+                <a:solidFill>
+                  <a:schemeClr val="bg1"/>
+                </a:solidFill>
+                <a:latin typeface="Times New Roman" panose="02020603050405020304" pitchFamily="18" charset="0"/>
+                <a:cs typeface="Times New Roman" panose="02020603050405020304" pitchFamily="18" charset="0"/>
+              </a:rPr>
+              <a:t>Q24 - </a:t>
+            </a:r>
+            <a:r>
+              <a:rPr lang="en-MY" sz="3600" dirty="0">
+                <a:solidFill>
+                  <a:schemeClr val="tx2">
+                    <a:lumMod val="10000"/>
+                  </a:schemeClr>
+                </a:solidFill>
+                <a:latin typeface="Times New Roman" panose="02020603050405020304" pitchFamily="18" charset="0"/>
+                <a:cs typeface="Times New Roman" panose="02020603050405020304" pitchFamily="18" charset="0"/>
+              </a:rPr>
+              <a:t>In which of the following classes are you enrolled?</a:t>
+            </a:r>
+            <a:br>
+              <a:rPr lang="en-MY" sz="3600" dirty="0">
+                <a:solidFill>
+                  <a:schemeClr val="tx2">
+                    <a:lumMod val="10000"/>
+                  </a:schemeClr>
+                </a:solidFill>
+                <a:latin typeface="Times New Roman" panose="02020603050405020304" pitchFamily="18" charset="0"/>
+                <a:cs typeface="Times New Roman" panose="02020603050405020304" pitchFamily="18" charset="0"/>
+              </a:rPr>
+            </a:br>
+            <a:br>
+              <a:rPr lang="en-MY" sz="3600" dirty="0">
+                <a:solidFill>
+                  <a:schemeClr val="bg1"/>
+                </a:solidFill>
+                <a:latin typeface="Times New Roman" panose="02020603050405020304" pitchFamily="18" charset="0"/>
+                <a:cs typeface="Times New Roman" panose="02020603050405020304" pitchFamily="18" charset="0"/>
+              </a:rPr>
+            </a:br>
+            <a:br>
+              <a:rPr lang="en-MY" sz="3600" dirty="0">
+                <a:solidFill>
+                  <a:schemeClr val="bg1"/>
+                </a:solidFill>
+                <a:latin typeface="Times New Roman" panose="02020603050405020304" pitchFamily="18" charset="0"/>
+                <a:cs typeface="Times New Roman" panose="02020603050405020304" pitchFamily="18" charset="0"/>
+              </a:rPr>
+            </a:br>
+            <a:endParaRPr lang="en-US" sz="3500" dirty="0"/>
+          </a:p>
+        </p:txBody>
+      </p:sp>
+      <p:sp>
+        <p:nvSpPr>
+          <p:cNvPr id="3" name="Content Placeholder 2">
+            <a:extLst>
+              <a:ext uri="{FF2B5EF4-FFF2-40B4-BE49-F238E27FC236}">
+                <a16:creationId xmlns:a16="http://schemas.microsoft.com/office/drawing/2014/main" id="{F8C0E548-70B0-3342-BC65-46EE365E4F71}"/>
+              </a:ext>
+            </a:extLst>
+          </p:cNvPr>
+          <p:cNvSpPr>
+            <a:spLocks noGrp="1"/>
+          </p:cNvSpPr>
+          <p:nvPr>
+            <p:ph idx="1"/>
+          </p:nvPr>
+        </p:nvSpPr>
+        <p:spPr/>
+        <p:txBody>
+          <a:bodyPr>
+            <a:normAutofit/>
+          </a:bodyPr>
+          <a:lstStyle/>
+          <a:p>
+            <a:pPr marL="0" indent="0" algn="ctr">
+              <a:buNone/>
+            </a:pPr>
+            <a:r>
+              <a:rPr lang="en-US" sz="3000" dirty="0">
+                <a:solidFill>
+                  <a:schemeClr val="bg1"/>
+                </a:solidFill>
+                <a:latin typeface="Times New Roman" panose="02020603050405020304" pitchFamily="18" charset="0"/>
+                <a:cs typeface="Times New Roman" panose="02020603050405020304" pitchFamily="18" charset="0"/>
+              </a:rPr>
+              <a:t>In all of the 4 groups, participants come from all 4 software engineering classes. </a:t>
+            </a:r>
+            <a:endParaRPr lang="en-US" sz="3000" dirty="0"/>
+          </a:p>
+        </p:txBody>
+      </p:sp>
+    </p:spTree>
+    <p:extLst>
+      <p:ext uri="{BB962C8B-B14F-4D97-AF65-F5344CB8AC3E}">
+        <p14:creationId xmlns:p14="http://schemas.microsoft.com/office/powerpoint/2010/main" val="3515139871"/>
+      </p:ext>
+    </p:extLst>
+  </p:cSld>
+  <p:clrMapOvr>
+    <a:masterClrMapping/>
+  </p:clrMapOvr>
+</p:sld>
+</file>
+
+<file path=ppt/slides/slide31.xml><?xml version="1.0" encoding="utf-8"?>
+<p:sld xmlns:a="http://schemas.openxmlformats.org/drawingml/2006/main" xmlns:r="http://schemas.openxmlformats.org/officeDocument/2006/relationships" xmlns:p="http://schemas.openxmlformats.org/presentationml/2006/main" showMasterSp="0">
+  <p:cSld>
+    <p:bg>
+      <p:bgPr>
+        <a:solidFill>
+          <a:schemeClr val="tx1"/>
+        </a:solidFill>
+        <a:effectLst/>
+      </p:bgPr>
+    </p:bg>
+    <p:spTree>
+      <p:nvGrpSpPr>
+        <p:cNvPr id="1" name=""/>
+        <p:cNvGrpSpPr/>
+        <p:nvPr/>
+      </p:nvGrpSpPr>
+      <p:grpSpPr>
+        <a:xfrm>
+          <a:off x="0" y="0"/>
+          <a:ext cx="0" cy="0"/>
+          <a:chOff x="0" y="0"/>
+          <a:chExt cx="0" cy="0"/>
+        </a:xfrm>
+      </p:grpSpPr>
+      <p:sp>
+        <p:nvSpPr>
+          <p:cNvPr id="2" name="Title 1">
+            <a:extLst>
+              <a:ext uri="{FF2B5EF4-FFF2-40B4-BE49-F238E27FC236}">
+                <a16:creationId xmlns:a16="http://schemas.microsoft.com/office/drawing/2014/main" id="{F376363F-57CB-7C46-8D30-6997A8CB848E}"/>
+              </a:ext>
+            </a:extLst>
+          </p:cNvPr>
+          <p:cNvSpPr>
+            <a:spLocks noGrp="1"/>
+          </p:cNvSpPr>
+          <p:nvPr>
+            <p:ph type="title"/>
+          </p:nvPr>
+        </p:nvSpPr>
+        <p:spPr>
+          <a:xfrm>
+            <a:off x="744713" y="311775"/>
+            <a:ext cx="4049708" cy="1477328"/>
+          </a:xfrm>
+        </p:spPr>
+        <p:txBody>
+          <a:bodyPr/>
+          <a:lstStyle/>
+          <a:p>
+            <a:pPr algn="ctr"/>
+            <a:r>
+              <a:rPr lang="en-US" dirty="0">
+                <a:solidFill>
+                  <a:schemeClr val="bg1"/>
+                </a:solidFill>
+                <a:latin typeface="Times New Roman" panose="02020603050405020304" pitchFamily="18" charset="0"/>
+                <a:cs typeface="Times New Roman" panose="02020603050405020304" pitchFamily="18" charset="0"/>
+              </a:rPr>
+              <a:t>Bogota 3</a:t>
+            </a:r>
+            <a:br>
+              <a:rPr lang="en-US" dirty="0">
+                <a:solidFill>
+                  <a:schemeClr val="bg1"/>
+                </a:solidFill>
+                <a:latin typeface="Times New Roman" panose="02020603050405020304" pitchFamily="18" charset="0"/>
+                <a:cs typeface="Times New Roman" panose="02020603050405020304" pitchFamily="18" charset="0"/>
+              </a:rPr>
+            </a:br>
+            <a:r>
+              <a:rPr lang="en-US" b="1" dirty="0">
+                <a:solidFill>
+                  <a:schemeClr val="bg1"/>
+                </a:solidFill>
+                <a:latin typeface="Times New Roman" panose="02020603050405020304" pitchFamily="18" charset="0"/>
+                <a:cs typeface="Times New Roman" panose="02020603050405020304" pitchFamily="18" charset="0"/>
+              </a:rPr>
+              <a:t> Full</a:t>
+            </a:r>
+            <a:br>
+              <a:rPr lang="en-US" b="1" dirty="0">
+                <a:solidFill>
+                  <a:schemeClr val="bg1"/>
+                </a:solidFill>
+                <a:latin typeface="Times New Roman" panose="02020603050405020304" pitchFamily="18" charset="0"/>
+                <a:cs typeface="Times New Roman" panose="02020603050405020304" pitchFamily="18" charset="0"/>
+              </a:rPr>
+            </a:br>
+            <a:r>
+              <a:rPr lang="en-US" b="1" dirty="0">
+                <a:solidFill>
+                  <a:schemeClr val="bg1"/>
+                </a:solidFill>
+                <a:latin typeface="Times New Roman" panose="02020603050405020304" pitchFamily="18" charset="0"/>
+                <a:cs typeface="Times New Roman" panose="02020603050405020304" pitchFamily="18" charset="0"/>
+              </a:rPr>
+              <a:t>Transparency  </a:t>
+            </a:r>
+          </a:p>
+        </p:txBody>
+      </p:sp>
+      <p:sp>
+        <p:nvSpPr>
+          <p:cNvPr id="6" name="Rectangle 5">
+            <a:extLst>
+              <a:ext uri="{FF2B5EF4-FFF2-40B4-BE49-F238E27FC236}">
+                <a16:creationId xmlns:a16="http://schemas.microsoft.com/office/drawing/2014/main" id="{B335D236-8F50-8C4C-8D59-BEC353129962}"/>
+              </a:ext>
+            </a:extLst>
+          </p:cNvPr>
+          <p:cNvSpPr/>
+          <p:nvPr/>
+        </p:nvSpPr>
+        <p:spPr>
+          <a:xfrm>
+            <a:off x="4411362" y="311776"/>
+            <a:ext cx="7035925" cy="1569660"/>
+          </a:xfrm>
+          <a:prstGeom prst="rect">
+            <a:avLst/>
+          </a:prstGeom>
+        </p:spPr>
+        <p:txBody>
+          <a:bodyPr wrap="square">
+            <a:spAutoFit/>
+          </a:bodyPr>
+          <a:lstStyle/>
+          <a:p>
+            <a:r>
+              <a:rPr lang="en-MY" sz="2800" dirty="0">
+                <a:solidFill>
+                  <a:schemeClr val="bg1"/>
+                </a:solidFill>
+                <a:latin typeface="Times New Roman" panose="02020603050405020304" pitchFamily="18" charset="0"/>
+                <a:cs typeface="Times New Roman" panose="02020603050405020304" pitchFamily="18" charset="0"/>
+              </a:rPr>
+              <a:t>Q24 - </a:t>
+            </a:r>
+            <a:r>
+              <a:rPr lang="en-MY" sz="3200" dirty="0">
+                <a:solidFill>
+                  <a:schemeClr val="tx2">
+                    <a:lumMod val="10000"/>
+                  </a:schemeClr>
+                </a:solidFill>
+                <a:latin typeface="Times New Roman" panose="02020603050405020304" pitchFamily="18" charset="0"/>
+                <a:cs typeface="Times New Roman" panose="02020603050405020304" pitchFamily="18" charset="0"/>
+              </a:rPr>
+              <a:t>In which of the following classes are you enrolled?</a:t>
+            </a:r>
+          </a:p>
+          <a:p>
+            <a:endParaRPr lang="en-MY" sz="3200" dirty="0">
+              <a:solidFill>
+                <a:schemeClr val="bg1"/>
+              </a:solidFill>
+              <a:latin typeface="Times New Roman" panose="02020603050405020304" pitchFamily="18" charset="0"/>
+              <a:cs typeface="Times New Roman" panose="02020603050405020304" pitchFamily="18" charset="0"/>
+            </a:endParaRPr>
+          </a:p>
+        </p:txBody>
+      </p:sp>
+      <p:pic>
+        <p:nvPicPr>
+          <p:cNvPr id="8" name="Content Placeholder 7" descr="Chart, bar chart&#10;&#10;Description automatically generated">
+            <a:extLst>
+              <a:ext uri="{FF2B5EF4-FFF2-40B4-BE49-F238E27FC236}">
+                <a16:creationId xmlns:a16="http://schemas.microsoft.com/office/drawing/2014/main" id="{223E7D7C-FB38-8F4A-98D7-D85C383E1831}"/>
+              </a:ext>
+            </a:extLst>
+          </p:cNvPr>
+          <p:cNvPicPr>
+            <a:picLocks noGrp="1" noChangeAspect="1"/>
+          </p:cNvPicPr>
+          <p:nvPr>
+            <p:ph idx="1"/>
+          </p:nvPr>
+        </p:nvPicPr>
+        <p:blipFill>
+          <a:blip r:embed="rId3"/>
+          <a:stretch>
+            <a:fillRect/>
+          </a:stretch>
+        </p:blipFill>
+        <p:spPr>
+          <a:xfrm>
+            <a:off x="1197109" y="1881436"/>
+            <a:ext cx="9797781" cy="4690194"/>
+          </a:xfrm>
+        </p:spPr>
+      </p:pic>
+    </p:spTree>
+    <p:extLst>
+      <p:ext uri="{BB962C8B-B14F-4D97-AF65-F5344CB8AC3E}">
+        <p14:creationId xmlns:p14="http://schemas.microsoft.com/office/powerpoint/2010/main" val="2416188358"/>
       </p:ext>
     </p:extLst>
   </p:cSld>

--- a/surveys/survey_analysis_and_pca_theory.pptx
+++ b/surveys/survey_analysis_and_pca_theory.pptx
@@ -5,40 +5,45 @@
     <p:sldMasterId id="2147483753" r:id="rId1"/>
   </p:sldMasterIdLst>
   <p:notesMasterIdLst>
-    <p:notesMasterId r:id="rId33"/>
+    <p:notesMasterId r:id="rId38"/>
   </p:notesMasterIdLst>
   <p:sldIdLst>
     <p:sldId id="256" r:id="rId2"/>
     <p:sldId id="259" r:id="rId3"/>
-    <p:sldId id="274" r:id="rId4"/>
-    <p:sldId id="276" r:id="rId5"/>
-    <p:sldId id="277" r:id="rId6"/>
-    <p:sldId id="278" r:id="rId7"/>
-    <p:sldId id="279" r:id="rId8"/>
-    <p:sldId id="280" r:id="rId9"/>
-    <p:sldId id="281" r:id="rId10"/>
-    <p:sldId id="282" r:id="rId11"/>
-    <p:sldId id="284" r:id="rId12"/>
-    <p:sldId id="275" r:id="rId13"/>
-    <p:sldId id="260" r:id="rId14"/>
-    <p:sldId id="261" r:id="rId15"/>
-    <p:sldId id="262" r:id="rId16"/>
-    <p:sldId id="264" r:id="rId17"/>
-    <p:sldId id="265" r:id="rId18"/>
-    <p:sldId id="266" r:id="rId19"/>
-    <p:sldId id="267" r:id="rId20"/>
-    <p:sldId id="268" r:id="rId21"/>
-    <p:sldId id="263" r:id="rId22"/>
-    <p:sldId id="269" r:id="rId23"/>
-    <p:sldId id="270" r:id="rId24"/>
-    <p:sldId id="271" r:id="rId25"/>
-    <p:sldId id="272" r:id="rId26"/>
-    <p:sldId id="273" r:id="rId27"/>
-    <p:sldId id="285" r:id="rId28"/>
-    <p:sldId id="286" r:id="rId29"/>
-    <p:sldId id="287" r:id="rId30"/>
-    <p:sldId id="289" r:id="rId31"/>
+    <p:sldId id="290" r:id="rId4"/>
+    <p:sldId id="274" r:id="rId5"/>
+    <p:sldId id="276" r:id="rId6"/>
+    <p:sldId id="277" r:id="rId7"/>
+    <p:sldId id="278" r:id="rId8"/>
+    <p:sldId id="279" r:id="rId9"/>
+    <p:sldId id="280" r:id="rId10"/>
+    <p:sldId id="281" r:id="rId11"/>
+    <p:sldId id="282" r:id="rId12"/>
+    <p:sldId id="284" r:id="rId13"/>
+    <p:sldId id="275" r:id="rId14"/>
+    <p:sldId id="260" r:id="rId15"/>
+    <p:sldId id="261" r:id="rId16"/>
+    <p:sldId id="262" r:id="rId17"/>
+    <p:sldId id="264" r:id="rId18"/>
+    <p:sldId id="265" r:id="rId19"/>
+    <p:sldId id="266" r:id="rId20"/>
+    <p:sldId id="267" r:id="rId21"/>
+    <p:sldId id="268" r:id="rId22"/>
+    <p:sldId id="263" r:id="rId23"/>
+    <p:sldId id="269" r:id="rId24"/>
+    <p:sldId id="270" r:id="rId25"/>
+    <p:sldId id="271" r:id="rId26"/>
+    <p:sldId id="272" r:id="rId27"/>
+    <p:sldId id="273" r:id="rId28"/>
+    <p:sldId id="285" r:id="rId29"/>
+    <p:sldId id="286" r:id="rId30"/>
+    <p:sldId id="287" r:id="rId31"/>
     <p:sldId id="288" r:id="rId32"/>
+    <p:sldId id="289" r:id="rId33"/>
+    <p:sldId id="291" r:id="rId34"/>
+    <p:sldId id="293" r:id="rId35"/>
+    <p:sldId id="292" r:id="rId36"/>
+    <p:sldId id="294" r:id="rId37"/>
   </p:sldIdLst>
   <p:sldSz cx="12192000" cy="6858000"/>
   <p:notesSz cx="6858000" cy="9144000"/>
@@ -734,7 +739,7 @@
           <a:p>
             <a:fld id="{337C1EA3-F53F-1B47-B656-7229C750B466}" type="slidenum">
               <a:rPr lang="en-US" smtClean="0"/>
-              <a:t>4</a:t>
+              <a:t>5</a:t>
             </a:fld>
             <a:endParaRPr lang="en-US"/>
           </a:p>
@@ -744,6 +749,342 @@
     <p:extLst>
       <p:ext uri="{BB962C8B-B14F-4D97-AF65-F5344CB8AC3E}">
         <p14:creationId xmlns:p14="http://schemas.microsoft.com/office/powerpoint/2010/main" val="4118900452"/>
+      </p:ext>
+    </p:extLst>
+  </p:cSld>
+  <p:clrMapOvr>
+    <a:masterClrMapping/>
+  </p:clrMapOvr>
+</p:notes>
+</file>
+
+<file path=ppt/notesSlides/notesSlide10.xml><?xml version="1.0" encoding="utf-8"?>
+<p:notes xmlns:a="http://schemas.openxmlformats.org/drawingml/2006/main" xmlns:r="http://schemas.openxmlformats.org/officeDocument/2006/relationships" xmlns:p="http://schemas.openxmlformats.org/presentationml/2006/main">
+  <p:cSld>
+    <p:spTree>
+      <p:nvGrpSpPr>
+        <p:cNvPr id="1" name=""/>
+        <p:cNvGrpSpPr/>
+        <p:nvPr/>
+      </p:nvGrpSpPr>
+      <p:grpSpPr>
+        <a:xfrm>
+          <a:off x="0" y="0"/>
+          <a:ext cx="0" cy="0"/>
+          <a:chOff x="0" y="0"/>
+          <a:chExt cx="0" cy="0"/>
+        </a:xfrm>
+      </p:grpSpPr>
+      <p:sp>
+        <p:nvSpPr>
+          <p:cNvPr id="2" name="Slide Image Placeholder 1"/>
+          <p:cNvSpPr>
+            <a:spLocks noGrp="1" noRot="1" noChangeAspect="1"/>
+          </p:cNvSpPr>
+          <p:nvPr>
+            <p:ph type="sldImg"/>
+          </p:nvPr>
+        </p:nvSpPr>
+        <p:spPr/>
+      </p:sp>
+      <p:sp>
+        <p:nvSpPr>
+          <p:cNvPr id="3" name="Notes Placeholder 2"/>
+          <p:cNvSpPr>
+            <a:spLocks noGrp="1"/>
+          </p:cNvSpPr>
+          <p:nvPr>
+            <p:ph type="body" idx="1"/>
+          </p:nvPr>
+        </p:nvSpPr>
+        <p:spPr/>
+        <p:txBody>
+          <a:bodyPr/>
+          <a:lstStyle/>
+          <a:p>
+            <a:endParaRPr lang="en-US" dirty="0"/>
+          </a:p>
+        </p:txBody>
+      </p:sp>
+      <p:sp>
+        <p:nvSpPr>
+          <p:cNvPr id="4" name="Slide Number Placeholder 3"/>
+          <p:cNvSpPr>
+            <a:spLocks noGrp="1"/>
+          </p:cNvSpPr>
+          <p:nvPr>
+            <p:ph type="sldNum" sz="quarter" idx="5"/>
+          </p:nvPr>
+        </p:nvSpPr>
+        <p:spPr/>
+        <p:txBody>
+          <a:bodyPr/>
+          <a:lstStyle/>
+          <a:p>
+            <a:fld id="{337C1EA3-F53F-1B47-B656-7229C750B466}" type="slidenum">
+              <a:rPr lang="en-US" smtClean="0"/>
+              <a:t>33</a:t>
+            </a:fld>
+            <a:endParaRPr lang="en-US"/>
+          </a:p>
+        </p:txBody>
+      </p:sp>
+    </p:spTree>
+    <p:extLst>
+      <p:ext uri="{BB962C8B-B14F-4D97-AF65-F5344CB8AC3E}">
+        <p14:creationId xmlns:p14="http://schemas.microsoft.com/office/powerpoint/2010/main" val="4217611581"/>
+      </p:ext>
+    </p:extLst>
+  </p:cSld>
+  <p:clrMapOvr>
+    <a:masterClrMapping/>
+  </p:clrMapOvr>
+</p:notes>
+</file>
+
+<file path=ppt/notesSlides/notesSlide11.xml><?xml version="1.0" encoding="utf-8"?>
+<p:notes xmlns:a="http://schemas.openxmlformats.org/drawingml/2006/main" xmlns:r="http://schemas.openxmlformats.org/officeDocument/2006/relationships" xmlns:p="http://schemas.openxmlformats.org/presentationml/2006/main">
+  <p:cSld>
+    <p:spTree>
+      <p:nvGrpSpPr>
+        <p:cNvPr id="1" name=""/>
+        <p:cNvGrpSpPr/>
+        <p:nvPr/>
+      </p:nvGrpSpPr>
+      <p:grpSpPr>
+        <a:xfrm>
+          <a:off x="0" y="0"/>
+          <a:ext cx="0" cy="0"/>
+          <a:chOff x="0" y="0"/>
+          <a:chExt cx="0" cy="0"/>
+        </a:xfrm>
+      </p:grpSpPr>
+      <p:sp>
+        <p:nvSpPr>
+          <p:cNvPr id="2" name="Slide Image Placeholder 1"/>
+          <p:cNvSpPr>
+            <a:spLocks noGrp="1" noRot="1" noChangeAspect="1"/>
+          </p:cNvSpPr>
+          <p:nvPr>
+            <p:ph type="sldImg"/>
+          </p:nvPr>
+        </p:nvSpPr>
+        <p:spPr/>
+      </p:sp>
+      <p:sp>
+        <p:nvSpPr>
+          <p:cNvPr id="3" name="Notes Placeholder 2"/>
+          <p:cNvSpPr>
+            <a:spLocks noGrp="1"/>
+          </p:cNvSpPr>
+          <p:nvPr>
+            <p:ph type="body" idx="1"/>
+          </p:nvPr>
+        </p:nvSpPr>
+        <p:spPr/>
+        <p:txBody>
+          <a:bodyPr/>
+          <a:lstStyle/>
+          <a:p>
+            <a:endParaRPr lang="en-US" dirty="0"/>
+          </a:p>
+        </p:txBody>
+      </p:sp>
+      <p:sp>
+        <p:nvSpPr>
+          <p:cNvPr id="4" name="Slide Number Placeholder 3"/>
+          <p:cNvSpPr>
+            <a:spLocks noGrp="1"/>
+          </p:cNvSpPr>
+          <p:nvPr>
+            <p:ph type="sldNum" sz="quarter" idx="5"/>
+          </p:nvPr>
+        </p:nvSpPr>
+        <p:spPr/>
+        <p:txBody>
+          <a:bodyPr/>
+          <a:lstStyle/>
+          <a:p>
+            <a:fld id="{337C1EA3-F53F-1B47-B656-7229C750B466}" type="slidenum">
+              <a:rPr lang="en-US" smtClean="0"/>
+              <a:t>34</a:t>
+            </a:fld>
+            <a:endParaRPr lang="en-US"/>
+          </a:p>
+        </p:txBody>
+      </p:sp>
+    </p:spTree>
+    <p:extLst>
+      <p:ext uri="{BB962C8B-B14F-4D97-AF65-F5344CB8AC3E}">
+        <p14:creationId xmlns:p14="http://schemas.microsoft.com/office/powerpoint/2010/main" val="1629968358"/>
+      </p:ext>
+    </p:extLst>
+  </p:cSld>
+  <p:clrMapOvr>
+    <a:masterClrMapping/>
+  </p:clrMapOvr>
+</p:notes>
+</file>
+
+<file path=ppt/notesSlides/notesSlide12.xml><?xml version="1.0" encoding="utf-8"?>
+<p:notes xmlns:a="http://schemas.openxmlformats.org/drawingml/2006/main" xmlns:r="http://schemas.openxmlformats.org/officeDocument/2006/relationships" xmlns:p="http://schemas.openxmlformats.org/presentationml/2006/main">
+  <p:cSld>
+    <p:spTree>
+      <p:nvGrpSpPr>
+        <p:cNvPr id="1" name=""/>
+        <p:cNvGrpSpPr/>
+        <p:nvPr/>
+      </p:nvGrpSpPr>
+      <p:grpSpPr>
+        <a:xfrm>
+          <a:off x="0" y="0"/>
+          <a:ext cx="0" cy="0"/>
+          <a:chOff x="0" y="0"/>
+          <a:chExt cx="0" cy="0"/>
+        </a:xfrm>
+      </p:grpSpPr>
+      <p:sp>
+        <p:nvSpPr>
+          <p:cNvPr id="2" name="Slide Image Placeholder 1"/>
+          <p:cNvSpPr>
+            <a:spLocks noGrp="1" noRot="1" noChangeAspect="1"/>
+          </p:cNvSpPr>
+          <p:nvPr>
+            <p:ph type="sldImg"/>
+          </p:nvPr>
+        </p:nvSpPr>
+        <p:spPr/>
+      </p:sp>
+      <p:sp>
+        <p:nvSpPr>
+          <p:cNvPr id="3" name="Notes Placeholder 2"/>
+          <p:cNvSpPr>
+            <a:spLocks noGrp="1"/>
+          </p:cNvSpPr>
+          <p:nvPr>
+            <p:ph type="body" idx="1"/>
+          </p:nvPr>
+        </p:nvSpPr>
+        <p:spPr/>
+        <p:txBody>
+          <a:bodyPr/>
+          <a:lstStyle/>
+          <a:p>
+            <a:endParaRPr lang="en-US" dirty="0"/>
+          </a:p>
+        </p:txBody>
+      </p:sp>
+      <p:sp>
+        <p:nvSpPr>
+          <p:cNvPr id="4" name="Slide Number Placeholder 3"/>
+          <p:cNvSpPr>
+            <a:spLocks noGrp="1"/>
+          </p:cNvSpPr>
+          <p:nvPr>
+            <p:ph type="sldNum" sz="quarter" idx="5"/>
+          </p:nvPr>
+        </p:nvSpPr>
+        <p:spPr/>
+        <p:txBody>
+          <a:bodyPr/>
+          <a:lstStyle/>
+          <a:p>
+            <a:fld id="{337C1EA3-F53F-1B47-B656-7229C750B466}" type="slidenum">
+              <a:rPr lang="en-US" smtClean="0"/>
+              <a:t>35</a:t>
+            </a:fld>
+            <a:endParaRPr lang="en-US"/>
+          </a:p>
+        </p:txBody>
+      </p:sp>
+    </p:spTree>
+    <p:extLst>
+      <p:ext uri="{BB962C8B-B14F-4D97-AF65-F5344CB8AC3E}">
+        <p14:creationId xmlns:p14="http://schemas.microsoft.com/office/powerpoint/2010/main" val="3547986328"/>
+      </p:ext>
+    </p:extLst>
+  </p:cSld>
+  <p:clrMapOvr>
+    <a:masterClrMapping/>
+  </p:clrMapOvr>
+</p:notes>
+</file>
+
+<file path=ppt/notesSlides/notesSlide13.xml><?xml version="1.0" encoding="utf-8"?>
+<p:notes xmlns:a="http://schemas.openxmlformats.org/drawingml/2006/main" xmlns:r="http://schemas.openxmlformats.org/officeDocument/2006/relationships" xmlns:p="http://schemas.openxmlformats.org/presentationml/2006/main">
+  <p:cSld>
+    <p:spTree>
+      <p:nvGrpSpPr>
+        <p:cNvPr id="1" name=""/>
+        <p:cNvGrpSpPr/>
+        <p:nvPr/>
+      </p:nvGrpSpPr>
+      <p:grpSpPr>
+        <a:xfrm>
+          <a:off x="0" y="0"/>
+          <a:ext cx="0" cy="0"/>
+          <a:chOff x="0" y="0"/>
+          <a:chExt cx="0" cy="0"/>
+        </a:xfrm>
+      </p:grpSpPr>
+      <p:sp>
+        <p:nvSpPr>
+          <p:cNvPr id="2" name="Slide Image Placeholder 1"/>
+          <p:cNvSpPr>
+            <a:spLocks noGrp="1" noRot="1" noChangeAspect="1"/>
+          </p:cNvSpPr>
+          <p:nvPr>
+            <p:ph type="sldImg"/>
+          </p:nvPr>
+        </p:nvSpPr>
+        <p:spPr/>
+      </p:sp>
+      <p:sp>
+        <p:nvSpPr>
+          <p:cNvPr id="3" name="Notes Placeholder 2"/>
+          <p:cNvSpPr>
+            <a:spLocks noGrp="1"/>
+          </p:cNvSpPr>
+          <p:nvPr>
+            <p:ph type="body" idx="1"/>
+          </p:nvPr>
+        </p:nvSpPr>
+        <p:spPr/>
+        <p:txBody>
+          <a:bodyPr/>
+          <a:lstStyle/>
+          <a:p>
+            <a:endParaRPr lang="en-US" dirty="0"/>
+          </a:p>
+        </p:txBody>
+      </p:sp>
+      <p:sp>
+        <p:nvSpPr>
+          <p:cNvPr id="4" name="Slide Number Placeholder 3"/>
+          <p:cNvSpPr>
+            <a:spLocks noGrp="1"/>
+          </p:cNvSpPr>
+          <p:nvPr>
+            <p:ph type="sldNum" sz="quarter" idx="5"/>
+          </p:nvPr>
+        </p:nvSpPr>
+        <p:spPr/>
+        <p:txBody>
+          <a:bodyPr/>
+          <a:lstStyle/>
+          <a:p>
+            <a:fld id="{337C1EA3-F53F-1B47-B656-7229C750B466}" type="slidenum">
+              <a:rPr lang="en-US" smtClean="0"/>
+              <a:t>36</a:t>
+            </a:fld>
+            <a:endParaRPr lang="en-US"/>
+          </a:p>
+        </p:txBody>
+      </p:sp>
+    </p:spTree>
+    <p:extLst>
+      <p:ext uri="{BB962C8B-B14F-4D97-AF65-F5344CB8AC3E}">
+        <p14:creationId xmlns:p14="http://schemas.microsoft.com/office/powerpoint/2010/main" val="148288258"/>
       </p:ext>
     </p:extLst>
   </p:cSld>
@@ -1245,7 +1586,7 @@
           <a:p>
             <a:fld id="{337C1EA3-F53F-1B47-B656-7229C750B466}" type="slidenum">
               <a:rPr lang="en-US" smtClean="0"/>
-              <a:t>5</a:t>
+              <a:t>6</a:t>
             </a:fld>
             <a:endParaRPr lang="en-US"/>
           </a:p>
@@ -1768,7 +2109,7 @@
           <a:p>
             <a:fld id="{337C1EA3-F53F-1B47-B656-7229C750B466}" type="slidenum">
               <a:rPr lang="en-US" smtClean="0"/>
-              <a:t>6</a:t>
+              <a:t>7</a:t>
             </a:fld>
             <a:endParaRPr lang="en-US"/>
           </a:p>
@@ -2291,7 +2632,7 @@
           <a:p>
             <a:fld id="{337C1EA3-F53F-1B47-B656-7229C750B466}" type="slidenum">
               <a:rPr lang="en-US" smtClean="0"/>
-              <a:t>7</a:t>
+              <a:t>8</a:t>
             </a:fld>
             <a:endParaRPr lang="en-US"/>
           </a:p>
@@ -2814,7 +3155,7 @@
           <a:p>
             <a:fld id="{337C1EA3-F53F-1B47-B656-7229C750B466}" type="slidenum">
               <a:rPr lang="en-US" smtClean="0"/>
-              <a:t>8</a:t>
+              <a:t>9</a:t>
             </a:fld>
             <a:endParaRPr lang="en-US"/>
           </a:p>
@@ -2970,7 +3311,7 @@
           <a:p>
             <a:fld id="{337C1EA3-F53F-1B47-B656-7229C750B466}" type="slidenum">
               <a:rPr lang="en-US" smtClean="0"/>
-              <a:t>9</a:t>
+              <a:t>10</a:t>
             </a:fld>
             <a:endParaRPr lang="en-US"/>
           </a:p>
@@ -3126,7 +3467,7 @@
           <a:p>
             <a:fld id="{337C1EA3-F53F-1B47-B656-7229C750B466}" type="slidenum">
               <a:rPr lang="en-US" smtClean="0"/>
-              <a:t>10</a:t>
+              <a:t>11</a:t>
             </a:fld>
             <a:endParaRPr lang="en-US"/>
           </a:p>
@@ -3282,7 +3623,7 @@
           <a:p>
             <a:fld id="{337C1EA3-F53F-1B47-B656-7229C750B466}" type="slidenum">
               <a:rPr lang="en-US" smtClean="0"/>
-              <a:t>11</a:t>
+              <a:t>12</a:t>
             </a:fld>
             <a:endParaRPr lang="en-US"/>
           </a:p>
@@ -7519,7 +7860,7 @@
         <p:spPr>
           <a:xfrm>
             <a:off x="720000" y="364799"/>
-            <a:ext cx="10728325" cy="3539430"/>
+            <a:ext cx="10728325" cy="3847207"/>
           </a:xfrm>
           <a:prstGeom prst="rect">
             <a:avLst/>
@@ -7531,143 +7872,50 @@
           </a:bodyPr>
           <a:lstStyle/>
           <a:p>
+            <a:pPr algn="ctr"/>
+            <a:r>
+              <a:rPr lang="en-MY" sz="3000" dirty="0">
+                <a:solidFill>
+                  <a:schemeClr val="bg1"/>
+                </a:solidFill>
+              </a:rPr>
+              <a:t>To decide which eigenvector(s) we want to drop for our lower-dimensional subspace, we have to take a look at the corresponding eigenvalues of the eigenvectors. Roughly speaking, the eigenvectors with the lowest eigenvalues bear the least information about the distribution of the data. </a:t>
+            </a:r>
+          </a:p>
+          <a:p>
+            <a:pPr algn="ctr"/>
+            <a:endParaRPr lang="en-MY" sz="3000" dirty="0">
+              <a:solidFill>
+                <a:schemeClr val="bg1"/>
+              </a:solidFill>
+            </a:endParaRPr>
+          </a:p>
+          <a:p>
+            <a:pPr algn="ctr"/>
             <a:r>
               <a:rPr lang="en-MY" sz="3200" dirty="0">
                 <a:solidFill>
-                  <a:schemeClr val="bg1">
-                    <a:lumMod val="95000"/>
-                    <a:lumOff val="5000"/>
-                  </a:schemeClr>
-                </a:solidFill>
-                <a:latin typeface="Times New Roman" panose="02020603050405020304" pitchFamily="18" charset="0"/>
-                <a:cs typeface="Times New Roman" panose="02020603050405020304" pitchFamily="18" charset="0"/>
-              </a:rPr>
-              <a:t>For our simple example, where we are reducing a 3-dimensional feature space to a 2-dimensional feature subspace, we are combining the two eigenvectors with the highest eigenvalues to construct our </a:t>
-            </a:r>
-            <a:r>
-              <a:rPr lang="en-MY" sz="3200" i="1" dirty="0" err="1">
-                <a:solidFill>
-                  <a:schemeClr val="bg1">
-                    <a:lumMod val="95000"/>
-                    <a:lumOff val="5000"/>
-                  </a:schemeClr>
-                </a:solidFill>
-                <a:latin typeface="Times New Roman" panose="02020603050405020304" pitchFamily="18" charset="0"/>
-                <a:cs typeface="Times New Roman" panose="02020603050405020304" pitchFamily="18" charset="0"/>
-              </a:rPr>
-              <a:t>d×k</a:t>
-            </a:r>
-            <a:r>
-              <a:rPr lang="en-MY" sz="3200" i="1" dirty="0">
-                <a:solidFill>
-                  <a:schemeClr val="bg1">
-                    <a:lumMod val="95000"/>
-                    <a:lumOff val="5000"/>
-                  </a:schemeClr>
-                </a:solidFill>
-                <a:latin typeface="Times New Roman" panose="02020603050405020304" pitchFamily="18" charset="0"/>
-                <a:cs typeface="Times New Roman" panose="02020603050405020304" pitchFamily="18" charset="0"/>
-              </a:rPr>
-              <a:t> </a:t>
-            </a:r>
-            <a:r>
-              <a:rPr lang="en-MY" sz="3200" dirty="0">
-                <a:solidFill>
-                  <a:schemeClr val="bg1">
-                    <a:lumMod val="95000"/>
-                    <a:lumOff val="5000"/>
-                  </a:schemeClr>
-                </a:solidFill>
-                <a:latin typeface="Times New Roman" panose="02020603050405020304" pitchFamily="18" charset="0"/>
-                <a:cs typeface="Times New Roman" panose="02020603050405020304" pitchFamily="18" charset="0"/>
-              </a:rPr>
-              <a:t>dimensional eigenvector matrix </a:t>
-            </a:r>
-            <a:r>
-              <a:rPr lang="en-MY" sz="3200" b="1" dirty="0">
-                <a:solidFill>
-                  <a:schemeClr val="bg1">
-                    <a:lumMod val="95000"/>
-                    <a:lumOff val="5000"/>
-                  </a:schemeClr>
-                </a:solidFill>
-                <a:latin typeface="Times New Roman" panose="02020603050405020304" pitchFamily="18" charset="0"/>
-                <a:cs typeface="Times New Roman" panose="02020603050405020304" pitchFamily="18" charset="0"/>
-              </a:rPr>
-              <a:t>W.</a:t>
-            </a:r>
-            <a:endParaRPr lang="en-MY" sz="3200" dirty="0">
-              <a:solidFill>
-                <a:schemeClr val="bg1">
-                  <a:lumMod val="95000"/>
-                  <a:lumOff val="5000"/>
-                </a:schemeClr>
-              </a:solidFill>
-              <a:latin typeface="Times New Roman" panose="02020603050405020304" pitchFamily="18" charset="0"/>
-              <a:cs typeface="Times New Roman" panose="02020603050405020304" pitchFamily="18" charset="0"/>
-            </a:endParaRPr>
-          </a:p>
-          <a:p>
-            <a:endParaRPr lang="en-MY" sz="3200" dirty="0">
-              <a:solidFill>
-                <a:schemeClr val="bg1">
-                  <a:lumMod val="95000"/>
-                  <a:lumOff val="5000"/>
-                </a:schemeClr>
-              </a:solidFill>
-              <a:latin typeface="Times New Roman" panose="02020603050405020304" pitchFamily="18" charset="0"/>
-              <a:cs typeface="Times New Roman" panose="02020603050405020304" pitchFamily="18" charset="0"/>
-            </a:endParaRPr>
-          </a:p>
-          <a:p>
-            <a:r>
-              <a:rPr lang="en-MY" sz="3200" dirty="0">
-                <a:solidFill>
-                  <a:schemeClr val="bg1">
-                    <a:lumMod val="95000"/>
-                    <a:lumOff val="5000"/>
-                  </a:schemeClr>
-                </a:solidFill>
-                <a:latin typeface="Times New Roman" panose="02020603050405020304" pitchFamily="18" charset="0"/>
-                <a:cs typeface="Times New Roman" panose="02020603050405020304" pitchFamily="18" charset="0"/>
-              </a:rPr>
-              <a:t>So, </a:t>
-            </a:r>
-            <a:r>
-              <a:rPr lang="en-MY" sz="3200" i="1" dirty="0">
-                <a:solidFill>
-                  <a:schemeClr val="bg1">
-                    <a:lumMod val="95000"/>
-                    <a:lumOff val="5000"/>
-                  </a:schemeClr>
-                </a:solidFill>
-                <a:latin typeface="Times New Roman" panose="02020603050405020304" pitchFamily="18" charset="0"/>
-                <a:cs typeface="Times New Roman" panose="02020603050405020304" pitchFamily="18" charset="0"/>
-              </a:rPr>
-              <a:t>eigenvectors </a:t>
-            </a:r>
-            <a:r>
-              <a:rPr lang="en-MY" sz="3200" dirty="0">
-                <a:solidFill>
-                  <a:schemeClr val="bg1">
-                    <a:lumMod val="95000"/>
-                    <a:lumOff val="5000"/>
-                  </a:schemeClr>
-                </a:solidFill>
-                <a:latin typeface="Times New Roman" panose="02020603050405020304" pitchFamily="18" charset="0"/>
-                <a:cs typeface="Times New Roman" panose="02020603050405020304" pitchFamily="18" charset="0"/>
-              </a:rPr>
-              <a:t>corresponding to two maximum eigenvalues are:</a:t>
-            </a:r>
+                  <a:schemeClr val="bg1"/>
+                </a:solidFill>
+                <a:latin typeface="Times New Roman" panose="02020603050405020304" pitchFamily="18" charset="0"/>
+                <a:cs typeface="Times New Roman" panose="02020603050405020304" pitchFamily="18" charset="0"/>
+              </a:rPr>
+              <a:t>So, after sorting the eigenvalues in decreasing order, we have </a:t>
+            </a:r>
+            <a:r>
+              <a:rPr lang="en-MY" sz="3000" dirty="0"/>
+              <a:t>drop.</a:t>
+            </a:r>
+            <a:endParaRPr lang="en-US" sz="3000" dirty="0"/>
           </a:p>
         </p:txBody>
       </p:sp>
       <p:pic>
         <p:nvPicPr>
-          <p:cNvPr id="5" name="Content Placeholder 4" descr="A picture containing table&#10;&#10;Description automatically generated">
+          <p:cNvPr id="6" name="Content Placeholder 5" descr="Text&#10;&#10;Description automatically generated with low confidence">
             <a:extLst>
               <a:ext uri="{FF2B5EF4-FFF2-40B4-BE49-F238E27FC236}">
-                <a16:creationId xmlns:a16="http://schemas.microsoft.com/office/drawing/2014/main" id="{A1A486B3-6F59-5A46-924E-B3CC39AF0083}"/>
+                <a16:creationId xmlns:a16="http://schemas.microsoft.com/office/drawing/2014/main" id="{7C107BD4-F0B7-694B-8069-500376722F6C}"/>
               </a:ext>
             </a:extLst>
           </p:cNvPr>
@@ -7686,15 +7934,15 @@
         </p:blipFill>
         <p:spPr>
           <a:xfrm>
-            <a:off x="2435577" y="3904229"/>
-            <a:ext cx="9036423" cy="2721080"/>
+            <a:off x="4609930" y="3995678"/>
+            <a:ext cx="3704181" cy="2862322"/>
           </a:xfrm>
         </p:spPr>
       </p:pic>
     </p:spTree>
     <p:extLst>
       <p:ext uri="{BB962C8B-B14F-4D97-AF65-F5344CB8AC3E}">
-        <p14:creationId xmlns:p14="http://schemas.microsoft.com/office/powerpoint/2010/main" val="1257575571"/>
+        <p14:creationId xmlns:p14="http://schemas.microsoft.com/office/powerpoint/2010/main" val="1592033450"/>
       </p:ext>
     </p:extLst>
   </p:cSld>
@@ -7744,7 +7992,7 @@
         <p:spPr>
           <a:xfrm>
             <a:off x="720000" y="364799"/>
-            <a:ext cx="10752000" cy="4939814"/>
+            <a:ext cx="10728325" cy="3539430"/>
           </a:xfrm>
           <a:prstGeom prst="rect">
             <a:avLst/>
@@ -7757,111 +8005,88 @@
           <a:lstStyle/>
           <a:p>
             <a:r>
-              <a:rPr lang="en-MY" sz="3500" b="1" dirty="0">
-                <a:solidFill>
-                  <a:schemeClr val="bg1"/>
-                </a:solidFill>
-                <a:latin typeface="Times New Roman" panose="02020603050405020304" pitchFamily="18" charset="0"/>
-                <a:cs typeface="Times New Roman" panose="02020603050405020304" pitchFamily="18" charset="0"/>
-              </a:rPr>
-              <a:t>Transform the samples onto the new subspace</a:t>
-            </a:r>
-          </a:p>
-          <a:p>
-            <a:endParaRPr lang="en-MY" sz="3500" dirty="0">
+              <a:rPr lang="en-MY" sz="3200" dirty="0">
+                <a:solidFill>
+                  <a:schemeClr val="bg1">
+                    <a:lumMod val="95000"/>
+                    <a:lumOff val="5000"/>
+                  </a:schemeClr>
+                </a:solidFill>
+                <a:latin typeface="Times New Roman" panose="02020603050405020304" pitchFamily="18" charset="0"/>
+                <a:cs typeface="Times New Roman" panose="02020603050405020304" pitchFamily="18" charset="0"/>
+              </a:rPr>
+              <a:t>For our simple example, where we are reducing a 3-dimensional feature space to a 2-dimensional feature subspace, we are combining the two eigenvectors with the highest eigenvalues to construct our </a:t>
+            </a:r>
+            <a:r>
+              <a:rPr lang="en-MY" sz="3200" i="1" dirty="0" err="1">
+                <a:solidFill>
+                  <a:schemeClr val="bg1">
+                    <a:lumMod val="95000"/>
+                    <a:lumOff val="5000"/>
+                  </a:schemeClr>
+                </a:solidFill>
+                <a:latin typeface="Times New Roman" panose="02020603050405020304" pitchFamily="18" charset="0"/>
+                <a:cs typeface="Times New Roman" panose="02020603050405020304" pitchFamily="18" charset="0"/>
+              </a:rPr>
+              <a:t>d×k</a:t>
+            </a:r>
+            <a:r>
+              <a:rPr lang="en-MY" sz="3200" i="1" dirty="0">
+                <a:solidFill>
+                  <a:schemeClr val="bg1">
+                    <a:lumMod val="95000"/>
+                    <a:lumOff val="5000"/>
+                  </a:schemeClr>
+                </a:solidFill>
+                <a:latin typeface="Times New Roman" panose="02020603050405020304" pitchFamily="18" charset="0"/>
+                <a:cs typeface="Times New Roman" panose="02020603050405020304" pitchFamily="18" charset="0"/>
+              </a:rPr>
+              <a:t> </a:t>
+            </a:r>
+            <a:r>
+              <a:rPr lang="en-MY" sz="3200" dirty="0">
+                <a:solidFill>
+                  <a:schemeClr val="bg1">
+                    <a:lumMod val="95000"/>
+                    <a:lumOff val="5000"/>
+                  </a:schemeClr>
+                </a:solidFill>
+                <a:latin typeface="Times New Roman" panose="02020603050405020304" pitchFamily="18" charset="0"/>
+                <a:cs typeface="Times New Roman" panose="02020603050405020304" pitchFamily="18" charset="0"/>
+              </a:rPr>
+              <a:t>dimensional eigenvector matrix </a:t>
+            </a:r>
+            <a:r>
+              <a:rPr lang="en-MY" sz="3200" b="1" dirty="0">
+                <a:solidFill>
+                  <a:schemeClr val="bg1">
+                    <a:lumMod val="95000"/>
+                    <a:lumOff val="5000"/>
+                  </a:schemeClr>
+                </a:solidFill>
+                <a:latin typeface="Times New Roman" panose="02020603050405020304" pitchFamily="18" charset="0"/>
+                <a:cs typeface="Times New Roman" panose="02020603050405020304" pitchFamily="18" charset="0"/>
+              </a:rPr>
+              <a:t>W.</a:t>
+            </a:r>
+            <a:endParaRPr lang="en-MY" sz="3200" dirty="0">
               <a:solidFill>
-                <a:schemeClr val="bg1"/>
+                <a:schemeClr val="bg1">
+                  <a:lumMod val="95000"/>
+                  <a:lumOff val="5000"/>
+                </a:schemeClr>
               </a:solidFill>
               <a:latin typeface="Times New Roman" panose="02020603050405020304" pitchFamily="18" charset="0"/>
               <a:cs typeface="Times New Roman" panose="02020603050405020304" pitchFamily="18" charset="0"/>
             </a:endParaRPr>
           </a:p>
           <a:p>
-            <a:r>
-              <a:rPr lang="en-MY" sz="3500" dirty="0">
-                <a:solidFill>
-                  <a:schemeClr val="bg1"/>
-                </a:solidFill>
-                <a:latin typeface="Times New Roman" panose="02020603050405020304" pitchFamily="18" charset="0"/>
-                <a:cs typeface="Times New Roman" panose="02020603050405020304" pitchFamily="18" charset="0"/>
-              </a:rPr>
-              <a:t>In the last step, we use the 3x2 dimensional matrix </a:t>
-            </a:r>
-            <a:r>
-              <a:rPr lang="en-MY" sz="3500" b="1" dirty="0">
-                <a:solidFill>
-                  <a:schemeClr val="bg1"/>
-                </a:solidFill>
-                <a:latin typeface="Times New Roman" panose="02020603050405020304" pitchFamily="18" charset="0"/>
-                <a:cs typeface="Times New Roman" panose="02020603050405020304" pitchFamily="18" charset="0"/>
-              </a:rPr>
-              <a:t>W </a:t>
-            </a:r>
-            <a:r>
-              <a:rPr lang="en-MY" sz="3500" dirty="0">
-                <a:solidFill>
-                  <a:schemeClr val="bg1"/>
-                </a:solidFill>
-                <a:latin typeface="Times New Roman" panose="02020603050405020304" pitchFamily="18" charset="0"/>
-                <a:cs typeface="Times New Roman" panose="02020603050405020304" pitchFamily="18" charset="0"/>
-              </a:rPr>
-              <a:t>that we just computed to transform our samples onto the new subspace via the equation </a:t>
-            </a:r>
-            <a:r>
-              <a:rPr lang="en-MY" sz="3500" b="1" dirty="0">
-                <a:solidFill>
-                  <a:schemeClr val="bg1"/>
-                </a:solidFill>
-                <a:latin typeface="Times New Roman" panose="02020603050405020304" pitchFamily="18" charset="0"/>
-                <a:cs typeface="Times New Roman" panose="02020603050405020304" pitchFamily="18" charset="0"/>
-              </a:rPr>
-              <a:t>y = W′ × x </a:t>
-            </a:r>
-            <a:r>
-              <a:rPr lang="en-MY" sz="3500" dirty="0">
-                <a:solidFill>
-                  <a:schemeClr val="bg1"/>
-                </a:solidFill>
-                <a:latin typeface="Times New Roman" panose="02020603050405020304" pitchFamily="18" charset="0"/>
-                <a:cs typeface="Times New Roman" panose="02020603050405020304" pitchFamily="18" charset="0"/>
-              </a:rPr>
-              <a:t>where </a:t>
-            </a:r>
-            <a:r>
-              <a:rPr lang="en-MY" sz="3500" b="1" dirty="0">
-                <a:solidFill>
-                  <a:schemeClr val="bg1"/>
-                </a:solidFill>
-                <a:latin typeface="Times New Roman" panose="02020603050405020304" pitchFamily="18" charset="0"/>
-                <a:cs typeface="Times New Roman" panose="02020603050405020304" pitchFamily="18" charset="0"/>
-              </a:rPr>
-              <a:t>W′</a:t>
-            </a:r>
-            <a:r>
-              <a:rPr lang="en-MY" sz="3500" dirty="0">
-                <a:solidFill>
-                  <a:schemeClr val="bg1"/>
-                </a:solidFill>
-                <a:latin typeface="Times New Roman" panose="02020603050405020304" pitchFamily="18" charset="0"/>
-                <a:cs typeface="Times New Roman" panose="02020603050405020304" pitchFamily="18" charset="0"/>
-              </a:rPr>
-              <a:t> is the transpose of the matrix </a:t>
-            </a:r>
-            <a:r>
-              <a:rPr lang="en-MY" sz="3500" b="1" dirty="0">
-                <a:solidFill>
-                  <a:schemeClr val="bg1"/>
-                </a:solidFill>
-                <a:latin typeface="Times New Roman" panose="02020603050405020304" pitchFamily="18" charset="0"/>
-                <a:cs typeface="Times New Roman" panose="02020603050405020304" pitchFamily="18" charset="0"/>
-              </a:rPr>
-              <a:t>W.</a:t>
-            </a:r>
-          </a:p>
-          <a:p>
-            <a:endParaRPr lang="en-MY" sz="3500" dirty="0">
+            <a:endParaRPr lang="en-MY" sz="3200" dirty="0">
               <a:solidFill>
-                <a:schemeClr val="bg1"/>
+                <a:schemeClr val="bg1">
+                  <a:lumMod val="95000"/>
+                  <a:lumOff val="5000"/>
+                </a:schemeClr>
               </a:solidFill>
               <a:latin typeface="Times New Roman" panose="02020603050405020304" pitchFamily="18" charset="0"/>
               <a:cs typeface="Times New Roman" panose="02020603050405020304" pitchFamily="18" charset="0"/>
@@ -7869,22 +8094,80 @@
           </a:p>
           <a:p>
             <a:r>
-              <a:rPr lang="en-MY" sz="3500" dirty="0">
-                <a:solidFill>
-                  <a:schemeClr val="bg1"/>
-                </a:solidFill>
-                <a:latin typeface="Times New Roman" panose="02020603050405020304" pitchFamily="18" charset="0"/>
-                <a:cs typeface="Times New Roman" panose="02020603050405020304" pitchFamily="18" charset="0"/>
-              </a:rPr>
-              <a:t>So lastly, we have computed our two principal components and projected the data points onto the new subspace.</a:t>
-            </a:r>
-          </a:p>
-        </p:txBody>
-      </p:sp>
+              <a:rPr lang="en-MY" sz="3200" dirty="0">
+                <a:solidFill>
+                  <a:schemeClr val="bg1">
+                    <a:lumMod val="95000"/>
+                    <a:lumOff val="5000"/>
+                  </a:schemeClr>
+                </a:solidFill>
+                <a:latin typeface="Times New Roman" panose="02020603050405020304" pitchFamily="18" charset="0"/>
+                <a:cs typeface="Times New Roman" panose="02020603050405020304" pitchFamily="18" charset="0"/>
+              </a:rPr>
+              <a:t>So, </a:t>
+            </a:r>
+            <a:r>
+              <a:rPr lang="en-MY" sz="3200" i="1" dirty="0">
+                <a:solidFill>
+                  <a:schemeClr val="bg1">
+                    <a:lumMod val="95000"/>
+                    <a:lumOff val="5000"/>
+                  </a:schemeClr>
+                </a:solidFill>
+                <a:latin typeface="Times New Roman" panose="02020603050405020304" pitchFamily="18" charset="0"/>
+                <a:cs typeface="Times New Roman" panose="02020603050405020304" pitchFamily="18" charset="0"/>
+              </a:rPr>
+              <a:t>eigenvectors </a:t>
+            </a:r>
+            <a:r>
+              <a:rPr lang="en-MY" sz="3200" dirty="0">
+                <a:solidFill>
+                  <a:schemeClr val="bg1">
+                    <a:lumMod val="95000"/>
+                    <a:lumOff val="5000"/>
+                  </a:schemeClr>
+                </a:solidFill>
+                <a:latin typeface="Times New Roman" panose="02020603050405020304" pitchFamily="18" charset="0"/>
+                <a:cs typeface="Times New Roman" panose="02020603050405020304" pitchFamily="18" charset="0"/>
+              </a:rPr>
+              <a:t>corresponding to two maximum eigenvalues are:</a:t>
+            </a:r>
+          </a:p>
+        </p:txBody>
+      </p:sp>
+      <p:pic>
+        <p:nvPicPr>
+          <p:cNvPr id="5" name="Content Placeholder 4" descr="A picture containing table&#10;&#10;Description automatically generated">
+            <a:extLst>
+              <a:ext uri="{FF2B5EF4-FFF2-40B4-BE49-F238E27FC236}">
+                <a16:creationId xmlns:a16="http://schemas.microsoft.com/office/drawing/2014/main" id="{A1A486B3-6F59-5A46-924E-B3CC39AF0083}"/>
+              </a:ext>
+            </a:extLst>
+          </p:cNvPr>
+          <p:cNvPicPr>
+            <a:picLocks noGrp="1" noChangeAspect="1"/>
+          </p:cNvPicPr>
+          <p:nvPr>
+            <p:ph idx="1"/>
+          </p:nvPr>
+        </p:nvPicPr>
+        <p:blipFill>
+          <a:blip r:embed="rId3"/>
+          <a:stretch>
+            <a:fillRect/>
+          </a:stretch>
+        </p:blipFill>
+        <p:spPr>
+          <a:xfrm>
+            <a:off x="2435577" y="3904229"/>
+            <a:ext cx="9036423" cy="2721080"/>
+          </a:xfrm>
+        </p:spPr>
+      </p:pic>
     </p:spTree>
     <p:extLst>
       <p:ext uri="{BB962C8B-B14F-4D97-AF65-F5344CB8AC3E}">
-        <p14:creationId xmlns:p14="http://schemas.microsoft.com/office/powerpoint/2010/main" val="2574940544"/>
+        <p14:creationId xmlns:p14="http://schemas.microsoft.com/office/powerpoint/2010/main" val="1257575571"/>
       </p:ext>
     </p:extLst>
   </p:cSld>
@@ -7921,98 +8204,10 @@
       </p:grpSpPr>
       <p:sp>
         <p:nvSpPr>
-          <p:cNvPr id="2" name="Title 1">
+          <p:cNvPr id="7" name="Rectangle 6">
             <a:extLst>
               <a:ext uri="{FF2B5EF4-FFF2-40B4-BE49-F238E27FC236}">
-                <a16:creationId xmlns:a16="http://schemas.microsoft.com/office/drawing/2014/main" id="{F376363F-57CB-7C46-8D30-6997A8CB848E}"/>
-              </a:ext>
-            </a:extLst>
-          </p:cNvPr>
-          <p:cNvSpPr>
-            <a:spLocks noGrp="1"/>
-          </p:cNvSpPr>
-          <p:nvPr>
-            <p:ph type="title"/>
-          </p:nvPr>
-        </p:nvSpPr>
-        <p:spPr>
-          <a:xfrm>
-            <a:off x="744713" y="479806"/>
-            <a:ext cx="4049708" cy="1477328"/>
-          </a:xfrm>
-        </p:spPr>
-        <p:txBody>
-          <a:bodyPr/>
-          <a:lstStyle/>
-          <a:p>
-            <a:pPr algn="ctr"/>
-            <a:r>
-              <a:rPr lang="en-US" dirty="0">
-                <a:solidFill>
-                  <a:schemeClr val="bg1"/>
-                </a:solidFill>
-                <a:latin typeface="Times New Roman" panose="02020603050405020304" pitchFamily="18" charset="0"/>
-                <a:cs typeface="Times New Roman" panose="02020603050405020304" pitchFamily="18" charset="0"/>
-              </a:rPr>
-              <a:t>Bogota 0</a:t>
-            </a:r>
-            <a:br>
-              <a:rPr lang="en-US" dirty="0">
-                <a:solidFill>
-                  <a:schemeClr val="bg1"/>
-                </a:solidFill>
-                <a:latin typeface="Times New Roman" panose="02020603050405020304" pitchFamily="18" charset="0"/>
-                <a:cs typeface="Times New Roman" panose="02020603050405020304" pitchFamily="18" charset="0"/>
-              </a:rPr>
-            </a:br>
-            <a:r>
-              <a:rPr lang="en-US" b="1" dirty="0">
-                <a:solidFill>
-                  <a:schemeClr val="bg1"/>
-                </a:solidFill>
-                <a:latin typeface="Times New Roman" panose="02020603050405020304" pitchFamily="18" charset="0"/>
-                <a:cs typeface="Times New Roman" panose="02020603050405020304" pitchFamily="18" charset="0"/>
-              </a:rPr>
-              <a:t>No Transparency</a:t>
-            </a:r>
-          </a:p>
-        </p:txBody>
-      </p:sp>
-      <p:pic>
-        <p:nvPicPr>
-          <p:cNvPr id="5" name="Content Placeholder 4" descr="Chart, bar chart&#10;&#10;Description automatically generated">
-            <a:extLst>
-              <a:ext uri="{FF2B5EF4-FFF2-40B4-BE49-F238E27FC236}">
-                <a16:creationId xmlns:a16="http://schemas.microsoft.com/office/drawing/2014/main" id="{69876EEF-936E-AB44-AE84-073D1BEB4F90}"/>
-              </a:ext>
-            </a:extLst>
-          </p:cNvPr>
-          <p:cNvPicPr>
-            <a:picLocks noGrp="1" noChangeAspect="1"/>
-          </p:cNvPicPr>
-          <p:nvPr>
-            <p:ph idx="1"/>
-          </p:nvPr>
-        </p:nvPicPr>
-        <p:blipFill>
-          <a:blip r:embed="rId2"/>
-          <a:stretch>
-            <a:fillRect/>
-          </a:stretch>
-        </p:blipFill>
-        <p:spPr>
-          <a:xfrm>
-            <a:off x="963827" y="1957134"/>
-            <a:ext cx="9971903" cy="4674330"/>
-          </a:xfrm>
-        </p:spPr>
-      </p:pic>
-      <p:sp>
-        <p:nvSpPr>
-          <p:cNvPr id="6" name="Rectangle 5">
-            <a:extLst>
-              <a:ext uri="{FF2B5EF4-FFF2-40B4-BE49-F238E27FC236}">
-                <a16:creationId xmlns:a16="http://schemas.microsoft.com/office/drawing/2014/main" id="{B335D236-8F50-8C4C-8D59-BEC353129962}"/>
+                <a16:creationId xmlns:a16="http://schemas.microsoft.com/office/drawing/2014/main" id="{801CB88A-C42B-F146-80A3-2B4E75E0FFE9}"/>
               </a:ext>
             </a:extLst>
           </p:cNvPr>
@@ -8021,30 +8216,32 @@
         </p:nvSpPr>
         <p:spPr>
           <a:xfrm>
-            <a:off x="5351287" y="758052"/>
-            <a:ext cx="6096000" cy="584775"/>
+            <a:off x="720000" y="364799"/>
+            <a:ext cx="10752000" cy="4939814"/>
           </a:xfrm>
           <a:prstGeom prst="rect">
             <a:avLst/>
           </a:prstGeom>
         </p:spPr>
         <p:txBody>
-          <a:bodyPr>
+          <a:bodyPr wrap="square">
             <a:spAutoFit/>
           </a:bodyPr>
           <a:lstStyle/>
           <a:p>
             <a:r>
-              <a:rPr lang="en-MY" sz="3200" dirty="0">
-                <a:solidFill>
-                  <a:schemeClr val="bg1"/>
-                </a:solidFill>
-                <a:latin typeface="Times New Roman" panose="02020603050405020304" pitchFamily="18" charset="0"/>
-                <a:cs typeface="Times New Roman" panose="02020603050405020304" pitchFamily="18" charset="0"/>
-              </a:rPr>
-              <a:t>Q17 - What is your gender?</a:t>
-            </a:r>
-            <a:endParaRPr lang="en-US" sz="3200" dirty="0">
+              <a:rPr lang="en-MY" sz="3500" b="1" dirty="0">
+                <a:solidFill>
+                  <a:schemeClr val="bg1"/>
+                </a:solidFill>
+                <a:latin typeface="Times New Roman" panose="02020603050405020304" pitchFamily="18" charset="0"/>
+                <a:cs typeface="Times New Roman" panose="02020603050405020304" pitchFamily="18" charset="0"/>
+              </a:rPr>
+              <a:t>Transform the samples onto the new subspace</a:t>
+            </a:r>
+          </a:p>
+          <a:p>
+            <a:endParaRPr lang="en-MY" sz="3500" dirty="0">
               <a:solidFill>
                 <a:schemeClr val="bg1"/>
               </a:solidFill>
@@ -8052,12 +8249,115 @@
               <a:cs typeface="Times New Roman" panose="02020603050405020304" pitchFamily="18" charset="0"/>
             </a:endParaRPr>
           </a:p>
+          <a:p>
+            <a:r>
+              <a:rPr lang="en-MY" sz="3500" dirty="0">
+                <a:solidFill>
+                  <a:schemeClr val="bg1"/>
+                </a:solidFill>
+                <a:latin typeface="Times New Roman" panose="02020603050405020304" pitchFamily="18" charset="0"/>
+                <a:cs typeface="Times New Roman" panose="02020603050405020304" pitchFamily="18" charset="0"/>
+              </a:rPr>
+              <a:t>In the last step, we use the 3x2 dimensional matrix </a:t>
+            </a:r>
+            <a:r>
+              <a:rPr lang="en-MY" sz="3500" b="1" dirty="0">
+                <a:solidFill>
+                  <a:schemeClr val="bg1"/>
+                </a:solidFill>
+                <a:latin typeface="Times New Roman" panose="02020603050405020304" pitchFamily="18" charset="0"/>
+                <a:cs typeface="Times New Roman" panose="02020603050405020304" pitchFamily="18" charset="0"/>
+              </a:rPr>
+              <a:t>W </a:t>
+            </a:r>
+            <a:r>
+              <a:rPr lang="en-MY" sz="3500" dirty="0">
+                <a:solidFill>
+                  <a:schemeClr val="bg1"/>
+                </a:solidFill>
+                <a:latin typeface="Times New Roman" panose="02020603050405020304" pitchFamily="18" charset="0"/>
+                <a:cs typeface="Times New Roman" panose="02020603050405020304" pitchFamily="18" charset="0"/>
+              </a:rPr>
+              <a:t>that we just computed to transform our samples onto the new subspace via the equation </a:t>
+            </a:r>
+            <a:r>
+              <a:rPr lang="en-MY" sz="3500" b="1" dirty="0">
+                <a:solidFill>
+                  <a:schemeClr val="bg1"/>
+                </a:solidFill>
+                <a:latin typeface="Times New Roman" panose="02020603050405020304" pitchFamily="18" charset="0"/>
+                <a:cs typeface="Times New Roman" panose="02020603050405020304" pitchFamily="18" charset="0"/>
+              </a:rPr>
+              <a:t>y = W′ × x </a:t>
+            </a:r>
+            <a:r>
+              <a:rPr lang="en-MY" sz="3500" dirty="0">
+                <a:solidFill>
+                  <a:schemeClr val="bg1"/>
+                </a:solidFill>
+                <a:latin typeface="Times New Roman" panose="02020603050405020304" pitchFamily="18" charset="0"/>
+                <a:cs typeface="Times New Roman" panose="02020603050405020304" pitchFamily="18" charset="0"/>
+              </a:rPr>
+              <a:t>where </a:t>
+            </a:r>
+            <a:r>
+              <a:rPr lang="en-MY" sz="3500" b="1" dirty="0">
+                <a:solidFill>
+                  <a:schemeClr val="bg1"/>
+                </a:solidFill>
+                <a:latin typeface="Times New Roman" panose="02020603050405020304" pitchFamily="18" charset="0"/>
+                <a:cs typeface="Times New Roman" panose="02020603050405020304" pitchFamily="18" charset="0"/>
+              </a:rPr>
+              <a:t>W′</a:t>
+            </a:r>
+            <a:r>
+              <a:rPr lang="en-MY" sz="3500" dirty="0">
+                <a:solidFill>
+                  <a:schemeClr val="bg1"/>
+                </a:solidFill>
+                <a:latin typeface="Times New Roman" panose="02020603050405020304" pitchFamily="18" charset="0"/>
+                <a:cs typeface="Times New Roman" panose="02020603050405020304" pitchFamily="18" charset="0"/>
+              </a:rPr>
+              <a:t> is the transpose of the matrix </a:t>
+            </a:r>
+            <a:r>
+              <a:rPr lang="en-MY" sz="3500" b="1" dirty="0">
+                <a:solidFill>
+                  <a:schemeClr val="bg1"/>
+                </a:solidFill>
+                <a:latin typeface="Times New Roman" panose="02020603050405020304" pitchFamily="18" charset="0"/>
+                <a:cs typeface="Times New Roman" panose="02020603050405020304" pitchFamily="18" charset="0"/>
+              </a:rPr>
+              <a:t>W.</a:t>
+            </a:r>
+          </a:p>
+          <a:p>
+            <a:endParaRPr lang="en-MY" sz="3500" dirty="0">
+              <a:solidFill>
+                <a:schemeClr val="bg1"/>
+              </a:solidFill>
+              <a:latin typeface="Times New Roman" panose="02020603050405020304" pitchFamily="18" charset="0"/>
+              <a:cs typeface="Times New Roman" panose="02020603050405020304" pitchFamily="18" charset="0"/>
+            </a:endParaRPr>
+          </a:p>
+          <a:p>
+            <a:r>
+              <a:rPr lang="en-MY" sz="3500" dirty="0">
+                <a:solidFill>
+                  <a:schemeClr val="bg1"/>
+                </a:solidFill>
+                <a:latin typeface="Times New Roman" panose="02020603050405020304" pitchFamily="18" charset="0"/>
+                <a:cs typeface="Times New Roman" panose="02020603050405020304" pitchFamily="18" charset="0"/>
+              </a:rPr>
+              <a:t>So lastly, we have computed our two principal components and projected the data points onto the new subspace.</a:t>
+            </a:r>
+          </a:p>
         </p:txBody>
       </p:sp>
     </p:spTree>
     <p:extLst>
       <p:ext uri="{BB962C8B-B14F-4D97-AF65-F5344CB8AC3E}">
-        <p14:creationId xmlns:p14="http://schemas.microsoft.com/office/powerpoint/2010/main" val="3364095920"/>
+        <p14:creationId xmlns:p14="http://schemas.microsoft.com/office/powerpoint/2010/main" val="2574940544"/>
       </p:ext>
     </p:extLst>
   </p:cSld>
@@ -8110,8 +8410,8 @@
         </p:nvSpPr>
         <p:spPr>
           <a:xfrm>
-            <a:off x="383059" y="311775"/>
-            <a:ext cx="4794422" cy="1477328"/>
+            <a:off x="744713" y="479806"/>
+            <a:ext cx="4049708" cy="1477328"/>
           </a:xfrm>
         </p:spPr>
         <p:txBody>
@@ -8127,7 +8427,7 @@
                 <a:latin typeface="Times New Roman" panose="02020603050405020304" pitchFamily="18" charset="0"/>
                 <a:cs typeface="Times New Roman" panose="02020603050405020304" pitchFamily="18" charset="0"/>
               </a:rPr>
-              <a:t>Bogota 1</a:t>
+              <a:t>Bogota 0</a:t>
             </a:r>
             <a:br>
               <a:rPr lang="en-US" dirty="0">
@@ -8146,30 +8446,40 @@
                 <a:latin typeface="Times New Roman" panose="02020603050405020304" pitchFamily="18" charset="0"/>
                 <a:cs typeface="Times New Roman" panose="02020603050405020304" pitchFamily="18" charset="0"/>
               </a:rPr>
-              <a:t>Performance </a:t>
-            </a:r>
-            <a:br>
-              <a:rPr lang="en-US" b="1" dirty="0">
-                <a:solidFill>
-                  <a:schemeClr val="bg1"/>
-                </a:solidFill>
-                <a:latin typeface="Times New Roman" panose="02020603050405020304" pitchFamily="18" charset="0"/>
-                <a:cs typeface="Times New Roman" panose="02020603050405020304" pitchFamily="18" charset="0"/>
-              </a:rPr>
-            </a:br>
-            <a:r>
-              <a:rPr lang="en-US" b="1" dirty="0">
-                <a:solidFill>
-                  <a:schemeClr val="bg1"/>
-                </a:solidFill>
-                <a:latin typeface="Times New Roman" panose="02020603050405020304" pitchFamily="18" charset="0"/>
-                <a:cs typeface="Times New Roman" panose="02020603050405020304" pitchFamily="18" charset="0"/>
-              </a:rPr>
-              <a:t>Transparency </a:t>
-            </a:r>
-          </a:p>
-        </p:txBody>
-      </p:sp>
+              <a:t>No Transparency</a:t>
+            </a:r>
+          </a:p>
+        </p:txBody>
+      </p:sp>
+      <p:pic>
+        <p:nvPicPr>
+          <p:cNvPr id="5" name="Content Placeholder 4" descr="Chart, bar chart&#10;&#10;Description automatically generated">
+            <a:extLst>
+              <a:ext uri="{FF2B5EF4-FFF2-40B4-BE49-F238E27FC236}">
+                <a16:creationId xmlns:a16="http://schemas.microsoft.com/office/drawing/2014/main" id="{69876EEF-936E-AB44-AE84-073D1BEB4F90}"/>
+              </a:ext>
+            </a:extLst>
+          </p:cNvPr>
+          <p:cNvPicPr>
+            <a:picLocks noGrp="1" noChangeAspect="1"/>
+          </p:cNvPicPr>
+          <p:nvPr>
+            <p:ph idx="1"/>
+          </p:nvPr>
+        </p:nvPicPr>
+        <p:blipFill>
+          <a:blip r:embed="rId2"/>
+          <a:stretch>
+            <a:fillRect/>
+          </a:stretch>
+        </p:blipFill>
+        <p:spPr>
+          <a:xfrm>
+            <a:off x="963827" y="1957134"/>
+            <a:ext cx="9971903" cy="4674330"/>
+          </a:xfrm>
+        </p:spPr>
+      </p:pic>
       <p:sp>
         <p:nvSpPr>
           <p:cNvPr id="6" name="Rectangle 5">
@@ -8217,39 +8527,10 @@
           </a:p>
         </p:txBody>
       </p:sp>
-      <p:pic>
-        <p:nvPicPr>
-          <p:cNvPr id="8" name="Content Placeholder 7" descr="Chart, bar chart&#10;&#10;Description automatically generated">
-            <a:extLst>
-              <a:ext uri="{FF2B5EF4-FFF2-40B4-BE49-F238E27FC236}">
-                <a16:creationId xmlns:a16="http://schemas.microsoft.com/office/drawing/2014/main" id="{165FB29B-B77F-3045-BA37-2037C0AC3A8A}"/>
-              </a:ext>
-            </a:extLst>
-          </p:cNvPr>
-          <p:cNvPicPr>
-            <a:picLocks noGrp="1" noChangeAspect="1"/>
-          </p:cNvPicPr>
-          <p:nvPr>
-            <p:ph idx="1"/>
-          </p:nvPr>
-        </p:nvPicPr>
-        <p:blipFill>
-          <a:blip r:embed="rId2"/>
-          <a:stretch>
-            <a:fillRect/>
-          </a:stretch>
-        </p:blipFill>
-        <p:spPr>
-          <a:xfrm>
-            <a:off x="1334531" y="1844139"/>
-            <a:ext cx="10112756" cy="4920055"/>
-          </a:xfrm>
-        </p:spPr>
-      </p:pic>
     </p:spTree>
     <p:extLst>
       <p:ext uri="{BB962C8B-B14F-4D97-AF65-F5344CB8AC3E}">
-        <p14:creationId xmlns:p14="http://schemas.microsoft.com/office/powerpoint/2010/main" val="3405604869"/>
+        <p14:creationId xmlns:p14="http://schemas.microsoft.com/office/powerpoint/2010/main" val="3364095920"/>
       </p:ext>
     </p:extLst>
   </p:cSld>
@@ -8302,8 +8583,8 @@
         </p:nvSpPr>
         <p:spPr>
           <a:xfrm>
-            <a:off x="744713" y="479806"/>
-            <a:ext cx="4049708" cy="1477328"/>
+            <a:off x="383059" y="311775"/>
+            <a:ext cx="4794422" cy="1477328"/>
           </a:xfrm>
         </p:spPr>
         <p:txBody>
@@ -8319,7 +8600,7 @@
                 <a:latin typeface="Times New Roman" panose="02020603050405020304" pitchFamily="18" charset="0"/>
                 <a:cs typeface="Times New Roman" panose="02020603050405020304" pitchFamily="18" charset="0"/>
               </a:rPr>
-              <a:t>Bogota 2</a:t>
+              <a:t>Bogota 1</a:t>
             </a:r>
             <a:br>
               <a:rPr lang="en-US" dirty="0">
@@ -8331,16 +8612,6 @@
               </a:rPr>
             </a:br>
             <a:r>
-              <a:rPr lang="en-US" dirty="0">
-                <a:solidFill>
-                  <a:schemeClr val="bg1"/>
-                </a:solidFill>
-                <a:latin typeface="Times New Roman" panose="02020603050405020304" pitchFamily="18" charset="0"/>
-                <a:cs typeface="Times New Roman" panose="02020603050405020304" pitchFamily="18" charset="0"/>
-              </a:rPr>
-              <a:t> </a:t>
-            </a:r>
-            <a:r>
               <a:rPr lang="en-US" b="1" dirty="0">
                 <a:solidFill>
                   <a:schemeClr val="bg1"/>
@@ -8348,7 +8619,26 @@
                 <a:latin typeface="Times New Roman" panose="02020603050405020304" pitchFamily="18" charset="0"/>
                 <a:cs typeface="Times New Roman" panose="02020603050405020304" pitchFamily="18" charset="0"/>
               </a:rPr>
-              <a:t>Solution Transparency  </a:t>
+              <a:t>Performance </a:t>
+            </a:r>
+            <a:br>
+              <a:rPr lang="en-US" b="1" dirty="0">
+                <a:solidFill>
+                  <a:schemeClr val="bg1"/>
+                </a:solidFill>
+                <a:latin typeface="Times New Roman" panose="02020603050405020304" pitchFamily="18" charset="0"/>
+                <a:cs typeface="Times New Roman" panose="02020603050405020304" pitchFamily="18" charset="0"/>
+              </a:rPr>
+            </a:br>
+            <a:r>
+              <a:rPr lang="en-US" b="1" dirty="0">
+                <a:solidFill>
+                  <a:schemeClr val="bg1"/>
+                </a:solidFill>
+                <a:latin typeface="Times New Roman" panose="02020603050405020304" pitchFamily="18" charset="0"/>
+                <a:cs typeface="Times New Roman" panose="02020603050405020304" pitchFamily="18" charset="0"/>
+              </a:rPr>
+              <a:t>Transparency </a:t>
             </a:r>
           </a:p>
         </p:txBody>
@@ -8405,7 +8695,7 @@
           <p:cNvPr id="8" name="Content Placeholder 7" descr="Chart, bar chart&#10;&#10;Description automatically generated">
             <a:extLst>
               <a:ext uri="{FF2B5EF4-FFF2-40B4-BE49-F238E27FC236}">
-                <a16:creationId xmlns:a16="http://schemas.microsoft.com/office/drawing/2014/main" id="{A35B879F-9008-7549-BC6D-F049E0BE6EDA}"/>
+                <a16:creationId xmlns:a16="http://schemas.microsoft.com/office/drawing/2014/main" id="{165FB29B-B77F-3045-BA37-2037C0AC3A8A}"/>
               </a:ext>
             </a:extLst>
           </p:cNvPr>
@@ -8424,15 +8714,15 @@
         </p:blipFill>
         <p:spPr>
           <a:xfrm>
-            <a:off x="744713" y="1458626"/>
-            <a:ext cx="9956238" cy="5027653"/>
+            <a:off x="1334531" y="1844139"/>
+            <a:ext cx="10112756" cy="4920055"/>
           </a:xfrm>
         </p:spPr>
       </p:pic>
     </p:spTree>
     <p:extLst>
       <p:ext uri="{BB962C8B-B14F-4D97-AF65-F5344CB8AC3E}">
-        <p14:creationId xmlns:p14="http://schemas.microsoft.com/office/powerpoint/2010/main" val="1917653626"/>
+        <p14:creationId xmlns:p14="http://schemas.microsoft.com/office/powerpoint/2010/main" val="3405604869"/>
       </p:ext>
     </p:extLst>
   </p:cSld>
@@ -8485,7 +8775,7 @@
         </p:nvSpPr>
         <p:spPr>
           <a:xfrm>
-            <a:off x="744713" y="311775"/>
+            <a:off x="744713" y="479806"/>
             <a:ext cx="4049708" cy="1477328"/>
           </a:xfrm>
         </p:spPr>
@@ -8502,7 +8792,7 @@
                 <a:latin typeface="Times New Roman" panose="02020603050405020304" pitchFamily="18" charset="0"/>
                 <a:cs typeface="Times New Roman" panose="02020603050405020304" pitchFamily="18" charset="0"/>
               </a:rPr>
-              <a:t>Bogota 3</a:t>
+              <a:t>Bogota 2</a:t>
             </a:r>
             <a:br>
               <a:rPr lang="en-US" dirty="0">
@@ -8514,6 +8804,16 @@
               </a:rPr>
             </a:br>
             <a:r>
+              <a:rPr lang="en-US" dirty="0">
+                <a:solidFill>
+                  <a:schemeClr val="bg1"/>
+                </a:solidFill>
+                <a:latin typeface="Times New Roman" panose="02020603050405020304" pitchFamily="18" charset="0"/>
+                <a:cs typeface="Times New Roman" panose="02020603050405020304" pitchFamily="18" charset="0"/>
+              </a:rPr>
+              <a:t> </a:t>
+            </a:r>
+            <a:r>
               <a:rPr lang="en-US" b="1" dirty="0">
                 <a:solidFill>
                   <a:schemeClr val="bg1"/>
@@ -8521,26 +8821,7 @@
                 <a:latin typeface="Times New Roman" panose="02020603050405020304" pitchFamily="18" charset="0"/>
                 <a:cs typeface="Times New Roman" panose="02020603050405020304" pitchFamily="18" charset="0"/>
               </a:rPr>
-              <a:t> Full </a:t>
-            </a:r>
-            <a:br>
-              <a:rPr lang="en-US" b="1" dirty="0">
-                <a:solidFill>
-                  <a:schemeClr val="bg1"/>
-                </a:solidFill>
-                <a:latin typeface="Times New Roman" panose="02020603050405020304" pitchFamily="18" charset="0"/>
-                <a:cs typeface="Times New Roman" panose="02020603050405020304" pitchFamily="18" charset="0"/>
-              </a:rPr>
-            </a:br>
-            <a:r>
-              <a:rPr lang="en-US" b="1" dirty="0">
-                <a:solidFill>
-                  <a:schemeClr val="bg1"/>
-                </a:solidFill>
-                <a:latin typeface="Times New Roman" panose="02020603050405020304" pitchFamily="18" charset="0"/>
-                <a:cs typeface="Times New Roman" panose="02020603050405020304" pitchFamily="18" charset="0"/>
-              </a:rPr>
-              <a:t>Transparency  </a:t>
+              <a:t>Solution Transparency  </a:t>
             </a:r>
           </a:p>
         </p:txBody>
@@ -8597,7 +8878,7 @@
           <p:cNvPr id="8" name="Content Placeholder 7" descr="Chart, bar chart&#10;&#10;Description automatically generated">
             <a:extLst>
               <a:ext uri="{FF2B5EF4-FFF2-40B4-BE49-F238E27FC236}">
-                <a16:creationId xmlns:a16="http://schemas.microsoft.com/office/drawing/2014/main" id="{0B761DF2-6902-1741-B0AA-71B43CC3E9D2}"/>
+                <a16:creationId xmlns:a16="http://schemas.microsoft.com/office/drawing/2014/main" id="{A35B879F-9008-7549-BC6D-F049E0BE6EDA}"/>
               </a:ext>
             </a:extLst>
           </p:cNvPr>
@@ -8616,15 +8897,15 @@
         </p:blipFill>
         <p:spPr>
           <a:xfrm>
-            <a:off x="1260388" y="1754828"/>
-            <a:ext cx="9629883" cy="4791397"/>
+            <a:off x="744713" y="1458626"/>
+            <a:ext cx="9956238" cy="5027653"/>
           </a:xfrm>
         </p:spPr>
       </p:pic>
     </p:spTree>
     <p:extLst>
       <p:ext uri="{BB962C8B-B14F-4D97-AF65-F5344CB8AC3E}">
-        <p14:creationId xmlns:p14="http://schemas.microsoft.com/office/powerpoint/2010/main" val="1666463214"/>
+        <p14:creationId xmlns:p14="http://schemas.microsoft.com/office/powerpoint/2010/main" val="1917653626"/>
       </p:ext>
     </p:extLst>
   </p:cSld>
@@ -8677,29 +8958,27 @@
         </p:nvSpPr>
         <p:spPr>
           <a:xfrm>
-            <a:off x="1152485" y="867829"/>
-            <a:ext cx="9548465" cy="1477328"/>
-          </a:xfrm>
-        </p:spPr>
-        <p:txBody>
-          <a:bodyPr>
-            <a:normAutofit/>
-          </a:bodyPr>
+            <a:off x="744713" y="311775"/>
+            <a:ext cx="4049708" cy="1477328"/>
+          </a:xfrm>
+        </p:spPr>
+        <p:txBody>
+          <a:bodyPr/>
           <a:lstStyle/>
           <a:p>
             <a:pPr algn="ctr"/>
             <a:r>
-              <a:rPr lang="en-US" sz="4500" b="1" dirty="0">
-                <a:solidFill>
-                  <a:schemeClr val="bg1"/>
-                </a:solidFill>
-                <a:latin typeface="Times New Roman" panose="02020603050405020304" pitchFamily="18" charset="0"/>
-                <a:cs typeface="Times New Roman" panose="02020603050405020304" pitchFamily="18" charset="0"/>
-              </a:rPr>
-              <a:t>Interpretation:</a:t>
+              <a:rPr lang="en-US" dirty="0">
+                <a:solidFill>
+                  <a:schemeClr val="bg1"/>
+                </a:solidFill>
+                <a:latin typeface="Times New Roman" panose="02020603050405020304" pitchFamily="18" charset="0"/>
+                <a:cs typeface="Times New Roman" panose="02020603050405020304" pitchFamily="18" charset="0"/>
+              </a:rPr>
+              <a:t>Bogota 3</a:t>
             </a:r>
             <a:br>
-              <a:rPr lang="en-US" sz="4500" b="1" dirty="0">
+              <a:rPr lang="en-US" dirty="0">
                 <a:solidFill>
                   <a:schemeClr val="bg1"/>
                 </a:solidFill>
@@ -8708,24 +8987,43 @@
               </a:rPr>
             </a:br>
             <a:r>
-              <a:rPr lang="en-US" sz="4500" b="1" dirty="0">
-                <a:solidFill>
-                  <a:schemeClr val="bg1"/>
-                </a:solidFill>
-                <a:latin typeface="Times New Roman" panose="02020603050405020304" pitchFamily="18" charset="0"/>
-                <a:cs typeface="Times New Roman" panose="02020603050405020304" pitchFamily="18" charset="0"/>
-              </a:rPr>
-              <a:t>Q17 – What is your gender </a:t>
-            </a:r>
-          </a:p>
-        </p:txBody>
-      </p:sp>
-      <p:sp>
-        <p:nvSpPr>
-          <p:cNvPr id="8" name="Rectangle 7">
+              <a:rPr lang="en-US" b="1" dirty="0">
+                <a:solidFill>
+                  <a:schemeClr val="bg1"/>
+                </a:solidFill>
+                <a:latin typeface="Times New Roman" panose="02020603050405020304" pitchFamily="18" charset="0"/>
+                <a:cs typeface="Times New Roman" panose="02020603050405020304" pitchFamily="18" charset="0"/>
+              </a:rPr>
+              <a:t> Full </a:t>
+            </a:r>
+            <a:br>
+              <a:rPr lang="en-US" b="1" dirty="0">
+                <a:solidFill>
+                  <a:schemeClr val="bg1"/>
+                </a:solidFill>
+                <a:latin typeface="Times New Roman" panose="02020603050405020304" pitchFamily="18" charset="0"/>
+                <a:cs typeface="Times New Roman" panose="02020603050405020304" pitchFamily="18" charset="0"/>
+              </a:rPr>
+            </a:br>
+            <a:r>
+              <a:rPr lang="en-US" b="1" dirty="0">
+                <a:solidFill>
+                  <a:schemeClr val="bg1"/>
+                </a:solidFill>
+                <a:latin typeface="Times New Roman" panose="02020603050405020304" pitchFamily="18" charset="0"/>
+                <a:cs typeface="Times New Roman" panose="02020603050405020304" pitchFamily="18" charset="0"/>
+              </a:rPr>
+              <a:t>Transparency  </a:t>
+            </a:r>
+          </a:p>
+        </p:txBody>
+      </p:sp>
+      <p:sp>
+        <p:nvSpPr>
+          <p:cNvPr id="6" name="Rectangle 5">
             <a:extLst>
               <a:ext uri="{FF2B5EF4-FFF2-40B4-BE49-F238E27FC236}">
-                <a16:creationId xmlns:a16="http://schemas.microsoft.com/office/drawing/2014/main" id="{5F572D22-81CC-C54C-8CD9-CCDFD1E2CE44}"/>
+                <a16:creationId xmlns:a16="http://schemas.microsoft.com/office/drawing/2014/main" id="{B335D236-8F50-8C4C-8D59-BEC353129962}"/>
               </a:ext>
             </a:extLst>
           </p:cNvPr>
@@ -8734,38 +9032,72 @@
         </p:nvSpPr>
         <p:spPr>
           <a:xfrm>
-            <a:off x="1309815" y="2940908"/>
-            <a:ext cx="10137471" cy="1384995"/>
+            <a:off x="5351287" y="758052"/>
+            <a:ext cx="6096000" cy="584775"/>
           </a:xfrm>
           <a:prstGeom prst="rect">
             <a:avLst/>
           </a:prstGeom>
         </p:spPr>
         <p:txBody>
-          <a:bodyPr wrap="square">
+          <a:bodyPr>
             <a:spAutoFit/>
           </a:bodyPr>
           <a:lstStyle/>
           <a:p>
-            <a:pPr algn="ctr"/>
-            <a:r>
-              <a:rPr lang="en-US" sz="4200" dirty="0">
-                <a:solidFill>
-                  <a:schemeClr val="bg1"/>
-                </a:solidFill>
-                <a:latin typeface="Times New Roman" panose="02020603050405020304" pitchFamily="18" charset="0"/>
-                <a:cs typeface="Times New Roman" panose="02020603050405020304" pitchFamily="18" charset="0"/>
-              </a:rPr>
-              <a:t>Majority of the participants are male in all 4 treatment groups  </a:t>
-            </a:r>
-            <a:endParaRPr lang="en-US" sz="4200" dirty="0"/>
-          </a:p>
-        </p:txBody>
-      </p:sp>
+            <a:r>
+              <a:rPr lang="en-MY" sz="3200" dirty="0">
+                <a:solidFill>
+                  <a:schemeClr val="bg1"/>
+                </a:solidFill>
+                <a:latin typeface="Times New Roman" panose="02020603050405020304" pitchFamily="18" charset="0"/>
+                <a:cs typeface="Times New Roman" panose="02020603050405020304" pitchFamily="18" charset="0"/>
+              </a:rPr>
+              <a:t>Q17 - What is your gender?</a:t>
+            </a:r>
+            <a:endParaRPr lang="en-US" sz="3200" dirty="0">
+              <a:solidFill>
+                <a:schemeClr val="bg1"/>
+              </a:solidFill>
+              <a:latin typeface="Times New Roman" panose="02020603050405020304" pitchFamily="18" charset="0"/>
+              <a:cs typeface="Times New Roman" panose="02020603050405020304" pitchFamily="18" charset="0"/>
+            </a:endParaRPr>
+          </a:p>
+        </p:txBody>
+      </p:sp>
+      <p:pic>
+        <p:nvPicPr>
+          <p:cNvPr id="8" name="Content Placeholder 7" descr="Chart, bar chart&#10;&#10;Description automatically generated">
+            <a:extLst>
+              <a:ext uri="{FF2B5EF4-FFF2-40B4-BE49-F238E27FC236}">
+                <a16:creationId xmlns:a16="http://schemas.microsoft.com/office/drawing/2014/main" id="{0B761DF2-6902-1741-B0AA-71B43CC3E9D2}"/>
+              </a:ext>
+            </a:extLst>
+          </p:cNvPr>
+          <p:cNvPicPr>
+            <a:picLocks noGrp="1" noChangeAspect="1"/>
+          </p:cNvPicPr>
+          <p:nvPr>
+            <p:ph idx="1"/>
+          </p:nvPr>
+        </p:nvPicPr>
+        <p:blipFill>
+          <a:blip r:embed="rId2"/>
+          <a:stretch>
+            <a:fillRect/>
+          </a:stretch>
+        </p:blipFill>
+        <p:spPr>
+          <a:xfrm>
+            <a:off x="1260388" y="1754828"/>
+            <a:ext cx="9629883" cy="4791397"/>
+          </a:xfrm>
+        </p:spPr>
+      </p:pic>
     </p:spTree>
     <p:extLst>
       <p:ext uri="{BB962C8B-B14F-4D97-AF65-F5344CB8AC3E}">
-        <p14:creationId xmlns:p14="http://schemas.microsoft.com/office/powerpoint/2010/main" val="3668927188"/>
+        <p14:creationId xmlns:p14="http://schemas.microsoft.com/office/powerpoint/2010/main" val="1666463214"/>
       </p:ext>
     </p:extLst>
   </p:cSld>
@@ -8818,27 +9150,29 @@
         </p:nvSpPr>
         <p:spPr>
           <a:xfrm>
-            <a:off x="744713" y="311775"/>
-            <a:ext cx="4049708" cy="1477328"/>
-          </a:xfrm>
-        </p:spPr>
-        <p:txBody>
-          <a:bodyPr/>
+            <a:off x="1152485" y="867829"/>
+            <a:ext cx="9548465" cy="1477328"/>
+          </a:xfrm>
+        </p:spPr>
+        <p:txBody>
+          <a:bodyPr>
+            <a:normAutofit/>
+          </a:bodyPr>
           <a:lstStyle/>
           <a:p>
             <a:pPr algn="ctr"/>
             <a:r>
-              <a:rPr lang="en-US" dirty="0">
-                <a:solidFill>
-                  <a:schemeClr val="bg1"/>
-                </a:solidFill>
-                <a:latin typeface="Times New Roman" panose="02020603050405020304" pitchFamily="18" charset="0"/>
-                <a:cs typeface="Times New Roman" panose="02020603050405020304" pitchFamily="18" charset="0"/>
-              </a:rPr>
-              <a:t>Bogota 0</a:t>
+              <a:rPr lang="en-US" sz="4500" b="1" dirty="0">
+                <a:solidFill>
+                  <a:schemeClr val="bg1"/>
+                </a:solidFill>
+                <a:latin typeface="Times New Roman" panose="02020603050405020304" pitchFamily="18" charset="0"/>
+                <a:cs typeface="Times New Roman" panose="02020603050405020304" pitchFamily="18" charset="0"/>
+              </a:rPr>
+              <a:t>Interpretation:</a:t>
             </a:r>
             <a:br>
-              <a:rPr lang="en-US" dirty="0">
+              <a:rPr lang="en-US" sz="4500" b="1" dirty="0">
                 <a:solidFill>
                   <a:schemeClr val="bg1"/>
                 </a:solidFill>
@@ -8847,43 +9181,24 @@
               </a:rPr>
             </a:br>
             <a:r>
-              <a:rPr lang="en-US" b="1" dirty="0">
-                <a:solidFill>
-                  <a:schemeClr val="bg1"/>
-                </a:solidFill>
-                <a:latin typeface="Times New Roman" panose="02020603050405020304" pitchFamily="18" charset="0"/>
-                <a:cs typeface="Times New Roman" panose="02020603050405020304" pitchFamily="18" charset="0"/>
-              </a:rPr>
-              <a:t>No</a:t>
-            </a:r>
-            <a:br>
-              <a:rPr lang="en-US" b="1" dirty="0">
-                <a:solidFill>
-                  <a:schemeClr val="bg1"/>
-                </a:solidFill>
-                <a:latin typeface="Times New Roman" panose="02020603050405020304" pitchFamily="18" charset="0"/>
-                <a:cs typeface="Times New Roman" panose="02020603050405020304" pitchFamily="18" charset="0"/>
-              </a:rPr>
-            </a:br>
-            <a:r>
-              <a:rPr lang="en-US" b="1" dirty="0">
-                <a:solidFill>
-                  <a:schemeClr val="bg1"/>
-                </a:solidFill>
-                <a:latin typeface="Times New Roman" panose="02020603050405020304" pitchFamily="18" charset="0"/>
-                <a:cs typeface="Times New Roman" panose="02020603050405020304" pitchFamily="18" charset="0"/>
-              </a:rPr>
-              <a:t>Transparency  </a:t>
-            </a:r>
-          </a:p>
-        </p:txBody>
-      </p:sp>
-      <p:sp>
-        <p:nvSpPr>
-          <p:cNvPr id="6" name="Rectangle 5">
+              <a:rPr lang="en-US" sz="4500" b="1" dirty="0">
+                <a:solidFill>
+                  <a:schemeClr val="bg1"/>
+                </a:solidFill>
+                <a:latin typeface="Times New Roman" panose="02020603050405020304" pitchFamily="18" charset="0"/>
+                <a:cs typeface="Times New Roman" panose="02020603050405020304" pitchFamily="18" charset="0"/>
+              </a:rPr>
+              <a:t>Q17 – What is your gender </a:t>
+            </a:r>
+          </a:p>
+        </p:txBody>
+      </p:sp>
+      <p:sp>
+        <p:nvSpPr>
+          <p:cNvPr id="8" name="Rectangle 7">
             <a:extLst>
               <a:ext uri="{FF2B5EF4-FFF2-40B4-BE49-F238E27FC236}">
-                <a16:creationId xmlns:a16="http://schemas.microsoft.com/office/drawing/2014/main" id="{B335D236-8F50-8C4C-8D59-BEC353129962}"/>
+                <a16:creationId xmlns:a16="http://schemas.microsoft.com/office/drawing/2014/main" id="{5F572D22-81CC-C54C-8CD9-CCDFD1E2CE44}"/>
               </a:ext>
             </a:extLst>
           </p:cNvPr>
@@ -8892,65 +9207,38 @@
         </p:nvSpPr>
         <p:spPr>
           <a:xfrm>
-            <a:off x="5351287" y="758052"/>
-            <a:ext cx="6096000" cy="584775"/>
+            <a:off x="1309815" y="2940908"/>
+            <a:ext cx="10137471" cy="1384995"/>
           </a:xfrm>
           <a:prstGeom prst="rect">
             <a:avLst/>
           </a:prstGeom>
         </p:spPr>
         <p:txBody>
-          <a:bodyPr>
+          <a:bodyPr wrap="square">
             <a:spAutoFit/>
           </a:bodyPr>
           <a:lstStyle/>
           <a:p>
-            <a:r>
-              <a:rPr lang="en-MY" sz="3200" dirty="0">
-                <a:solidFill>
-                  <a:schemeClr val="bg1"/>
-                </a:solidFill>
-                <a:latin typeface="Times New Roman" panose="02020603050405020304" pitchFamily="18" charset="0"/>
-                <a:cs typeface="Times New Roman" panose="02020603050405020304" pitchFamily="18" charset="0"/>
-              </a:rPr>
-              <a:t>Q18 - What is your race/ethnicity?</a:t>
-            </a:r>
-          </a:p>
-        </p:txBody>
-      </p:sp>
-      <p:pic>
-        <p:nvPicPr>
-          <p:cNvPr id="7" name="Content Placeholder 6">
-            <a:extLst>
-              <a:ext uri="{FF2B5EF4-FFF2-40B4-BE49-F238E27FC236}">
-                <a16:creationId xmlns:a16="http://schemas.microsoft.com/office/drawing/2014/main" id="{F9FBDD2D-30BE-E741-8281-AF959F703988}"/>
-              </a:ext>
-            </a:extLst>
-          </p:cNvPr>
-          <p:cNvPicPr>
-            <a:picLocks noGrp="1" noChangeAspect="1"/>
-          </p:cNvPicPr>
-          <p:nvPr>
-            <p:ph idx="1"/>
-          </p:nvPr>
-        </p:nvPicPr>
-        <p:blipFill>
-          <a:blip r:embed="rId2"/>
-          <a:stretch>
-            <a:fillRect/>
-          </a:stretch>
-        </p:blipFill>
-        <p:spPr>
-          <a:xfrm>
-            <a:off x="1668162" y="1789103"/>
-            <a:ext cx="8414952" cy="4844972"/>
-          </a:xfrm>
-        </p:spPr>
-      </p:pic>
+            <a:pPr algn="ctr"/>
+            <a:r>
+              <a:rPr lang="en-US" sz="4200" dirty="0">
+                <a:solidFill>
+                  <a:schemeClr val="bg1"/>
+                </a:solidFill>
+                <a:latin typeface="Times New Roman" panose="02020603050405020304" pitchFamily="18" charset="0"/>
+                <a:cs typeface="Times New Roman" panose="02020603050405020304" pitchFamily="18" charset="0"/>
+              </a:rPr>
+              <a:t>Majority of the participants are male in all 4 treatment groups  </a:t>
+            </a:r>
+            <a:endParaRPr lang="en-US" sz="4200" dirty="0"/>
+          </a:p>
+        </p:txBody>
+      </p:sp>
     </p:spTree>
     <p:extLst>
       <p:ext uri="{BB962C8B-B14F-4D97-AF65-F5344CB8AC3E}">
-        <p14:creationId xmlns:p14="http://schemas.microsoft.com/office/powerpoint/2010/main" val="2551342112"/>
+        <p14:creationId xmlns:p14="http://schemas.microsoft.com/office/powerpoint/2010/main" val="3668927188"/>
       </p:ext>
     </p:extLst>
   </p:cSld>
@@ -9020,7 +9308,7 @@
                 <a:latin typeface="Times New Roman" panose="02020603050405020304" pitchFamily="18" charset="0"/>
                 <a:cs typeface="Times New Roman" panose="02020603050405020304" pitchFamily="18" charset="0"/>
               </a:rPr>
-              <a:t>Bogota 1</a:t>
+              <a:t>Bogota 0</a:t>
             </a:r>
             <a:br>
               <a:rPr lang="en-US" dirty="0">
@@ -9039,7 +9327,7 @@
                 <a:latin typeface="Times New Roman" panose="02020603050405020304" pitchFamily="18" charset="0"/>
                 <a:cs typeface="Times New Roman" panose="02020603050405020304" pitchFamily="18" charset="0"/>
               </a:rPr>
-              <a:t>Performance</a:t>
+              <a:t>No</a:t>
             </a:r>
             <a:br>
               <a:rPr lang="en-US" b="1" dirty="0">
@@ -9105,10 +9393,10 @@
       </p:sp>
       <p:pic>
         <p:nvPicPr>
-          <p:cNvPr id="7" name="Content Placeholder 6" descr="Chart&#10;&#10;Description automatically generated">
+          <p:cNvPr id="7" name="Content Placeholder 6">
             <a:extLst>
               <a:ext uri="{FF2B5EF4-FFF2-40B4-BE49-F238E27FC236}">
-                <a16:creationId xmlns:a16="http://schemas.microsoft.com/office/drawing/2014/main" id="{1D2941A1-8D9E-DD4B-9A76-6879F3B36514}"/>
+                <a16:creationId xmlns:a16="http://schemas.microsoft.com/office/drawing/2014/main" id="{F9FBDD2D-30BE-E741-8281-AF959F703988}"/>
               </a:ext>
             </a:extLst>
           </p:cNvPr>
@@ -9127,15 +9415,15 @@
         </p:blipFill>
         <p:spPr>
           <a:xfrm>
-            <a:off x="2333367" y="1789103"/>
-            <a:ext cx="7525265" cy="4791058"/>
+            <a:off x="1668162" y="1789103"/>
+            <a:ext cx="8414952" cy="4844972"/>
           </a:xfrm>
         </p:spPr>
       </p:pic>
     </p:spTree>
     <p:extLst>
       <p:ext uri="{BB962C8B-B14F-4D97-AF65-F5344CB8AC3E}">
-        <p14:creationId xmlns:p14="http://schemas.microsoft.com/office/powerpoint/2010/main" val="386292457"/>
+        <p14:creationId xmlns:p14="http://schemas.microsoft.com/office/powerpoint/2010/main" val="2551342112"/>
       </p:ext>
     </p:extLst>
   </p:cSld>
@@ -9205,7 +9493,7 @@
                 <a:latin typeface="Times New Roman" panose="02020603050405020304" pitchFamily="18" charset="0"/>
                 <a:cs typeface="Times New Roman" panose="02020603050405020304" pitchFamily="18" charset="0"/>
               </a:rPr>
-              <a:t>Bogota 2</a:t>
+              <a:t>Bogota 1</a:t>
             </a:r>
             <a:br>
               <a:rPr lang="en-US" dirty="0">
@@ -9224,7 +9512,7 @@
                 <a:latin typeface="Times New Roman" panose="02020603050405020304" pitchFamily="18" charset="0"/>
                 <a:cs typeface="Times New Roman" panose="02020603050405020304" pitchFamily="18" charset="0"/>
               </a:rPr>
-              <a:t> Solution</a:t>
+              <a:t>Performance</a:t>
             </a:r>
             <a:br>
               <a:rPr lang="en-US" b="1" dirty="0">
@@ -9293,7 +9581,7 @@
           <p:cNvPr id="7" name="Content Placeholder 6" descr="Chart&#10;&#10;Description automatically generated">
             <a:extLst>
               <a:ext uri="{FF2B5EF4-FFF2-40B4-BE49-F238E27FC236}">
-                <a16:creationId xmlns:a16="http://schemas.microsoft.com/office/drawing/2014/main" id="{0B57A38A-AA30-0D4C-A67C-29635A9D49A7}"/>
+                <a16:creationId xmlns:a16="http://schemas.microsoft.com/office/drawing/2014/main" id="{1D2941A1-8D9E-DD4B-9A76-6879F3B36514}"/>
               </a:ext>
             </a:extLst>
           </p:cNvPr>
@@ -9312,15 +9600,15 @@
         </p:blipFill>
         <p:spPr>
           <a:xfrm>
-            <a:off x="2063578" y="1953824"/>
-            <a:ext cx="8007179" cy="4904175"/>
+            <a:off x="2333367" y="1789103"/>
+            <a:ext cx="7525265" cy="4791058"/>
           </a:xfrm>
         </p:spPr>
       </p:pic>
     </p:spTree>
     <p:extLst>
       <p:ext uri="{BB962C8B-B14F-4D97-AF65-F5344CB8AC3E}">
-        <p14:creationId xmlns:p14="http://schemas.microsoft.com/office/powerpoint/2010/main" val="2566400015"/>
+        <p14:creationId xmlns:p14="http://schemas.microsoft.com/office/powerpoint/2010/main" val="386292457"/>
       </p:ext>
     </p:extLst>
   </p:cSld>
@@ -9373,8 +9661,8 @@
         </p:nvSpPr>
         <p:spPr>
           <a:xfrm>
-            <a:off x="744713" y="479806"/>
-            <a:ext cx="4049708" cy="1477328"/>
+            <a:off x="1131375" y="1192728"/>
+            <a:ext cx="9841425" cy="1477328"/>
           </a:xfrm>
         </p:spPr>
         <p:txBody>
@@ -9390,7 +9678,7 @@
                 <a:latin typeface="Times New Roman" panose="02020603050405020304" pitchFamily="18" charset="0"/>
                 <a:cs typeface="Times New Roman" panose="02020603050405020304" pitchFamily="18" charset="0"/>
               </a:rPr>
-              <a:t>The Mathematics Behind PCA</a:t>
+              <a:t>Visual Explanation of The Mathematics Behind PCA</a:t>
             </a:r>
           </a:p>
         </p:txBody>
@@ -9409,46 +9697,27 @@
         </p:nvSpPr>
         <p:spPr>
           <a:xfrm>
-            <a:off x="5351287" y="758052"/>
-            <a:ext cx="6096000" cy="369332"/>
+            <a:off x="1131375" y="3687232"/>
+            <a:ext cx="10693831" cy="1077218"/>
           </a:xfrm>
           <a:prstGeom prst="rect">
             <a:avLst/>
           </a:prstGeom>
         </p:spPr>
         <p:txBody>
-          <a:bodyPr>
+          <a:bodyPr wrap="square">
             <a:spAutoFit/>
           </a:bodyPr>
           <a:lstStyle/>
           <a:p>
             <a:r>
-              <a:rPr lang="en-MY" dirty="0">
-                <a:solidFill>
-                  <a:schemeClr val="bg1"/>
-                </a:solidFill>
-              </a:rPr>
-              <a:t>Let our data matrix </a:t>
-            </a:r>
-            <a:r>
-              <a:rPr lang="en-MY" b="1" dirty="0">
-                <a:solidFill>
-                  <a:schemeClr val="bg1"/>
-                </a:solidFill>
-              </a:rPr>
-              <a:t>X</a:t>
-            </a:r>
-            <a:r>
-              <a:rPr lang="en-MY" dirty="0">
-                <a:solidFill>
-                  <a:schemeClr val="bg1"/>
-                </a:solidFill>
-              </a:rPr>
-              <a:t> be the score of three students</a:t>
-            </a:r>
-            <a:r>
-              <a:rPr lang="en-MY" dirty="0"/>
-              <a:t>:</a:t>
+              <a:rPr lang="en-MY" sz="3200" dirty="0">
+                <a:solidFill>
+                  <a:schemeClr val="bg1"/>
+                </a:solidFill>
+                <a:hlinkClick r:id="rId2"/>
+              </a:rPr>
+              <a:t>https://github.com/ironhacks/analysis-2017/wiki/PCA-vs-FA-Theory</a:t>
             </a:r>
             <a:endParaRPr lang="en-US" sz="3200" dirty="0">
               <a:solidFill>
@@ -9460,35 +9729,6 @@
           </a:p>
         </p:txBody>
       </p:sp>
-      <p:pic>
-        <p:nvPicPr>
-          <p:cNvPr id="8" name="Content Placeholder 7" descr="Calendar&#10;&#10;Description automatically generated">
-            <a:extLst>
-              <a:ext uri="{FF2B5EF4-FFF2-40B4-BE49-F238E27FC236}">
-                <a16:creationId xmlns:a16="http://schemas.microsoft.com/office/drawing/2014/main" id="{D64DD651-7A39-8A4C-90E9-4CB0CD2DD0F8}"/>
-              </a:ext>
-            </a:extLst>
-          </p:cNvPr>
-          <p:cNvPicPr>
-            <a:picLocks noGrp="1" noChangeAspect="1"/>
-          </p:cNvPicPr>
-          <p:nvPr>
-            <p:ph idx="1"/>
-          </p:nvPr>
-        </p:nvPicPr>
-        <p:blipFill>
-          <a:blip r:embed="rId2"/>
-          <a:stretch>
-            <a:fillRect/>
-          </a:stretch>
-        </p:blipFill>
-        <p:spPr>
-          <a:xfrm>
-            <a:off x="3705274" y="2541588"/>
-            <a:ext cx="4759226" cy="3227387"/>
-          </a:xfrm>
-        </p:spPr>
-      </p:pic>
     </p:spTree>
     <p:extLst>
       <p:ext uri="{BB962C8B-B14F-4D97-AF65-F5344CB8AC3E}">
@@ -9562,7 +9802,7 @@
                 <a:latin typeface="Times New Roman" panose="02020603050405020304" pitchFamily="18" charset="0"/>
                 <a:cs typeface="Times New Roman" panose="02020603050405020304" pitchFamily="18" charset="0"/>
               </a:rPr>
-              <a:t>Bogota 3</a:t>
+              <a:t>Bogota 2</a:t>
             </a:r>
             <a:br>
               <a:rPr lang="en-US" dirty="0">
@@ -9581,7 +9821,7 @@
                 <a:latin typeface="Times New Roman" panose="02020603050405020304" pitchFamily="18" charset="0"/>
                 <a:cs typeface="Times New Roman" panose="02020603050405020304" pitchFamily="18" charset="0"/>
               </a:rPr>
-              <a:t> Full </a:t>
+              <a:t> Solution</a:t>
             </a:r>
             <a:br>
               <a:rPr lang="en-US" b="1" dirty="0">
@@ -9647,10 +9887,10 @@
       </p:sp>
       <p:pic>
         <p:nvPicPr>
-          <p:cNvPr id="7" name="Content Placeholder 6" descr="Chart, waterfall chart&#10;&#10;Description automatically generated">
+          <p:cNvPr id="7" name="Content Placeholder 6" descr="Chart&#10;&#10;Description automatically generated">
             <a:extLst>
               <a:ext uri="{FF2B5EF4-FFF2-40B4-BE49-F238E27FC236}">
-                <a16:creationId xmlns:a16="http://schemas.microsoft.com/office/drawing/2014/main" id="{1627395C-AA4A-C74D-8B06-E7CD8668A8A5}"/>
+                <a16:creationId xmlns:a16="http://schemas.microsoft.com/office/drawing/2014/main" id="{0B57A38A-AA30-0D4C-A67C-29635A9D49A7}"/>
               </a:ext>
             </a:extLst>
           </p:cNvPr>
@@ -9669,15 +9909,15 @@
         </p:blipFill>
         <p:spPr>
           <a:xfrm>
-            <a:off x="2123302" y="2040395"/>
-            <a:ext cx="7945395" cy="4505830"/>
+            <a:off x="2063578" y="1953824"/>
+            <a:ext cx="8007179" cy="4904175"/>
           </a:xfrm>
         </p:spPr>
       </p:pic>
     </p:spTree>
     <p:extLst>
       <p:ext uri="{BB962C8B-B14F-4D97-AF65-F5344CB8AC3E}">
-        <p14:creationId xmlns:p14="http://schemas.microsoft.com/office/powerpoint/2010/main" val="3651801009"/>
+        <p14:creationId xmlns:p14="http://schemas.microsoft.com/office/powerpoint/2010/main" val="2566400015"/>
       </p:ext>
     </p:extLst>
   </p:cSld>
@@ -9717,7 +9957,7 @@
           <p:cNvPr id="2" name="Title 1">
             <a:extLst>
               <a:ext uri="{FF2B5EF4-FFF2-40B4-BE49-F238E27FC236}">
-                <a16:creationId xmlns:a16="http://schemas.microsoft.com/office/drawing/2014/main" id="{3BAB5246-BF58-5E47-919A-8541967ADDDC}"/>
+                <a16:creationId xmlns:a16="http://schemas.microsoft.com/office/drawing/2014/main" id="{F376363F-57CB-7C46-8D30-6997A8CB848E}"/>
               </a:ext>
             </a:extLst>
           </p:cNvPr>
@@ -9728,26 +9968,29 @@
             <p:ph type="title"/>
           </p:nvPr>
         </p:nvSpPr>
-        <p:spPr/>
-        <p:txBody>
-          <a:bodyPr>
-            <a:normAutofit fontScale="90000"/>
-          </a:bodyPr>
+        <p:spPr>
+          <a:xfrm>
+            <a:off x="744713" y="311775"/>
+            <a:ext cx="4049708" cy="1477328"/>
+          </a:xfrm>
+        </p:spPr>
+        <p:txBody>
+          <a:bodyPr/>
           <a:lstStyle/>
           <a:p>
             <a:pPr algn="ctr"/>
             <a:r>
-              <a:rPr lang="en-US" sz="3500" b="1" dirty="0">
-                <a:solidFill>
-                  <a:schemeClr val="bg1"/>
-                </a:solidFill>
-                <a:latin typeface="Times New Roman" panose="02020603050405020304" pitchFamily="18" charset="0"/>
-                <a:cs typeface="Times New Roman" panose="02020603050405020304" pitchFamily="18" charset="0"/>
-              </a:rPr>
-              <a:t>Interpretation:</a:t>
+              <a:rPr lang="en-US" dirty="0">
+                <a:solidFill>
+                  <a:schemeClr val="bg1"/>
+                </a:solidFill>
+                <a:latin typeface="Times New Roman" panose="02020603050405020304" pitchFamily="18" charset="0"/>
+                <a:cs typeface="Times New Roman" panose="02020603050405020304" pitchFamily="18" charset="0"/>
+              </a:rPr>
+              <a:t>Bogota 3</a:t>
             </a:r>
             <a:br>
-              <a:rPr lang="en-US" sz="3500" b="1" dirty="0">
+              <a:rPr lang="en-US" dirty="0">
                 <a:solidFill>
                   <a:schemeClr val="bg1"/>
                 </a:solidFill>
@@ -9756,17 +9999,17 @@
               </a:rPr>
             </a:br>
             <a:r>
-              <a:rPr lang="en-MY" sz="3600" b="1" dirty="0">
-                <a:solidFill>
-                  <a:schemeClr val="bg1"/>
-                </a:solidFill>
-                <a:latin typeface="Times New Roman" panose="02020603050405020304" pitchFamily="18" charset="0"/>
-                <a:cs typeface="Times New Roman" panose="02020603050405020304" pitchFamily="18" charset="0"/>
-              </a:rPr>
-              <a:t>Q18 - What is your race/ethnicity?</a:t>
+              <a:rPr lang="en-US" b="1" dirty="0">
+                <a:solidFill>
+                  <a:schemeClr val="bg1"/>
+                </a:solidFill>
+                <a:latin typeface="Times New Roman" panose="02020603050405020304" pitchFamily="18" charset="0"/>
+                <a:cs typeface="Times New Roman" panose="02020603050405020304" pitchFamily="18" charset="0"/>
+              </a:rPr>
+              <a:t> Full </a:t>
             </a:r>
             <a:br>
-              <a:rPr lang="en-MY" sz="3600" dirty="0">
+              <a:rPr lang="en-US" b="1" dirty="0">
                 <a:solidFill>
                   <a:schemeClr val="bg1"/>
                 </a:solidFill>
@@ -9774,58 +10017,92 @@
                 <a:cs typeface="Times New Roman" panose="02020603050405020304" pitchFamily="18" charset="0"/>
               </a:rPr>
             </a:br>
-            <a:endParaRPr lang="en-US" sz="3500" dirty="0"/>
-          </a:p>
-        </p:txBody>
-      </p:sp>
-      <p:sp>
-        <p:nvSpPr>
-          <p:cNvPr id="3" name="Content Placeholder 2">
+            <a:r>
+              <a:rPr lang="en-US" b="1" dirty="0">
+                <a:solidFill>
+                  <a:schemeClr val="bg1"/>
+                </a:solidFill>
+                <a:latin typeface="Times New Roman" panose="02020603050405020304" pitchFamily="18" charset="0"/>
+                <a:cs typeface="Times New Roman" panose="02020603050405020304" pitchFamily="18" charset="0"/>
+              </a:rPr>
+              <a:t>Transparency  </a:t>
+            </a:r>
+          </a:p>
+        </p:txBody>
+      </p:sp>
+      <p:sp>
+        <p:nvSpPr>
+          <p:cNvPr id="6" name="Rectangle 5">
             <a:extLst>
               <a:ext uri="{FF2B5EF4-FFF2-40B4-BE49-F238E27FC236}">
-                <a16:creationId xmlns:a16="http://schemas.microsoft.com/office/drawing/2014/main" id="{F8C0E548-70B0-3342-BC65-46EE365E4F71}"/>
+                <a16:creationId xmlns:a16="http://schemas.microsoft.com/office/drawing/2014/main" id="{B335D236-8F50-8C4C-8D59-BEC353129962}"/>
               </a:ext>
             </a:extLst>
           </p:cNvPr>
-          <p:cNvSpPr>
-            <a:spLocks noGrp="1"/>
-          </p:cNvSpPr>
+          <p:cNvSpPr/>
+          <p:nvPr/>
+        </p:nvSpPr>
+        <p:spPr>
+          <a:xfrm>
+            <a:off x="5351287" y="758052"/>
+            <a:ext cx="6096000" cy="584775"/>
+          </a:xfrm>
+          <a:prstGeom prst="rect">
+            <a:avLst/>
+          </a:prstGeom>
+        </p:spPr>
+        <p:txBody>
+          <a:bodyPr>
+            <a:spAutoFit/>
+          </a:bodyPr>
+          <a:lstStyle/>
+          <a:p>
+            <a:r>
+              <a:rPr lang="en-MY" sz="3200" dirty="0">
+                <a:solidFill>
+                  <a:schemeClr val="bg1"/>
+                </a:solidFill>
+                <a:latin typeface="Times New Roman" panose="02020603050405020304" pitchFamily="18" charset="0"/>
+                <a:cs typeface="Times New Roman" panose="02020603050405020304" pitchFamily="18" charset="0"/>
+              </a:rPr>
+              <a:t>Q18 - What is your race/ethnicity?</a:t>
+            </a:r>
+          </a:p>
+        </p:txBody>
+      </p:sp>
+      <p:pic>
+        <p:nvPicPr>
+          <p:cNvPr id="7" name="Content Placeholder 6" descr="Chart, waterfall chart&#10;&#10;Description automatically generated">
+            <a:extLst>
+              <a:ext uri="{FF2B5EF4-FFF2-40B4-BE49-F238E27FC236}">
+                <a16:creationId xmlns:a16="http://schemas.microsoft.com/office/drawing/2014/main" id="{1627395C-AA4A-C74D-8B06-E7CD8668A8A5}"/>
+              </a:ext>
+            </a:extLst>
+          </p:cNvPr>
+          <p:cNvPicPr>
+            <a:picLocks noGrp="1" noChangeAspect="1"/>
+          </p:cNvPicPr>
           <p:nvPr>
             <p:ph idx="1"/>
           </p:nvPr>
-        </p:nvSpPr>
-        <p:spPr/>
-        <p:txBody>
-          <a:bodyPr/>
-          <a:lstStyle/>
-          <a:p>
-            <a:pPr marL="0" indent="0" algn="ctr">
-              <a:buNone/>
-            </a:pPr>
-            <a:r>
-              <a:rPr lang="en-US" sz="4200" dirty="0">
-                <a:solidFill>
-                  <a:schemeClr val="bg1"/>
-                </a:solidFill>
-                <a:latin typeface="Times New Roman" panose="02020603050405020304" pitchFamily="18" charset="0"/>
-                <a:cs typeface="Times New Roman" panose="02020603050405020304" pitchFamily="18" charset="0"/>
-              </a:rPr>
-              <a:t>Majority of the participants are Hispanic/Latino in all 4 treatment groups  </a:t>
-            </a:r>
-            <a:endParaRPr lang="en-US" sz="4200" dirty="0">
-              <a:latin typeface="Times New Roman" panose="02020603050405020304" pitchFamily="18" charset="0"/>
-              <a:cs typeface="Times New Roman" panose="02020603050405020304" pitchFamily="18" charset="0"/>
-            </a:endParaRPr>
-          </a:p>
-          <a:p>
-            <a:endParaRPr lang="en-US" dirty="0"/>
-          </a:p>
-        </p:txBody>
-      </p:sp>
+        </p:nvPicPr>
+        <p:blipFill>
+          <a:blip r:embed="rId2"/>
+          <a:stretch>
+            <a:fillRect/>
+          </a:stretch>
+        </p:blipFill>
+        <p:spPr>
+          <a:xfrm>
+            <a:off x="2123302" y="2040395"/>
+            <a:ext cx="7945395" cy="4505830"/>
+          </a:xfrm>
+        </p:spPr>
+      </p:pic>
     </p:spTree>
     <p:extLst>
       <p:ext uri="{BB962C8B-B14F-4D97-AF65-F5344CB8AC3E}">
-        <p14:creationId xmlns:p14="http://schemas.microsoft.com/office/powerpoint/2010/main" val="1943579339"/>
+        <p14:creationId xmlns:p14="http://schemas.microsoft.com/office/powerpoint/2010/main" val="3651801009"/>
       </p:ext>
     </p:extLst>
   </p:cSld>
@@ -9865,7 +10142,7 @@
           <p:cNvPr id="2" name="Title 1">
             <a:extLst>
               <a:ext uri="{FF2B5EF4-FFF2-40B4-BE49-F238E27FC236}">
-                <a16:creationId xmlns:a16="http://schemas.microsoft.com/office/drawing/2014/main" id="{F376363F-57CB-7C46-8D30-6997A8CB848E}"/>
+                <a16:creationId xmlns:a16="http://schemas.microsoft.com/office/drawing/2014/main" id="{3BAB5246-BF58-5E47-919A-8541967ADDDC}"/>
               </a:ext>
             </a:extLst>
           </p:cNvPr>
@@ -9876,29 +10153,26 @@
             <p:ph type="title"/>
           </p:nvPr>
         </p:nvSpPr>
-        <p:spPr>
-          <a:xfrm>
-            <a:off x="744713" y="311775"/>
-            <a:ext cx="4049708" cy="1477328"/>
-          </a:xfrm>
-        </p:spPr>
-        <p:txBody>
-          <a:bodyPr/>
+        <p:spPr/>
+        <p:txBody>
+          <a:bodyPr>
+            <a:normAutofit fontScale="90000"/>
+          </a:bodyPr>
           <a:lstStyle/>
           <a:p>
             <a:pPr algn="ctr"/>
             <a:r>
-              <a:rPr lang="en-US" dirty="0">
-                <a:solidFill>
-                  <a:schemeClr val="bg1"/>
-                </a:solidFill>
-                <a:latin typeface="Times New Roman" panose="02020603050405020304" pitchFamily="18" charset="0"/>
-                <a:cs typeface="Times New Roman" panose="02020603050405020304" pitchFamily="18" charset="0"/>
-              </a:rPr>
-              <a:t>Bogota 0</a:t>
+              <a:rPr lang="en-US" sz="3500" b="1" dirty="0">
+                <a:solidFill>
+                  <a:schemeClr val="bg1"/>
+                </a:solidFill>
+                <a:latin typeface="Times New Roman" panose="02020603050405020304" pitchFamily="18" charset="0"/>
+                <a:cs typeface="Times New Roman" panose="02020603050405020304" pitchFamily="18" charset="0"/>
+              </a:rPr>
+              <a:t>Interpretation:</a:t>
             </a:r>
             <a:br>
-              <a:rPr lang="en-US" dirty="0">
+              <a:rPr lang="en-US" sz="3500" b="1" dirty="0">
                 <a:solidFill>
                   <a:schemeClr val="bg1"/>
                 </a:solidFill>
@@ -9907,17 +10181,17 @@
               </a:rPr>
             </a:br>
             <a:r>
-              <a:rPr lang="en-US" b="1" dirty="0">
-                <a:solidFill>
-                  <a:schemeClr val="bg1"/>
-                </a:solidFill>
-                <a:latin typeface="Times New Roman" panose="02020603050405020304" pitchFamily="18" charset="0"/>
-                <a:cs typeface="Times New Roman" panose="02020603050405020304" pitchFamily="18" charset="0"/>
-              </a:rPr>
-              <a:t> No </a:t>
+              <a:rPr lang="en-MY" sz="3600" b="1" dirty="0">
+                <a:solidFill>
+                  <a:schemeClr val="bg1"/>
+                </a:solidFill>
+                <a:latin typeface="Times New Roman" panose="02020603050405020304" pitchFamily="18" charset="0"/>
+                <a:cs typeface="Times New Roman" panose="02020603050405020304" pitchFamily="18" charset="0"/>
+              </a:rPr>
+              <a:t>Q18 - What is your race/ethnicity?</a:t>
             </a:r>
             <a:br>
-              <a:rPr lang="en-US" b="1" dirty="0">
+              <a:rPr lang="en-MY" sz="3600" dirty="0">
                 <a:solidFill>
                   <a:schemeClr val="bg1"/>
                 </a:solidFill>
@@ -9925,112 +10199,58 @@
                 <a:cs typeface="Times New Roman" panose="02020603050405020304" pitchFamily="18" charset="0"/>
               </a:rPr>
             </a:br>
-            <a:r>
-              <a:rPr lang="en-US" b="1" dirty="0">
-                <a:solidFill>
-                  <a:schemeClr val="bg1"/>
-                </a:solidFill>
-                <a:latin typeface="Times New Roman" panose="02020603050405020304" pitchFamily="18" charset="0"/>
-                <a:cs typeface="Times New Roman" panose="02020603050405020304" pitchFamily="18" charset="0"/>
-              </a:rPr>
-              <a:t>Transparency  </a:t>
-            </a:r>
-          </a:p>
-        </p:txBody>
-      </p:sp>
-      <p:sp>
-        <p:nvSpPr>
-          <p:cNvPr id="6" name="Rectangle 5">
+            <a:endParaRPr lang="en-US" sz="3500" dirty="0"/>
+          </a:p>
+        </p:txBody>
+      </p:sp>
+      <p:sp>
+        <p:nvSpPr>
+          <p:cNvPr id="3" name="Content Placeholder 2">
             <a:extLst>
               <a:ext uri="{FF2B5EF4-FFF2-40B4-BE49-F238E27FC236}">
-                <a16:creationId xmlns:a16="http://schemas.microsoft.com/office/drawing/2014/main" id="{B335D236-8F50-8C4C-8D59-BEC353129962}"/>
+                <a16:creationId xmlns:a16="http://schemas.microsoft.com/office/drawing/2014/main" id="{F8C0E548-70B0-3342-BC65-46EE365E4F71}"/>
               </a:ext>
             </a:extLst>
           </p:cNvPr>
-          <p:cNvSpPr/>
-          <p:nvPr/>
-        </p:nvSpPr>
-        <p:spPr>
-          <a:xfrm>
-            <a:off x="4361935" y="311775"/>
-            <a:ext cx="7278130" cy="1569660"/>
-          </a:xfrm>
-          <a:prstGeom prst="rect">
-            <a:avLst/>
-          </a:prstGeom>
-        </p:spPr>
-        <p:txBody>
-          <a:bodyPr wrap="square">
-            <a:spAutoFit/>
-          </a:bodyPr>
+          <p:cNvSpPr>
+            <a:spLocks noGrp="1"/>
+          </p:cNvSpPr>
+          <p:nvPr>
+            <p:ph idx="1"/>
+          </p:nvPr>
+        </p:nvSpPr>
+        <p:spPr/>
+        <p:txBody>
+          <a:bodyPr/>
           <a:lstStyle/>
           <a:p>
-            <a:r>
-              <a:rPr lang="en-MY" sz="3200" dirty="0">
-                <a:solidFill>
-                  <a:schemeClr val="bg1"/>
-                </a:solidFill>
-                <a:latin typeface="Times New Roman" panose="02020603050405020304" pitchFamily="18" charset="0"/>
-                <a:cs typeface="Times New Roman" panose="02020603050405020304" pitchFamily="18" charset="0"/>
-              </a:rPr>
-              <a:t>Q9 - Have you participated in any programming competition before (e.g. </a:t>
-            </a:r>
-            <a:r>
-              <a:rPr lang="en-MY" sz="3200" dirty="0" err="1">
-                <a:solidFill>
-                  <a:schemeClr val="bg1"/>
-                </a:solidFill>
-                <a:latin typeface="Times New Roman" panose="02020603050405020304" pitchFamily="18" charset="0"/>
-                <a:cs typeface="Times New Roman" panose="02020603050405020304" pitchFamily="18" charset="0"/>
-              </a:rPr>
-              <a:t>Topcoder.com</a:t>
-            </a:r>
-            <a:r>
-              <a:rPr lang="en-MY" sz="3200" dirty="0">
-                <a:solidFill>
-                  <a:schemeClr val="bg1"/>
-                </a:solidFill>
-                <a:latin typeface="Times New Roman" panose="02020603050405020304" pitchFamily="18" charset="0"/>
-                <a:cs typeface="Times New Roman" panose="02020603050405020304" pitchFamily="18" charset="0"/>
-              </a:rPr>
-              <a:t>, local hacking events etc.)?</a:t>
-            </a:r>
-          </a:p>
-        </p:txBody>
-      </p:sp>
-      <p:pic>
-        <p:nvPicPr>
-          <p:cNvPr id="5" name="Content Placeholder 4" descr="Chart, bar chart&#10;&#10;Description automatically generated">
-            <a:extLst>
-              <a:ext uri="{FF2B5EF4-FFF2-40B4-BE49-F238E27FC236}">
-                <a16:creationId xmlns:a16="http://schemas.microsoft.com/office/drawing/2014/main" id="{BE5B4D9C-C59B-F040-B906-6BF9CCB2800D}"/>
-              </a:ext>
-            </a:extLst>
-          </p:cNvPr>
-          <p:cNvPicPr>
-            <a:picLocks noGrp="1" noChangeAspect="1"/>
-          </p:cNvPicPr>
-          <p:nvPr>
-            <p:ph idx="1"/>
-          </p:nvPr>
-        </p:nvPicPr>
-        <p:blipFill>
-          <a:blip r:embed="rId2"/>
-          <a:stretch>
-            <a:fillRect/>
-          </a:stretch>
-        </p:blipFill>
-        <p:spPr>
-          <a:xfrm>
-            <a:off x="2701200" y="2541588"/>
-            <a:ext cx="6767374" cy="3227387"/>
-          </a:xfrm>
-        </p:spPr>
-      </p:pic>
+            <a:pPr marL="0" indent="0" algn="ctr">
+              <a:buNone/>
+            </a:pPr>
+            <a:r>
+              <a:rPr lang="en-US" sz="4200" dirty="0">
+                <a:solidFill>
+                  <a:schemeClr val="bg1"/>
+                </a:solidFill>
+                <a:latin typeface="Times New Roman" panose="02020603050405020304" pitchFamily="18" charset="0"/>
+                <a:cs typeface="Times New Roman" panose="02020603050405020304" pitchFamily="18" charset="0"/>
+              </a:rPr>
+              <a:t>Majority of the participants are Hispanic/Latino in all 4 treatment groups  </a:t>
+            </a:r>
+            <a:endParaRPr lang="en-US" sz="4200" dirty="0">
+              <a:latin typeface="Times New Roman" panose="02020603050405020304" pitchFamily="18" charset="0"/>
+              <a:cs typeface="Times New Roman" panose="02020603050405020304" pitchFamily="18" charset="0"/>
+            </a:endParaRPr>
+          </a:p>
+          <a:p>
+            <a:endParaRPr lang="en-US" dirty="0"/>
+          </a:p>
+        </p:txBody>
+      </p:sp>
     </p:spTree>
     <p:extLst>
       <p:ext uri="{BB962C8B-B14F-4D97-AF65-F5344CB8AC3E}">
-        <p14:creationId xmlns:p14="http://schemas.microsoft.com/office/powerpoint/2010/main" val="197242192"/>
+        <p14:creationId xmlns:p14="http://schemas.microsoft.com/office/powerpoint/2010/main" val="1943579339"/>
       </p:ext>
     </p:extLst>
   </p:cSld>
@@ -10083,8 +10303,8 @@
         </p:nvSpPr>
         <p:spPr>
           <a:xfrm>
-            <a:off x="358346" y="509483"/>
-            <a:ext cx="4287794" cy="1477328"/>
+            <a:off x="744713" y="311775"/>
+            <a:ext cx="4049708" cy="1477328"/>
           </a:xfrm>
         </p:spPr>
         <p:txBody>
@@ -10100,7 +10320,7 @@
                 <a:latin typeface="Times New Roman" panose="02020603050405020304" pitchFamily="18" charset="0"/>
                 <a:cs typeface="Times New Roman" panose="02020603050405020304" pitchFamily="18" charset="0"/>
               </a:rPr>
-              <a:t>Bogota 1</a:t>
+              <a:t>Bogota 0</a:t>
             </a:r>
             <a:br>
               <a:rPr lang="en-US" dirty="0">
@@ -10119,7 +10339,7 @@
                 <a:latin typeface="Times New Roman" panose="02020603050405020304" pitchFamily="18" charset="0"/>
                 <a:cs typeface="Times New Roman" panose="02020603050405020304" pitchFamily="18" charset="0"/>
               </a:rPr>
-              <a:t> Performance</a:t>
+              <a:t> No </a:t>
             </a:r>
             <a:br>
               <a:rPr lang="en-US" b="1" dirty="0">
@@ -10157,8 +10377,8 @@
         </p:nvSpPr>
         <p:spPr>
           <a:xfrm>
-            <a:off x="4263081" y="420130"/>
-            <a:ext cx="7184206" cy="2062103"/>
+            <a:off x="4361935" y="311775"/>
+            <a:ext cx="7278130" cy="1569660"/>
           </a:xfrm>
           <a:prstGeom prst="rect">
             <a:avLst/>
@@ -10200,15 +10420,6 @@
               </a:rPr>
               <a:t>, local hacking events etc.)?</a:t>
             </a:r>
-          </a:p>
-          <a:p>
-            <a:endParaRPr lang="en-MY" sz="3200" dirty="0">
-              <a:solidFill>
-                <a:schemeClr val="bg1"/>
-              </a:solidFill>
-              <a:latin typeface="Times New Roman" panose="02020603050405020304" pitchFamily="18" charset="0"/>
-              <a:cs typeface="Times New Roman" panose="02020603050405020304" pitchFamily="18" charset="0"/>
-            </a:endParaRPr>
           </a:p>
         </p:txBody>
       </p:sp>
@@ -10217,7 +10428,7 @@
           <p:cNvPr id="5" name="Content Placeholder 4" descr="Chart, bar chart&#10;&#10;Description automatically generated">
             <a:extLst>
               <a:ext uri="{FF2B5EF4-FFF2-40B4-BE49-F238E27FC236}">
-                <a16:creationId xmlns:a16="http://schemas.microsoft.com/office/drawing/2014/main" id="{B10CB248-8627-3C4D-8BC2-E35DAD1542F6}"/>
+                <a16:creationId xmlns:a16="http://schemas.microsoft.com/office/drawing/2014/main" id="{BE5B4D9C-C59B-F040-B906-6BF9CCB2800D}"/>
               </a:ext>
             </a:extLst>
           </p:cNvPr>
@@ -10236,15 +10447,15 @@
         </p:blipFill>
         <p:spPr>
           <a:xfrm>
-            <a:off x="1359243" y="2131188"/>
-            <a:ext cx="9032789" cy="4244857"/>
+            <a:off x="2701200" y="2541588"/>
+            <a:ext cx="6767374" cy="3227387"/>
           </a:xfrm>
         </p:spPr>
       </p:pic>
     </p:spTree>
     <p:extLst>
       <p:ext uri="{BB962C8B-B14F-4D97-AF65-F5344CB8AC3E}">
-        <p14:creationId xmlns:p14="http://schemas.microsoft.com/office/powerpoint/2010/main" val="771414753"/>
+        <p14:creationId xmlns:p14="http://schemas.microsoft.com/office/powerpoint/2010/main" val="197242192"/>
       </p:ext>
     </p:extLst>
   </p:cSld>
@@ -10297,8 +10508,8 @@
         </p:nvSpPr>
         <p:spPr>
           <a:xfrm>
-            <a:off x="509934" y="420130"/>
-            <a:ext cx="4049708" cy="1477328"/>
+            <a:off x="358346" y="509483"/>
+            <a:ext cx="4287794" cy="1477328"/>
           </a:xfrm>
         </p:spPr>
         <p:txBody>
@@ -10314,7 +10525,7 @@
                 <a:latin typeface="Times New Roman" panose="02020603050405020304" pitchFamily="18" charset="0"/>
                 <a:cs typeface="Times New Roman" panose="02020603050405020304" pitchFamily="18" charset="0"/>
               </a:rPr>
-              <a:t>Bogota 2</a:t>
+              <a:t>Bogota 1</a:t>
             </a:r>
             <a:br>
               <a:rPr lang="en-US" dirty="0">
@@ -10333,7 +10544,7 @@
                 <a:latin typeface="Times New Roman" panose="02020603050405020304" pitchFamily="18" charset="0"/>
                 <a:cs typeface="Times New Roman" panose="02020603050405020304" pitchFamily="18" charset="0"/>
               </a:rPr>
-              <a:t> Solution</a:t>
+              <a:t> Performance</a:t>
             </a:r>
             <a:br>
               <a:rPr lang="en-US" b="1" dirty="0">
@@ -10371,8 +10582,8 @@
         </p:nvSpPr>
         <p:spPr>
           <a:xfrm>
-            <a:off x="4114800" y="420130"/>
-            <a:ext cx="7332487" cy="2062103"/>
+            <a:off x="4263081" y="420130"/>
+            <a:ext cx="7184206" cy="2062103"/>
           </a:xfrm>
           <a:prstGeom prst="rect">
             <a:avLst/>
@@ -10431,7 +10642,7 @@
           <p:cNvPr id="5" name="Content Placeholder 4" descr="Chart, bar chart&#10;&#10;Description automatically generated">
             <a:extLst>
               <a:ext uri="{FF2B5EF4-FFF2-40B4-BE49-F238E27FC236}">
-                <a16:creationId xmlns:a16="http://schemas.microsoft.com/office/drawing/2014/main" id="{566B15DB-CA47-A042-8F73-CEA38A59B501}"/>
+                <a16:creationId xmlns:a16="http://schemas.microsoft.com/office/drawing/2014/main" id="{B10CB248-8627-3C4D-8BC2-E35DAD1542F6}"/>
               </a:ext>
             </a:extLst>
           </p:cNvPr>
@@ -10450,15 +10661,15 @@
         </p:blipFill>
         <p:spPr>
           <a:xfrm>
-            <a:off x="1786759" y="2125899"/>
-            <a:ext cx="9217573" cy="4499737"/>
+            <a:off x="1359243" y="2131188"/>
+            <a:ext cx="9032789" cy="4244857"/>
           </a:xfrm>
         </p:spPr>
       </p:pic>
     </p:spTree>
     <p:extLst>
       <p:ext uri="{BB962C8B-B14F-4D97-AF65-F5344CB8AC3E}">
-        <p14:creationId xmlns:p14="http://schemas.microsoft.com/office/powerpoint/2010/main" val="1664945539"/>
+        <p14:creationId xmlns:p14="http://schemas.microsoft.com/office/powerpoint/2010/main" val="771414753"/>
       </p:ext>
     </p:extLst>
   </p:cSld>
@@ -10511,7 +10722,7 @@
         </p:nvSpPr>
         <p:spPr>
           <a:xfrm>
-            <a:off x="744713" y="311775"/>
+            <a:off x="509934" y="420130"/>
             <a:ext cx="4049708" cy="1477328"/>
           </a:xfrm>
         </p:spPr>
@@ -10528,7 +10739,7 @@
                 <a:latin typeface="Times New Roman" panose="02020603050405020304" pitchFamily="18" charset="0"/>
                 <a:cs typeface="Times New Roman" panose="02020603050405020304" pitchFamily="18" charset="0"/>
               </a:rPr>
-              <a:t>Bogota 3</a:t>
+              <a:t>Bogota 2</a:t>
             </a:r>
             <a:br>
               <a:rPr lang="en-US" dirty="0">
@@ -10547,7 +10758,7 @@
                 <a:latin typeface="Times New Roman" panose="02020603050405020304" pitchFamily="18" charset="0"/>
                 <a:cs typeface="Times New Roman" panose="02020603050405020304" pitchFamily="18" charset="0"/>
               </a:rPr>
-              <a:t> Full </a:t>
+              <a:t> Solution</a:t>
             </a:r>
             <a:br>
               <a:rPr lang="en-US" b="1" dirty="0">
@@ -10585,8 +10796,8 @@
         </p:nvSpPr>
         <p:spPr>
           <a:xfrm>
-            <a:off x="4411362" y="311776"/>
-            <a:ext cx="7035925" cy="2062103"/>
+            <a:off x="4114800" y="420130"/>
+            <a:ext cx="7332487" cy="2062103"/>
           </a:xfrm>
           <a:prstGeom prst="rect">
             <a:avLst/>
@@ -10645,7 +10856,7 @@
           <p:cNvPr id="5" name="Content Placeholder 4" descr="Chart, bar chart&#10;&#10;Description automatically generated">
             <a:extLst>
               <a:ext uri="{FF2B5EF4-FFF2-40B4-BE49-F238E27FC236}">
-                <a16:creationId xmlns:a16="http://schemas.microsoft.com/office/drawing/2014/main" id="{7B77BA19-76D7-1D4A-92E4-C51AAC9DB5A7}"/>
+                <a16:creationId xmlns:a16="http://schemas.microsoft.com/office/drawing/2014/main" id="{566B15DB-CA47-A042-8F73-CEA38A59B501}"/>
               </a:ext>
             </a:extLst>
           </p:cNvPr>
@@ -10664,15 +10875,15 @@
         </p:blipFill>
         <p:spPr>
           <a:xfrm>
-            <a:off x="1492468" y="1926310"/>
-            <a:ext cx="9616965" cy="4619914"/>
+            <a:off x="1786759" y="2125899"/>
+            <a:ext cx="9217573" cy="4499737"/>
           </a:xfrm>
         </p:spPr>
       </p:pic>
     </p:spTree>
     <p:extLst>
       <p:ext uri="{BB962C8B-B14F-4D97-AF65-F5344CB8AC3E}">
-        <p14:creationId xmlns:p14="http://schemas.microsoft.com/office/powerpoint/2010/main" val="3583713983"/>
+        <p14:creationId xmlns:p14="http://schemas.microsoft.com/office/powerpoint/2010/main" val="1664945539"/>
       </p:ext>
     </p:extLst>
   </p:cSld>
@@ -10712,7 +10923,7 @@
           <p:cNvPr id="2" name="Title 1">
             <a:extLst>
               <a:ext uri="{FF2B5EF4-FFF2-40B4-BE49-F238E27FC236}">
-                <a16:creationId xmlns:a16="http://schemas.microsoft.com/office/drawing/2014/main" id="{3BAB5246-BF58-5E47-919A-8541967ADDDC}"/>
+                <a16:creationId xmlns:a16="http://schemas.microsoft.com/office/drawing/2014/main" id="{F376363F-57CB-7C46-8D30-6997A8CB848E}"/>
               </a:ext>
             </a:extLst>
           </p:cNvPr>
@@ -10723,26 +10934,29 @@
             <p:ph type="title"/>
           </p:nvPr>
         </p:nvSpPr>
-        <p:spPr/>
-        <p:txBody>
-          <a:bodyPr>
-            <a:normAutofit fontScale="90000"/>
-          </a:bodyPr>
+        <p:spPr>
+          <a:xfrm>
+            <a:off x="744713" y="311775"/>
+            <a:ext cx="4049708" cy="1477328"/>
+          </a:xfrm>
+        </p:spPr>
+        <p:txBody>
+          <a:bodyPr/>
           <a:lstStyle/>
           <a:p>
             <a:pPr algn="ctr"/>
             <a:r>
-              <a:rPr lang="en-US" sz="3500" b="1" dirty="0">
-                <a:solidFill>
-                  <a:schemeClr val="bg1"/>
-                </a:solidFill>
-                <a:latin typeface="Times New Roman" panose="02020603050405020304" pitchFamily="18" charset="0"/>
-                <a:cs typeface="Times New Roman" panose="02020603050405020304" pitchFamily="18" charset="0"/>
-              </a:rPr>
-              <a:t>Interpretation:</a:t>
+              <a:rPr lang="en-US" dirty="0">
+                <a:solidFill>
+                  <a:schemeClr val="bg1"/>
+                </a:solidFill>
+                <a:latin typeface="Times New Roman" panose="02020603050405020304" pitchFamily="18" charset="0"/>
+                <a:cs typeface="Times New Roman" panose="02020603050405020304" pitchFamily="18" charset="0"/>
+              </a:rPr>
+              <a:t>Bogota 3</a:t>
             </a:r>
             <a:br>
-              <a:rPr lang="en-US" sz="3500" b="1" dirty="0">
+              <a:rPr lang="en-US" dirty="0">
                 <a:solidFill>
                   <a:schemeClr val="bg1"/>
                 </a:solidFill>
@@ -10751,37 +10965,17 @@
               </a:rPr>
             </a:br>
             <a:r>
-              <a:rPr lang="en-MY" sz="3600" dirty="0">
-                <a:solidFill>
-                  <a:schemeClr val="bg1"/>
-                </a:solidFill>
-                <a:latin typeface="Times New Roman" panose="02020603050405020304" pitchFamily="18" charset="0"/>
-                <a:cs typeface="Times New Roman" panose="02020603050405020304" pitchFamily="18" charset="0"/>
-              </a:rPr>
-              <a:t>Q9 - Have you participated in any programming competition before (e.g. </a:t>
-            </a:r>
-            <a:r>
-              <a:rPr lang="en-MY" sz="3600" dirty="0" err="1">
-                <a:solidFill>
-                  <a:schemeClr val="bg1"/>
-                </a:solidFill>
-                <a:latin typeface="Times New Roman" panose="02020603050405020304" pitchFamily="18" charset="0"/>
-                <a:cs typeface="Times New Roman" panose="02020603050405020304" pitchFamily="18" charset="0"/>
-              </a:rPr>
-              <a:t>Topcoder.com</a:t>
-            </a:r>
-            <a:r>
-              <a:rPr lang="en-MY" sz="3600" dirty="0">
-                <a:solidFill>
-                  <a:schemeClr val="bg1"/>
-                </a:solidFill>
-                <a:latin typeface="Times New Roman" panose="02020603050405020304" pitchFamily="18" charset="0"/>
-                <a:cs typeface="Times New Roman" panose="02020603050405020304" pitchFamily="18" charset="0"/>
-              </a:rPr>
-              <a:t>, local hacking events etc.)?</a:t>
+              <a:rPr lang="en-US" b="1" dirty="0">
+                <a:solidFill>
+                  <a:schemeClr val="bg1"/>
+                </a:solidFill>
+                <a:latin typeface="Times New Roman" panose="02020603050405020304" pitchFamily="18" charset="0"/>
+                <a:cs typeface="Times New Roman" panose="02020603050405020304" pitchFamily="18" charset="0"/>
+              </a:rPr>
+              <a:t> Full </a:t>
             </a:r>
             <a:br>
-              <a:rPr lang="en-MY" sz="3600" dirty="0">
+              <a:rPr lang="en-US" b="1" dirty="0">
                 <a:solidFill>
                   <a:schemeClr val="bg1"/>
                 </a:solidFill>
@@ -10789,63 +10983,121 @@
                 <a:cs typeface="Times New Roman" panose="02020603050405020304" pitchFamily="18" charset="0"/>
               </a:rPr>
             </a:br>
-            <a:br>
-              <a:rPr lang="en-MY" sz="3600" dirty="0">
-                <a:solidFill>
-                  <a:schemeClr val="bg1"/>
-                </a:solidFill>
-                <a:latin typeface="Times New Roman" panose="02020603050405020304" pitchFamily="18" charset="0"/>
-                <a:cs typeface="Times New Roman" panose="02020603050405020304" pitchFamily="18" charset="0"/>
-              </a:rPr>
-            </a:br>
-            <a:endParaRPr lang="en-US" sz="3500" dirty="0"/>
-          </a:p>
-        </p:txBody>
-      </p:sp>
-      <p:sp>
-        <p:nvSpPr>
-          <p:cNvPr id="3" name="Content Placeholder 2">
+            <a:r>
+              <a:rPr lang="en-US" b="1" dirty="0">
+                <a:solidFill>
+                  <a:schemeClr val="bg1"/>
+                </a:solidFill>
+                <a:latin typeface="Times New Roman" panose="02020603050405020304" pitchFamily="18" charset="0"/>
+                <a:cs typeface="Times New Roman" panose="02020603050405020304" pitchFamily="18" charset="0"/>
+              </a:rPr>
+              <a:t>Transparency  </a:t>
+            </a:r>
+          </a:p>
+        </p:txBody>
+      </p:sp>
+      <p:sp>
+        <p:nvSpPr>
+          <p:cNvPr id="6" name="Rectangle 5">
             <a:extLst>
               <a:ext uri="{FF2B5EF4-FFF2-40B4-BE49-F238E27FC236}">
-                <a16:creationId xmlns:a16="http://schemas.microsoft.com/office/drawing/2014/main" id="{F8C0E548-70B0-3342-BC65-46EE365E4F71}"/>
+                <a16:creationId xmlns:a16="http://schemas.microsoft.com/office/drawing/2014/main" id="{B335D236-8F50-8C4C-8D59-BEC353129962}"/>
               </a:ext>
             </a:extLst>
           </p:cNvPr>
-          <p:cNvSpPr>
-            <a:spLocks noGrp="1"/>
-          </p:cNvSpPr>
-          <p:nvPr>
-            <p:ph idx="1"/>
-          </p:nvPr>
-        </p:nvSpPr>
-        <p:spPr/>
-        <p:txBody>
-          <a:bodyPr>
-            <a:normAutofit/>
+          <p:cNvSpPr/>
+          <p:nvPr/>
+        </p:nvSpPr>
+        <p:spPr>
+          <a:xfrm>
+            <a:off x="4411362" y="311776"/>
+            <a:ext cx="7035925" cy="2062103"/>
+          </a:xfrm>
+          <a:prstGeom prst="rect">
+            <a:avLst/>
+          </a:prstGeom>
+        </p:spPr>
+        <p:txBody>
+          <a:bodyPr wrap="square">
+            <a:spAutoFit/>
           </a:bodyPr>
           <a:lstStyle/>
           <a:p>
-            <a:pPr marL="0" indent="0" algn="ctr">
-              <a:buNone/>
-            </a:pPr>
-            <a:r>
-              <a:rPr lang="en-US" sz="3000" dirty="0">
-                <a:solidFill>
-                  <a:schemeClr val="bg1"/>
-                </a:solidFill>
-                <a:latin typeface="Times New Roman" panose="02020603050405020304" pitchFamily="18" charset="0"/>
-                <a:cs typeface="Times New Roman" panose="02020603050405020304" pitchFamily="18" charset="0"/>
-              </a:rPr>
-              <a:t>Majority of the participants have not participated in any programming competition before in all 4 groups. </a:t>
-            </a:r>
-            <a:endParaRPr lang="en-US" sz="3000" dirty="0"/>
-          </a:p>
-        </p:txBody>
-      </p:sp>
+            <a:r>
+              <a:rPr lang="en-MY" sz="3200" dirty="0">
+                <a:solidFill>
+                  <a:schemeClr val="bg1"/>
+                </a:solidFill>
+                <a:latin typeface="Times New Roman" panose="02020603050405020304" pitchFamily="18" charset="0"/>
+                <a:cs typeface="Times New Roman" panose="02020603050405020304" pitchFamily="18" charset="0"/>
+              </a:rPr>
+              <a:t>Q9 - Have you participated in any programming competition before (e.g. </a:t>
+            </a:r>
+            <a:r>
+              <a:rPr lang="en-MY" sz="3200" dirty="0" err="1">
+                <a:solidFill>
+                  <a:schemeClr val="bg1"/>
+                </a:solidFill>
+                <a:latin typeface="Times New Roman" panose="02020603050405020304" pitchFamily="18" charset="0"/>
+                <a:cs typeface="Times New Roman" panose="02020603050405020304" pitchFamily="18" charset="0"/>
+              </a:rPr>
+              <a:t>Topcoder.com</a:t>
+            </a:r>
+            <a:r>
+              <a:rPr lang="en-MY" sz="3200" dirty="0">
+                <a:solidFill>
+                  <a:schemeClr val="bg1"/>
+                </a:solidFill>
+                <a:latin typeface="Times New Roman" panose="02020603050405020304" pitchFamily="18" charset="0"/>
+                <a:cs typeface="Times New Roman" panose="02020603050405020304" pitchFamily="18" charset="0"/>
+              </a:rPr>
+              <a:t>, local hacking events etc.)?</a:t>
+            </a:r>
+          </a:p>
+          <a:p>
+            <a:endParaRPr lang="en-MY" sz="3200" dirty="0">
+              <a:solidFill>
+                <a:schemeClr val="bg1"/>
+              </a:solidFill>
+              <a:latin typeface="Times New Roman" panose="02020603050405020304" pitchFamily="18" charset="0"/>
+              <a:cs typeface="Times New Roman" panose="02020603050405020304" pitchFamily="18" charset="0"/>
+            </a:endParaRPr>
+          </a:p>
+        </p:txBody>
+      </p:sp>
+      <p:pic>
+        <p:nvPicPr>
+          <p:cNvPr id="5" name="Content Placeholder 4" descr="Chart, bar chart&#10;&#10;Description automatically generated">
+            <a:extLst>
+              <a:ext uri="{FF2B5EF4-FFF2-40B4-BE49-F238E27FC236}">
+                <a16:creationId xmlns:a16="http://schemas.microsoft.com/office/drawing/2014/main" id="{7B77BA19-76D7-1D4A-92E4-C51AAC9DB5A7}"/>
+              </a:ext>
+            </a:extLst>
+          </p:cNvPr>
+          <p:cNvPicPr>
+            <a:picLocks noGrp="1" noChangeAspect="1"/>
+          </p:cNvPicPr>
+          <p:nvPr>
+            <p:ph idx="1"/>
+          </p:nvPr>
+        </p:nvPicPr>
+        <p:blipFill>
+          <a:blip r:embed="rId2"/>
+          <a:stretch>
+            <a:fillRect/>
+          </a:stretch>
+        </p:blipFill>
+        <p:spPr>
+          <a:xfrm>
+            <a:off x="1492468" y="1926310"/>
+            <a:ext cx="9616965" cy="4619914"/>
+          </a:xfrm>
+        </p:spPr>
+      </p:pic>
     </p:spTree>
     <p:extLst>
       <p:ext uri="{BB962C8B-B14F-4D97-AF65-F5344CB8AC3E}">
-        <p14:creationId xmlns:p14="http://schemas.microsoft.com/office/powerpoint/2010/main" val="825379226"/>
+        <p14:creationId xmlns:p14="http://schemas.microsoft.com/office/powerpoint/2010/main" val="3583713983"/>
       </p:ext>
     </p:extLst>
   </p:cSld>
@@ -10885,7 +11137,7 @@
           <p:cNvPr id="2" name="Title 1">
             <a:extLst>
               <a:ext uri="{FF2B5EF4-FFF2-40B4-BE49-F238E27FC236}">
-                <a16:creationId xmlns:a16="http://schemas.microsoft.com/office/drawing/2014/main" id="{F376363F-57CB-7C46-8D30-6997A8CB848E}"/>
+                <a16:creationId xmlns:a16="http://schemas.microsoft.com/office/drawing/2014/main" id="{3BAB5246-BF58-5E47-919A-8541967ADDDC}"/>
               </a:ext>
             </a:extLst>
           </p:cNvPr>
@@ -10896,29 +11148,26 @@
             <p:ph type="title"/>
           </p:nvPr>
         </p:nvSpPr>
-        <p:spPr>
-          <a:xfrm>
-            <a:off x="744713" y="311775"/>
-            <a:ext cx="4049708" cy="1477328"/>
-          </a:xfrm>
-        </p:spPr>
-        <p:txBody>
-          <a:bodyPr/>
+        <p:spPr/>
+        <p:txBody>
+          <a:bodyPr>
+            <a:normAutofit fontScale="90000"/>
+          </a:bodyPr>
           <a:lstStyle/>
           <a:p>
             <a:pPr algn="ctr"/>
             <a:r>
-              <a:rPr lang="en-US" dirty="0">
-                <a:solidFill>
-                  <a:schemeClr val="bg1"/>
-                </a:solidFill>
-                <a:latin typeface="Times New Roman" panose="02020603050405020304" pitchFamily="18" charset="0"/>
-                <a:cs typeface="Times New Roman" panose="02020603050405020304" pitchFamily="18" charset="0"/>
-              </a:rPr>
-              <a:t>Bogota 0</a:t>
+              <a:rPr lang="en-US" sz="3500" b="1" dirty="0">
+                <a:solidFill>
+                  <a:schemeClr val="bg1"/>
+                </a:solidFill>
+                <a:latin typeface="Times New Roman" panose="02020603050405020304" pitchFamily="18" charset="0"/>
+                <a:cs typeface="Times New Roman" panose="02020603050405020304" pitchFamily="18" charset="0"/>
+              </a:rPr>
+              <a:t>Interpretation:</a:t>
             </a:r>
             <a:br>
-              <a:rPr lang="en-US" dirty="0">
+              <a:rPr lang="en-US" sz="3500" b="1" dirty="0">
                 <a:solidFill>
                   <a:schemeClr val="bg1"/>
                 </a:solidFill>
@@ -10927,17 +11176,37 @@
               </a:rPr>
             </a:br>
             <a:r>
-              <a:rPr lang="en-US" b="1" dirty="0">
-                <a:solidFill>
-                  <a:schemeClr val="bg1"/>
-                </a:solidFill>
-                <a:latin typeface="Times New Roman" panose="02020603050405020304" pitchFamily="18" charset="0"/>
-                <a:cs typeface="Times New Roman" panose="02020603050405020304" pitchFamily="18" charset="0"/>
-              </a:rPr>
-              <a:t> No</a:t>
+              <a:rPr lang="en-MY" sz="3600" dirty="0">
+                <a:solidFill>
+                  <a:schemeClr val="bg1"/>
+                </a:solidFill>
+                <a:latin typeface="Times New Roman" panose="02020603050405020304" pitchFamily="18" charset="0"/>
+                <a:cs typeface="Times New Roman" panose="02020603050405020304" pitchFamily="18" charset="0"/>
+              </a:rPr>
+              <a:t>Q9 - Have you participated in any programming competition before (e.g. </a:t>
+            </a:r>
+            <a:r>
+              <a:rPr lang="en-MY" sz="3600" dirty="0" err="1">
+                <a:solidFill>
+                  <a:schemeClr val="bg1"/>
+                </a:solidFill>
+                <a:latin typeface="Times New Roman" panose="02020603050405020304" pitchFamily="18" charset="0"/>
+                <a:cs typeface="Times New Roman" panose="02020603050405020304" pitchFamily="18" charset="0"/>
+              </a:rPr>
+              <a:t>Topcoder.com</a:t>
+            </a:r>
+            <a:r>
+              <a:rPr lang="en-MY" sz="3600" dirty="0">
+                <a:solidFill>
+                  <a:schemeClr val="bg1"/>
+                </a:solidFill>
+                <a:latin typeface="Times New Roman" panose="02020603050405020304" pitchFamily="18" charset="0"/>
+                <a:cs typeface="Times New Roman" panose="02020603050405020304" pitchFamily="18" charset="0"/>
+              </a:rPr>
+              <a:t>, local hacking events etc.)?</a:t>
             </a:r>
             <a:br>
-              <a:rPr lang="en-US" b="1" dirty="0">
+              <a:rPr lang="en-MY" sz="3600" dirty="0">
                 <a:solidFill>
                   <a:schemeClr val="bg1"/>
                 </a:solidFill>
@@ -10945,104 +11214,63 @@
                 <a:cs typeface="Times New Roman" panose="02020603050405020304" pitchFamily="18" charset="0"/>
               </a:rPr>
             </a:br>
-            <a:r>
-              <a:rPr lang="en-US" b="1" dirty="0">
-                <a:solidFill>
-                  <a:schemeClr val="bg1"/>
-                </a:solidFill>
-                <a:latin typeface="Times New Roman" panose="02020603050405020304" pitchFamily="18" charset="0"/>
-                <a:cs typeface="Times New Roman" panose="02020603050405020304" pitchFamily="18" charset="0"/>
-              </a:rPr>
-              <a:t>Transparency  </a:t>
-            </a:r>
-          </a:p>
-        </p:txBody>
-      </p:sp>
-      <p:sp>
-        <p:nvSpPr>
-          <p:cNvPr id="6" name="Rectangle 5">
+            <a:br>
+              <a:rPr lang="en-MY" sz="3600" dirty="0">
+                <a:solidFill>
+                  <a:schemeClr val="bg1"/>
+                </a:solidFill>
+                <a:latin typeface="Times New Roman" panose="02020603050405020304" pitchFamily="18" charset="0"/>
+                <a:cs typeface="Times New Roman" panose="02020603050405020304" pitchFamily="18" charset="0"/>
+              </a:rPr>
+            </a:br>
+            <a:endParaRPr lang="en-US" sz="3500" dirty="0"/>
+          </a:p>
+        </p:txBody>
+      </p:sp>
+      <p:sp>
+        <p:nvSpPr>
+          <p:cNvPr id="3" name="Content Placeholder 2">
             <a:extLst>
               <a:ext uri="{FF2B5EF4-FFF2-40B4-BE49-F238E27FC236}">
-                <a16:creationId xmlns:a16="http://schemas.microsoft.com/office/drawing/2014/main" id="{B335D236-8F50-8C4C-8D59-BEC353129962}"/>
+                <a16:creationId xmlns:a16="http://schemas.microsoft.com/office/drawing/2014/main" id="{F8C0E548-70B0-3342-BC65-46EE365E4F71}"/>
               </a:ext>
             </a:extLst>
           </p:cNvPr>
-          <p:cNvSpPr/>
-          <p:nvPr/>
-        </p:nvSpPr>
-        <p:spPr>
-          <a:xfrm>
-            <a:off x="4411362" y="311776"/>
-            <a:ext cx="7035925" cy="1169551"/>
-          </a:xfrm>
-          <a:prstGeom prst="rect">
-            <a:avLst/>
-          </a:prstGeom>
-        </p:spPr>
-        <p:txBody>
-          <a:bodyPr wrap="square">
-            <a:spAutoFit/>
+          <p:cNvSpPr>
+            <a:spLocks noGrp="1"/>
+          </p:cNvSpPr>
+          <p:nvPr>
+            <p:ph idx="1"/>
+          </p:nvPr>
+        </p:nvSpPr>
+        <p:spPr/>
+        <p:txBody>
+          <a:bodyPr>
+            <a:normAutofit/>
           </a:bodyPr>
           <a:lstStyle/>
           <a:p>
-            <a:r>
-              <a:rPr lang="en-MY" sz="3200" dirty="0">
-                <a:solidFill>
-                  <a:schemeClr val="bg1"/>
-                </a:solidFill>
-                <a:latin typeface="Times New Roman" panose="02020603050405020304" pitchFamily="18" charset="0"/>
-                <a:cs typeface="Times New Roman" panose="02020603050405020304" pitchFamily="18" charset="0"/>
-              </a:rPr>
-              <a:t>Q24 - </a:t>
-            </a:r>
-            <a:r>
-              <a:rPr lang="en-MY" sz="3500" dirty="0">
-                <a:solidFill>
-                  <a:schemeClr val="tx2">
-                    <a:lumMod val="10000"/>
-                  </a:schemeClr>
-                </a:solidFill>
-                <a:latin typeface="Times New Roman" panose="02020603050405020304" pitchFamily="18" charset="0"/>
-                <a:cs typeface="Times New Roman" panose="02020603050405020304" pitchFamily="18" charset="0"/>
-              </a:rPr>
-              <a:t>In which of the following classes are you enrolled?</a:t>
-            </a:r>
-          </a:p>
-        </p:txBody>
-      </p:sp>
-      <p:pic>
-        <p:nvPicPr>
-          <p:cNvPr id="8" name="Content Placeholder 7" descr="Chart, bar chart&#10;&#10;Description automatically generated">
-            <a:extLst>
-              <a:ext uri="{FF2B5EF4-FFF2-40B4-BE49-F238E27FC236}">
-                <a16:creationId xmlns:a16="http://schemas.microsoft.com/office/drawing/2014/main" id="{C4F29456-6A48-0F43-9979-7F1B59C6E807}"/>
-              </a:ext>
-            </a:extLst>
-          </p:cNvPr>
-          <p:cNvPicPr>
-            <a:picLocks noGrp="1" noChangeAspect="1"/>
-          </p:cNvPicPr>
-          <p:nvPr>
-            <p:ph idx="1"/>
-          </p:nvPr>
-        </p:nvPicPr>
-        <p:blipFill>
-          <a:blip r:embed="rId2"/>
-          <a:stretch>
-            <a:fillRect/>
-          </a:stretch>
-        </p:blipFill>
-        <p:spPr>
-          <a:xfrm>
-            <a:off x="1708571" y="1997970"/>
-            <a:ext cx="9282157" cy="4556696"/>
-          </a:xfrm>
-        </p:spPr>
-      </p:pic>
+            <a:pPr marL="0" indent="0" algn="ctr">
+              <a:buNone/>
+            </a:pPr>
+            <a:r>
+              <a:rPr lang="en-US" sz="3000" dirty="0">
+                <a:solidFill>
+                  <a:schemeClr val="bg1"/>
+                </a:solidFill>
+                <a:latin typeface="Times New Roman" panose="02020603050405020304" pitchFamily="18" charset="0"/>
+                <a:cs typeface="Times New Roman" panose="02020603050405020304" pitchFamily="18" charset="0"/>
+              </a:rPr>
+              <a:t>Majority of the participants have not participated in any programming competition before in all 4 groups. </a:t>
+            </a:r>
+            <a:endParaRPr lang="en-US" sz="3000" dirty="0"/>
+          </a:p>
+        </p:txBody>
+      </p:sp>
     </p:spTree>
     <p:extLst>
       <p:ext uri="{BB962C8B-B14F-4D97-AF65-F5344CB8AC3E}">
-        <p14:creationId xmlns:p14="http://schemas.microsoft.com/office/powerpoint/2010/main" val="36979565"/>
+        <p14:creationId xmlns:p14="http://schemas.microsoft.com/office/powerpoint/2010/main" val="825379226"/>
       </p:ext>
     </p:extLst>
   </p:cSld>
@@ -11112,7 +11340,7 @@
                 <a:latin typeface="Times New Roman" panose="02020603050405020304" pitchFamily="18" charset="0"/>
                 <a:cs typeface="Times New Roman" panose="02020603050405020304" pitchFamily="18" charset="0"/>
               </a:rPr>
-              <a:t>Bogota 1</a:t>
+              <a:t>Bogota 0</a:t>
             </a:r>
             <a:br>
               <a:rPr lang="en-US" dirty="0">
@@ -11131,7 +11359,7 @@
                 <a:latin typeface="Times New Roman" panose="02020603050405020304" pitchFamily="18" charset="0"/>
                 <a:cs typeface="Times New Roman" panose="02020603050405020304" pitchFamily="18" charset="0"/>
               </a:rPr>
-              <a:t> Performance</a:t>
+              <a:t> No</a:t>
             </a:r>
             <a:br>
               <a:rPr lang="en-US" b="1" dirty="0">
@@ -11170,7 +11398,7 @@
         <p:spPr>
           <a:xfrm>
             <a:off x="4411362" y="311776"/>
-            <a:ext cx="7035925" cy="1569660"/>
+            <a:ext cx="7035925" cy="1169551"/>
           </a:xfrm>
           <a:prstGeom prst="rect">
             <a:avLst/>
@@ -11183,7 +11411,7 @@
           <a:lstStyle/>
           <a:p>
             <a:r>
-              <a:rPr lang="en-MY" sz="2800" dirty="0">
+              <a:rPr lang="en-MY" sz="3200" dirty="0">
                 <a:solidFill>
                   <a:schemeClr val="bg1"/>
                 </a:solidFill>
@@ -11193,7 +11421,7 @@
               <a:t>Q24 - </a:t>
             </a:r>
             <a:r>
-              <a:rPr lang="en-MY" sz="3200" dirty="0">
+              <a:rPr lang="en-MY" sz="3500" dirty="0">
                 <a:solidFill>
                   <a:schemeClr val="tx2">
                     <a:lumMod val="10000"/>
@@ -11204,15 +11432,6 @@
               </a:rPr>
               <a:t>In which of the following classes are you enrolled?</a:t>
             </a:r>
-          </a:p>
-          <a:p>
-            <a:endParaRPr lang="en-MY" sz="3200" dirty="0">
-              <a:solidFill>
-                <a:schemeClr val="bg1"/>
-              </a:solidFill>
-              <a:latin typeface="Times New Roman" panose="02020603050405020304" pitchFamily="18" charset="0"/>
-              <a:cs typeface="Times New Roman" panose="02020603050405020304" pitchFamily="18" charset="0"/>
-            </a:endParaRPr>
           </a:p>
         </p:txBody>
       </p:sp>
@@ -11221,7 +11440,7 @@
           <p:cNvPr id="8" name="Content Placeholder 7" descr="Chart, bar chart&#10;&#10;Description automatically generated">
             <a:extLst>
               <a:ext uri="{FF2B5EF4-FFF2-40B4-BE49-F238E27FC236}">
-                <a16:creationId xmlns:a16="http://schemas.microsoft.com/office/drawing/2014/main" id="{8D379436-0CBF-924B-846F-BA2FCA3F3EB7}"/>
+                <a16:creationId xmlns:a16="http://schemas.microsoft.com/office/drawing/2014/main" id="{C4F29456-6A48-0F43-9979-7F1B59C6E807}"/>
               </a:ext>
             </a:extLst>
           </p:cNvPr>
@@ -11240,15 +11459,15 @@
         </p:blipFill>
         <p:spPr>
           <a:xfrm>
-            <a:off x="2187388" y="2283782"/>
-            <a:ext cx="8393941" cy="4023076"/>
+            <a:off x="1708571" y="1997970"/>
+            <a:ext cx="9282157" cy="4556696"/>
           </a:xfrm>
         </p:spPr>
       </p:pic>
     </p:spTree>
     <p:extLst>
       <p:ext uri="{BB962C8B-B14F-4D97-AF65-F5344CB8AC3E}">
-        <p14:creationId xmlns:p14="http://schemas.microsoft.com/office/powerpoint/2010/main" val="3918705222"/>
+        <p14:creationId xmlns:p14="http://schemas.microsoft.com/office/powerpoint/2010/main" val="36979565"/>
       </p:ext>
     </p:extLst>
   </p:cSld>
@@ -11318,7 +11537,7 @@
                 <a:latin typeface="Times New Roman" panose="02020603050405020304" pitchFamily="18" charset="0"/>
                 <a:cs typeface="Times New Roman" panose="02020603050405020304" pitchFamily="18" charset="0"/>
               </a:rPr>
-              <a:t>Bogota 2</a:t>
+              <a:t>Bogota 1</a:t>
             </a:r>
             <a:br>
               <a:rPr lang="en-US" dirty="0">
@@ -11337,7 +11556,7 @@
                 <a:latin typeface="Times New Roman" panose="02020603050405020304" pitchFamily="18" charset="0"/>
                 <a:cs typeface="Times New Roman" panose="02020603050405020304" pitchFamily="18" charset="0"/>
               </a:rPr>
-              <a:t> Solution</a:t>
+              <a:t> Performance</a:t>
             </a:r>
             <a:br>
               <a:rPr lang="en-US" b="1" dirty="0">
@@ -11427,7 +11646,7 @@
           <p:cNvPr id="8" name="Content Placeholder 7" descr="Chart, bar chart&#10;&#10;Description automatically generated">
             <a:extLst>
               <a:ext uri="{FF2B5EF4-FFF2-40B4-BE49-F238E27FC236}">
-                <a16:creationId xmlns:a16="http://schemas.microsoft.com/office/drawing/2014/main" id="{9804F967-C4B5-FC45-80FD-D4C81315AEFB}"/>
+                <a16:creationId xmlns:a16="http://schemas.microsoft.com/office/drawing/2014/main" id="{8D379436-0CBF-924B-846F-BA2FCA3F3EB7}"/>
               </a:ext>
             </a:extLst>
           </p:cNvPr>
@@ -11446,15 +11665,15 @@
         </p:blipFill>
         <p:spPr>
           <a:xfrm>
-            <a:off x="1416423" y="1789103"/>
-            <a:ext cx="9627847" cy="4546192"/>
+            <a:off x="2187388" y="2283782"/>
+            <a:ext cx="8393941" cy="4023076"/>
           </a:xfrm>
         </p:spPr>
       </p:pic>
     </p:spTree>
     <p:extLst>
       <p:ext uri="{BB962C8B-B14F-4D97-AF65-F5344CB8AC3E}">
-        <p14:creationId xmlns:p14="http://schemas.microsoft.com/office/powerpoint/2010/main" val="2369318655"/>
+        <p14:creationId xmlns:p14="http://schemas.microsoft.com/office/powerpoint/2010/main" val="3918705222"/>
       </p:ext>
     </p:extLst>
   </p:cSld>
@@ -11491,6 +11710,46 @@
       </p:grpSpPr>
       <p:sp>
         <p:nvSpPr>
+          <p:cNvPr id="2" name="Title 1">
+            <a:extLst>
+              <a:ext uri="{FF2B5EF4-FFF2-40B4-BE49-F238E27FC236}">
+                <a16:creationId xmlns:a16="http://schemas.microsoft.com/office/drawing/2014/main" id="{F376363F-57CB-7C46-8D30-6997A8CB848E}"/>
+              </a:ext>
+            </a:extLst>
+          </p:cNvPr>
+          <p:cNvSpPr>
+            <a:spLocks noGrp="1"/>
+          </p:cNvSpPr>
+          <p:nvPr>
+            <p:ph type="title"/>
+          </p:nvPr>
+        </p:nvSpPr>
+        <p:spPr>
+          <a:xfrm>
+            <a:off x="744713" y="479806"/>
+            <a:ext cx="4049708" cy="1477328"/>
+          </a:xfrm>
+        </p:spPr>
+        <p:txBody>
+          <a:bodyPr/>
+          <a:lstStyle/>
+          <a:p>
+            <a:pPr algn="ctr"/>
+            <a:r>
+              <a:rPr lang="en-US" b="1" dirty="0">
+                <a:solidFill>
+                  <a:schemeClr val="bg1"/>
+                </a:solidFill>
+                <a:latin typeface="Times New Roman" panose="02020603050405020304" pitchFamily="18" charset="0"/>
+                <a:cs typeface="Times New Roman" panose="02020603050405020304" pitchFamily="18" charset="0"/>
+              </a:rPr>
+              <a:t>The Mathematics Behind PCA</a:t>
+            </a:r>
+          </a:p>
+        </p:txBody>
+      </p:sp>
+      <p:sp>
+        <p:nvSpPr>
           <p:cNvPr id="6" name="Rectangle 5">
             <a:extLst>
               <a:ext uri="{FF2B5EF4-FFF2-40B4-BE49-F238E27FC236}">
@@ -11503,8 +11762,8 @@
         </p:nvSpPr>
         <p:spPr>
           <a:xfrm>
-            <a:off x="3627590" y="716011"/>
-            <a:ext cx="6096000" cy="1015663"/>
+            <a:off x="5351287" y="758052"/>
+            <a:ext cx="6096000" cy="369332"/>
           </a:xfrm>
           <a:prstGeom prst="rect">
             <a:avLst/>
@@ -11517,24 +11776,34 @@
           <a:lstStyle/>
           <a:p>
             <a:r>
+              <a:rPr lang="en-MY" dirty="0">
+                <a:solidFill>
+                  <a:schemeClr val="bg1"/>
+                </a:solidFill>
+              </a:rPr>
+              <a:t>Let our data matrix </a:t>
+            </a:r>
+            <a:r>
               <a:rPr lang="en-MY" b="1" dirty="0">
                 <a:solidFill>
                   <a:schemeClr val="bg1"/>
                 </a:solidFill>
               </a:rPr>
-              <a:t> </a:t>
-            </a:r>
-            <a:r>
-              <a:rPr lang="en-MY" sz="3000" dirty="0">
-                <a:solidFill>
-                  <a:schemeClr val="bg1"/>
-                </a:solidFill>
-                <a:latin typeface="Times New Roman" panose="02020603050405020304" pitchFamily="18" charset="0"/>
-                <a:cs typeface="Times New Roman" panose="02020603050405020304" pitchFamily="18" charset="0"/>
-              </a:rPr>
-              <a:t>Compute the mean of every dimension of the whole dataset</a:t>
-            </a:r>
-            <a:endParaRPr lang="en-US" sz="3000" dirty="0">
+              <a:t>X</a:t>
+            </a:r>
+            <a:r>
+              <a:rPr lang="en-MY" dirty="0">
+                <a:solidFill>
+                  <a:schemeClr val="bg1"/>
+                </a:solidFill>
+              </a:rPr>
+              <a:t> be the score of three students</a:t>
+            </a:r>
+            <a:r>
+              <a:rPr lang="en-MY" dirty="0"/>
+              <a:t>:</a:t>
+            </a:r>
+            <a:endParaRPr lang="en-US" sz="3200" dirty="0">
               <a:solidFill>
                 <a:schemeClr val="bg1"/>
               </a:solidFill>
@@ -11546,10 +11815,10 @@
       </p:sp>
       <p:pic>
         <p:nvPicPr>
-          <p:cNvPr id="8" name="Content Placeholder 7" descr="Diagram&#10;&#10;Description automatically generated with low confidence">
+          <p:cNvPr id="8" name="Content Placeholder 7" descr="Calendar&#10;&#10;Description automatically generated">
             <a:extLst>
               <a:ext uri="{FF2B5EF4-FFF2-40B4-BE49-F238E27FC236}">
-                <a16:creationId xmlns:a16="http://schemas.microsoft.com/office/drawing/2014/main" id="{BC5EE51E-042B-A543-9A99-DD3C2CFBFD55}"/>
+                <a16:creationId xmlns:a16="http://schemas.microsoft.com/office/drawing/2014/main" id="{D64DD651-7A39-8A4C-90E9-4CB0CD2DD0F8}"/>
               </a:ext>
             </a:extLst>
           </p:cNvPr>
@@ -11568,45 +11837,15 @@
         </p:blipFill>
         <p:spPr>
           <a:xfrm>
-            <a:off x="2069881" y="2210749"/>
-            <a:ext cx="3984269" cy="3705371"/>
-          </a:xfrm>
-        </p:spPr>
-      </p:pic>
-      <p:pic>
-        <p:nvPicPr>
-          <p:cNvPr id="10" name="Picture 9" descr="A picture containing text&#10;&#10;Description automatically generated">
-            <a:extLst>
-              <a:ext uri="{FF2B5EF4-FFF2-40B4-BE49-F238E27FC236}">
-                <a16:creationId xmlns:a16="http://schemas.microsoft.com/office/drawing/2014/main" id="{F14906AC-A673-3846-93EA-1563C6001073}"/>
-              </a:ext>
-            </a:extLst>
-          </p:cNvPr>
-          <p:cNvPicPr>
-            <a:picLocks noChangeAspect="1"/>
-          </p:cNvPicPr>
-          <p:nvPr/>
-        </p:nvPicPr>
-        <p:blipFill>
-          <a:blip r:embed="rId3"/>
-          <a:stretch>
-            <a:fillRect/>
-          </a:stretch>
-        </p:blipFill>
-        <p:spPr>
-          <a:xfrm>
-            <a:off x="6096000" y="2754776"/>
-            <a:ext cx="5068573" cy="2027429"/>
-          </a:xfrm>
-          <a:prstGeom prst="rect">
-            <a:avLst/>
-          </a:prstGeom>
+            <a:off x="3705274" y="2541588"/>
+            <a:ext cx="4759226" cy="3227387"/>
+          </a:xfrm>
         </p:spPr>
       </p:pic>
     </p:spTree>
     <p:extLst>
       <p:ext uri="{BB962C8B-B14F-4D97-AF65-F5344CB8AC3E}">
-        <p14:creationId xmlns:p14="http://schemas.microsoft.com/office/powerpoint/2010/main" val="3122935008"/>
+        <p14:creationId xmlns:p14="http://schemas.microsoft.com/office/powerpoint/2010/main" val="3901006184"/>
       </p:ext>
     </p:extLst>
   </p:cSld>
@@ -11646,7 +11885,7 @@
           <p:cNvPr id="2" name="Title 1">
             <a:extLst>
               <a:ext uri="{FF2B5EF4-FFF2-40B4-BE49-F238E27FC236}">
-                <a16:creationId xmlns:a16="http://schemas.microsoft.com/office/drawing/2014/main" id="{3BAB5246-BF58-5E47-919A-8541967ADDDC}"/>
+                <a16:creationId xmlns:a16="http://schemas.microsoft.com/office/drawing/2014/main" id="{F376363F-57CB-7C46-8D30-6997A8CB848E}"/>
               </a:ext>
             </a:extLst>
           </p:cNvPr>
@@ -11657,35 +11896,97 @@
             <p:ph type="title"/>
           </p:nvPr>
         </p:nvSpPr>
-        <p:spPr/>
-        <p:txBody>
-          <a:bodyPr>
-            <a:normAutofit fontScale="90000"/>
+        <p:spPr>
+          <a:xfrm>
+            <a:off x="744713" y="311775"/>
+            <a:ext cx="4049708" cy="1477328"/>
+          </a:xfrm>
+        </p:spPr>
+        <p:txBody>
+          <a:bodyPr/>
+          <a:lstStyle/>
+          <a:p>
+            <a:pPr algn="ctr"/>
+            <a:r>
+              <a:rPr lang="en-US" dirty="0">
+                <a:solidFill>
+                  <a:schemeClr val="bg1"/>
+                </a:solidFill>
+                <a:latin typeface="Times New Roman" panose="02020603050405020304" pitchFamily="18" charset="0"/>
+                <a:cs typeface="Times New Roman" panose="02020603050405020304" pitchFamily="18" charset="0"/>
+              </a:rPr>
+              <a:t>Bogota 2</a:t>
+            </a:r>
+            <a:br>
+              <a:rPr lang="en-US" dirty="0">
+                <a:solidFill>
+                  <a:schemeClr val="bg1"/>
+                </a:solidFill>
+                <a:latin typeface="Times New Roman" panose="02020603050405020304" pitchFamily="18" charset="0"/>
+                <a:cs typeface="Times New Roman" panose="02020603050405020304" pitchFamily="18" charset="0"/>
+              </a:rPr>
+            </a:br>
+            <a:r>
+              <a:rPr lang="en-US" b="1" dirty="0">
+                <a:solidFill>
+                  <a:schemeClr val="bg1"/>
+                </a:solidFill>
+                <a:latin typeface="Times New Roman" panose="02020603050405020304" pitchFamily="18" charset="0"/>
+                <a:cs typeface="Times New Roman" panose="02020603050405020304" pitchFamily="18" charset="0"/>
+              </a:rPr>
+              <a:t> Solution</a:t>
+            </a:r>
+            <a:br>
+              <a:rPr lang="en-US" b="1" dirty="0">
+                <a:solidFill>
+                  <a:schemeClr val="bg1"/>
+                </a:solidFill>
+                <a:latin typeface="Times New Roman" panose="02020603050405020304" pitchFamily="18" charset="0"/>
+                <a:cs typeface="Times New Roman" panose="02020603050405020304" pitchFamily="18" charset="0"/>
+              </a:rPr>
+            </a:br>
+            <a:r>
+              <a:rPr lang="en-US" b="1" dirty="0">
+                <a:solidFill>
+                  <a:schemeClr val="bg1"/>
+                </a:solidFill>
+                <a:latin typeface="Times New Roman" panose="02020603050405020304" pitchFamily="18" charset="0"/>
+                <a:cs typeface="Times New Roman" panose="02020603050405020304" pitchFamily="18" charset="0"/>
+              </a:rPr>
+              <a:t>Transparency  </a:t>
+            </a:r>
+          </a:p>
+        </p:txBody>
+      </p:sp>
+      <p:sp>
+        <p:nvSpPr>
+          <p:cNvPr id="6" name="Rectangle 5">
+            <a:extLst>
+              <a:ext uri="{FF2B5EF4-FFF2-40B4-BE49-F238E27FC236}">
+                <a16:creationId xmlns:a16="http://schemas.microsoft.com/office/drawing/2014/main" id="{B335D236-8F50-8C4C-8D59-BEC353129962}"/>
+              </a:ext>
+            </a:extLst>
+          </p:cNvPr>
+          <p:cNvSpPr/>
+          <p:nvPr/>
+        </p:nvSpPr>
+        <p:spPr>
+          <a:xfrm>
+            <a:off x="4411362" y="311776"/>
+            <a:ext cx="7035925" cy="1569660"/>
+          </a:xfrm>
+          <a:prstGeom prst="rect">
+            <a:avLst/>
+          </a:prstGeom>
+        </p:spPr>
+        <p:txBody>
+          <a:bodyPr wrap="square">
+            <a:spAutoFit/>
           </a:bodyPr>
           <a:lstStyle/>
           <a:p>
-            <a:pPr algn="ctr"/>
-            <a:r>
-              <a:rPr lang="en-US" sz="3500" b="1" dirty="0">
-                <a:solidFill>
-                  <a:schemeClr val="bg1"/>
-                </a:solidFill>
-                <a:latin typeface="Times New Roman" panose="02020603050405020304" pitchFamily="18" charset="0"/>
-                <a:cs typeface="Times New Roman" panose="02020603050405020304" pitchFamily="18" charset="0"/>
-              </a:rPr>
-              <a:t>Interpretation:</a:t>
-            </a:r>
-            <a:br>
-              <a:rPr lang="en-US" sz="3500" b="1" dirty="0">
-                <a:solidFill>
-                  <a:schemeClr val="bg1"/>
-                </a:solidFill>
-                <a:latin typeface="Times New Roman" panose="02020603050405020304" pitchFamily="18" charset="0"/>
-                <a:cs typeface="Times New Roman" panose="02020603050405020304" pitchFamily="18" charset="0"/>
-              </a:rPr>
-            </a:br>
-            <a:r>
-              <a:rPr lang="en-MY" dirty="0">
+            <a:r>
+              <a:rPr lang="en-MY" sz="2800" dirty="0">
                 <a:solidFill>
                   <a:schemeClr val="bg1"/>
                 </a:solidFill>
@@ -11695,7 +11996,7 @@
               <a:t>Q24 - </a:t>
             </a:r>
             <a:r>
-              <a:rPr lang="en-MY" sz="3600" dirty="0">
+              <a:rPr lang="en-MY" sz="3200" dirty="0">
                 <a:solidFill>
                   <a:schemeClr val="tx2">
                     <a:lumMod val="10000"/>
@@ -11706,83 +12007,51 @@
               </a:rPr>
               <a:t>In which of the following classes are you enrolled?</a:t>
             </a:r>
-            <a:br>
-              <a:rPr lang="en-MY" sz="3600" dirty="0">
-                <a:solidFill>
-                  <a:schemeClr val="tx2">
-                    <a:lumMod val="10000"/>
-                  </a:schemeClr>
-                </a:solidFill>
-                <a:latin typeface="Times New Roman" panose="02020603050405020304" pitchFamily="18" charset="0"/>
-                <a:cs typeface="Times New Roman" panose="02020603050405020304" pitchFamily="18" charset="0"/>
-              </a:rPr>
-            </a:br>
-            <a:br>
-              <a:rPr lang="en-MY" sz="3600" dirty="0">
-                <a:solidFill>
-                  <a:schemeClr val="bg1"/>
-                </a:solidFill>
-                <a:latin typeface="Times New Roman" panose="02020603050405020304" pitchFamily="18" charset="0"/>
-                <a:cs typeface="Times New Roman" panose="02020603050405020304" pitchFamily="18" charset="0"/>
-              </a:rPr>
-            </a:br>
-            <a:br>
-              <a:rPr lang="en-MY" sz="3600" dirty="0">
-                <a:solidFill>
-                  <a:schemeClr val="bg1"/>
-                </a:solidFill>
-                <a:latin typeface="Times New Roman" panose="02020603050405020304" pitchFamily="18" charset="0"/>
-                <a:cs typeface="Times New Roman" panose="02020603050405020304" pitchFamily="18" charset="0"/>
-              </a:rPr>
-            </a:br>
-            <a:endParaRPr lang="en-US" sz="3500" dirty="0"/>
-          </a:p>
-        </p:txBody>
-      </p:sp>
-      <p:sp>
-        <p:nvSpPr>
-          <p:cNvPr id="3" name="Content Placeholder 2">
+          </a:p>
+          <a:p>
+            <a:endParaRPr lang="en-MY" sz="3200" dirty="0">
+              <a:solidFill>
+                <a:schemeClr val="bg1"/>
+              </a:solidFill>
+              <a:latin typeface="Times New Roman" panose="02020603050405020304" pitchFamily="18" charset="0"/>
+              <a:cs typeface="Times New Roman" panose="02020603050405020304" pitchFamily="18" charset="0"/>
+            </a:endParaRPr>
+          </a:p>
+        </p:txBody>
+      </p:sp>
+      <p:pic>
+        <p:nvPicPr>
+          <p:cNvPr id="8" name="Content Placeholder 7" descr="Chart, bar chart&#10;&#10;Description automatically generated">
             <a:extLst>
               <a:ext uri="{FF2B5EF4-FFF2-40B4-BE49-F238E27FC236}">
-                <a16:creationId xmlns:a16="http://schemas.microsoft.com/office/drawing/2014/main" id="{F8C0E548-70B0-3342-BC65-46EE365E4F71}"/>
+                <a16:creationId xmlns:a16="http://schemas.microsoft.com/office/drawing/2014/main" id="{9804F967-C4B5-FC45-80FD-D4C81315AEFB}"/>
               </a:ext>
             </a:extLst>
           </p:cNvPr>
-          <p:cNvSpPr>
-            <a:spLocks noGrp="1"/>
-          </p:cNvSpPr>
+          <p:cNvPicPr>
+            <a:picLocks noGrp="1" noChangeAspect="1"/>
+          </p:cNvPicPr>
           <p:nvPr>
             <p:ph idx="1"/>
           </p:nvPr>
-        </p:nvSpPr>
-        <p:spPr/>
-        <p:txBody>
-          <a:bodyPr>
-            <a:normAutofit/>
-          </a:bodyPr>
-          <a:lstStyle/>
-          <a:p>
-            <a:pPr marL="0" indent="0" algn="ctr">
-              <a:buNone/>
-            </a:pPr>
-            <a:r>
-              <a:rPr lang="en-US" sz="3000" dirty="0">
-                <a:solidFill>
-                  <a:schemeClr val="bg1"/>
-                </a:solidFill>
-                <a:latin typeface="Times New Roman" panose="02020603050405020304" pitchFamily="18" charset="0"/>
-                <a:cs typeface="Times New Roman" panose="02020603050405020304" pitchFamily="18" charset="0"/>
-              </a:rPr>
-              <a:t>In all of the 4 groups, participants come from all 4 software engineering classes. </a:t>
-            </a:r>
-            <a:endParaRPr lang="en-US" sz="3000" dirty="0"/>
-          </a:p>
-        </p:txBody>
-      </p:sp>
+        </p:nvPicPr>
+        <p:blipFill>
+          <a:blip r:embed="rId2"/>
+          <a:stretch>
+            <a:fillRect/>
+          </a:stretch>
+        </p:blipFill>
+        <p:spPr>
+          <a:xfrm>
+            <a:off x="1416423" y="1789103"/>
+            <a:ext cx="9627847" cy="4546192"/>
+          </a:xfrm>
+        </p:spPr>
+      </p:pic>
     </p:spTree>
     <p:extLst>
       <p:ext uri="{BB962C8B-B14F-4D97-AF65-F5344CB8AC3E}">
-        <p14:creationId xmlns:p14="http://schemas.microsoft.com/office/powerpoint/2010/main" val="3515139871"/>
+        <p14:creationId xmlns:p14="http://schemas.microsoft.com/office/powerpoint/2010/main" val="2369318655"/>
       </p:ext>
     </p:extLst>
   </p:cSld>
@@ -11998,6 +12267,1392 @@
 </p:sld>
 </file>
 
+<file path=ppt/slides/slide32.xml><?xml version="1.0" encoding="utf-8"?>
+<p:sld xmlns:a="http://schemas.openxmlformats.org/drawingml/2006/main" xmlns:r="http://schemas.openxmlformats.org/officeDocument/2006/relationships" xmlns:p="http://schemas.openxmlformats.org/presentationml/2006/main" showMasterSp="0">
+  <p:cSld>
+    <p:bg>
+      <p:bgPr>
+        <a:solidFill>
+          <a:schemeClr val="tx1"/>
+        </a:solidFill>
+        <a:effectLst/>
+      </p:bgPr>
+    </p:bg>
+    <p:spTree>
+      <p:nvGrpSpPr>
+        <p:cNvPr id="1" name=""/>
+        <p:cNvGrpSpPr/>
+        <p:nvPr/>
+      </p:nvGrpSpPr>
+      <p:grpSpPr>
+        <a:xfrm>
+          <a:off x="0" y="0"/>
+          <a:ext cx="0" cy="0"/>
+          <a:chOff x="0" y="0"/>
+          <a:chExt cx="0" cy="0"/>
+        </a:xfrm>
+      </p:grpSpPr>
+      <p:sp>
+        <p:nvSpPr>
+          <p:cNvPr id="2" name="Title 1">
+            <a:extLst>
+              <a:ext uri="{FF2B5EF4-FFF2-40B4-BE49-F238E27FC236}">
+                <a16:creationId xmlns:a16="http://schemas.microsoft.com/office/drawing/2014/main" id="{3BAB5246-BF58-5E47-919A-8541967ADDDC}"/>
+              </a:ext>
+            </a:extLst>
+          </p:cNvPr>
+          <p:cNvSpPr>
+            <a:spLocks noGrp="1"/>
+          </p:cNvSpPr>
+          <p:nvPr>
+            <p:ph type="title"/>
+          </p:nvPr>
+        </p:nvSpPr>
+        <p:spPr/>
+        <p:txBody>
+          <a:bodyPr>
+            <a:normAutofit fontScale="90000"/>
+          </a:bodyPr>
+          <a:lstStyle/>
+          <a:p>
+            <a:pPr algn="ctr"/>
+            <a:r>
+              <a:rPr lang="en-US" sz="3500" b="1" dirty="0">
+                <a:solidFill>
+                  <a:schemeClr val="bg1"/>
+                </a:solidFill>
+                <a:latin typeface="Times New Roman" panose="02020603050405020304" pitchFamily="18" charset="0"/>
+                <a:cs typeface="Times New Roman" panose="02020603050405020304" pitchFamily="18" charset="0"/>
+              </a:rPr>
+              <a:t>Interpretation:</a:t>
+            </a:r>
+            <a:br>
+              <a:rPr lang="en-US" sz="3500" b="1" dirty="0">
+                <a:solidFill>
+                  <a:schemeClr val="bg1"/>
+                </a:solidFill>
+                <a:latin typeface="Times New Roman" panose="02020603050405020304" pitchFamily="18" charset="0"/>
+                <a:cs typeface="Times New Roman" panose="02020603050405020304" pitchFamily="18" charset="0"/>
+              </a:rPr>
+            </a:br>
+            <a:r>
+              <a:rPr lang="en-MY" dirty="0">
+                <a:solidFill>
+                  <a:schemeClr val="bg1"/>
+                </a:solidFill>
+                <a:latin typeface="Times New Roman" panose="02020603050405020304" pitchFamily="18" charset="0"/>
+                <a:cs typeface="Times New Roman" panose="02020603050405020304" pitchFamily="18" charset="0"/>
+              </a:rPr>
+              <a:t>Q24 - </a:t>
+            </a:r>
+            <a:r>
+              <a:rPr lang="en-MY" sz="3600" dirty="0">
+                <a:solidFill>
+                  <a:schemeClr val="tx2">
+                    <a:lumMod val="10000"/>
+                  </a:schemeClr>
+                </a:solidFill>
+                <a:latin typeface="Times New Roman" panose="02020603050405020304" pitchFamily="18" charset="0"/>
+                <a:cs typeface="Times New Roman" panose="02020603050405020304" pitchFamily="18" charset="0"/>
+              </a:rPr>
+              <a:t>In which of the following classes are you enrolled?</a:t>
+            </a:r>
+            <a:br>
+              <a:rPr lang="en-MY" sz="3600" dirty="0">
+                <a:solidFill>
+                  <a:schemeClr val="tx2">
+                    <a:lumMod val="10000"/>
+                  </a:schemeClr>
+                </a:solidFill>
+                <a:latin typeface="Times New Roman" panose="02020603050405020304" pitchFamily="18" charset="0"/>
+                <a:cs typeface="Times New Roman" panose="02020603050405020304" pitchFamily="18" charset="0"/>
+              </a:rPr>
+            </a:br>
+            <a:br>
+              <a:rPr lang="en-MY" sz="3600" dirty="0">
+                <a:solidFill>
+                  <a:schemeClr val="bg1"/>
+                </a:solidFill>
+                <a:latin typeface="Times New Roman" panose="02020603050405020304" pitchFamily="18" charset="0"/>
+                <a:cs typeface="Times New Roman" panose="02020603050405020304" pitchFamily="18" charset="0"/>
+              </a:rPr>
+            </a:br>
+            <a:br>
+              <a:rPr lang="en-MY" sz="3600" dirty="0">
+                <a:solidFill>
+                  <a:schemeClr val="bg1"/>
+                </a:solidFill>
+                <a:latin typeface="Times New Roman" panose="02020603050405020304" pitchFamily="18" charset="0"/>
+                <a:cs typeface="Times New Roman" panose="02020603050405020304" pitchFamily="18" charset="0"/>
+              </a:rPr>
+            </a:br>
+            <a:endParaRPr lang="en-US" sz="3500" dirty="0"/>
+          </a:p>
+        </p:txBody>
+      </p:sp>
+      <p:sp>
+        <p:nvSpPr>
+          <p:cNvPr id="3" name="Content Placeholder 2">
+            <a:extLst>
+              <a:ext uri="{FF2B5EF4-FFF2-40B4-BE49-F238E27FC236}">
+                <a16:creationId xmlns:a16="http://schemas.microsoft.com/office/drawing/2014/main" id="{F8C0E548-70B0-3342-BC65-46EE365E4F71}"/>
+              </a:ext>
+            </a:extLst>
+          </p:cNvPr>
+          <p:cNvSpPr>
+            <a:spLocks noGrp="1"/>
+          </p:cNvSpPr>
+          <p:nvPr>
+            <p:ph idx="1"/>
+          </p:nvPr>
+        </p:nvSpPr>
+        <p:spPr/>
+        <p:txBody>
+          <a:bodyPr>
+            <a:normAutofit/>
+          </a:bodyPr>
+          <a:lstStyle/>
+          <a:p>
+            <a:pPr marL="0" indent="0" algn="ctr">
+              <a:buNone/>
+            </a:pPr>
+            <a:r>
+              <a:rPr lang="en-US" sz="3000" dirty="0">
+                <a:solidFill>
+                  <a:schemeClr val="bg1"/>
+                </a:solidFill>
+                <a:latin typeface="Times New Roman" panose="02020603050405020304" pitchFamily="18" charset="0"/>
+                <a:cs typeface="Times New Roman" panose="02020603050405020304" pitchFamily="18" charset="0"/>
+              </a:rPr>
+              <a:t>In all of the 4 groups, participants come from all 4 software engineering classes. </a:t>
+            </a:r>
+            <a:endParaRPr lang="en-US" sz="3000" dirty="0"/>
+          </a:p>
+        </p:txBody>
+      </p:sp>
+    </p:spTree>
+    <p:extLst>
+      <p:ext uri="{BB962C8B-B14F-4D97-AF65-F5344CB8AC3E}">
+        <p14:creationId xmlns:p14="http://schemas.microsoft.com/office/powerpoint/2010/main" val="3515139871"/>
+      </p:ext>
+    </p:extLst>
+  </p:cSld>
+  <p:clrMapOvr>
+    <a:masterClrMapping/>
+  </p:clrMapOvr>
+</p:sld>
+</file>
+
+<file path=ppt/slides/slide33.xml><?xml version="1.0" encoding="utf-8"?>
+<p:sld xmlns:a="http://schemas.openxmlformats.org/drawingml/2006/main" xmlns:r="http://schemas.openxmlformats.org/officeDocument/2006/relationships" xmlns:p="http://schemas.openxmlformats.org/presentationml/2006/main" showMasterSp="0">
+  <p:cSld>
+    <p:bg>
+      <p:bgPr>
+        <a:solidFill>
+          <a:schemeClr val="tx1"/>
+        </a:solidFill>
+        <a:effectLst/>
+      </p:bgPr>
+    </p:bg>
+    <p:spTree>
+      <p:nvGrpSpPr>
+        <p:cNvPr id="1" name=""/>
+        <p:cNvGrpSpPr/>
+        <p:nvPr/>
+      </p:nvGrpSpPr>
+      <p:grpSpPr>
+        <a:xfrm>
+          <a:off x="0" y="0"/>
+          <a:ext cx="0" cy="0"/>
+          <a:chOff x="0" y="0"/>
+          <a:chExt cx="0" cy="0"/>
+        </a:xfrm>
+      </p:grpSpPr>
+      <p:sp>
+        <p:nvSpPr>
+          <p:cNvPr id="2" name="Title 1">
+            <a:extLst>
+              <a:ext uri="{FF2B5EF4-FFF2-40B4-BE49-F238E27FC236}">
+                <a16:creationId xmlns:a16="http://schemas.microsoft.com/office/drawing/2014/main" id="{F376363F-57CB-7C46-8D30-6997A8CB848E}"/>
+              </a:ext>
+            </a:extLst>
+          </p:cNvPr>
+          <p:cNvSpPr>
+            <a:spLocks noGrp="1"/>
+          </p:cNvSpPr>
+          <p:nvPr>
+            <p:ph type="title"/>
+          </p:nvPr>
+        </p:nvSpPr>
+        <p:spPr>
+          <a:xfrm>
+            <a:off x="-139486" y="293771"/>
+            <a:ext cx="5346915" cy="1477328"/>
+          </a:xfrm>
+        </p:spPr>
+        <p:txBody>
+          <a:bodyPr>
+            <a:normAutofit fontScale="90000"/>
+          </a:bodyPr>
+          <a:lstStyle/>
+          <a:p>
+            <a:pPr algn="ctr"/>
+            <a:r>
+              <a:rPr lang="en-US" b="1" dirty="0">
+                <a:solidFill>
+                  <a:schemeClr val="bg1"/>
+                </a:solidFill>
+                <a:latin typeface="Times New Roman" panose="02020603050405020304" pitchFamily="18" charset="0"/>
+                <a:cs typeface="Times New Roman" panose="02020603050405020304" pitchFamily="18" charset="0"/>
+              </a:rPr>
+              <a:t>PCA</a:t>
+            </a:r>
+            <a:br>
+              <a:rPr lang="en-US" b="1" dirty="0">
+                <a:solidFill>
+                  <a:schemeClr val="bg1"/>
+                </a:solidFill>
+                <a:latin typeface="Times New Roman" panose="02020603050405020304" pitchFamily="18" charset="0"/>
+                <a:cs typeface="Times New Roman" panose="02020603050405020304" pitchFamily="18" charset="0"/>
+              </a:rPr>
+            </a:br>
+            <a:r>
+              <a:rPr lang="en-US" b="1" dirty="0">
+                <a:solidFill>
+                  <a:schemeClr val="bg1"/>
+                </a:solidFill>
+                <a:latin typeface="Times New Roman" panose="02020603050405020304" pitchFamily="18" charset="0"/>
+                <a:cs typeface="Times New Roman" panose="02020603050405020304" pitchFamily="18" charset="0"/>
+              </a:rPr>
+              <a:t>Survey Q2</a:t>
+            </a:r>
+            <a:br>
+              <a:rPr lang="en-US" b="1" dirty="0">
+                <a:solidFill>
+                  <a:schemeClr val="bg1"/>
+                </a:solidFill>
+                <a:latin typeface="Times New Roman" panose="02020603050405020304" pitchFamily="18" charset="0"/>
+                <a:cs typeface="Times New Roman" panose="02020603050405020304" pitchFamily="18" charset="0"/>
+              </a:rPr>
+            </a:br>
+            <a:r>
+              <a:rPr lang="en-US" b="1" dirty="0">
+                <a:solidFill>
+                  <a:schemeClr val="bg1"/>
+                </a:solidFill>
+                <a:latin typeface="Times New Roman" panose="02020603050405020304" pitchFamily="18" charset="0"/>
+                <a:cs typeface="Times New Roman" panose="02020603050405020304" pitchFamily="18" charset="0"/>
+              </a:rPr>
+              <a:t>Motivations</a:t>
+            </a:r>
+            <a:br>
+              <a:rPr lang="en-US" b="1" dirty="0">
+                <a:solidFill>
+                  <a:schemeClr val="bg1"/>
+                </a:solidFill>
+                <a:latin typeface="Times New Roman" panose="02020603050405020304" pitchFamily="18" charset="0"/>
+                <a:cs typeface="Times New Roman" panose="02020603050405020304" pitchFamily="18" charset="0"/>
+              </a:rPr>
+            </a:br>
+            <a:endParaRPr lang="en-US" b="1" dirty="0">
+              <a:solidFill>
+                <a:schemeClr val="bg1"/>
+              </a:solidFill>
+              <a:latin typeface="Times New Roman" panose="02020603050405020304" pitchFamily="18" charset="0"/>
+              <a:cs typeface="Times New Roman" panose="02020603050405020304" pitchFamily="18" charset="0"/>
+            </a:endParaRPr>
+          </a:p>
+        </p:txBody>
+      </p:sp>
+      <p:sp>
+        <p:nvSpPr>
+          <p:cNvPr id="6" name="Rectangle 5">
+            <a:extLst>
+              <a:ext uri="{FF2B5EF4-FFF2-40B4-BE49-F238E27FC236}">
+                <a16:creationId xmlns:a16="http://schemas.microsoft.com/office/drawing/2014/main" id="{B335D236-8F50-8C4C-8D59-BEC353129962}"/>
+              </a:ext>
+            </a:extLst>
+          </p:cNvPr>
+          <p:cNvSpPr/>
+          <p:nvPr/>
+        </p:nvSpPr>
+        <p:spPr>
+          <a:xfrm>
+            <a:off x="4411362" y="339569"/>
+            <a:ext cx="7035925" cy="2677656"/>
+          </a:xfrm>
+          <a:prstGeom prst="rect">
+            <a:avLst/>
+          </a:prstGeom>
+        </p:spPr>
+        <p:txBody>
+          <a:bodyPr wrap="square">
+            <a:spAutoFit/>
+          </a:bodyPr>
+          <a:lstStyle/>
+          <a:p>
+            <a:r>
+              <a:rPr lang="en-MY" sz="2800" dirty="0">
+                <a:solidFill>
+                  <a:schemeClr val="bg1"/>
+                </a:solidFill>
+                <a:latin typeface="Times New Roman" panose="02020603050405020304" pitchFamily="18" charset="0"/>
+                <a:cs typeface="Times New Roman" panose="02020603050405020304" pitchFamily="18" charset="0"/>
+              </a:rPr>
+              <a:t>How important are each of the following as reasons for why you signed up for </a:t>
+            </a:r>
+            <a:r>
+              <a:rPr lang="en-MY" sz="2800" dirty="0" err="1">
+                <a:solidFill>
+                  <a:schemeClr val="bg1"/>
+                </a:solidFill>
+                <a:latin typeface="Times New Roman" panose="02020603050405020304" pitchFamily="18" charset="0"/>
+                <a:cs typeface="Times New Roman" panose="02020603050405020304" pitchFamily="18" charset="0"/>
+              </a:rPr>
+              <a:t>IronHack</a:t>
+            </a:r>
+            <a:r>
+              <a:rPr lang="en-MY" sz="2800" dirty="0">
+                <a:solidFill>
+                  <a:schemeClr val="bg1"/>
+                </a:solidFill>
+                <a:latin typeface="Times New Roman" panose="02020603050405020304" pitchFamily="18" charset="0"/>
+                <a:cs typeface="Times New Roman" panose="02020603050405020304" pitchFamily="18" charset="0"/>
+              </a:rPr>
+              <a:t>?</a:t>
+            </a:r>
+          </a:p>
+          <a:p>
+            <a:endParaRPr lang="en-MY" sz="2800" dirty="0">
+              <a:solidFill>
+                <a:schemeClr val="bg1"/>
+              </a:solidFill>
+              <a:latin typeface="Times New Roman" panose="02020603050405020304" pitchFamily="18" charset="0"/>
+              <a:cs typeface="Times New Roman" panose="02020603050405020304" pitchFamily="18" charset="0"/>
+            </a:endParaRPr>
+          </a:p>
+          <a:p>
+            <a:r>
+              <a:rPr lang="en-MY" sz="2800" dirty="0">
+                <a:solidFill>
+                  <a:schemeClr val="bg1"/>
+                </a:solidFill>
+                <a:latin typeface="Times New Roman" panose="02020603050405020304" pitchFamily="18" charset="0"/>
+                <a:cs typeface="Times New Roman" panose="02020603050405020304" pitchFamily="18" charset="0"/>
+              </a:rPr>
+              <a:t>Cronbach’s alpha (0.8740) (Good Consistency)</a:t>
+            </a:r>
+          </a:p>
+          <a:p>
+            <a:r>
+              <a:rPr lang="en-MY" sz="2800" dirty="0">
+                <a:solidFill>
+                  <a:schemeClr val="bg1"/>
+                </a:solidFill>
+                <a:latin typeface="Times New Roman" panose="02020603050405020304" pitchFamily="18" charset="0"/>
+                <a:cs typeface="Times New Roman" panose="02020603050405020304" pitchFamily="18" charset="0"/>
+              </a:rPr>
+              <a:t>KMO 0.9252 ( 0.9252 ) ( adequate )</a:t>
+            </a:r>
+          </a:p>
+          <a:p>
+            <a:r>
+              <a:rPr lang="en-MY" sz="2800" dirty="0" err="1">
+                <a:solidFill>
+                  <a:schemeClr val="bg1"/>
+                </a:solidFill>
+                <a:latin typeface="Times New Roman" panose="02020603050405020304" pitchFamily="18" charset="0"/>
+                <a:cs typeface="Times New Roman" panose="02020603050405020304" pitchFamily="18" charset="0"/>
+              </a:rPr>
+              <a:t>Barlett’s</a:t>
+            </a:r>
+            <a:r>
+              <a:rPr lang="en-MY" sz="2800" dirty="0">
+                <a:solidFill>
+                  <a:schemeClr val="bg1"/>
+                </a:solidFill>
+                <a:latin typeface="Times New Roman" panose="02020603050405020304" pitchFamily="18" charset="0"/>
+                <a:cs typeface="Times New Roman" panose="02020603050405020304" pitchFamily="18" charset="0"/>
+              </a:rPr>
+              <a:t> Test ( 5.3826e-23) ( significant )</a:t>
+            </a:r>
+            <a:endParaRPr lang="en-MY" sz="3200" dirty="0">
+              <a:solidFill>
+                <a:schemeClr val="bg1"/>
+              </a:solidFill>
+              <a:latin typeface="Times New Roman" panose="02020603050405020304" pitchFamily="18" charset="0"/>
+              <a:cs typeface="Times New Roman" panose="02020603050405020304" pitchFamily="18" charset="0"/>
+            </a:endParaRPr>
+          </a:p>
+        </p:txBody>
+      </p:sp>
+      <p:pic>
+        <p:nvPicPr>
+          <p:cNvPr id="7" name="Content Placeholder 6">
+            <a:extLst>
+              <a:ext uri="{FF2B5EF4-FFF2-40B4-BE49-F238E27FC236}">
+                <a16:creationId xmlns:a16="http://schemas.microsoft.com/office/drawing/2014/main" id="{BD646B13-57FB-7549-A2E2-0C5DB885C838}"/>
+              </a:ext>
+            </a:extLst>
+          </p:cNvPr>
+          <p:cNvPicPr>
+            <a:picLocks noGrp="1" noChangeAspect="1"/>
+          </p:cNvPicPr>
+          <p:nvPr>
+            <p:ph idx="1"/>
+          </p:nvPr>
+        </p:nvPicPr>
+        <p:blipFill>
+          <a:blip r:embed="rId3"/>
+          <a:stretch>
+            <a:fillRect/>
+          </a:stretch>
+        </p:blipFill>
+        <p:spPr>
+          <a:xfrm>
+            <a:off x="2282242" y="3387211"/>
+            <a:ext cx="7627516" cy="3227387"/>
+          </a:xfrm>
+        </p:spPr>
+      </p:pic>
+    </p:spTree>
+    <p:extLst>
+      <p:ext uri="{BB962C8B-B14F-4D97-AF65-F5344CB8AC3E}">
+        <p14:creationId xmlns:p14="http://schemas.microsoft.com/office/powerpoint/2010/main" val="1092047365"/>
+      </p:ext>
+    </p:extLst>
+  </p:cSld>
+  <p:clrMapOvr>
+    <a:masterClrMapping/>
+  </p:clrMapOvr>
+</p:sld>
+</file>
+
+<file path=ppt/slides/slide34.xml><?xml version="1.0" encoding="utf-8"?>
+<p:sld xmlns:a="http://schemas.openxmlformats.org/drawingml/2006/main" xmlns:r="http://schemas.openxmlformats.org/officeDocument/2006/relationships" xmlns:p="http://schemas.openxmlformats.org/presentationml/2006/main" showMasterSp="0">
+  <p:cSld>
+    <p:bg>
+      <p:bgPr>
+        <a:solidFill>
+          <a:schemeClr val="tx1"/>
+        </a:solidFill>
+        <a:effectLst/>
+      </p:bgPr>
+    </p:bg>
+    <p:spTree>
+      <p:nvGrpSpPr>
+        <p:cNvPr id="1" name=""/>
+        <p:cNvGrpSpPr/>
+        <p:nvPr/>
+      </p:nvGrpSpPr>
+      <p:grpSpPr>
+        <a:xfrm>
+          <a:off x="0" y="0"/>
+          <a:ext cx="0" cy="0"/>
+          <a:chOff x="0" y="0"/>
+          <a:chExt cx="0" cy="0"/>
+        </a:xfrm>
+      </p:grpSpPr>
+      <p:sp>
+        <p:nvSpPr>
+          <p:cNvPr id="2" name="Title 1">
+            <a:extLst>
+              <a:ext uri="{FF2B5EF4-FFF2-40B4-BE49-F238E27FC236}">
+                <a16:creationId xmlns:a16="http://schemas.microsoft.com/office/drawing/2014/main" id="{F376363F-57CB-7C46-8D30-6997A8CB848E}"/>
+              </a:ext>
+            </a:extLst>
+          </p:cNvPr>
+          <p:cNvSpPr>
+            <a:spLocks noGrp="1"/>
+          </p:cNvSpPr>
+          <p:nvPr>
+            <p:ph type="title"/>
+          </p:nvPr>
+        </p:nvSpPr>
+        <p:spPr>
+          <a:xfrm>
+            <a:off x="-139486" y="293771"/>
+            <a:ext cx="5346915" cy="1477328"/>
+          </a:xfrm>
+        </p:spPr>
+        <p:txBody>
+          <a:bodyPr/>
+          <a:lstStyle/>
+          <a:p>
+            <a:pPr algn="ctr"/>
+            <a:r>
+              <a:rPr lang="en-US" b="1" dirty="0">
+                <a:solidFill>
+                  <a:schemeClr val="bg1"/>
+                </a:solidFill>
+                <a:latin typeface="Times New Roman" panose="02020603050405020304" pitchFamily="18" charset="0"/>
+                <a:cs typeface="Times New Roman" panose="02020603050405020304" pitchFamily="18" charset="0"/>
+              </a:rPr>
+              <a:t>PCA</a:t>
+            </a:r>
+            <a:br>
+              <a:rPr lang="en-US" b="1" dirty="0">
+                <a:solidFill>
+                  <a:schemeClr val="bg1"/>
+                </a:solidFill>
+                <a:latin typeface="Times New Roman" panose="02020603050405020304" pitchFamily="18" charset="0"/>
+                <a:cs typeface="Times New Roman" panose="02020603050405020304" pitchFamily="18" charset="0"/>
+              </a:rPr>
+            </a:br>
+            <a:r>
+              <a:rPr lang="en-US" b="1" dirty="0">
+                <a:solidFill>
+                  <a:schemeClr val="bg1"/>
+                </a:solidFill>
+                <a:latin typeface="Times New Roman" panose="02020603050405020304" pitchFamily="18" charset="0"/>
+                <a:cs typeface="Times New Roman" panose="02020603050405020304" pitchFamily="18" charset="0"/>
+              </a:rPr>
+              <a:t>Survey Q2</a:t>
+            </a:r>
+            <a:br>
+              <a:rPr lang="en-US" b="1" dirty="0">
+                <a:solidFill>
+                  <a:schemeClr val="bg1"/>
+                </a:solidFill>
+                <a:latin typeface="Times New Roman" panose="02020603050405020304" pitchFamily="18" charset="0"/>
+                <a:cs typeface="Times New Roman" panose="02020603050405020304" pitchFamily="18" charset="0"/>
+              </a:rPr>
+            </a:br>
+            <a:endParaRPr lang="en-US" b="1" dirty="0">
+              <a:solidFill>
+                <a:schemeClr val="bg1"/>
+              </a:solidFill>
+              <a:latin typeface="Times New Roman" panose="02020603050405020304" pitchFamily="18" charset="0"/>
+              <a:cs typeface="Times New Roman" panose="02020603050405020304" pitchFamily="18" charset="0"/>
+            </a:endParaRPr>
+          </a:p>
+        </p:txBody>
+      </p:sp>
+      <p:sp>
+        <p:nvSpPr>
+          <p:cNvPr id="6" name="Rectangle 5">
+            <a:extLst>
+              <a:ext uri="{FF2B5EF4-FFF2-40B4-BE49-F238E27FC236}">
+                <a16:creationId xmlns:a16="http://schemas.microsoft.com/office/drawing/2014/main" id="{B335D236-8F50-8C4C-8D59-BEC353129962}"/>
+              </a:ext>
+            </a:extLst>
+          </p:cNvPr>
+          <p:cNvSpPr/>
+          <p:nvPr/>
+        </p:nvSpPr>
+        <p:spPr>
+          <a:xfrm>
+            <a:off x="4411362" y="339569"/>
+            <a:ext cx="7035925" cy="1569660"/>
+          </a:xfrm>
+          <a:prstGeom prst="rect">
+            <a:avLst/>
+          </a:prstGeom>
+        </p:spPr>
+        <p:txBody>
+          <a:bodyPr wrap="square">
+            <a:spAutoFit/>
+          </a:bodyPr>
+          <a:lstStyle/>
+          <a:p>
+            <a:r>
+              <a:rPr lang="en-MY" sz="3200" dirty="0">
+                <a:solidFill>
+                  <a:schemeClr val="bg1"/>
+                </a:solidFill>
+                <a:latin typeface="Times New Roman" panose="02020603050405020304" pitchFamily="18" charset="0"/>
+                <a:cs typeface="Times New Roman" panose="02020603050405020304" pitchFamily="18" charset="0"/>
+              </a:rPr>
+              <a:t>Three Principle Components Explained 63.65% of the Variance. </a:t>
+            </a:r>
+          </a:p>
+          <a:p>
+            <a:endParaRPr lang="en-MY" sz="3200" dirty="0">
+              <a:solidFill>
+                <a:schemeClr val="bg1"/>
+              </a:solidFill>
+              <a:latin typeface="Times New Roman" panose="02020603050405020304" pitchFamily="18" charset="0"/>
+              <a:cs typeface="Times New Roman" panose="02020603050405020304" pitchFamily="18" charset="0"/>
+            </a:endParaRPr>
+          </a:p>
+        </p:txBody>
+      </p:sp>
+      <p:sp>
+        <p:nvSpPr>
+          <p:cNvPr id="4" name="Content Placeholder 3">
+            <a:extLst>
+              <a:ext uri="{FF2B5EF4-FFF2-40B4-BE49-F238E27FC236}">
+                <a16:creationId xmlns:a16="http://schemas.microsoft.com/office/drawing/2014/main" id="{ED6974DE-F708-7940-8EC6-C3420418C130}"/>
+              </a:ext>
+            </a:extLst>
+          </p:cNvPr>
+          <p:cNvSpPr>
+            <a:spLocks noGrp="1"/>
+          </p:cNvSpPr>
+          <p:nvPr>
+            <p:ph idx="1"/>
+          </p:nvPr>
+        </p:nvSpPr>
+        <p:spPr>
+          <a:xfrm>
+            <a:off x="573438" y="1790193"/>
+            <a:ext cx="11329260" cy="3997877"/>
+          </a:xfrm>
+        </p:spPr>
+        <p:txBody>
+          <a:bodyPr>
+            <a:normAutofit/>
+          </a:bodyPr>
+          <a:lstStyle/>
+          <a:p>
+            <a:r>
+              <a:rPr lang="en-US" sz="2500" dirty="0">
+                <a:solidFill>
+                  <a:schemeClr val="bg1">
+                    <a:alpha val="58000"/>
+                  </a:schemeClr>
+                </a:solidFill>
+                <a:latin typeface="Times New Roman" panose="02020603050405020304" pitchFamily="18" charset="0"/>
+                <a:cs typeface="Times New Roman" panose="02020603050405020304" pitchFamily="18" charset="0"/>
+              </a:rPr>
+              <a:t>PC1 explained 45.49% of the variance  - </a:t>
+            </a:r>
+            <a:r>
+              <a:rPr lang="en-US" sz="2500" dirty="0">
+                <a:solidFill>
+                  <a:srgbClr val="FF0000">
+                    <a:alpha val="58000"/>
+                  </a:srgbClr>
+                </a:solidFill>
+                <a:latin typeface="Times New Roman" panose="02020603050405020304" pitchFamily="18" charset="0"/>
+                <a:cs typeface="Times New Roman" panose="02020603050405020304" pitchFamily="18" charset="0"/>
+              </a:rPr>
+              <a:t>Q2 (31.4% ) and Q5 ( 34.5 % )  loads highly on PC1</a:t>
+            </a:r>
+          </a:p>
+          <a:p>
+            <a:r>
+              <a:rPr lang="en-US" sz="2500" dirty="0">
+                <a:solidFill>
+                  <a:schemeClr val="bg1">
+                    <a:alpha val="58000"/>
+                  </a:schemeClr>
+                </a:solidFill>
+                <a:latin typeface="Times New Roman" panose="02020603050405020304" pitchFamily="18" charset="0"/>
+                <a:cs typeface="Times New Roman" panose="02020603050405020304" pitchFamily="18" charset="0"/>
+              </a:rPr>
+              <a:t>PC2 explained 10.15% of the variance – </a:t>
+            </a:r>
+            <a:r>
+              <a:rPr lang="en-US" sz="2500" dirty="0">
+                <a:solidFill>
+                  <a:srgbClr val="FF0000">
+                    <a:alpha val="58000"/>
+                  </a:srgbClr>
+                </a:solidFill>
+                <a:latin typeface="Times New Roman" panose="02020603050405020304" pitchFamily="18" charset="0"/>
+                <a:cs typeface="Times New Roman" panose="02020603050405020304" pitchFamily="18" charset="0"/>
+              </a:rPr>
+              <a:t>Q13 ( 80.5 % ) loads highly on PC2 </a:t>
+            </a:r>
+          </a:p>
+          <a:p>
+            <a:r>
+              <a:rPr lang="en-US" sz="2500" dirty="0">
+                <a:solidFill>
+                  <a:schemeClr val="bg1">
+                    <a:alpha val="58000"/>
+                  </a:schemeClr>
+                </a:solidFill>
+                <a:latin typeface="Times New Roman" panose="02020603050405020304" pitchFamily="18" charset="0"/>
+                <a:cs typeface="Times New Roman" panose="02020603050405020304" pitchFamily="18" charset="0"/>
+              </a:rPr>
+              <a:t>PC3 explained 8.01% of the variance – </a:t>
+            </a:r>
+            <a:r>
+              <a:rPr lang="en-US" sz="2500" dirty="0">
+                <a:solidFill>
+                  <a:srgbClr val="FF0000">
+                    <a:alpha val="58000"/>
+                  </a:srgbClr>
+                </a:solidFill>
+                <a:latin typeface="Times New Roman" panose="02020603050405020304" pitchFamily="18" charset="0"/>
+                <a:cs typeface="Times New Roman" panose="02020603050405020304" pitchFamily="18" charset="0"/>
+              </a:rPr>
+              <a:t>Q4 ( 51.27% ) loads highly on PC3</a:t>
+            </a:r>
+          </a:p>
+          <a:p>
+            <a:endParaRPr lang="en-US" sz="2500" dirty="0">
+              <a:solidFill>
+                <a:schemeClr val="bg1">
+                  <a:alpha val="58000"/>
+                </a:schemeClr>
+              </a:solidFill>
+              <a:latin typeface="Times New Roman" panose="02020603050405020304" pitchFamily="18" charset="0"/>
+              <a:cs typeface="Times New Roman" panose="02020603050405020304" pitchFamily="18" charset="0"/>
+            </a:endParaRPr>
+          </a:p>
+        </p:txBody>
+      </p:sp>
+      <p:pic>
+        <p:nvPicPr>
+          <p:cNvPr id="8" name="Picture 7" descr="Graphical user interface, application&#10;&#10;Description automatically generated">
+            <a:extLst>
+              <a:ext uri="{FF2B5EF4-FFF2-40B4-BE49-F238E27FC236}">
+                <a16:creationId xmlns:a16="http://schemas.microsoft.com/office/drawing/2014/main" id="{42AD645C-1DF5-064C-95CF-4CB7381C3AA2}"/>
+              </a:ext>
+            </a:extLst>
+          </p:cNvPr>
+          <p:cNvPicPr>
+            <a:picLocks noChangeAspect="1"/>
+          </p:cNvPicPr>
+          <p:nvPr/>
+        </p:nvPicPr>
+        <p:blipFill>
+          <a:blip r:embed="rId3"/>
+          <a:stretch>
+            <a:fillRect/>
+          </a:stretch>
+        </p:blipFill>
+        <p:spPr>
+          <a:xfrm>
+            <a:off x="178231" y="4165908"/>
+            <a:ext cx="11835538" cy="2560356"/>
+          </a:xfrm>
+          <a:prstGeom prst="rect">
+            <a:avLst/>
+          </a:prstGeom>
+        </p:spPr>
+      </p:pic>
+    </p:spTree>
+    <p:extLst>
+      <p:ext uri="{BB962C8B-B14F-4D97-AF65-F5344CB8AC3E}">
+        <p14:creationId xmlns:p14="http://schemas.microsoft.com/office/powerpoint/2010/main" val="2041004730"/>
+      </p:ext>
+    </p:extLst>
+  </p:cSld>
+  <p:clrMapOvr>
+    <a:masterClrMapping/>
+  </p:clrMapOvr>
+</p:sld>
+</file>
+
+<file path=ppt/slides/slide35.xml><?xml version="1.0" encoding="utf-8"?>
+<p:sld xmlns:a="http://schemas.openxmlformats.org/drawingml/2006/main" xmlns:r="http://schemas.openxmlformats.org/officeDocument/2006/relationships" xmlns:p="http://schemas.openxmlformats.org/presentationml/2006/main" showMasterSp="0">
+  <p:cSld>
+    <p:bg>
+      <p:bgPr>
+        <a:solidFill>
+          <a:schemeClr val="tx1"/>
+        </a:solidFill>
+        <a:effectLst/>
+      </p:bgPr>
+    </p:bg>
+    <p:spTree>
+      <p:nvGrpSpPr>
+        <p:cNvPr id="1" name=""/>
+        <p:cNvGrpSpPr/>
+        <p:nvPr/>
+      </p:nvGrpSpPr>
+      <p:grpSpPr>
+        <a:xfrm>
+          <a:off x="0" y="0"/>
+          <a:ext cx="0" cy="0"/>
+          <a:chOff x="0" y="0"/>
+          <a:chExt cx="0" cy="0"/>
+        </a:xfrm>
+      </p:grpSpPr>
+      <p:sp>
+        <p:nvSpPr>
+          <p:cNvPr id="2" name="Title 1">
+            <a:extLst>
+              <a:ext uri="{FF2B5EF4-FFF2-40B4-BE49-F238E27FC236}">
+                <a16:creationId xmlns:a16="http://schemas.microsoft.com/office/drawing/2014/main" id="{F376363F-57CB-7C46-8D30-6997A8CB848E}"/>
+              </a:ext>
+            </a:extLst>
+          </p:cNvPr>
+          <p:cNvSpPr>
+            <a:spLocks noGrp="1"/>
+          </p:cNvSpPr>
+          <p:nvPr>
+            <p:ph type="title"/>
+          </p:nvPr>
+        </p:nvSpPr>
+        <p:spPr>
+          <a:xfrm>
+            <a:off x="-139486" y="293771"/>
+            <a:ext cx="5346915" cy="1477328"/>
+          </a:xfrm>
+        </p:spPr>
+        <p:txBody>
+          <a:bodyPr/>
+          <a:lstStyle/>
+          <a:p>
+            <a:pPr algn="ctr"/>
+            <a:r>
+              <a:rPr lang="en-US" b="1" dirty="0">
+                <a:solidFill>
+                  <a:schemeClr val="bg1"/>
+                </a:solidFill>
+                <a:latin typeface="Times New Roman" panose="02020603050405020304" pitchFamily="18" charset="0"/>
+                <a:cs typeface="Times New Roman" panose="02020603050405020304" pitchFamily="18" charset="0"/>
+              </a:rPr>
+              <a:t>PCA</a:t>
+            </a:r>
+            <a:br>
+              <a:rPr lang="en-US" b="1" dirty="0">
+                <a:solidFill>
+                  <a:schemeClr val="bg1"/>
+                </a:solidFill>
+                <a:latin typeface="Times New Roman" panose="02020603050405020304" pitchFamily="18" charset="0"/>
+                <a:cs typeface="Times New Roman" panose="02020603050405020304" pitchFamily="18" charset="0"/>
+              </a:rPr>
+            </a:br>
+            <a:r>
+              <a:rPr lang="en-US" b="1" dirty="0">
+                <a:solidFill>
+                  <a:schemeClr val="bg1"/>
+                </a:solidFill>
+                <a:latin typeface="Times New Roman" panose="02020603050405020304" pitchFamily="18" charset="0"/>
+                <a:cs typeface="Times New Roman" panose="02020603050405020304" pitchFamily="18" charset="0"/>
+              </a:rPr>
+              <a:t>Survey Q2</a:t>
+            </a:r>
+          </a:p>
+        </p:txBody>
+      </p:sp>
+      <p:sp>
+        <p:nvSpPr>
+          <p:cNvPr id="6" name="Rectangle 5">
+            <a:extLst>
+              <a:ext uri="{FF2B5EF4-FFF2-40B4-BE49-F238E27FC236}">
+                <a16:creationId xmlns:a16="http://schemas.microsoft.com/office/drawing/2014/main" id="{B335D236-8F50-8C4C-8D59-BEC353129962}"/>
+              </a:ext>
+            </a:extLst>
+          </p:cNvPr>
+          <p:cNvSpPr/>
+          <p:nvPr/>
+        </p:nvSpPr>
+        <p:spPr>
+          <a:xfrm>
+            <a:off x="4197533" y="293771"/>
+            <a:ext cx="6465302" cy="3908762"/>
+          </a:xfrm>
+          <a:prstGeom prst="rect">
+            <a:avLst/>
+          </a:prstGeom>
+        </p:spPr>
+        <p:txBody>
+          <a:bodyPr wrap="square">
+            <a:spAutoFit/>
+          </a:bodyPr>
+          <a:lstStyle/>
+          <a:p>
+            <a:r>
+              <a:rPr lang="en-MY" dirty="0">
+                <a:solidFill>
+                  <a:schemeClr val="bg1"/>
+                </a:solidFill>
+              </a:rPr>
+              <a:t>Features by importance: </a:t>
+            </a:r>
+          </a:p>
+          <a:p>
+            <a:r>
+              <a:rPr lang="en-MY" dirty="0">
+                <a:solidFill>
+                  <a:schemeClr val="bg1"/>
+                </a:solidFill>
+              </a:rPr>
+              <a:t>[(5.839735054043034, 'Q2_Q2_13'), (4.636818964269485, 'Q2_Q2_5'), (4.538149110813588, 'Q2_Q2_2'), (4.522662372716051, 'Q2_Q2_1'), (4.387088637503117, 'Q2_Q2_4'), (4.234664206641395, 'Q2_Q2_9'), (4.119574038933979, 'Q2_Q2_3'), (3.922502790812984, 'Q2_Q2_6'), (3.840675387905758, 'Q2_Q2_8'), (3.7292214581674994, 'Q2_Q2_12'), (3.5871174171973936, 'Q2_Q2_11'), (3.458266845317514, 'Q2_Q2_10'), (3.001852776427413, 'Q2_Q2_7')] </a:t>
+            </a:r>
+          </a:p>
+          <a:p>
+            <a:br>
+              <a:rPr lang="en-MY" dirty="0">
+                <a:solidFill>
+                  <a:schemeClr val="bg1"/>
+                </a:solidFill>
+              </a:rPr>
+            </a:br>
+            <a:endParaRPr lang="en-MY" dirty="0">
+              <a:solidFill>
+                <a:schemeClr val="bg1"/>
+              </a:solidFill>
+            </a:endParaRPr>
+          </a:p>
+          <a:p>
+            <a:endParaRPr lang="en-MY" sz="3200" dirty="0">
+              <a:solidFill>
+                <a:schemeClr val="bg1"/>
+              </a:solidFill>
+              <a:latin typeface="Times New Roman" panose="02020603050405020304" pitchFamily="18" charset="0"/>
+              <a:cs typeface="Times New Roman" panose="02020603050405020304" pitchFamily="18" charset="0"/>
+            </a:endParaRPr>
+          </a:p>
+        </p:txBody>
+      </p:sp>
+      <p:sp>
+        <p:nvSpPr>
+          <p:cNvPr id="5" name="Rectangle 4">
+            <a:extLst>
+              <a:ext uri="{FF2B5EF4-FFF2-40B4-BE49-F238E27FC236}">
+                <a16:creationId xmlns:a16="http://schemas.microsoft.com/office/drawing/2014/main" id="{BD8B4206-4A29-2148-B4B7-602E621F85F8}"/>
+              </a:ext>
+            </a:extLst>
+          </p:cNvPr>
+          <p:cNvSpPr/>
+          <p:nvPr/>
+        </p:nvSpPr>
+        <p:spPr>
+          <a:xfrm>
+            <a:off x="449451" y="3599481"/>
+            <a:ext cx="10879810" cy="2092881"/>
+          </a:xfrm>
+          <a:prstGeom prst="rect">
+            <a:avLst/>
+          </a:prstGeom>
+        </p:spPr>
+        <p:txBody>
+          <a:bodyPr wrap="square">
+            <a:spAutoFit/>
+          </a:bodyPr>
+          <a:lstStyle/>
+          <a:p>
+            <a:r>
+              <a:rPr lang="en-MY" sz="2600" b="1" dirty="0">
+                <a:solidFill>
+                  <a:schemeClr val="bg1"/>
+                </a:solidFill>
+                <a:latin typeface="Times New Roman" panose="02020603050405020304" pitchFamily="18" charset="0"/>
+                <a:cs typeface="Times New Roman" panose="02020603050405020304" pitchFamily="18" charset="0"/>
+              </a:rPr>
+              <a:t>Interpretation: </a:t>
+            </a:r>
+            <a:r>
+              <a:rPr lang="en-MY" sz="2600" dirty="0">
+                <a:solidFill>
+                  <a:srgbClr val="000000"/>
+                </a:solidFill>
+                <a:latin typeface="Times New Roman" panose="02020603050405020304" pitchFamily="18" charset="0"/>
+                <a:cs typeface="Times New Roman" panose="02020603050405020304" pitchFamily="18" charset="0"/>
+              </a:rPr>
+              <a:t>Q2_Q2_5 is 'Because I want to get in touch with the experts in </a:t>
+            </a:r>
+            <a:r>
+              <a:rPr lang="en-MY" sz="2600" dirty="0" err="1">
+                <a:solidFill>
+                  <a:srgbClr val="000000"/>
+                </a:solidFill>
+                <a:latin typeface="Times New Roman" panose="02020603050405020304" pitchFamily="18" charset="0"/>
+                <a:cs typeface="Times New Roman" panose="02020603050405020304" pitchFamily="18" charset="0"/>
+              </a:rPr>
+              <a:t>IronHacks</a:t>
+            </a:r>
+            <a:r>
+              <a:rPr lang="en-MY" sz="2600" b="1" dirty="0">
+                <a:solidFill>
+                  <a:schemeClr val="bg2"/>
+                </a:solidFill>
+                <a:latin typeface="Times New Roman" panose="02020603050405020304" pitchFamily="18" charset="0"/>
+                <a:cs typeface="Times New Roman" panose="02020603050405020304" pitchFamily="18" charset="0"/>
+              </a:rPr>
+              <a:t>’ </a:t>
+            </a:r>
+            <a:r>
+              <a:rPr lang="en-MY" sz="2600" b="1" dirty="0">
+                <a:solidFill>
+                  <a:srgbClr val="FF0000"/>
+                </a:solidFill>
+                <a:latin typeface="Times New Roman" panose="02020603050405020304" pitchFamily="18" charset="0"/>
+                <a:cs typeface="Times New Roman" panose="02020603050405020304" pitchFamily="18" charset="0"/>
+              </a:rPr>
+              <a:t>[ 2</a:t>
+            </a:r>
+            <a:r>
+              <a:rPr lang="en-MY" sz="2600" b="1" baseline="30000" dirty="0">
+                <a:solidFill>
+                  <a:srgbClr val="FF0000"/>
+                </a:solidFill>
+                <a:latin typeface="Times New Roman" panose="02020603050405020304" pitchFamily="18" charset="0"/>
+                <a:cs typeface="Times New Roman" panose="02020603050405020304" pitchFamily="18" charset="0"/>
+              </a:rPr>
+              <a:t>nd</a:t>
+            </a:r>
+            <a:r>
+              <a:rPr lang="en-MY" sz="2600" b="1" dirty="0">
+                <a:solidFill>
+                  <a:srgbClr val="FF0000"/>
+                </a:solidFill>
+                <a:latin typeface="Times New Roman" panose="02020603050405020304" pitchFamily="18" charset="0"/>
+                <a:cs typeface="Times New Roman" panose="02020603050405020304" pitchFamily="18" charset="0"/>
+              </a:rPr>
+              <a:t> important ] </a:t>
+            </a:r>
+          </a:p>
+          <a:p>
+            <a:r>
+              <a:rPr lang="en-MY" sz="2600" dirty="0">
+                <a:solidFill>
+                  <a:srgbClr val="000000"/>
+                </a:solidFill>
+                <a:latin typeface="Times New Roman" panose="02020603050405020304" pitchFamily="18" charset="0"/>
+                <a:cs typeface="Times New Roman" panose="02020603050405020304" pitchFamily="18" charset="0"/>
+              </a:rPr>
+              <a:t>Q2_Q2_13 is 'To pass the class’ </a:t>
+            </a:r>
+            <a:r>
+              <a:rPr lang="en-MY" sz="2600" b="1" dirty="0">
+                <a:solidFill>
+                  <a:srgbClr val="FF0000"/>
+                </a:solidFill>
+                <a:latin typeface="Times New Roman" panose="02020603050405020304" pitchFamily="18" charset="0"/>
+                <a:cs typeface="Times New Roman" panose="02020603050405020304" pitchFamily="18" charset="0"/>
+              </a:rPr>
+              <a:t>[ most important ] </a:t>
+            </a:r>
+          </a:p>
+          <a:p>
+            <a:r>
+              <a:rPr lang="en-MY" sz="2600" dirty="0">
+                <a:solidFill>
+                  <a:schemeClr val="bg1"/>
+                </a:solidFill>
+                <a:latin typeface="Times New Roman" panose="02020603050405020304" pitchFamily="18" charset="0"/>
+                <a:cs typeface="Times New Roman" panose="02020603050405020304" pitchFamily="18" charset="0"/>
+              </a:rPr>
+              <a:t>Q2_Q2_Q2 is  ‘To become known for being an excellent programmer’ </a:t>
+            </a:r>
+            <a:r>
+              <a:rPr lang="en-MY" sz="2600" b="1" dirty="0">
+                <a:solidFill>
+                  <a:srgbClr val="FF0000"/>
+                </a:solidFill>
+                <a:latin typeface="Times New Roman" panose="02020603050405020304" pitchFamily="18" charset="0"/>
+                <a:cs typeface="Times New Roman" panose="02020603050405020304" pitchFamily="18" charset="0"/>
+              </a:rPr>
+              <a:t>[ 3</a:t>
+            </a:r>
+            <a:r>
+              <a:rPr lang="en-MY" sz="2600" b="1" baseline="30000" dirty="0">
+                <a:solidFill>
+                  <a:srgbClr val="FF0000"/>
+                </a:solidFill>
+                <a:latin typeface="Times New Roman" panose="02020603050405020304" pitchFamily="18" charset="0"/>
+                <a:cs typeface="Times New Roman" panose="02020603050405020304" pitchFamily="18" charset="0"/>
+              </a:rPr>
+              <a:t>rd</a:t>
+            </a:r>
+            <a:r>
+              <a:rPr lang="en-MY" sz="2600" b="1" dirty="0">
+                <a:solidFill>
+                  <a:srgbClr val="FF0000"/>
+                </a:solidFill>
+                <a:latin typeface="Times New Roman" panose="02020603050405020304" pitchFamily="18" charset="0"/>
+                <a:cs typeface="Times New Roman" panose="02020603050405020304" pitchFamily="18" charset="0"/>
+              </a:rPr>
+              <a:t> important ] </a:t>
+            </a:r>
+            <a:endParaRPr lang="en-MY" sz="2600" b="1" i="0" dirty="0">
+              <a:solidFill>
+                <a:srgbClr val="FF0000"/>
+              </a:solidFill>
+              <a:effectLst/>
+              <a:latin typeface="Times New Roman" panose="02020603050405020304" pitchFamily="18" charset="0"/>
+              <a:cs typeface="Times New Roman" panose="02020603050405020304" pitchFamily="18" charset="0"/>
+            </a:endParaRPr>
+          </a:p>
+        </p:txBody>
+      </p:sp>
+    </p:spTree>
+    <p:extLst>
+      <p:ext uri="{BB962C8B-B14F-4D97-AF65-F5344CB8AC3E}">
+        <p14:creationId xmlns:p14="http://schemas.microsoft.com/office/powerpoint/2010/main" val="3329683253"/>
+      </p:ext>
+    </p:extLst>
+  </p:cSld>
+  <p:clrMapOvr>
+    <a:masterClrMapping/>
+  </p:clrMapOvr>
+</p:sld>
+</file>
+
+<file path=ppt/slides/slide36.xml><?xml version="1.0" encoding="utf-8"?>
+<p:sld xmlns:a="http://schemas.openxmlformats.org/drawingml/2006/main" xmlns:r="http://schemas.openxmlformats.org/officeDocument/2006/relationships" xmlns:p="http://schemas.openxmlformats.org/presentationml/2006/main" showMasterSp="0">
+  <p:cSld>
+    <p:bg>
+      <p:bgPr>
+        <a:solidFill>
+          <a:schemeClr val="tx1"/>
+        </a:solidFill>
+        <a:effectLst/>
+      </p:bgPr>
+    </p:bg>
+    <p:spTree>
+      <p:nvGrpSpPr>
+        <p:cNvPr id="1" name=""/>
+        <p:cNvGrpSpPr/>
+        <p:nvPr/>
+      </p:nvGrpSpPr>
+      <p:grpSpPr>
+        <a:xfrm>
+          <a:off x="0" y="0"/>
+          <a:ext cx="0" cy="0"/>
+          <a:chOff x="0" y="0"/>
+          <a:chExt cx="0" cy="0"/>
+        </a:xfrm>
+      </p:grpSpPr>
+      <p:sp>
+        <p:nvSpPr>
+          <p:cNvPr id="2" name="Title 1">
+            <a:extLst>
+              <a:ext uri="{FF2B5EF4-FFF2-40B4-BE49-F238E27FC236}">
+                <a16:creationId xmlns:a16="http://schemas.microsoft.com/office/drawing/2014/main" id="{F376363F-57CB-7C46-8D30-6997A8CB848E}"/>
+              </a:ext>
+            </a:extLst>
+          </p:cNvPr>
+          <p:cNvSpPr>
+            <a:spLocks noGrp="1"/>
+          </p:cNvSpPr>
+          <p:nvPr>
+            <p:ph type="title"/>
+          </p:nvPr>
+        </p:nvSpPr>
+        <p:spPr>
+          <a:xfrm>
+            <a:off x="-139486" y="293771"/>
+            <a:ext cx="5346915" cy="1477328"/>
+          </a:xfrm>
+        </p:spPr>
+        <p:txBody>
+          <a:bodyPr>
+            <a:normAutofit fontScale="90000"/>
+          </a:bodyPr>
+          <a:lstStyle/>
+          <a:p>
+            <a:pPr algn="ctr"/>
+            <a:r>
+              <a:rPr lang="en-US" b="1" dirty="0">
+                <a:solidFill>
+                  <a:schemeClr val="bg1"/>
+                </a:solidFill>
+                <a:latin typeface="Times New Roman" panose="02020603050405020304" pitchFamily="18" charset="0"/>
+                <a:cs typeface="Times New Roman" panose="02020603050405020304" pitchFamily="18" charset="0"/>
+              </a:rPr>
+              <a:t>PCA</a:t>
+            </a:r>
+            <a:br>
+              <a:rPr lang="en-US" b="1" dirty="0">
+                <a:solidFill>
+                  <a:schemeClr val="bg1"/>
+                </a:solidFill>
+                <a:latin typeface="Times New Roman" panose="02020603050405020304" pitchFamily="18" charset="0"/>
+                <a:cs typeface="Times New Roman" panose="02020603050405020304" pitchFamily="18" charset="0"/>
+              </a:rPr>
+            </a:br>
+            <a:r>
+              <a:rPr lang="en-US" b="1" dirty="0">
+                <a:solidFill>
+                  <a:schemeClr val="bg1"/>
+                </a:solidFill>
+                <a:latin typeface="Times New Roman" panose="02020603050405020304" pitchFamily="18" charset="0"/>
+                <a:cs typeface="Times New Roman" panose="02020603050405020304" pitchFamily="18" charset="0"/>
+              </a:rPr>
+              <a:t>Survey Q3</a:t>
+            </a:r>
+            <a:br>
+              <a:rPr lang="en-US" b="1" dirty="0">
+                <a:solidFill>
+                  <a:schemeClr val="bg1"/>
+                </a:solidFill>
+                <a:latin typeface="Times New Roman" panose="02020603050405020304" pitchFamily="18" charset="0"/>
+                <a:cs typeface="Times New Roman" panose="02020603050405020304" pitchFamily="18" charset="0"/>
+              </a:rPr>
+            </a:br>
+            <a:r>
+              <a:rPr lang="en-US" b="1" dirty="0">
+                <a:solidFill>
+                  <a:schemeClr val="bg1"/>
+                </a:solidFill>
+                <a:latin typeface="Times New Roman" panose="02020603050405020304" pitchFamily="18" charset="0"/>
+                <a:cs typeface="Times New Roman" panose="02020603050405020304" pitchFamily="18" charset="0"/>
+              </a:rPr>
+              <a:t>Openness/</a:t>
+            </a:r>
+            <a:r>
+              <a:rPr lang="en-US" b="1" dirty="0" err="1">
+                <a:solidFill>
+                  <a:schemeClr val="bg1"/>
+                </a:solidFill>
+                <a:latin typeface="Times New Roman" panose="02020603050405020304" pitchFamily="18" charset="0"/>
+                <a:cs typeface="Times New Roman" panose="02020603050405020304" pitchFamily="18" charset="0"/>
+              </a:rPr>
+              <a:t>flexibilty</a:t>
+            </a:r>
+            <a:br>
+              <a:rPr lang="en-US" b="1" dirty="0">
+                <a:solidFill>
+                  <a:schemeClr val="bg1"/>
+                </a:solidFill>
+                <a:latin typeface="Times New Roman" panose="02020603050405020304" pitchFamily="18" charset="0"/>
+                <a:cs typeface="Times New Roman" panose="02020603050405020304" pitchFamily="18" charset="0"/>
+              </a:rPr>
+            </a:br>
+            <a:endParaRPr lang="en-US" b="1" dirty="0">
+              <a:solidFill>
+                <a:schemeClr val="bg1"/>
+              </a:solidFill>
+              <a:latin typeface="Times New Roman" panose="02020603050405020304" pitchFamily="18" charset="0"/>
+              <a:cs typeface="Times New Roman" panose="02020603050405020304" pitchFamily="18" charset="0"/>
+            </a:endParaRPr>
+          </a:p>
+        </p:txBody>
+      </p:sp>
+      <p:sp>
+        <p:nvSpPr>
+          <p:cNvPr id="6" name="Rectangle 5">
+            <a:extLst>
+              <a:ext uri="{FF2B5EF4-FFF2-40B4-BE49-F238E27FC236}">
+                <a16:creationId xmlns:a16="http://schemas.microsoft.com/office/drawing/2014/main" id="{B335D236-8F50-8C4C-8D59-BEC353129962}"/>
+              </a:ext>
+            </a:extLst>
+          </p:cNvPr>
+          <p:cNvSpPr/>
+          <p:nvPr/>
+        </p:nvSpPr>
+        <p:spPr>
+          <a:xfrm>
+            <a:off x="4411362" y="339569"/>
+            <a:ext cx="7035925" cy="2677656"/>
+          </a:xfrm>
+          <a:prstGeom prst="rect">
+            <a:avLst/>
+          </a:prstGeom>
+        </p:spPr>
+        <p:txBody>
+          <a:bodyPr wrap="square">
+            <a:spAutoFit/>
+          </a:bodyPr>
+          <a:lstStyle/>
+          <a:p>
+            <a:r>
+              <a:rPr lang="en-MY" sz="2800" dirty="0">
+                <a:solidFill>
+                  <a:schemeClr val="bg1"/>
+                </a:solidFill>
+                <a:latin typeface="Times New Roman" panose="02020603050405020304" pitchFamily="18" charset="0"/>
+                <a:cs typeface="Times New Roman" panose="02020603050405020304" pitchFamily="18" charset="0"/>
+              </a:rPr>
+              <a:t>To what extent do each of the following statements describe you?</a:t>
+            </a:r>
+          </a:p>
+          <a:p>
+            <a:endParaRPr lang="en-MY" sz="2800" dirty="0">
+              <a:solidFill>
+                <a:schemeClr val="bg1"/>
+              </a:solidFill>
+              <a:latin typeface="Times New Roman" panose="02020603050405020304" pitchFamily="18" charset="0"/>
+              <a:cs typeface="Times New Roman" panose="02020603050405020304" pitchFamily="18" charset="0"/>
+            </a:endParaRPr>
+          </a:p>
+          <a:p>
+            <a:r>
+              <a:rPr lang="en-MY" sz="2800" dirty="0">
+                <a:solidFill>
+                  <a:schemeClr val="bg1"/>
+                </a:solidFill>
+                <a:latin typeface="Times New Roman" panose="02020603050405020304" pitchFamily="18" charset="0"/>
+                <a:cs typeface="Times New Roman" panose="02020603050405020304" pitchFamily="18" charset="0"/>
+              </a:rPr>
+              <a:t>Cronbach’s alpha (0.8740) (Good Consistency)</a:t>
+            </a:r>
+          </a:p>
+          <a:p>
+            <a:r>
+              <a:rPr lang="en-MY" sz="2800" dirty="0">
+                <a:solidFill>
+                  <a:schemeClr val="bg1"/>
+                </a:solidFill>
+                <a:latin typeface="Times New Roman" panose="02020603050405020304" pitchFamily="18" charset="0"/>
+                <a:cs typeface="Times New Roman" panose="02020603050405020304" pitchFamily="18" charset="0"/>
+              </a:rPr>
+              <a:t>KMO 0.9252 ( 0.9252 ) ( adequate )</a:t>
+            </a:r>
+          </a:p>
+          <a:p>
+            <a:r>
+              <a:rPr lang="en-MY" sz="2800" dirty="0" err="1">
+                <a:solidFill>
+                  <a:schemeClr val="bg1"/>
+                </a:solidFill>
+                <a:latin typeface="Times New Roman" panose="02020603050405020304" pitchFamily="18" charset="0"/>
+                <a:cs typeface="Times New Roman" panose="02020603050405020304" pitchFamily="18" charset="0"/>
+              </a:rPr>
+              <a:t>Barlett’s</a:t>
+            </a:r>
+            <a:r>
+              <a:rPr lang="en-MY" sz="2800" dirty="0">
+                <a:solidFill>
+                  <a:schemeClr val="bg1"/>
+                </a:solidFill>
+                <a:latin typeface="Times New Roman" panose="02020603050405020304" pitchFamily="18" charset="0"/>
+                <a:cs typeface="Times New Roman" panose="02020603050405020304" pitchFamily="18" charset="0"/>
+              </a:rPr>
+              <a:t> Test ( 5.3826e-23) ( significant )</a:t>
+            </a:r>
+            <a:endParaRPr lang="en-MY" sz="3200" dirty="0">
+              <a:solidFill>
+                <a:schemeClr val="bg1"/>
+              </a:solidFill>
+              <a:latin typeface="Times New Roman" panose="02020603050405020304" pitchFamily="18" charset="0"/>
+              <a:cs typeface="Times New Roman" panose="02020603050405020304" pitchFamily="18" charset="0"/>
+            </a:endParaRPr>
+          </a:p>
+        </p:txBody>
+      </p:sp>
+      <p:pic>
+        <p:nvPicPr>
+          <p:cNvPr id="8" name="Content Placeholder 7" descr="Graphical user interface, text, application, email&#10;&#10;Description automatically generated">
+            <a:extLst>
+              <a:ext uri="{FF2B5EF4-FFF2-40B4-BE49-F238E27FC236}">
+                <a16:creationId xmlns:a16="http://schemas.microsoft.com/office/drawing/2014/main" id="{ACABD557-D9F2-594B-98F8-0409DC79AB65}"/>
+              </a:ext>
+            </a:extLst>
+          </p:cNvPr>
+          <p:cNvPicPr>
+            <a:picLocks noGrp="1" noChangeAspect="1"/>
+          </p:cNvPicPr>
+          <p:nvPr>
+            <p:ph idx="1"/>
+          </p:nvPr>
+        </p:nvPicPr>
+        <p:blipFill>
+          <a:blip r:embed="rId3"/>
+          <a:stretch>
+            <a:fillRect/>
+          </a:stretch>
+        </p:blipFill>
+        <p:spPr>
+          <a:xfrm>
+            <a:off x="1271910" y="3683981"/>
+            <a:ext cx="10141176" cy="2251869"/>
+          </a:xfrm>
+        </p:spPr>
+      </p:pic>
+    </p:spTree>
+    <p:extLst>
+      <p:ext uri="{BB962C8B-B14F-4D97-AF65-F5344CB8AC3E}">
+        <p14:creationId xmlns:p14="http://schemas.microsoft.com/office/powerpoint/2010/main" val="3035991681"/>
+      </p:ext>
+    </p:extLst>
+  </p:cSld>
+  <p:clrMapOvr>
+    <a:masterClrMapping/>
+  </p:clrMapOvr>
+</p:sld>
+</file>
+
 <file path=ppt/slides/slide4.xml><?xml version="1.0" encoding="utf-8"?>
 <p:sld xmlns:a="http://schemas.openxmlformats.org/drawingml/2006/main" xmlns:r="http://schemas.openxmlformats.org/officeDocument/2006/relationships" xmlns:p="http://schemas.openxmlformats.org/presentationml/2006/main" showMasterSp="0">
   <p:cSld>
@@ -12025,6 +13680,158 @@
       </p:grpSpPr>
       <p:sp>
         <p:nvSpPr>
+          <p:cNvPr id="6" name="Rectangle 5">
+            <a:extLst>
+              <a:ext uri="{FF2B5EF4-FFF2-40B4-BE49-F238E27FC236}">
+                <a16:creationId xmlns:a16="http://schemas.microsoft.com/office/drawing/2014/main" id="{B335D236-8F50-8C4C-8D59-BEC353129962}"/>
+              </a:ext>
+            </a:extLst>
+          </p:cNvPr>
+          <p:cNvSpPr/>
+          <p:nvPr/>
+        </p:nvSpPr>
+        <p:spPr>
+          <a:xfrm>
+            <a:off x="3627590" y="716011"/>
+            <a:ext cx="6096000" cy="1015663"/>
+          </a:xfrm>
+          <a:prstGeom prst="rect">
+            <a:avLst/>
+          </a:prstGeom>
+        </p:spPr>
+        <p:txBody>
+          <a:bodyPr>
+            <a:spAutoFit/>
+          </a:bodyPr>
+          <a:lstStyle/>
+          <a:p>
+            <a:r>
+              <a:rPr lang="en-MY" b="1" dirty="0">
+                <a:solidFill>
+                  <a:schemeClr val="bg1"/>
+                </a:solidFill>
+              </a:rPr>
+              <a:t> </a:t>
+            </a:r>
+            <a:r>
+              <a:rPr lang="en-MY" sz="3000" dirty="0">
+                <a:solidFill>
+                  <a:schemeClr val="bg1"/>
+                </a:solidFill>
+                <a:latin typeface="Times New Roman" panose="02020603050405020304" pitchFamily="18" charset="0"/>
+                <a:cs typeface="Times New Roman" panose="02020603050405020304" pitchFamily="18" charset="0"/>
+              </a:rPr>
+              <a:t>Compute the mean of every dimension of the whole dataset</a:t>
+            </a:r>
+            <a:endParaRPr lang="en-US" sz="3000" dirty="0">
+              <a:solidFill>
+                <a:schemeClr val="bg1"/>
+              </a:solidFill>
+              <a:latin typeface="Times New Roman" panose="02020603050405020304" pitchFamily="18" charset="0"/>
+              <a:cs typeface="Times New Roman" panose="02020603050405020304" pitchFamily="18" charset="0"/>
+            </a:endParaRPr>
+          </a:p>
+        </p:txBody>
+      </p:sp>
+      <p:pic>
+        <p:nvPicPr>
+          <p:cNvPr id="8" name="Content Placeholder 7" descr="Diagram&#10;&#10;Description automatically generated with low confidence">
+            <a:extLst>
+              <a:ext uri="{FF2B5EF4-FFF2-40B4-BE49-F238E27FC236}">
+                <a16:creationId xmlns:a16="http://schemas.microsoft.com/office/drawing/2014/main" id="{BC5EE51E-042B-A543-9A99-DD3C2CFBFD55}"/>
+              </a:ext>
+            </a:extLst>
+          </p:cNvPr>
+          <p:cNvPicPr>
+            <a:picLocks noGrp="1" noChangeAspect="1"/>
+          </p:cNvPicPr>
+          <p:nvPr>
+            <p:ph idx="1"/>
+          </p:nvPr>
+        </p:nvPicPr>
+        <p:blipFill>
+          <a:blip r:embed="rId2"/>
+          <a:stretch>
+            <a:fillRect/>
+          </a:stretch>
+        </p:blipFill>
+        <p:spPr>
+          <a:xfrm>
+            <a:off x="2069881" y="2210749"/>
+            <a:ext cx="3984269" cy="3705371"/>
+          </a:xfrm>
+        </p:spPr>
+      </p:pic>
+      <p:pic>
+        <p:nvPicPr>
+          <p:cNvPr id="10" name="Picture 9" descr="A picture containing text&#10;&#10;Description automatically generated">
+            <a:extLst>
+              <a:ext uri="{FF2B5EF4-FFF2-40B4-BE49-F238E27FC236}">
+                <a16:creationId xmlns:a16="http://schemas.microsoft.com/office/drawing/2014/main" id="{F14906AC-A673-3846-93EA-1563C6001073}"/>
+              </a:ext>
+            </a:extLst>
+          </p:cNvPr>
+          <p:cNvPicPr>
+            <a:picLocks noChangeAspect="1"/>
+          </p:cNvPicPr>
+          <p:nvPr/>
+        </p:nvPicPr>
+        <p:blipFill>
+          <a:blip r:embed="rId3"/>
+          <a:stretch>
+            <a:fillRect/>
+          </a:stretch>
+        </p:blipFill>
+        <p:spPr>
+          <a:xfrm>
+            <a:off x="6096000" y="2754776"/>
+            <a:ext cx="5068573" cy="2027429"/>
+          </a:xfrm>
+          <a:prstGeom prst="rect">
+            <a:avLst/>
+          </a:prstGeom>
+        </p:spPr>
+      </p:pic>
+    </p:spTree>
+    <p:extLst>
+      <p:ext uri="{BB962C8B-B14F-4D97-AF65-F5344CB8AC3E}">
+        <p14:creationId xmlns:p14="http://schemas.microsoft.com/office/powerpoint/2010/main" val="3122935008"/>
+      </p:ext>
+    </p:extLst>
+  </p:cSld>
+  <p:clrMapOvr>
+    <a:masterClrMapping/>
+  </p:clrMapOvr>
+</p:sld>
+</file>
+
+<file path=ppt/slides/slide5.xml><?xml version="1.0" encoding="utf-8"?>
+<p:sld xmlns:a="http://schemas.openxmlformats.org/drawingml/2006/main" xmlns:r="http://schemas.openxmlformats.org/officeDocument/2006/relationships" xmlns:p="http://schemas.openxmlformats.org/presentationml/2006/main" showMasterSp="0">
+  <p:cSld>
+    <p:bg>
+      <p:bgPr>
+        <a:solidFill>
+          <a:schemeClr val="tx1"/>
+        </a:solidFill>
+        <a:effectLst/>
+      </p:bgPr>
+    </p:bg>
+    <p:spTree>
+      <p:nvGrpSpPr>
+        <p:cNvPr id="1" name=""/>
+        <p:cNvGrpSpPr/>
+        <p:nvPr/>
+      </p:nvGrpSpPr>
+      <p:grpSpPr>
+        <a:xfrm>
+          <a:off x="0" y="0"/>
+          <a:ext cx="0" cy="0"/>
+          <a:chOff x="0" y="0"/>
+          <a:chExt cx="0" cy="0"/>
+        </a:xfrm>
+      </p:grpSpPr>
+      <p:sp>
+        <p:nvSpPr>
           <p:cNvPr id="2" name="Title 1">
             <a:extLst>
               <a:ext uri="{FF2B5EF4-FFF2-40B4-BE49-F238E27FC236}">
@@ -12246,7 +14053,7 @@
 </p:sld>
 </file>
 
-<file path=ppt/slides/slide5.xml><?xml version="1.0" encoding="utf-8"?>
+<file path=ppt/slides/slide6.xml><?xml version="1.0" encoding="utf-8"?>
 <p:sld xmlns:a="http://schemas.openxmlformats.org/drawingml/2006/main" xmlns:r="http://schemas.openxmlformats.org/officeDocument/2006/relationships" xmlns:p="http://schemas.openxmlformats.org/presentationml/2006/main" showMasterSp="0">
   <p:cSld>
     <p:bg>
@@ -12313,7 +14120,7 @@
 </p:sld>
 </file>
 
-<file path=ppt/slides/slide6.xml><?xml version="1.0" encoding="utf-8"?>
+<file path=ppt/slides/slide7.xml><?xml version="1.0" encoding="utf-8"?>
 <p:sld xmlns:a="http://schemas.openxmlformats.org/drawingml/2006/main" xmlns:r="http://schemas.openxmlformats.org/officeDocument/2006/relationships" xmlns:p="http://schemas.openxmlformats.org/presentationml/2006/main" showMasterSp="0">
   <p:cSld>
     <p:bg>
@@ -12380,7 +14187,7 @@
 </p:sld>
 </file>
 
-<file path=ppt/slides/slide7.xml><?xml version="1.0" encoding="utf-8"?>
+<file path=ppt/slides/slide8.xml><?xml version="1.0" encoding="utf-8"?>
 <p:sld xmlns:a="http://schemas.openxmlformats.org/drawingml/2006/main" xmlns:r="http://schemas.openxmlformats.org/officeDocument/2006/relationships" xmlns:p="http://schemas.openxmlformats.org/presentationml/2006/main" showMasterSp="0">
   <p:cSld>
     <p:bg>
@@ -12447,7 +14254,7 @@
 </p:sld>
 </file>
 
-<file path=ppt/slides/slide8.xml><?xml version="1.0" encoding="utf-8"?>
+<file path=ppt/slides/slide9.xml><?xml version="1.0" encoding="utf-8"?>
 <p:sld xmlns:a="http://schemas.openxmlformats.org/drawingml/2006/main" xmlns:r="http://schemas.openxmlformats.org/officeDocument/2006/relationships" xmlns:p="http://schemas.openxmlformats.org/presentationml/2006/main" showMasterSp="0">
   <p:cSld>
     <p:bg>
@@ -12546,138 +14353,6 @@
     <p:extLst>
       <p:ext uri="{BB962C8B-B14F-4D97-AF65-F5344CB8AC3E}">
         <p14:creationId xmlns:p14="http://schemas.microsoft.com/office/powerpoint/2010/main" val="3427305955"/>
-      </p:ext>
-    </p:extLst>
-  </p:cSld>
-  <p:clrMapOvr>
-    <a:masterClrMapping/>
-  </p:clrMapOvr>
-</p:sld>
-</file>
-
-<file path=ppt/slides/slide9.xml><?xml version="1.0" encoding="utf-8"?>
-<p:sld xmlns:a="http://schemas.openxmlformats.org/drawingml/2006/main" xmlns:r="http://schemas.openxmlformats.org/officeDocument/2006/relationships" xmlns:p="http://schemas.openxmlformats.org/presentationml/2006/main" showMasterSp="0">
-  <p:cSld>
-    <p:bg>
-      <p:bgPr>
-        <a:solidFill>
-          <a:schemeClr val="tx1"/>
-        </a:solidFill>
-        <a:effectLst/>
-      </p:bgPr>
-    </p:bg>
-    <p:spTree>
-      <p:nvGrpSpPr>
-        <p:cNvPr id="1" name=""/>
-        <p:cNvGrpSpPr/>
-        <p:nvPr/>
-      </p:nvGrpSpPr>
-      <p:grpSpPr>
-        <a:xfrm>
-          <a:off x="0" y="0"/>
-          <a:ext cx="0" cy="0"/>
-          <a:chOff x="0" y="0"/>
-          <a:chExt cx="0" cy="0"/>
-        </a:xfrm>
-      </p:grpSpPr>
-      <p:sp>
-        <p:nvSpPr>
-          <p:cNvPr id="7" name="Rectangle 6">
-            <a:extLst>
-              <a:ext uri="{FF2B5EF4-FFF2-40B4-BE49-F238E27FC236}">
-                <a16:creationId xmlns:a16="http://schemas.microsoft.com/office/drawing/2014/main" id="{801CB88A-C42B-F146-80A3-2B4E75E0FFE9}"/>
-              </a:ext>
-            </a:extLst>
-          </p:cNvPr>
-          <p:cNvSpPr/>
-          <p:nvPr/>
-        </p:nvSpPr>
-        <p:spPr>
-          <a:xfrm>
-            <a:off x="720000" y="364799"/>
-            <a:ext cx="10728325" cy="3847207"/>
-          </a:xfrm>
-          <a:prstGeom prst="rect">
-            <a:avLst/>
-          </a:prstGeom>
-        </p:spPr>
-        <p:txBody>
-          <a:bodyPr wrap="square">
-            <a:spAutoFit/>
-          </a:bodyPr>
-          <a:lstStyle/>
-          <a:p>
-            <a:pPr algn="ctr"/>
-            <a:r>
-              <a:rPr lang="en-MY" sz="3000" dirty="0">
-                <a:solidFill>
-                  <a:schemeClr val="bg1"/>
-                </a:solidFill>
-              </a:rPr>
-              <a:t>To decide which eigenvector(s) we want to drop for our lower-dimensional subspace, we have to take a look at the corresponding eigenvalues of the eigenvectors. Roughly speaking, the eigenvectors with the lowest eigenvalues bear the least information about the distribution of the data. </a:t>
-            </a:r>
-          </a:p>
-          <a:p>
-            <a:pPr algn="ctr"/>
-            <a:endParaRPr lang="en-MY" sz="3000" dirty="0">
-              <a:solidFill>
-                <a:schemeClr val="bg1"/>
-              </a:solidFill>
-            </a:endParaRPr>
-          </a:p>
-          <a:p>
-            <a:pPr algn="ctr"/>
-            <a:r>
-              <a:rPr lang="en-MY" sz="3200" dirty="0">
-                <a:solidFill>
-                  <a:schemeClr val="bg1"/>
-                </a:solidFill>
-                <a:latin typeface="Times New Roman" panose="02020603050405020304" pitchFamily="18" charset="0"/>
-                <a:cs typeface="Times New Roman" panose="02020603050405020304" pitchFamily="18" charset="0"/>
-              </a:rPr>
-              <a:t>So, after sorting the eigenvalues in decreasing order, we have </a:t>
-            </a:r>
-            <a:r>
-              <a:rPr lang="en-MY" sz="3000" dirty="0"/>
-              <a:t>drop.</a:t>
-            </a:r>
-            <a:endParaRPr lang="en-US" sz="3000" dirty="0"/>
-          </a:p>
-        </p:txBody>
-      </p:sp>
-      <p:pic>
-        <p:nvPicPr>
-          <p:cNvPr id="6" name="Content Placeholder 5" descr="Text&#10;&#10;Description automatically generated with low confidence">
-            <a:extLst>
-              <a:ext uri="{FF2B5EF4-FFF2-40B4-BE49-F238E27FC236}">
-                <a16:creationId xmlns:a16="http://schemas.microsoft.com/office/drawing/2014/main" id="{7C107BD4-F0B7-694B-8069-500376722F6C}"/>
-              </a:ext>
-            </a:extLst>
-          </p:cNvPr>
-          <p:cNvPicPr>
-            <a:picLocks noGrp="1" noChangeAspect="1"/>
-          </p:cNvPicPr>
-          <p:nvPr>
-            <p:ph idx="1"/>
-          </p:nvPr>
-        </p:nvPicPr>
-        <p:blipFill>
-          <a:blip r:embed="rId3"/>
-          <a:stretch>
-            <a:fillRect/>
-          </a:stretch>
-        </p:blipFill>
-        <p:spPr>
-          <a:xfrm>
-            <a:off x="4609930" y="3995678"/>
-            <a:ext cx="3704181" cy="2862322"/>
-          </a:xfrm>
-        </p:spPr>
-      </p:pic>
-    </p:spTree>
-    <p:extLst>
-      <p:ext uri="{BB962C8B-B14F-4D97-AF65-F5344CB8AC3E}">
-        <p14:creationId xmlns:p14="http://schemas.microsoft.com/office/powerpoint/2010/main" val="1592033450"/>
       </p:ext>
     </p:extLst>
   </p:cSld>

--- a/surveys/survey_analysis_and_pca_theory.pptx
+++ b/surveys/survey_analysis_and_pca_theory.pptx
@@ -5,7 +5,7 @@
     <p:sldMasterId id="2147483753" r:id="rId1"/>
   </p:sldMasterIdLst>
   <p:notesMasterIdLst>
-    <p:notesMasterId r:id="rId38"/>
+    <p:notesMasterId r:id="rId46"/>
   </p:notesMasterIdLst>
   <p:sldIdLst>
     <p:sldId id="256" r:id="rId2"/>
@@ -44,6 +44,14 @@
     <p:sldId id="293" r:id="rId35"/>
     <p:sldId id="292" r:id="rId36"/>
     <p:sldId id="294" r:id="rId37"/>
+    <p:sldId id="295" r:id="rId38"/>
+    <p:sldId id="296" r:id="rId39"/>
+    <p:sldId id="297" r:id="rId40"/>
+    <p:sldId id="298" r:id="rId41"/>
+    <p:sldId id="299" r:id="rId42"/>
+    <p:sldId id="300" r:id="rId43"/>
+    <p:sldId id="301" r:id="rId44"/>
+    <p:sldId id="302" r:id="rId45"/>
   </p:sldIdLst>
   <p:sldSz cx="12192000" cy="6858000"/>
   <p:notesSz cx="6858000" cy="9144000"/>
@@ -232,7 +240,7 @@
           <a:p>
             <a:fld id="{CBC5D817-2532-534C-9C85-4E3868D549CE}" type="datetimeFigureOut">
               <a:rPr lang="en-US" smtClean="0"/>
-              <a:t>12/28/21</a:t>
+              <a:t>12/29/21</a:t>
             </a:fld>
             <a:endParaRPr lang="en-US"/>
           </a:p>
@@ -1094,6 +1102,510 @@
 </p:notes>
 </file>
 
+<file path=ppt/notesSlides/notesSlide14.xml><?xml version="1.0" encoding="utf-8"?>
+<p:notes xmlns:a="http://schemas.openxmlformats.org/drawingml/2006/main" xmlns:r="http://schemas.openxmlformats.org/officeDocument/2006/relationships" xmlns:p="http://schemas.openxmlformats.org/presentationml/2006/main">
+  <p:cSld>
+    <p:spTree>
+      <p:nvGrpSpPr>
+        <p:cNvPr id="1" name=""/>
+        <p:cNvGrpSpPr/>
+        <p:nvPr/>
+      </p:nvGrpSpPr>
+      <p:grpSpPr>
+        <a:xfrm>
+          <a:off x="0" y="0"/>
+          <a:ext cx="0" cy="0"/>
+          <a:chOff x="0" y="0"/>
+          <a:chExt cx="0" cy="0"/>
+        </a:xfrm>
+      </p:grpSpPr>
+      <p:sp>
+        <p:nvSpPr>
+          <p:cNvPr id="2" name="Slide Image Placeholder 1"/>
+          <p:cNvSpPr>
+            <a:spLocks noGrp="1" noRot="1" noChangeAspect="1"/>
+          </p:cNvSpPr>
+          <p:nvPr>
+            <p:ph type="sldImg"/>
+          </p:nvPr>
+        </p:nvSpPr>
+        <p:spPr/>
+      </p:sp>
+      <p:sp>
+        <p:nvSpPr>
+          <p:cNvPr id="3" name="Notes Placeholder 2"/>
+          <p:cNvSpPr>
+            <a:spLocks noGrp="1"/>
+          </p:cNvSpPr>
+          <p:nvPr>
+            <p:ph type="body" idx="1"/>
+          </p:nvPr>
+        </p:nvSpPr>
+        <p:spPr/>
+        <p:txBody>
+          <a:bodyPr/>
+          <a:lstStyle/>
+          <a:p>
+            <a:endParaRPr lang="en-US" dirty="0"/>
+          </a:p>
+        </p:txBody>
+      </p:sp>
+      <p:sp>
+        <p:nvSpPr>
+          <p:cNvPr id="4" name="Slide Number Placeholder 3"/>
+          <p:cNvSpPr>
+            <a:spLocks noGrp="1"/>
+          </p:cNvSpPr>
+          <p:nvPr>
+            <p:ph type="sldNum" sz="quarter" idx="5"/>
+          </p:nvPr>
+        </p:nvSpPr>
+        <p:spPr/>
+        <p:txBody>
+          <a:bodyPr/>
+          <a:lstStyle/>
+          <a:p>
+            <a:fld id="{337C1EA3-F53F-1B47-B656-7229C750B466}" type="slidenum">
+              <a:rPr lang="en-US" smtClean="0"/>
+              <a:t>37</a:t>
+            </a:fld>
+            <a:endParaRPr lang="en-US"/>
+          </a:p>
+        </p:txBody>
+      </p:sp>
+    </p:spTree>
+    <p:extLst>
+      <p:ext uri="{BB962C8B-B14F-4D97-AF65-F5344CB8AC3E}">
+        <p14:creationId xmlns:p14="http://schemas.microsoft.com/office/powerpoint/2010/main" val="2859574653"/>
+      </p:ext>
+    </p:extLst>
+  </p:cSld>
+  <p:clrMapOvr>
+    <a:masterClrMapping/>
+  </p:clrMapOvr>
+</p:notes>
+</file>
+
+<file path=ppt/notesSlides/notesSlide15.xml><?xml version="1.0" encoding="utf-8"?>
+<p:notes xmlns:a="http://schemas.openxmlformats.org/drawingml/2006/main" xmlns:r="http://schemas.openxmlformats.org/officeDocument/2006/relationships" xmlns:p="http://schemas.openxmlformats.org/presentationml/2006/main">
+  <p:cSld>
+    <p:spTree>
+      <p:nvGrpSpPr>
+        <p:cNvPr id="1" name=""/>
+        <p:cNvGrpSpPr/>
+        <p:nvPr/>
+      </p:nvGrpSpPr>
+      <p:grpSpPr>
+        <a:xfrm>
+          <a:off x="0" y="0"/>
+          <a:ext cx="0" cy="0"/>
+          <a:chOff x="0" y="0"/>
+          <a:chExt cx="0" cy="0"/>
+        </a:xfrm>
+      </p:grpSpPr>
+      <p:sp>
+        <p:nvSpPr>
+          <p:cNvPr id="2" name="Slide Image Placeholder 1"/>
+          <p:cNvSpPr>
+            <a:spLocks noGrp="1" noRot="1" noChangeAspect="1"/>
+          </p:cNvSpPr>
+          <p:nvPr>
+            <p:ph type="sldImg"/>
+          </p:nvPr>
+        </p:nvSpPr>
+        <p:spPr/>
+      </p:sp>
+      <p:sp>
+        <p:nvSpPr>
+          <p:cNvPr id="3" name="Notes Placeholder 2"/>
+          <p:cNvSpPr>
+            <a:spLocks noGrp="1"/>
+          </p:cNvSpPr>
+          <p:nvPr>
+            <p:ph type="body" idx="1"/>
+          </p:nvPr>
+        </p:nvSpPr>
+        <p:spPr/>
+        <p:txBody>
+          <a:bodyPr/>
+          <a:lstStyle/>
+          <a:p>
+            <a:endParaRPr lang="en-US" dirty="0"/>
+          </a:p>
+        </p:txBody>
+      </p:sp>
+      <p:sp>
+        <p:nvSpPr>
+          <p:cNvPr id="4" name="Slide Number Placeholder 3"/>
+          <p:cNvSpPr>
+            <a:spLocks noGrp="1"/>
+          </p:cNvSpPr>
+          <p:nvPr>
+            <p:ph type="sldNum" sz="quarter" idx="5"/>
+          </p:nvPr>
+        </p:nvSpPr>
+        <p:spPr/>
+        <p:txBody>
+          <a:bodyPr/>
+          <a:lstStyle/>
+          <a:p>
+            <a:fld id="{337C1EA3-F53F-1B47-B656-7229C750B466}" type="slidenum">
+              <a:rPr lang="en-US" smtClean="0"/>
+              <a:t>38</a:t>
+            </a:fld>
+            <a:endParaRPr lang="en-US"/>
+          </a:p>
+        </p:txBody>
+      </p:sp>
+    </p:spTree>
+    <p:extLst>
+      <p:ext uri="{BB962C8B-B14F-4D97-AF65-F5344CB8AC3E}">
+        <p14:creationId xmlns:p14="http://schemas.microsoft.com/office/powerpoint/2010/main" val="4277866724"/>
+      </p:ext>
+    </p:extLst>
+  </p:cSld>
+  <p:clrMapOvr>
+    <a:masterClrMapping/>
+  </p:clrMapOvr>
+</p:notes>
+</file>
+
+<file path=ppt/notesSlides/notesSlide16.xml><?xml version="1.0" encoding="utf-8"?>
+<p:notes xmlns:a="http://schemas.openxmlformats.org/drawingml/2006/main" xmlns:r="http://schemas.openxmlformats.org/officeDocument/2006/relationships" xmlns:p="http://schemas.openxmlformats.org/presentationml/2006/main">
+  <p:cSld>
+    <p:spTree>
+      <p:nvGrpSpPr>
+        <p:cNvPr id="1" name=""/>
+        <p:cNvGrpSpPr/>
+        <p:nvPr/>
+      </p:nvGrpSpPr>
+      <p:grpSpPr>
+        <a:xfrm>
+          <a:off x="0" y="0"/>
+          <a:ext cx="0" cy="0"/>
+          <a:chOff x="0" y="0"/>
+          <a:chExt cx="0" cy="0"/>
+        </a:xfrm>
+      </p:grpSpPr>
+      <p:sp>
+        <p:nvSpPr>
+          <p:cNvPr id="2" name="Slide Image Placeholder 1"/>
+          <p:cNvSpPr>
+            <a:spLocks noGrp="1" noRot="1" noChangeAspect="1"/>
+          </p:cNvSpPr>
+          <p:nvPr>
+            <p:ph type="sldImg"/>
+          </p:nvPr>
+        </p:nvSpPr>
+        <p:spPr/>
+      </p:sp>
+      <p:sp>
+        <p:nvSpPr>
+          <p:cNvPr id="3" name="Notes Placeholder 2"/>
+          <p:cNvSpPr>
+            <a:spLocks noGrp="1"/>
+          </p:cNvSpPr>
+          <p:nvPr>
+            <p:ph type="body" idx="1"/>
+          </p:nvPr>
+        </p:nvSpPr>
+        <p:spPr/>
+        <p:txBody>
+          <a:bodyPr/>
+          <a:lstStyle/>
+          <a:p>
+            <a:endParaRPr lang="en-US" dirty="0"/>
+          </a:p>
+        </p:txBody>
+      </p:sp>
+      <p:sp>
+        <p:nvSpPr>
+          <p:cNvPr id="4" name="Slide Number Placeholder 3"/>
+          <p:cNvSpPr>
+            <a:spLocks noGrp="1"/>
+          </p:cNvSpPr>
+          <p:nvPr>
+            <p:ph type="sldNum" sz="quarter" idx="5"/>
+          </p:nvPr>
+        </p:nvSpPr>
+        <p:spPr/>
+        <p:txBody>
+          <a:bodyPr/>
+          <a:lstStyle/>
+          <a:p>
+            <a:fld id="{337C1EA3-F53F-1B47-B656-7229C750B466}" type="slidenum">
+              <a:rPr lang="en-US" smtClean="0"/>
+              <a:t>39</a:t>
+            </a:fld>
+            <a:endParaRPr lang="en-US"/>
+          </a:p>
+        </p:txBody>
+      </p:sp>
+    </p:spTree>
+    <p:extLst>
+      <p:ext uri="{BB962C8B-B14F-4D97-AF65-F5344CB8AC3E}">
+        <p14:creationId xmlns:p14="http://schemas.microsoft.com/office/powerpoint/2010/main" val="3198650844"/>
+      </p:ext>
+    </p:extLst>
+  </p:cSld>
+  <p:clrMapOvr>
+    <a:masterClrMapping/>
+  </p:clrMapOvr>
+</p:notes>
+</file>
+
+<file path=ppt/notesSlides/notesSlide17.xml><?xml version="1.0" encoding="utf-8"?>
+<p:notes xmlns:a="http://schemas.openxmlformats.org/drawingml/2006/main" xmlns:r="http://schemas.openxmlformats.org/officeDocument/2006/relationships" xmlns:p="http://schemas.openxmlformats.org/presentationml/2006/main">
+  <p:cSld>
+    <p:spTree>
+      <p:nvGrpSpPr>
+        <p:cNvPr id="1" name=""/>
+        <p:cNvGrpSpPr/>
+        <p:nvPr/>
+      </p:nvGrpSpPr>
+      <p:grpSpPr>
+        <a:xfrm>
+          <a:off x="0" y="0"/>
+          <a:ext cx="0" cy="0"/>
+          <a:chOff x="0" y="0"/>
+          <a:chExt cx="0" cy="0"/>
+        </a:xfrm>
+      </p:grpSpPr>
+      <p:sp>
+        <p:nvSpPr>
+          <p:cNvPr id="2" name="Slide Image Placeholder 1"/>
+          <p:cNvSpPr>
+            <a:spLocks noGrp="1" noRot="1" noChangeAspect="1"/>
+          </p:cNvSpPr>
+          <p:nvPr>
+            <p:ph type="sldImg"/>
+          </p:nvPr>
+        </p:nvSpPr>
+        <p:spPr/>
+      </p:sp>
+      <p:sp>
+        <p:nvSpPr>
+          <p:cNvPr id="3" name="Notes Placeholder 2"/>
+          <p:cNvSpPr>
+            <a:spLocks noGrp="1"/>
+          </p:cNvSpPr>
+          <p:nvPr>
+            <p:ph type="body" idx="1"/>
+          </p:nvPr>
+        </p:nvSpPr>
+        <p:spPr/>
+        <p:txBody>
+          <a:bodyPr/>
+          <a:lstStyle/>
+          <a:p>
+            <a:endParaRPr lang="en-US" dirty="0"/>
+          </a:p>
+        </p:txBody>
+      </p:sp>
+      <p:sp>
+        <p:nvSpPr>
+          <p:cNvPr id="4" name="Slide Number Placeholder 3"/>
+          <p:cNvSpPr>
+            <a:spLocks noGrp="1"/>
+          </p:cNvSpPr>
+          <p:nvPr>
+            <p:ph type="sldNum" sz="quarter" idx="5"/>
+          </p:nvPr>
+        </p:nvSpPr>
+        <p:spPr/>
+        <p:txBody>
+          <a:bodyPr/>
+          <a:lstStyle/>
+          <a:p>
+            <a:fld id="{337C1EA3-F53F-1B47-B656-7229C750B466}" type="slidenum">
+              <a:rPr lang="en-US" smtClean="0"/>
+              <a:t>40</a:t>
+            </a:fld>
+            <a:endParaRPr lang="en-US"/>
+          </a:p>
+        </p:txBody>
+      </p:sp>
+    </p:spTree>
+    <p:extLst>
+      <p:ext uri="{BB962C8B-B14F-4D97-AF65-F5344CB8AC3E}">
+        <p14:creationId xmlns:p14="http://schemas.microsoft.com/office/powerpoint/2010/main" val="950908076"/>
+      </p:ext>
+    </p:extLst>
+  </p:cSld>
+  <p:clrMapOvr>
+    <a:masterClrMapping/>
+  </p:clrMapOvr>
+</p:notes>
+</file>
+
+<file path=ppt/notesSlides/notesSlide18.xml><?xml version="1.0" encoding="utf-8"?>
+<p:notes xmlns:a="http://schemas.openxmlformats.org/drawingml/2006/main" xmlns:r="http://schemas.openxmlformats.org/officeDocument/2006/relationships" xmlns:p="http://schemas.openxmlformats.org/presentationml/2006/main">
+  <p:cSld>
+    <p:spTree>
+      <p:nvGrpSpPr>
+        <p:cNvPr id="1" name=""/>
+        <p:cNvGrpSpPr/>
+        <p:nvPr/>
+      </p:nvGrpSpPr>
+      <p:grpSpPr>
+        <a:xfrm>
+          <a:off x="0" y="0"/>
+          <a:ext cx="0" cy="0"/>
+          <a:chOff x="0" y="0"/>
+          <a:chExt cx="0" cy="0"/>
+        </a:xfrm>
+      </p:grpSpPr>
+      <p:sp>
+        <p:nvSpPr>
+          <p:cNvPr id="2" name="Slide Image Placeholder 1"/>
+          <p:cNvSpPr>
+            <a:spLocks noGrp="1" noRot="1" noChangeAspect="1"/>
+          </p:cNvSpPr>
+          <p:nvPr>
+            <p:ph type="sldImg"/>
+          </p:nvPr>
+        </p:nvSpPr>
+        <p:spPr/>
+      </p:sp>
+      <p:sp>
+        <p:nvSpPr>
+          <p:cNvPr id="3" name="Notes Placeholder 2"/>
+          <p:cNvSpPr>
+            <a:spLocks noGrp="1"/>
+          </p:cNvSpPr>
+          <p:nvPr>
+            <p:ph type="body" idx="1"/>
+          </p:nvPr>
+        </p:nvSpPr>
+        <p:spPr/>
+        <p:txBody>
+          <a:bodyPr/>
+          <a:lstStyle/>
+          <a:p>
+            <a:endParaRPr lang="en-US" dirty="0"/>
+          </a:p>
+        </p:txBody>
+      </p:sp>
+      <p:sp>
+        <p:nvSpPr>
+          <p:cNvPr id="4" name="Slide Number Placeholder 3"/>
+          <p:cNvSpPr>
+            <a:spLocks noGrp="1"/>
+          </p:cNvSpPr>
+          <p:nvPr>
+            <p:ph type="sldNum" sz="quarter" idx="5"/>
+          </p:nvPr>
+        </p:nvSpPr>
+        <p:spPr/>
+        <p:txBody>
+          <a:bodyPr/>
+          <a:lstStyle/>
+          <a:p>
+            <a:fld id="{337C1EA3-F53F-1B47-B656-7229C750B466}" type="slidenum">
+              <a:rPr lang="en-US" smtClean="0"/>
+              <a:t>41</a:t>
+            </a:fld>
+            <a:endParaRPr lang="en-US"/>
+          </a:p>
+        </p:txBody>
+      </p:sp>
+    </p:spTree>
+    <p:extLst>
+      <p:ext uri="{BB962C8B-B14F-4D97-AF65-F5344CB8AC3E}">
+        <p14:creationId xmlns:p14="http://schemas.microsoft.com/office/powerpoint/2010/main" val="55163438"/>
+      </p:ext>
+    </p:extLst>
+  </p:cSld>
+  <p:clrMapOvr>
+    <a:masterClrMapping/>
+  </p:clrMapOvr>
+</p:notes>
+</file>
+
+<file path=ppt/notesSlides/notesSlide19.xml><?xml version="1.0" encoding="utf-8"?>
+<p:notes xmlns:a="http://schemas.openxmlformats.org/drawingml/2006/main" xmlns:r="http://schemas.openxmlformats.org/officeDocument/2006/relationships" xmlns:p="http://schemas.openxmlformats.org/presentationml/2006/main">
+  <p:cSld>
+    <p:spTree>
+      <p:nvGrpSpPr>
+        <p:cNvPr id="1" name=""/>
+        <p:cNvGrpSpPr/>
+        <p:nvPr/>
+      </p:nvGrpSpPr>
+      <p:grpSpPr>
+        <a:xfrm>
+          <a:off x="0" y="0"/>
+          <a:ext cx="0" cy="0"/>
+          <a:chOff x="0" y="0"/>
+          <a:chExt cx="0" cy="0"/>
+        </a:xfrm>
+      </p:grpSpPr>
+      <p:sp>
+        <p:nvSpPr>
+          <p:cNvPr id="2" name="Slide Image Placeholder 1"/>
+          <p:cNvSpPr>
+            <a:spLocks noGrp="1" noRot="1" noChangeAspect="1"/>
+          </p:cNvSpPr>
+          <p:nvPr>
+            <p:ph type="sldImg"/>
+          </p:nvPr>
+        </p:nvSpPr>
+        <p:spPr/>
+      </p:sp>
+      <p:sp>
+        <p:nvSpPr>
+          <p:cNvPr id="3" name="Notes Placeholder 2"/>
+          <p:cNvSpPr>
+            <a:spLocks noGrp="1"/>
+          </p:cNvSpPr>
+          <p:nvPr>
+            <p:ph type="body" idx="1"/>
+          </p:nvPr>
+        </p:nvSpPr>
+        <p:spPr/>
+        <p:txBody>
+          <a:bodyPr/>
+          <a:lstStyle/>
+          <a:p>
+            <a:endParaRPr lang="en-US" dirty="0"/>
+          </a:p>
+        </p:txBody>
+      </p:sp>
+      <p:sp>
+        <p:nvSpPr>
+          <p:cNvPr id="4" name="Slide Number Placeholder 3"/>
+          <p:cNvSpPr>
+            <a:spLocks noGrp="1"/>
+          </p:cNvSpPr>
+          <p:nvPr>
+            <p:ph type="sldNum" sz="quarter" idx="5"/>
+          </p:nvPr>
+        </p:nvSpPr>
+        <p:spPr/>
+        <p:txBody>
+          <a:bodyPr/>
+          <a:lstStyle/>
+          <a:p>
+            <a:fld id="{337C1EA3-F53F-1B47-B656-7229C750B466}" type="slidenum">
+              <a:rPr lang="en-US" smtClean="0"/>
+              <a:t>42</a:t>
+            </a:fld>
+            <a:endParaRPr lang="en-US"/>
+          </a:p>
+        </p:txBody>
+      </p:sp>
+    </p:spTree>
+    <p:extLst>
+      <p:ext uri="{BB962C8B-B14F-4D97-AF65-F5344CB8AC3E}">
+        <p14:creationId xmlns:p14="http://schemas.microsoft.com/office/powerpoint/2010/main" val="3270218238"/>
+      </p:ext>
+    </p:extLst>
+  </p:cSld>
+  <p:clrMapOvr>
+    <a:masterClrMapping/>
+  </p:clrMapOvr>
+</p:notes>
+</file>
+
 <file path=ppt/notesSlides/notesSlide2.xml><?xml version="1.0" encoding="utf-8"?>
 <p:notes xmlns:a="http://schemas.openxmlformats.org/drawingml/2006/main" xmlns:r="http://schemas.openxmlformats.org/officeDocument/2006/relationships" xmlns:p="http://schemas.openxmlformats.org/presentationml/2006/main">
   <p:cSld>
@@ -1596,6 +2108,174 @@
     <p:extLst>
       <p:ext uri="{BB962C8B-B14F-4D97-AF65-F5344CB8AC3E}">
         <p14:creationId xmlns:p14="http://schemas.microsoft.com/office/powerpoint/2010/main" val="3924479826"/>
+      </p:ext>
+    </p:extLst>
+  </p:cSld>
+  <p:clrMapOvr>
+    <a:masterClrMapping/>
+  </p:clrMapOvr>
+</p:notes>
+</file>
+
+<file path=ppt/notesSlides/notesSlide20.xml><?xml version="1.0" encoding="utf-8"?>
+<p:notes xmlns:a="http://schemas.openxmlformats.org/drawingml/2006/main" xmlns:r="http://schemas.openxmlformats.org/officeDocument/2006/relationships" xmlns:p="http://schemas.openxmlformats.org/presentationml/2006/main">
+  <p:cSld>
+    <p:spTree>
+      <p:nvGrpSpPr>
+        <p:cNvPr id="1" name=""/>
+        <p:cNvGrpSpPr/>
+        <p:nvPr/>
+      </p:nvGrpSpPr>
+      <p:grpSpPr>
+        <a:xfrm>
+          <a:off x="0" y="0"/>
+          <a:ext cx="0" cy="0"/>
+          <a:chOff x="0" y="0"/>
+          <a:chExt cx="0" cy="0"/>
+        </a:xfrm>
+      </p:grpSpPr>
+      <p:sp>
+        <p:nvSpPr>
+          <p:cNvPr id="2" name="Slide Image Placeholder 1"/>
+          <p:cNvSpPr>
+            <a:spLocks noGrp="1" noRot="1" noChangeAspect="1"/>
+          </p:cNvSpPr>
+          <p:nvPr>
+            <p:ph type="sldImg"/>
+          </p:nvPr>
+        </p:nvSpPr>
+        <p:spPr/>
+      </p:sp>
+      <p:sp>
+        <p:nvSpPr>
+          <p:cNvPr id="3" name="Notes Placeholder 2"/>
+          <p:cNvSpPr>
+            <a:spLocks noGrp="1"/>
+          </p:cNvSpPr>
+          <p:nvPr>
+            <p:ph type="body" idx="1"/>
+          </p:nvPr>
+        </p:nvSpPr>
+        <p:spPr/>
+        <p:txBody>
+          <a:bodyPr/>
+          <a:lstStyle/>
+          <a:p>
+            <a:endParaRPr lang="en-US" dirty="0"/>
+          </a:p>
+        </p:txBody>
+      </p:sp>
+      <p:sp>
+        <p:nvSpPr>
+          <p:cNvPr id="4" name="Slide Number Placeholder 3"/>
+          <p:cNvSpPr>
+            <a:spLocks noGrp="1"/>
+          </p:cNvSpPr>
+          <p:nvPr>
+            <p:ph type="sldNum" sz="quarter" idx="5"/>
+          </p:nvPr>
+        </p:nvSpPr>
+        <p:spPr/>
+        <p:txBody>
+          <a:bodyPr/>
+          <a:lstStyle/>
+          <a:p>
+            <a:fld id="{337C1EA3-F53F-1B47-B656-7229C750B466}" type="slidenum">
+              <a:rPr lang="en-US" smtClean="0"/>
+              <a:t>43</a:t>
+            </a:fld>
+            <a:endParaRPr lang="en-US"/>
+          </a:p>
+        </p:txBody>
+      </p:sp>
+    </p:spTree>
+    <p:extLst>
+      <p:ext uri="{BB962C8B-B14F-4D97-AF65-F5344CB8AC3E}">
+        <p14:creationId xmlns:p14="http://schemas.microsoft.com/office/powerpoint/2010/main" val="1849923713"/>
+      </p:ext>
+    </p:extLst>
+  </p:cSld>
+  <p:clrMapOvr>
+    <a:masterClrMapping/>
+  </p:clrMapOvr>
+</p:notes>
+</file>
+
+<file path=ppt/notesSlides/notesSlide21.xml><?xml version="1.0" encoding="utf-8"?>
+<p:notes xmlns:a="http://schemas.openxmlformats.org/drawingml/2006/main" xmlns:r="http://schemas.openxmlformats.org/officeDocument/2006/relationships" xmlns:p="http://schemas.openxmlformats.org/presentationml/2006/main">
+  <p:cSld>
+    <p:spTree>
+      <p:nvGrpSpPr>
+        <p:cNvPr id="1" name=""/>
+        <p:cNvGrpSpPr/>
+        <p:nvPr/>
+      </p:nvGrpSpPr>
+      <p:grpSpPr>
+        <a:xfrm>
+          <a:off x="0" y="0"/>
+          <a:ext cx="0" cy="0"/>
+          <a:chOff x="0" y="0"/>
+          <a:chExt cx="0" cy="0"/>
+        </a:xfrm>
+      </p:grpSpPr>
+      <p:sp>
+        <p:nvSpPr>
+          <p:cNvPr id="2" name="Slide Image Placeholder 1"/>
+          <p:cNvSpPr>
+            <a:spLocks noGrp="1" noRot="1" noChangeAspect="1"/>
+          </p:cNvSpPr>
+          <p:nvPr>
+            <p:ph type="sldImg"/>
+          </p:nvPr>
+        </p:nvSpPr>
+        <p:spPr/>
+      </p:sp>
+      <p:sp>
+        <p:nvSpPr>
+          <p:cNvPr id="3" name="Notes Placeholder 2"/>
+          <p:cNvSpPr>
+            <a:spLocks noGrp="1"/>
+          </p:cNvSpPr>
+          <p:nvPr>
+            <p:ph type="body" idx="1"/>
+          </p:nvPr>
+        </p:nvSpPr>
+        <p:spPr/>
+        <p:txBody>
+          <a:bodyPr/>
+          <a:lstStyle/>
+          <a:p>
+            <a:endParaRPr lang="en-US" dirty="0"/>
+          </a:p>
+        </p:txBody>
+      </p:sp>
+      <p:sp>
+        <p:nvSpPr>
+          <p:cNvPr id="4" name="Slide Number Placeholder 3"/>
+          <p:cNvSpPr>
+            <a:spLocks noGrp="1"/>
+          </p:cNvSpPr>
+          <p:nvPr>
+            <p:ph type="sldNum" sz="quarter" idx="5"/>
+          </p:nvPr>
+        </p:nvSpPr>
+        <p:spPr/>
+        <p:txBody>
+          <a:bodyPr/>
+          <a:lstStyle/>
+          <a:p>
+            <a:fld id="{337C1EA3-F53F-1B47-B656-7229C750B466}" type="slidenum">
+              <a:rPr lang="en-US" smtClean="0"/>
+              <a:t>44</a:t>
+            </a:fld>
+            <a:endParaRPr lang="en-US"/>
+          </a:p>
+        </p:txBody>
+      </p:sp>
+    </p:spTree>
+    <p:extLst>
+      <p:ext uri="{BB962C8B-B14F-4D97-AF65-F5344CB8AC3E}">
+        <p14:creationId xmlns:p14="http://schemas.microsoft.com/office/powerpoint/2010/main" val="244966173"/>
       </p:ext>
     </p:extLst>
   </p:cSld>
@@ -3869,7 +4549,7 @@
           <a:p>
             <a:fld id="{2395C5C9-164C-46B3-A87E-7660D39D3106}" type="datetime2">
               <a:rPr lang="en-US" smtClean="0"/>
-              <a:t>Tuesday, December 28, 2021</a:t>
+              <a:t>Wednesday, December 29, 2021</a:t>
             </a:fld>
             <a:endParaRPr lang="en-US" dirty="0"/>
           </a:p>
@@ -4072,7 +4752,7 @@
           <a:p>
             <a:fld id="{5B75179A-1E2B-41AB-B400-4F1B4022FAEE}" type="datetime2">
               <a:rPr lang="en-US" smtClean="0"/>
-              <a:t>Tuesday, December 28, 2021</a:t>
+              <a:t>Wednesday, December 29, 2021</a:t>
             </a:fld>
             <a:endParaRPr lang="en-US"/>
           </a:p>
@@ -4285,7 +4965,7 @@
           <a:p>
             <a:fld id="{05681D0F-6595-4F14-8EF3-954CD87C797B}" type="datetime2">
               <a:rPr lang="en-US" smtClean="0"/>
-              <a:t>Tuesday, December 28, 2021</a:t>
+              <a:t>Wednesday, December 29, 2021</a:t>
             </a:fld>
             <a:endParaRPr lang="en-US"/>
           </a:p>
@@ -4487,7 +5167,7 @@
           <a:p>
             <a:fld id="{4DDCFF8A-AAF8-4A12-8A91-9CA0EAF6CBB9}" type="datetime2">
               <a:rPr lang="en-US" smtClean="0"/>
-              <a:t>Tuesday, December 28, 2021</a:t>
+              <a:t>Wednesday, December 29, 2021</a:t>
             </a:fld>
             <a:endParaRPr lang="en-US" dirty="0"/>
           </a:p>
@@ -4766,7 +5446,7 @@
           <a:p>
             <a:fld id="{ABCC25C3-021A-4B0B-8F70-0C181FE1CF45}" type="datetime2">
               <a:rPr lang="en-US" smtClean="0"/>
-              <a:t>Tuesday, December 28, 2021</a:t>
+              <a:t>Wednesday, December 29, 2021</a:t>
             </a:fld>
             <a:endParaRPr lang="en-US"/>
           </a:p>
@@ -5026,7 +5706,7 @@
           <a:p>
             <a:fld id="{0C23D88D-8CEC-4ED9-A53B-5596187D9A16}" type="datetime2">
               <a:rPr lang="en-US" smtClean="0"/>
-              <a:t>Tuesday, December 28, 2021</a:t>
+              <a:t>Wednesday, December 29, 2021</a:t>
             </a:fld>
             <a:endParaRPr lang="en-US"/>
           </a:p>
@@ -5442,7 +6122,7 @@
           <a:p>
             <a:fld id="{D2CCD382-DFDA-4722-A27A-59C21AD112F2}" type="datetime2">
               <a:rPr lang="en-US" smtClean="0"/>
-              <a:t>Tuesday, December 28, 2021</a:t>
+              <a:t>Wednesday, December 29, 2021</a:t>
             </a:fld>
             <a:endParaRPr lang="en-US"/>
           </a:p>
@@ -5587,7 +6267,7 @@
           <a:p>
             <a:fld id="{22F2A30D-1C09-413F-AAB1-38F366000715}" type="datetime2">
               <a:rPr lang="en-US" smtClean="0"/>
-              <a:t>Tuesday, December 28, 2021</a:t>
+              <a:t>Wednesday, December 29, 2021</a:t>
             </a:fld>
             <a:endParaRPr lang="en-US"/>
           </a:p>
@@ -5709,7 +6389,7 @@
           <a:p>
             <a:fld id="{6DB82B9C-D65E-4F64-95C3-B10F3B00F0D9}" type="datetime2">
               <a:rPr lang="en-US" smtClean="0"/>
-              <a:t>Tuesday, December 28, 2021</a:t>
+              <a:t>Wednesday, December 29, 2021</a:t>
             </a:fld>
             <a:endParaRPr lang="en-US"/>
           </a:p>
@@ -6032,7 +6712,7 @@
           <a:p>
             <a:fld id="{B7F5FDCC-6AAC-4A08-B9E0-3793AB5E64C3}" type="datetime2">
               <a:rPr lang="en-US" smtClean="0"/>
-              <a:t>Tuesday, December 28, 2021</a:t>
+              <a:t>Wednesday, December 29, 2021</a:t>
             </a:fld>
             <a:endParaRPr lang="en-US"/>
           </a:p>
@@ -6320,7 +7000,7 @@
           <a:p>
             <a:fld id="{349FE94D-439C-40F1-900E-BC07940E3988}" type="datetime2">
               <a:rPr lang="en-US" smtClean="0"/>
-              <a:t>Tuesday, December 28, 2021</a:t>
+              <a:t>Wednesday, December 29, 2021</a:t>
             </a:fld>
             <a:endParaRPr lang="en-US"/>
           </a:p>
@@ -6608,7 +7288,7 @@
           <a:p>
             <a:fld id="{8DEA2CF1-0EB2-4673-802D-3371233E4A77}" type="datetime2">
               <a:rPr lang="en-US" smtClean="0"/>
-              <a:t>Tuesday, December 28, 2021</a:t>
+              <a:t>Wednesday, December 29, 2021</a:t>
             </a:fld>
             <a:endParaRPr lang="en-US" dirty="0"/>
           </a:p>
@@ -12652,7 +13332,7 @@
                 <a:latin typeface="Times New Roman" panose="02020603050405020304" pitchFamily="18" charset="0"/>
                 <a:cs typeface="Times New Roman" panose="02020603050405020304" pitchFamily="18" charset="0"/>
               </a:rPr>
-              <a:t>KMO 0.9252 ( 0.9252 ) ( adequate )</a:t>
+              <a:t>KMO  ( 0.9252 ) ( adequate )</a:t>
             </a:r>
           </a:p>
           <a:p>
@@ -12688,10 +13368,10 @@
       </p:sp>
       <p:pic>
         <p:nvPicPr>
-          <p:cNvPr id="7" name="Content Placeholder 6">
+          <p:cNvPr id="8" name="Content Placeholder 7" descr="Text, application&#10;&#10;Description automatically generated">
             <a:extLst>
               <a:ext uri="{FF2B5EF4-FFF2-40B4-BE49-F238E27FC236}">
-                <a16:creationId xmlns:a16="http://schemas.microsoft.com/office/drawing/2014/main" id="{BD646B13-57FB-7549-A2E2-0C5DB885C838}"/>
+                <a16:creationId xmlns:a16="http://schemas.microsoft.com/office/drawing/2014/main" id="{50D79774-6B33-1C4E-8866-3CB94D200C61}"/>
               </a:ext>
             </a:extLst>
           </p:cNvPr>
@@ -12710,8 +13390,8 @@
         </p:blipFill>
         <p:spPr>
           <a:xfrm>
-            <a:off x="2282242" y="3387211"/>
-            <a:ext cx="7627516" cy="3227387"/>
+            <a:off x="1425844" y="3232925"/>
+            <a:ext cx="8400081" cy="3508838"/>
           </a:xfrm>
         </p:spPr>
       </p:pic>
@@ -12895,7 +13575,7 @@
         </p:nvSpPr>
         <p:spPr>
           <a:xfrm>
-            <a:off x="573438" y="1790193"/>
+            <a:off x="431370" y="1430061"/>
             <a:ext cx="11329260" cy="3997877"/>
           </a:xfrm>
         </p:spPr>
@@ -12915,7 +13595,7 @@
                 <a:latin typeface="Times New Roman" panose="02020603050405020304" pitchFamily="18" charset="0"/>
                 <a:cs typeface="Times New Roman" panose="02020603050405020304" pitchFamily="18" charset="0"/>
               </a:rPr>
-              <a:t>PC1 explained 45.49% of the variance  - </a:t>
+              <a:t>PC1 explained 45.49% of the variance  - Person with high value for PC1 will have </a:t>
             </a:r>
             <a:r>
               <a:rPr lang="en-US" sz="2500" dirty="0">
@@ -12927,7 +13607,7 @@
                 <a:latin typeface="Times New Roman" panose="02020603050405020304" pitchFamily="18" charset="0"/>
                 <a:cs typeface="Times New Roman" panose="02020603050405020304" pitchFamily="18" charset="0"/>
               </a:rPr>
-              <a:t>Q2 (31.4% ) and Q5 ( 34.5 % )  loads highly on PC1</a:t>
+              <a:t>low Q4 (0.323 ) and low Q5 ( 0.345 ) and low Q2 ( 0.314 )</a:t>
             </a:r>
           </a:p>
           <a:p>
@@ -12941,7 +13621,7 @@
                 <a:latin typeface="Times New Roman" panose="02020603050405020304" pitchFamily="18" charset="0"/>
                 <a:cs typeface="Times New Roman" panose="02020603050405020304" pitchFamily="18" charset="0"/>
               </a:rPr>
-              <a:t>PC2 explained 10.15% of the variance – </a:t>
+              <a:t>PC2 explained 10.15% of the variance – Person with high value for PC2 will have </a:t>
             </a:r>
             <a:r>
               <a:rPr lang="en-US" sz="2500" dirty="0">
@@ -12953,10 +13633,8 @@
                 <a:latin typeface="Times New Roman" panose="02020603050405020304" pitchFamily="18" charset="0"/>
                 <a:cs typeface="Times New Roman" panose="02020603050405020304" pitchFamily="18" charset="0"/>
               </a:rPr>
-              <a:t>Q13 ( 80.5 % ) loads highly on PC2 </a:t>
-            </a:r>
-          </a:p>
-          <a:p>
+              <a:t>low</a:t>
+            </a:r>
             <a:r>
               <a:rPr lang="en-US" sz="2500" dirty="0">
                 <a:solidFill>
@@ -12967,7 +13645,7 @@
                 <a:latin typeface="Times New Roman" panose="02020603050405020304" pitchFamily="18" charset="0"/>
                 <a:cs typeface="Times New Roman" panose="02020603050405020304" pitchFamily="18" charset="0"/>
               </a:rPr>
-              <a:t>PC3 explained 8.01% of the variance – </a:t>
+              <a:t> </a:t>
             </a:r>
             <a:r>
               <a:rPr lang="en-US" sz="2500" dirty="0">
@@ -12979,10 +13657,82 @@
                 <a:latin typeface="Times New Roman" panose="02020603050405020304" pitchFamily="18" charset="0"/>
                 <a:cs typeface="Times New Roman" panose="02020603050405020304" pitchFamily="18" charset="0"/>
               </a:rPr>
-              <a:t>Q4 ( 51.27% ) loads highly on PC3</a:t>
-            </a:r>
-          </a:p>
-          <a:p>
+              <a:t>Q13</a:t>
+            </a:r>
+            <a:r>
+              <a:rPr lang="en-US" sz="2500" dirty="0">
+                <a:solidFill>
+                  <a:schemeClr val="bg1">
+                    <a:alpha val="58000"/>
+                  </a:schemeClr>
+                </a:solidFill>
+                <a:latin typeface="Times New Roman" panose="02020603050405020304" pitchFamily="18" charset="0"/>
+                <a:cs typeface="Times New Roman" panose="02020603050405020304" pitchFamily="18" charset="0"/>
+              </a:rPr>
+              <a:t> </a:t>
+            </a:r>
+            <a:r>
+              <a:rPr lang="en-US" sz="2500" dirty="0">
+                <a:solidFill>
+                  <a:srgbClr val="FF0000">
+                    <a:alpha val="58000"/>
+                  </a:srgbClr>
+                </a:solidFill>
+                <a:latin typeface="Times New Roman" panose="02020603050405020304" pitchFamily="18" charset="0"/>
+                <a:cs typeface="Times New Roman" panose="02020603050405020304" pitchFamily="18" charset="0"/>
+              </a:rPr>
+              <a:t>( 0.805 ) and low Q1 ( 0.445 ). </a:t>
+            </a:r>
+          </a:p>
+          <a:p>
+            <a:r>
+              <a:rPr lang="en-US" sz="2500" dirty="0">
+                <a:solidFill>
+                  <a:schemeClr val="bg1">
+                    <a:alpha val="58000"/>
+                  </a:schemeClr>
+                </a:solidFill>
+                <a:latin typeface="Times New Roman" panose="02020603050405020304" pitchFamily="18" charset="0"/>
+                <a:cs typeface="Times New Roman" panose="02020603050405020304" pitchFamily="18" charset="0"/>
+              </a:rPr>
+              <a:t>PC3 explained 8.01% of the variance – Person with high value for PC3 will have </a:t>
+            </a:r>
+            <a:r>
+              <a:rPr lang="en-US" sz="2500" dirty="0">
+                <a:solidFill>
+                  <a:srgbClr val="FF0000">
+                    <a:alpha val="58000"/>
+                  </a:srgbClr>
+                </a:solidFill>
+                <a:latin typeface="Times New Roman" panose="02020603050405020304" pitchFamily="18" charset="0"/>
+                <a:cs typeface="Times New Roman" panose="02020603050405020304" pitchFamily="18" charset="0"/>
+              </a:rPr>
+              <a:t>low</a:t>
+            </a:r>
+            <a:r>
+              <a:rPr lang="en-US" sz="2500" dirty="0">
+                <a:solidFill>
+                  <a:schemeClr val="bg1">
+                    <a:alpha val="58000"/>
+                  </a:schemeClr>
+                </a:solidFill>
+                <a:latin typeface="Times New Roman" panose="02020603050405020304" pitchFamily="18" charset="0"/>
+                <a:cs typeface="Times New Roman" panose="02020603050405020304" pitchFamily="18" charset="0"/>
+              </a:rPr>
+              <a:t>  </a:t>
+            </a:r>
+            <a:r>
+              <a:rPr lang="en-US" sz="2500" dirty="0">
+                <a:solidFill>
+                  <a:srgbClr val="FF0000">
+                    <a:alpha val="58000"/>
+                  </a:srgbClr>
+                </a:solidFill>
+                <a:latin typeface="Times New Roman" panose="02020603050405020304" pitchFamily="18" charset="0"/>
+                <a:cs typeface="Times New Roman" panose="02020603050405020304" pitchFamily="18" charset="0"/>
+              </a:rPr>
+              <a:t>Q4 ( 0.5127 ). </a:t>
+            </a:r>
             <a:endParaRPr lang="en-US" sz="2500" dirty="0">
               <a:solidFill>
                 <a:schemeClr val="bg1">
@@ -13017,8 +13767,8 @@
         </p:blipFill>
         <p:spPr>
           <a:xfrm>
-            <a:off x="178231" y="4165908"/>
-            <a:ext cx="11835538" cy="2560356"/>
+            <a:off x="178231" y="4695986"/>
+            <a:ext cx="11835538" cy="2162014"/>
           </a:xfrm>
           <a:prstGeom prst="rect">
             <a:avLst/>
@@ -13136,7 +13886,7 @@
         </p:nvSpPr>
         <p:spPr>
           <a:xfrm>
-            <a:off x="4197533" y="293771"/>
+            <a:off x="4259526" y="169784"/>
             <a:ext cx="6465302" cy="3908762"/>
           </a:xfrm>
           <a:prstGeom prst="rect">
@@ -13207,8 +13957,8 @@
         </p:nvSpPr>
         <p:spPr>
           <a:xfrm>
-            <a:off x="449451" y="3599481"/>
-            <a:ext cx="10879810" cy="2092881"/>
+            <a:off x="811078" y="2994897"/>
+            <a:ext cx="10879810" cy="3693319"/>
           </a:xfrm>
           <a:prstGeom prst="rect">
             <a:avLst/>
@@ -13238,7 +13988,27 @@
                 <a:latin typeface="Times New Roman" panose="02020603050405020304" pitchFamily="18" charset="0"/>
                 <a:cs typeface="Times New Roman" panose="02020603050405020304" pitchFamily="18" charset="0"/>
               </a:rPr>
-              <a:t>Q2_Q2_5 is 'Because I want to get in touch with the experts in </a:t>
+              <a:t>Q2_Q2_5 </a:t>
+            </a:r>
+            <a:r>
+              <a:rPr lang="en-MY" sz="2600" b="1" dirty="0">
+                <a:solidFill>
+                  <a:srgbClr val="000000"/>
+                </a:solidFill>
+                <a:latin typeface="Times New Roman" panose="02020603050405020304" pitchFamily="18" charset="0"/>
+                <a:cs typeface="Times New Roman" panose="02020603050405020304" pitchFamily="18" charset="0"/>
+              </a:rPr>
+              <a:t>[ Q5 ] </a:t>
+            </a:r>
+            <a:r>
+              <a:rPr lang="en-MY" sz="2600" dirty="0">
+                <a:solidFill>
+                  <a:srgbClr val="000000"/>
+                </a:solidFill>
+                <a:latin typeface="Times New Roman" panose="02020603050405020304" pitchFamily="18" charset="0"/>
+                <a:cs typeface="Times New Roman" panose="02020603050405020304" pitchFamily="18" charset="0"/>
+              </a:rPr>
+              <a:t>is 'Because I want to get in touch with the experts in </a:t>
             </a:r>
             <a:r>
               <a:rPr lang="en-MY" sz="2600" dirty="0" err="1">
@@ -13300,11 +14070,31 @@
                 <a:latin typeface="Times New Roman" panose="02020603050405020304" pitchFamily="18" charset="0"/>
                 <a:cs typeface="Times New Roman" panose="02020603050405020304" pitchFamily="18" charset="0"/>
               </a:rPr>
-              <a:t>Q2_Q2_13 is 'To pass the class’ </a:t>
+              <a:t>Q2_Q2_13 </a:t>
             </a:r>
             <a:r>
               <a:rPr lang="en-MY" sz="2600" b="1" dirty="0">
                 <a:solidFill>
+                  <a:srgbClr val="000000"/>
+                </a:solidFill>
+                <a:latin typeface="Times New Roman" panose="02020603050405020304" pitchFamily="18" charset="0"/>
+                <a:cs typeface="Times New Roman" panose="02020603050405020304" pitchFamily="18" charset="0"/>
+              </a:rPr>
+              <a:t>[ Q13 ] </a:t>
+            </a:r>
+            <a:r>
+              <a:rPr lang="en-MY" sz="2600" dirty="0">
+                <a:solidFill>
+                  <a:srgbClr val="000000"/>
+                </a:solidFill>
+                <a:latin typeface="Times New Roman" panose="02020603050405020304" pitchFamily="18" charset="0"/>
+                <a:cs typeface="Times New Roman" panose="02020603050405020304" pitchFamily="18" charset="0"/>
+              </a:rPr>
+              <a:t>is 'To pass the class’ </a:t>
+            </a:r>
+            <a:r>
+              <a:rPr lang="en-MY" sz="2600" b="1" dirty="0">
+                <a:solidFill>
                   <a:srgbClr val="FF0000"/>
                 </a:solidFill>
                 <a:latin typeface="Times New Roman" panose="02020603050405020304" pitchFamily="18" charset="0"/>
@@ -13322,11 +14112,33 @@
                 <a:latin typeface="Times New Roman" panose="02020603050405020304" pitchFamily="18" charset="0"/>
                 <a:cs typeface="Times New Roman" panose="02020603050405020304" pitchFamily="18" charset="0"/>
               </a:rPr>
-              <a:t>Q2_Q2_Q2 is  ‘To become known for being an excellent programmer’ </a:t>
+              <a:t>Q2_Q2_2 </a:t>
             </a:r>
             <a:r>
               <a:rPr lang="en-MY" sz="2600" b="1" dirty="0">
                 <a:solidFill>
+                  <a:schemeClr val="bg1"/>
+                </a:solidFill>
+                <a:latin typeface="Times New Roman" panose="02020603050405020304" pitchFamily="18" charset="0"/>
+                <a:cs typeface="Times New Roman" panose="02020603050405020304" pitchFamily="18" charset="0"/>
+              </a:rPr>
+              <a:t>[ Q2 ]</a:t>
+            </a:r>
+            <a:r>
+              <a:rPr lang="en-MY" sz="2600" dirty="0">
+                <a:solidFill>
+                  <a:schemeClr val="bg1"/>
+                </a:solidFill>
+                <a:latin typeface="Times New Roman" panose="02020603050405020304" pitchFamily="18" charset="0"/>
+                <a:cs typeface="Times New Roman" panose="02020603050405020304" pitchFamily="18" charset="0"/>
+              </a:rPr>
+              <a:t>  is  ‘To become known for being an excellent programmer’ </a:t>
+            </a:r>
+          </a:p>
+          <a:p>
+            <a:r>
+              <a:rPr lang="en-MY" sz="2600" b="1" dirty="0">
+                <a:solidFill>
                   <a:srgbClr val="FF0000"/>
                 </a:solidFill>
                 <a:latin typeface="Times New Roman" panose="02020603050405020304" pitchFamily="18" charset="0"/>
@@ -13343,6 +14155,161 @@
                 <a:cs typeface="Times New Roman" panose="02020603050405020304" pitchFamily="18" charset="0"/>
               </a:rPr>
               <a:t>rd</a:t>
+            </a:r>
+            <a:r>
+              <a:rPr lang="en-MY" sz="2600" b="1" dirty="0">
+                <a:solidFill>
+                  <a:srgbClr val="FF0000"/>
+                </a:solidFill>
+                <a:latin typeface="Times New Roman" panose="02020603050405020304" pitchFamily="18" charset="0"/>
+                <a:cs typeface="Times New Roman" panose="02020603050405020304" pitchFamily="18" charset="0"/>
+              </a:rPr>
+              <a:t> important ] </a:t>
+            </a:r>
+          </a:p>
+          <a:p>
+            <a:r>
+              <a:rPr lang="en-MY" sz="2600" dirty="0">
+                <a:solidFill>
+                  <a:schemeClr val="bg1"/>
+                </a:solidFill>
+                <a:latin typeface="Times New Roman" panose="02020603050405020304" pitchFamily="18" charset="0"/>
+                <a:cs typeface="Times New Roman" panose="02020603050405020304" pitchFamily="18" charset="0"/>
+              </a:rPr>
+              <a:t>Q2_Q2_1 </a:t>
+            </a:r>
+            <a:r>
+              <a:rPr lang="en-MY" sz="2600" b="1" dirty="0">
+                <a:solidFill>
+                  <a:schemeClr val="bg1"/>
+                </a:solidFill>
+                <a:latin typeface="Times New Roman" panose="02020603050405020304" pitchFamily="18" charset="0"/>
+                <a:cs typeface="Times New Roman" panose="02020603050405020304" pitchFamily="18" charset="0"/>
+              </a:rPr>
+              <a:t>[ Q1 ] </a:t>
+            </a:r>
+            <a:r>
+              <a:rPr lang="en-MY" sz="2600" dirty="0">
+                <a:solidFill>
+                  <a:schemeClr val="bg1"/>
+                </a:solidFill>
+                <a:latin typeface="Times New Roman" panose="02020603050405020304" pitchFamily="18" charset="0"/>
+                <a:cs typeface="Times New Roman" panose="02020603050405020304" pitchFamily="18" charset="0"/>
+              </a:rPr>
+              <a:t>is ‘I hope to get monetary compensation according to the effort made’ </a:t>
+            </a:r>
+            <a:r>
+              <a:rPr lang="en-MY" sz="2600" b="1" dirty="0">
+                <a:solidFill>
+                  <a:srgbClr val="FF0000"/>
+                </a:solidFill>
+                <a:latin typeface="Times New Roman" panose="02020603050405020304" pitchFamily="18" charset="0"/>
+                <a:cs typeface="Times New Roman" panose="02020603050405020304" pitchFamily="18" charset="0"/>
+              </a:rPr>
+              <a:t>[ 4</a:t>
+            </a:r>
+            <a:r>
+              <a:rPr lang="en-MY" sz="2600" b="1" baseline="30000" dirty="0">
+                <a:solidFill>
+                  <a:srgbClr val="FF0000"/>
+                </a:solidFill>
+                <a:latin typeface="Times New Roman" panose="02020603050405020304" pitchFamily="18" charset="0"/>
+                <a:cs typeface="Times New Roman" panose="02020603050405020304" pitchFamily="18" charset="0"/>
+              </a:rPr>
+              <a:t>th</a:t>
+            </a:r>
+            <a:r>
+              <a:rPr lang="en-MY" sz="2600" b="1" dirty="0">
+                <a:solidFill>
+                  <a:srgbClr val="FF0000"/>
+                </a:solidFill>
+                <a:latin typeface="Times New Roman" panose="02020603050405020304" pitchFamily="18" charset="0"/>
+                <a:cs typeface="Times New Roman" panose="02020603050405020304" pitchFamily="18" charset="0"/>
+              </a:rPr>
+              <a:t> important ] </a:t>
+            </a:r>
+          </a:p>
+          <a:p>
+            <a:r>
+              <a:rPr lang="en-MY" sz="2600" i="0" dirty="0">
+                <a:solidFill>
+                  <a:schemeClr val="bg1"/>
+                </a:solidFill>
+                <a:effectLst/>
+                <a:latin typeface="Times New Roman" panose="02020603050405020304" pitchFamily="18" charset="0"/>
+                <a:cs typeface="Times New Roman" panose="02020603050405020304" pitchFamily="18" charset="0"/>
+              </a:rPr>
+              <a:t>Q2</a:t>
+            </a:r>
+            <a:r>
+              <a:rPr lang="en-MY" sz="2600" dirty="0">
+                <a:solidFill>
+                  <a:schemeClr val="bg1"/>
+                </a:solidFill>
+                <a:latin typeface="Times New Roman" panose="02020603050405020304" pitchFamily="18" charset="0"/>
+                <a:cs typeface="Times New Roman" panose="02020603050405020304" pitchFamily="18" charset="0"/>
+              </a:rPr>
+              <a:t>_Q2_4 </a:t>
+            </a:r>
+            <a:r>
+              <a:rPr lang="en-MY" sz="2600" b="1" dirty="0">
+                <a:solidFill>
+                  <a:schemeClr val="bg1"/>
+                </a:solidFill>
+                <a:latin typeface="Times New Roman" panose="02020603050405020304" pitchFamily="18" charset="0"/>
+                <a:cs typeface="Times New Roman" panose="02020603050405020304" pitchFamily="18" charset="0"/>
+              </a:rPr>
+              <a:t>[ Q4 ] </a:t>
+            </a:r>
+            <a:r>
+              <a:rPr lang="en-MY" sz="2600" dirty="0">
+                <a:solidFill>
+                  <a:schemeClr val="bg1"/>
+                </a:solidFill>
+                <a:latin typeface="Times New Roman" panose="02020603050405020304" pitchFamily="18" charset="0"/>
+                <a:cs typeface="Times New Roman" panose="02020603050405020304" pitchFamily="18" charset="0"/>
+              </a:rPr>
+              <a:t>is ‘Because I have ideas I want to introduce to the experts in </a:t>
+            </a:r>
+            <a:r>
+              <a:rPr lang="en-MY" sz="2600" dirty="0" err="1">
+                <a:solidFill>
+                  <a:schemeClr val="bg1"/>
+                </a:solidFill>
+                <a:latin typeface="Times New Roman" panose="02020603050405020304" pitchFamily="18" charset="0"/>
+                <a:cs typeface="Times New Roman" panose="02020603050405020304" pitchFamily="18" charset="0"/>
+              </a:rPr>
+              <a:t>IronHacks</a:t>
+            </a:r>
+            <a:r>
+              <a:rPr lang="en-MY" sz="2600" dirty="0">
+                <a:solidFill>
+                  <a:schemeClr val="bg1"/>
+                </a:solidFill>
+                <a:latin typeface="Times New Roman" panose="02020603050405020304" pitchFamily="18" charset="0"/>
+                <a:cs typeface="Times New Roman" panose="02020603050405020304" pitchFamily="18" charset="0"/>
+              </a:rPr>
+              <a:t>’ </a:t>
+            </a:r>
+            <a:r>
+              <a:rPr lang="en-MY" sz="2600" b="1" dirty="0">
+                <a:solidFill>
+                  <a:srgbClr val="FF0000"/>
+                </a:solidFill>
+                <a:latin typeface="Times New Roman" panose="02020603050405020304" pitchFamily="18" charset="0"/>
+                <a:cs typeface="Times New Roman" panose="02020603050405020304" pitchFamily="18" charset="0"/>
+              </a:rPr>
+              <a:t>[ 5</a:t>
+            </a:r>
+            <a:r>
+              <a:rPr lang="en-MY" sz="2600" b="1" baseline="30000" dirty="0">
+                <a:solidFill>
+                  <a:srgbClr val="FF0000"/>
+                </a:solidFill>
+                <a:latin typeface="Times New Roman" panose="02020603050405020304" pitchFamily="18" charset="0"/>
+                <a:cs typeface="Times New Roman" panose="02020603050405020304" pitchFamily="18" charset="0"/>
+              </a:rPr>
+              <a:t>th</a:t>
             </a:r>
             <a:r>
               <a:rPr lang="en-MY" sz="2600" b="1" dirty="0">
@@ -13565,7 +14532,7 @@
                 <a:latin typeface="Times New Roman" panose="02020603050405020304" pitchFamily="18" charset="0"/>
                 <a:cs typeface="Times New Roman" panose="02020603050405020304" pitchFamily="18" charset="0"/>
               </a:rPr>
-              <a:t>Cronbach’s alpha (0.8740) (Good Consistency)</a:t>
+              <a:t>Cronbach’s alpha (0.8004) (Good Consistency)</a:t>
             </a:r>
           </a:p>
           <a:p>
@@ -13577,7 +14544,7 @@
                 <a:latin typeface="Times New Roman" panose="02020603050405020304" pitchFamily="18" charset="0"/>
                 <a:cs typeface="Times New Roman" panose="02020603050405020304" pitchFamily="18" charset="0"/>
               </a:rPr>
-              <a:t>KMO 0.9252 ( 0.9252 ) ( adequate )</a:t>
+              <a:t>KMO  ( 0.764 ) ( adequate )</a:t>
             </a:r>
           </a:p>
           <a:p>
@@ -13599,7 +14566,7 @@
                 <a:latin typeface="Times New Roman" panose="02020603050405020304" pitchFamily="18" charset="0"/>
                 <a:cs typeface="Times New Roman" panose="02020603050405020304" pitchFamily="18" charset="0"/>
               </a:rPr>
-              <a:t> Test ( 5.3826e-23) ( significant )</a:t>
+              <a:t> Test ( 1.822e-55 ) ( significant )</a:t>
             </a:r>
             <a:endParaRPr lang="en-MY" sz="3200" dirty="0">
               <a:solidFill>
@@ -13613,10 +14580,10 @@
       </p:sp>
       <p:pic>
         <p:nvPicPr>
-          <p:cNvPr id="8" name="Content Placeholder 7" descr="Graphical user interface, text, application, email&#10;&#10;Description automatically generated">
+          <p:cNvPr id="7" name="Content Placeholder 6" descr="Text&#10;&#10;Description automatically generated with medium confidence">
             <a:extLst>
               <a:ext uri="{FF2B5EF4-FFF2-40B4-BE49-F238E27FC236}">
-                <a16:creationId xmlns:a16="http://schemas.microsoft.com/office/drawing/2014/main" id="{ACABD557-D9F2-594B-98F8-0409DC79AB65}"/>
+                <a16:creationId xmlns:a16="http://schemas.microsoft.com/office/drawing/2014/main" id="{CC158491-2D58-B445-9218-5988240CA174}"/>
               </a:ext>
             </a:extLst>
           </p:cNvPr>
@@ -13635,8 +14602,8 @@
         </p:blipFill>
         <p:spPr>
           <a:xfrm>
-            <a:off x="1271910" y="3683981"/>
-            <a:ext cx="10141176" cy="2251869"/>
+            <a:off x="808391" y="3366683"/>
+            <a:ext cx="10853696" cy="2854259"/>
           </a:xfrm>
         </p:spPr>
       </p:pic>
@@ -13644,6 +14611,869 @@
     <p:extLst>
       <p:ext uri="{BB962C8B-B14F-4D97-AF65-F5344CB8AC3E}">
         <p14:creationId xmlns:p14="http://schemas.microsoft.com/office/powerpoint/2010/main" val="3035991681"/>
+      </p:ext>
+    </p:extLst>
+  </p:cSld>
+  <p:clrMapOvr>
+    <a:masterClrMapping/>
+  </p:clrMapOvr>
+</p:sld>
+</file>
+
+<file path=ppt/slides/slide37.xml><?xml version="1.0" encoding="utf-8"?>
+<p:sld xmlns:a="http://schemas.openxmlformats.org/drawingml/2006/main" xmlns:r="http://schemas.openxmlformats.org/officeDocument/2006/relationships" xmlns:p="http://schemas.openxmlformats.org/presentationml/2006/main" showMasterSp="0">
+  <p:cSld>
+    <p:bg>
+      <p:bgPr>
+        <a:solidFill>
+          <a:schemeClr val="tx1"/>
+        </a:solidFill>
+        <a:effectLst/>
+      </p:bgPr>
+    </p:bg>
+    <p:spTree>
+      <p:nvGrpSpPr>
+        <p:cNvPr id="1" name=""/>
+        <p:cNvGrpSpPr/>
+        <p:nvPr/>
+      </p:nvGrpSpPr>
+      <p:grpSpPr>
+        <a:xfrm>
+          <a:off x="0" y="0"/>
+          <a:ext cx="0" cy="0"/>
+          <a:chOff x="0" y="0"/>
+          <a:chExt cx="0" cy="0"/>
+        </a:xfrm>
+      </p:grpSpPr>
+      <p:sp>
+        <p:nvSpPr>
+          <p:cNvPr id="2" name="Title 1">
+            <a:extLst>
+              <a:ext uri="{FF2B5EF4-FFF2-40B4-BE49-F238E27FC236}">
+                <a16:creationId xmlns:a16="http://schemas.microsoft.com/office/drawing/2014/main" id="{F376363F-57CB-7C46-8D30-6997A8CB848E}"/>
+              </a:ext>
+            </a:extLst>
+          </p:cNvPr>
+          <p:cNvSpPr>
+            <a:spLocks noGrp="1"/>
+          </p:cNvSpPr>
+          <p:nvPr>
+            <p:ph type="title"/>
+          </p:nvPr>
+        </p:nvSpPr>
+        <p:spPr>
+          <a:xfrm>
+            <a:off x="-139486" y="293771"/>
+            <a:ext cx="5346915" cy="1477328"/>
+          </a:xfrm>
+        </p:spPr>
+        <p:txBody>
+          <a:bodyPr/>
+          <a:lstStyle/>
+          <a:p>
+            <a:pPr algn="ctr"/>
+            <a:r>
+              <a:rPr lang="en-US" b="1" dirty="0">
+                <a:solidFill>
+                  <a:schemeClr val="bg1"/>
+                </a:solidFill>
+                <a:latin typeface="Times New Roman" panose="02020603050405020304" pitchFamily="18" charset="0"/>
+                <a:cs typeface="Times New Roman" panose="02020603050405020304" pitchFamily="18" charset="0"/>
+              </a:rPr>
+              <a:t>PCA</a:t>
+            </a:r>
+            <a:br>
+              <a:rPr lang="en-US" b="1" dirty="0">
+                <a:solidFill>
+                  <a:schemeClr val="bg1"/>
+                </a:solidFill>
+                <a:latin typeface="Times New Roman" panose="02020603050405020304" pitchFamily="18" charset="0"/>
+                <a:cs typeface="Times New Roman" panose="02020603050405020304" pitchFamily="18" charset="0"/>
+              </a:rPr>
+            </a:br>
+            <a:r>
+              <a:rPr lang="en-US" b="1" dirty="0">
+                <a:solidFill>
+                  <a:schemeClr val="bg1"/>
+                </a:solidFill>
+                <a:latin typeface="Times New Roman" panose="02020603050405020304" pitchFamily="18" charset="0"/>
+                <a:cs typeface="Times New Roman" panose="02020603050405020304" pitchFamily="18" charset="0"/>
+              </a:rPr>
+              <a:t>Survey Q3</a:t>
+            </a:r>
+            <a:br>
+              <a:rPr lang="en-US" b="1" dirty="0">
+                <a:solidFill>
+                  <a:schemeClr val="bg1"/>
+                </a:solidFill>
+                <a:latin typeface="Times New Roman" panose="02020603050405020304" pitchFamily="18" charset="0"/>
+                <a:cs typeface="Times New Roman" panose="02020603050405020304" pitchFamily="18" charset="0"/>
+              </a:rPr>
+            </a:br>
+            <a:endParaRPr lang="en-US" b="1" dirty="0">
+              <a:solidFill>
+                <a:schemeClr val="bg1"/>
+              </a:solidFill>
+              <a:latin typeface="Times New Roman" panose="02020603050405020304" pitchFamily="18" charset="0"/>
+              <a:cs typeface="Times New Roman" panose="02020603050405020304" pitchFamily="18" charset="0"/>
+            </a:endParaRPr>
+          </a:p>
+        </p:txBody>
+      </p:sp>
+      <p:sp>
+        <p:nvSpPr>
+          <p:cNvPr id="6" name="Rectangle 5">
+            <a:extLst>
+              <a:ext uri="{FF2B5EF4-FFF2-40B4-BE49-F238E27FC236}">
+                <a16:creationId xmlns:a16="http://schemas.microsoft.com/office/drawing/2014/main" id="{B335D236-8F50-8C4C-8D59-BEC353129962}"/>
+              </a:ext>
+            </a:extLst>
+          </p:cNvPr>
+          <p:cNvSpPr/>
+          <p:nvPr/>
+        </p:nvSpPr>
+        <p:spPr>
+          <a:xfrm>
+            <a:off x="4411362" y="339569"/>
+            <a:ext cx="7035925" cy="1569660"/>
+          </a:xfrm>
+          <a:prstGeom prst="rect">
+            <a:avLst/>
+          </a:prstGeom>
+        </p:spPr>
+        <p:txBody>
+          <a:bodyPr wrap="square">
+            <a:spAutoFit/>
+          </a:bodyPr>
+          <a:lstStyle/>
+          <a:p>
+            <a:r>
+              <a:rPr lang="en-MY" sz="3200" dirty="0">
+                <a:solidFill>
+                  <a:schemeClr val="bg1"/>
+                </a:solidFill>
+                <a:latin typeface="Times New Roman" panose="02020603050405020304" pitchFamily="18" charset="0"/>
+                <a:cs typeface="Times New Roman" panose="02020603050405020304" pitchFamily="18" charset="0"/>
+              </a:rPr>
+              <a:t>Two Principle Components Explained 75.11% of the Variance. </a:t>
+            </a:r>
+          </a:p>
+          <a:p>
+            <a:endParaRPr lang="en-MY" sz="3200" dirty="0">
+              <a:solidFill>
+                <a:schemeClr val="bg1"/>
+              </a:solidFill>
+              <a:latin typeface="Times New Roman" panose="02020603050405020304" pitchFamily="18" charset="0"/>
+              <a:cs typeface="Times New Roman" panose="02020603050405020304" pitchFamily="18" charset="0"/>
+            </a:endParaRPr>
+          </a:p>
+        </p:txBody>
+      </p:sp>
+      <p:sp>
+        <p:nvSpPr>
+          <p:cNvPr id="4" name="Content Placeholder 3">
+            <a:extLst>
+              <a:ext uri="{FF2B5EF4-FFF2-40B4-BE49-F238E27FC236}">
+                <a16:creationId xmlns:a16="http://schemas.microsoft.com/office/drawing/2014/main" id="{ED6974DE-F708-7940-8EC6-C3420418C130}"/>
+              </a:ext>
+            </a:extLst>
+          </p:cNvPr>
+          <p:cNvSpPr>
+            <a:spLocks noGrp="1"/>
+          </p:cNvSpPr>
+          <p:nvPr>
+            <p:ph idx="1"/>
+          </p:nvPr>
+        </p:nvSpPr>
+        <p:spPr>
+          <a:xfrm>
+            <a:off x="573438" y="1790193"/>
+            <a:ext cx="11329260" cy="1638807"/>
+          </a:xfrm>
+        </p:spPr>
+        <p:txBody>
+          <a:bodyPr>
+            <a:normAutofit fontScale="77500" lnSpcReduction="20000"/>
+          </a:bodyPr>
+          <a:lstStyle/>
+          <a:p>
+            <a:r>
+              <a:rPr lang="en-US" sz="2500" dirty="0">
+                <a:solidFill>
+                  <a:schemeClr val="bg1">
+                    <a:alpha val="58000"/>
+                  </a:schemeClr>
+                </a:solidFill>
+                <a:latin typeface="Times New Roman" panose="02020603050405020304" pitchFamily="18" charset="0"/>
+                <a:cs typeface="Times New Roman" panose="02020603050405020304" pitchFamily="18" charset="0"/>
+              </a:rPr>
+              <a:t>PC1 explained 55.93% of the variance  - Person with High Value for PC1 will have </a:t>
+            </a:r>
+          </a:p>
+          <a:p>
+            <a:r>
+              <a:rPr lang="en-US" sz="2500" dirty="0">
+                <a:solidFill>
+                  <a:srgbClr val="FF0000">
+                    <a:alpha val="58000"/>
+                  </a:srgbClr>
+                </a:solidFill>
+                <a:latin typeface="Times New Roman" panose="02020603050405020304" pitchFamily="18" charset="0"/>
+                <a:cs typeface="Times New Roman" panose="02020603050405020304" pitchFamily="18" charset="0"/>
+              </a:rPr>
+              <a:t>low Q1 ( 0.516 ) and low Q3 ( 0.461 )</a:t>
+            </a:r>
+          </a:p>
+          <a:p>
+            <a:r>
+              <a:rPr lang="en-US" sz="2500" dirty="0">
+                <a:solidFill>
+                  <a:schemeClr val="bg1">
+                    <a:alpha val="58000"/>
+                  </a:schemeClr>
+                </a:solidFill>
+                <a:latin typeface="Times New Roman" panose="02020603050405020304" pitchFamily="18" charset="0"/>
+                <a:cs typeface="Times New Roman" panose="02020603050405020304" pitchFamily="18" charset="0"/>
+              </a:rPr>
+              <a:t>PC2 explained 19.18% of the variance – Person with High Value for PC2 will have </a:t>
+            </a:r>
+          </a:p>
+          <a:p>
+            <a:r>
+              <a:rPr lang="en-US" sz="2500" dirty="0">
+                <a:solidFill>
+                  <a:srgbClr val="FF0000"/>
+                </a:solidFill>
+                <a:latin typeface="Times New Roman" panose="02020603050405020304" pitchFamily="18" charset="0"/>
+                <a:cs typeface="Times New Roman" panose="02020603050405020304" pitchFamily="18" charset="0"/>
+              </a:rPr>
+              <a:t>low Q1 ( 0.7688 ) </a:t>
+            </a:r>
+            <a:r>
+              <a:rPr lang="en-US" sz="2500" dirty="0">
+                <a:solidFill>
+                  <a:srgbClr val="FF0000">
+                    <a:alpha val="58000"/>
+                  </a:srgbClr>
+                </a:solidFill>
+                <a:latin typeface="Times New Roman" panose="02020603050405020304" pitchFamily="18" charset="0"/>
+                <a:cs typeface="Times New Roman" panose="02020603050405020304" pitchFamily="18" charset="0"/>
+              </a:rPr>
+              <a:t>and high Q4 ( 0.4448 )</a:t>
+            </a:r>
+          </a:p>
+        </p:txBody>
+      </p:sp>
+      <p:pic>
+        <p:nvPicPr>
+          <p:cNvPr id="8" name="Picture 7" descr="Graphical user interface, application&#10;&#10;Description automatically generated">
+            <a:extLst>
+              <a:ext uri="{FF2B5EF4-FFF2-40B4-BE49-F238E27FC236}">
+                <a16:creationId xmlns:a16="http://schemas.microsoft.com/office/drawing/2014/main" id="{42AD645C-1DF5-064C-95CF-4CB7381C3AA2}"/>
+              </a:ext>
+            </a:extLst>
+          </p:cNvPr>
+          <p:cNvPicPr>
+            <a:picLocks noChangeAspect="1"/>
+          </p:cNvPicPr>
+          <p:nvPr/>
+        </p:nvPicPr>
+        <p:blipFill>
+          <a:blip r:embed="rId3"/>
+          <a:stretch>
+            <a:fillRect/>
+          </a:stretch>
+        </p:blipFill>
+        <p:spPr>
+          <a:xfrm>
+            <a:off x="0" y="3806723"/>
+            <a:ext cx="12086765" cy="2576147"/>
+          </a:xfrm>
+          <a:prstGeom prst="rect">
+            <a:avLst/>
+          </a:prstGeom>
+        </p:spPr>
+      </p:pic>
+    </p:spTree>
+    <p:extLst>
+      <p:ext uri="{BB962C8B-B14F-4D97-AF65-F5344CB8AC3E}">
+        <p14:creationId xmlns:p14="http://schemas.microsoft.com/office/powerpoint/2010/main" val="3582249359"/>
+      </p:ext>
+    </p:extLst>
+  </p:cSld>
+  <p:clrMapOvr>
+    <a:masterClrMapping/>
+  </p:clrMapOvr>
+</p:sld>
+</file>
+
+<file path=ppt/slides/slide38.xml><?xml version="1.0" encoding="utf-8"?>
+<p:sld xmlns:a="http://schemas.openxmlformats.org/drawingml/2006/main" xmlns:r="http://schemas.openxmlformats.org/officeDocument/2006/relationships" xmlns:p="http://schemas.openxmlformats.org/presentationml/2006/main" showMasterSp="0">
+  <p:cSld>
+    <p:bg>
+      <p:bgPr>
+        <a:solidFill>
+          <a:schemeClr val="tx1"/>
+        </a:solidFill>
+        <a:effectLst/>
+      </p:bgPr>
+    </p:bg>
+    <p:spTree>
+      <p:nvGrpSpPr>
+        <p:cNvPr id="1" name=""/>
+        <p:cNvGrpSpPr/>
+        <p:nvPr/>
+      </p:nvGrpSpPr>
+      <p:grpSpPr>
+        <a:xfrm>
+          <a:off x="0" y="0"/>
+          <a:ext cx="0" cy="0"/>
+          <a:chOff x="0" y="0"/>
+          <a:chExt cx="0" cy="0"/>
+        </a:xfrm>
+      </p:grpSpPr>
+      <p:sp>
+        <p:nvSpPr>
+          <p:cNvPr id="2" name="Title 1">
+            <a:extLst>
+              <a:ext uri="{FF2B5EF4-FFF2-40B4-BE49-F238E27FC236}">
+                <a16:creationId xmlns:a16="http://schemas.microsoft.com/office/drawing/2014/main" id="{F376363F-57CB-7C46-8D30-6997A8CB848E}"/>
+              </a:ext>
+            </a:extLst>
+          </p:cNvPr>
+          <p:cNvSpPr>
+            <a:spLocks noGrp="1"/>
+          </p:cNvSpPr>
+          <p:nvPr>
+            <p:ph type="title"/>
+          </p:nvPr>
+        </p:nvSpPr>
+        <p:spPr>
+          <a:xfrm>
+            <a:off x="3422541" y="285288"/>
+            <a:ext cx="5346915" cy="1477328"/>
+          </a:xfrm>
+        </p:spPr>
+        <p:txBody>
+          <a:bodyPr/>
+          <a:lstStyle/>
+          <a:p>
+            <a:pPr algn="ctr"/>
+            <a:r>
+              <a:rPr lang="en-US" b="1" dirty="0">
+                <a:solidFill>
+                  <a:schemeClr val="bg1"/>
+                </a:solidFill>
+                <a:latin typeface="Times New Roman" panose="02020603050405020304" pitchFamily="18" charset="0"/>
+                <a:cs typeface="Times New Roman" panose="02020603050405020304" pitchFamily="18" charset="0"/>
+              </a:rPr>
+              <a:t>PCA</a:t>
+            </a:r>
+            <a:br>
+              <a:rPr lang="en-US" b="1" dirty="0">
+                <a:solidFill>
+                  <a:schemeClr val="bg1"/>
+                </a:solidFill>
+                <a:latin typeface="Times New Roman" panose="02020603050405020304" pitchFamily="18" charset="0"/>
+                <a:cs typeface="Times New Roman" panose="02020603050405020304" pitchFamily="18" charset="0"/>
+              </a:rPr>
+            </a:br>
+            <a:r>
+              <a:rPr lang="en-US" b="1" dirty="0">
+                <a:solidFill>
+                  <a:schemeClr val="bg1"/>
+                </a:solidFill>
+                <a:latin typeface="Times New Roman" panose="02020603050405020304" pitchFamily="18" charset="0"/>
+                <a:cs typeface="Times New Roman" panose="02020603050405020304" pitchFamily="18" charset="0"/>
+              </a:rPr>
+              <a:t>Survey Q3</a:t>
+            </a:r>
+          </a:p>
+        </p:txBody>
+      </p:sp>
+      <p:sp>
+        <p:nvSpPr>
+          <p:cNvPr id="5" name="Rectangle 4">
+            <a:extLst>
+              <a:ext uri="{FF2B5EF4-FFF2-40B4-BE49-F238E27FC236}">
+                <a16:creationId xmlns:a16="http://schemas.microsoft.com/office/drawing/2014/main" id="{BD8B4206-4A29-2148-B4B7-602E621F85F8}"/>
+              </a:ext>
+            </a:extLst>
+          </p:cNvPr>
+          <p:cNvSpPr/>
+          <p:nvPr/>
+        </p:nvSpPr>
+        <p:spPr>
+          <a:xfrm>
+            <a:off x="449451" y="3599481"/>
+            <a:ext cx="10879810" cy="2893100"/>
+          </a:xfrm>
+          <a:prstGeom prst="rect">
+            <a:avLst/>
+          </a:prstGeom>
+        </p:spPr>
+        <p:txBody>
+          <a:bodyPr wrap="square">
+            <a:spAutoFit/>
+          </a:bodyPr>
+          <a:lstStyle/>
+          <a:p>
+            <a:r>
+              <a:rPr lang="en-MY" sz="2600" b="1" dirty="0">
+                <a:solidFill>
+                  <a:schemeClr val="bg1"/>
+                </a:solidFill>
+                <a:latin typeface="Times New Roman" panose="02020603050405020304" pitchFamily="18" charset="0"/>
+                <a:cs typeface="Times New Roman" panose="02020603050405020304" pitchFamily="18" charset="0"/>
+              </a:rPr>
+              <a:t>Interpretation: </a:t>
+            </a:r>
+            <a:r>
+              <a:rPr lang="en-MY" sz="2600" dirty="0">
+                <a:solidFill>
+                  <a:srgbClr val="000000"/>
+                </a:solidFill>
+                <a:latin typeface="Times New Roman" panose="02020603050405020304" pitchFamily="18" charset="0"/>
+                <a:cs typeface="Times New Roman" panose="02020603050405020304" pitchFamily="18" charset="0"/>
+              </a:rPr>
+              <a:t>Q3_Q3_1 </a:t>
+            </a:r>
+            <a:r>
+              <a:rPr lang="en-MY" sz="2600" dirty="0">
+                <a:solidFill>
+                  <a:schemeClr val="bg1"/>
+                </a:solidFill>
+                <a:latin typeface="Times New Roman" panose="02020603050405020304" pitchFamily="18" charset="0"/>
+                <a:cs typeface="Times New Roman" panose="02020603050405020304" pitchFamily="18" charset="0"/>
+              </a:rPr>
+              <a:t>[ Q1 ] </a:t>
+            </a:r>
+            <a:r>
+              <a:rPr lang="en-MY" sz="2600" dirty="0">
+                <a:solidFill>
+                  <a:srgbClr val="000000"/>
+                </a:solidFill>
+                <a:latin typeface="Times New Roman" panose="02020603050405020304" pitchFamily="18" charset="0"/>
+                <a:cs typeface="Times New Roman" panose="02020603050405020304" pitchFamily="18" charset="0"/>
+              </a:rPr>
+              <a:t>is 'I am able to communicate ideas in many different ways</a:t>
+            </a:r>
+            <a:r>
+              <a:rPr lang="en-MY" sz="2600" b="1" dirty="0">
+                <a:solidFill>
+                  <a:schemeClr val="bg2"/>
+                </a:solidFill>
+                <a:latin typeface="Times New Roman" panose="02020603050405020304" pitchFamily="18" charset="0"/>
+                <a:cs typeface="Times New Roman" panose="02020603050405020304" pitchFamily="18" charset="0"/>
+              </a:rPr>
+              <a:t>’ </a:t>
+            </a:r>
+            <a:r>
+              <a:rPr lang="en-MY" sz="2600" b="1" dirty="0">
+                <a:solidFill>
+                  <a:srgbClr val="FF0000"/>
+                </a:solidFill>
+                <a:latin typeface="Times New Roman" panose="02020603050405020304" pitchFamily="18" charset="0"/>
+                <a:cs typeface="Times New Roman" panose="02020603050405020304" pitchFamily="18" charset="0"/>
+              </a:rPr>
+              <a:t>[ most important ] </a:t>
+            </a:r>
+          </a:p>
+          <a:p>
+            <a:r>
+              <a:rPr lang="en-MY" sz="2600" dirty="0">
+                <a:solidFill>
+                  <a:srgbClr val="000000"/>
+                </a:solidFill>
+                <a:latin typeface="Times New Roman" panose="02020603050405020304" pitchFamily="18" charset="0"/>
+                <a:cs typeface="Times New Roman" panose="02020603050405020304" pitchFamily="18" charset="0"/>
+              </a:rPr>
+              <a:t>Q3_Q3_3 [ Q3 ] is ‘I am willing to consider solutions offered by others’ </a:t>
+            </a:r>
+            <a:r>
+              <a:rPr lang="en-MY" sz="2600" b="1" dirty="0">
+                <a:solidFill>
+                  <a:srgbClr val="FF0000"/>
+                </a:solidFill>
+                <a:latin typeface="Times New Roman" panose="02020603050405020304" pitchFamily="18" charset="0"/>
+                <a:cs typeface="Times New Roman" panose="02020603050405020304" pitchFamily="18" charset="0"/>
+              </a:rPr>
+              <a:t>[ 2</a:t>
+            </a:r>
+            <a:r>
+              <a:rPr lang="en-MY" sz="2600" b="1" baseline="30000" dirty="0">
+                <a:solidFill>
+                  <a:srgbClr val="FF0000"/>
+                </a:solidFill>
+                <a:latin typeface="Times New Roman" panose="02020603050405020304" pitchFamily="18" charset="0"/>
+                <a:cs typeface="Times New Roman" panose="02020603050405020304" pitchFamily="18" charset="0"/>
+              </a:rPr>
+              <a:t>nd</a:t>
+            </a:r>
+            <a:r>
+              <a:rPr lang="en-MY" sz="2600" b="1" dirty="0">
+                <a:solidFill>
+                  <a:srgbClr val="FF0000"/>
+                </a:solidFill>
+                <a:latin typeface="Times New Roman" panose="02020603050405020304" pitchFamily="18" charset="0"/>
+                <a:cs typeface="Times New Roman" panose="02020603050405020304" pitchFamily="18" charset="0"/>
+              </a:rPr>
+              <a:t>  important ] </a:t>
+            </a:r>
+          </a:p>
+          <a:p>
+            <a:r>
+              <a:rPr lang="en-MY" sz="2600" dirty="0">
+                <a:solidFill>
+                  <a:schemeClr val="bg1"/>
+                </a:solidFill>
+                <a:latin typeface="Times New Roman" panose="02020603050405020304" pitchFamily="18" charset="0"/>
+                <a:cs typeface="Times New Roman" panose="02020603050405020304" pitchFamily="18" charset="0"/>
+              </a:rPr>
+              <a:t>Q3_Q3_4 [ Q4 ] is  ‘I am willing to try different ways of solving problems’ </a:t>
+            </a:r>
+            <a:r>
+              <a:rPr lang="en-MY" sz="2600" b="1" dirty="0">
+                <a:solidFill>
+                  <a:srgbClr val="FF0000"/>
+                </a:solidFill>
+                <a:latin typeface="Times New Roman" panose="02020603050405020304" pitchFamily="18" charset="0"/>
+                <a:cs typeface="Times New Roman" panose="02020603050405020304" pitchFamily="18" charset="0"/>
+              </a:rPr>
+              <a:t>[ 3</a:t>
+            </a:r>
+            <a:r>
+              <a:rPr lang="en-MY" sz="2600" b="1" baseline="30000" dirty="0">
+                <a:solidFill>
+                  <a:srgbClr val="FF0000"/>
+                </a:solidFill>
+                <a:latin typeface="Times New Roman" panose="02020603050405020304" pitchFamily="18" charset="0"/>
+                <a:cs typeface="Times New Roman" panose="02020603050405020304" pitchFamily="18" charset="0"/>
+              </a:rPr>
+              <a:t>rd</a:t>
+            </a:r>
+            <a:r>
+              <a:rPr lang="en-MY" sz="2600" b="1" dirty="0">
+                <a:solidFill>
+                  <a:srgbClr val="FF0000"/>
+                </a:solidFill>
+                <a:latin typeface="Times New Roman" panose="02020603050405020304" pitchFamily="18" charset="0"/>
+                <a:cs typeface="Times New Roman" panose="02020603050405020304" pitchFamily="18" charset="0"/>
+              </a:rPr>
+              <a:t> important ] </a:t>
+            </a:r>
+          </a:p>
+          <a:p>
+            <a:endParaRPr lang="en-MY" sz="2600" b="1" i="0" dirty="0">
+              <a:solidFill>
+                <a:srgbClr val="FF0000"/>
+              </a:solidFill>
+              <a:effectLst/>
+              <a:latin typeface="Times New Roman" panose="02020603050405020304" pitchFamily="18" charset="0"/>
+              <a:cs typeface="Times New Roman" panose="02020603050405020304" pitchFamily="18" charset="0"/>
+            </a:endParaRPr>
+          </a:p>
+        </p:txBody>
+      </p:sp>
+      <p:pic>
+        <p:nvPicPr>
+          <p:cNvPr id="4" name="Picture 3">
+            <a:extLst>
+              <a:ext uri="{FF2B5EF4-FFF2-40B4-BE49-F238E27FC236}">
+                <a16:creationId xmlns:a16="http://schemas.microsoft.com/office/drawing/2014/main" id="{C9080198-8DA7-E247-AA51-BC42DE5BDF57}"/>
+              </a:ext>
+            </a:extLst>
+          </p:cNvPr>
+          <p:cNvPicPr>
+            <a:picLocks noChangeAspect="1"/>
+          </p:cNvPicPr>
+          <p:nvPr/>
+        </p:nvPicPr>
+        <p:blipFill>
+          <a:blip r:embed="rId3"/>
+          <a:stretch>
+            <a:fillRect/>
+          </a:stretch>
+        </p:blipFill>
+        <p:spPr>
+          <a:xfrm>
+            <a:off x="129957" y="1659610"/>
+            <a:ext cx="11932085" cy="1347061"/>
+          </a:xfrm>
+          <a:prstGeom prst="rect">
+            <a:avLst/>
+          </a:prstGeom>
+        </p:spPr>
+      </p:pic>
+    </p:spTree>
+    <p:extLst>
+      <p:ext uri="{BB962C8B-B14F-4D97-AF65-F5344CB8AC3E}">
+        <p14:creationId xmlns:p14="http://schemas.microsoft.com/office/powerpoint/2010/main" val="1709294944"/>
+      </p:ext>
+    </p:extLst>
+  </p:cSld>
+  <p:clrMapOvr>
+    <a:masterClrMapping/>
+  </p:clrMapOvr>
+</p:sld>
+</file>
+
+<file path=ppt/slides/slide39.xml><?xml version="1.0" encoding="utf-8"?>
+<p:sld xmlns:a="http://schemas.openxmlformats.org/drawingml/2006/main" xmlns:r="http://schemas.openxmlformats.org/officeDocument/2006/relationships" xmlns:p="http://schemas.openxmlformats.org/presentationml/2006/main" showMasterSp="0">
+  <p:cSld>
+    <p:bg>
+      <p:bgPr>
+        <a:solidFill>
+          <a:schemeClr val="tx1"/>
+        </a:solidFill>
+        <a:effectLst/>
+      </p:bgPr>
+    </p:bg>
+    <p:spTree>
+      <p:nvGrpSpPr>
+        <p:cNvPr id="1" name=""/>
+        <p:cNvGrpSpPr/>
+        <p:nvPr/>
+      </p:nvGrpSpPr>
+      <p:grpSpPr>
+        <a:xfrm>
+          <a:off x="0" y="0"/>
+          <a:ext cx="0" cy="0"/>
+          <a:chOff x="0" y="0"/>
+          <a:chExt cx="0" cy="0"/>
+        </a:xfrm>
+      </p:grpSpPr>
+      <p:sp>
+        <p:nvSpPr>
+          <p:cNvPr id="2" name="Title 1">
+            <a:extLst>
+              <a:ext uri="{FF2B5EF4-FFF2-40B4-BE49-F238E27FC236}">
+                <a16:creationId xmlns:a16="http://schemas.microsoft.com/office/drawing/2014/main" id="{F376363F-57CB-7C46-8D30-6997A8CB848E}"/>
+              </a:ext>
+            </a:extLst>
+          </p:cNvPr>
+          <p:cNvSpPr>
+            <a:spLocks noGrp="1"/>
+          </p:cNvSpPr>
+          <p:nvPr>
+            <p:ph type="title"/>
+          </p:nvPr>
+        </p:nvSpPr>
+        <p:spPr>
+          <a:xfrm>
+            <a:off x="-139486" y="293771"/>
+            <a:ext cx="5346915" cy="1477328"/>
+          </a:xfrm>
+        </p:spPr>
+        <p:txBody>
+          <a:bodyPr>
+            <a:normAutofit fontScale="90000"/>
+          </a:bodyPr>
+          <a:lstStyle/>
+          <a:p>
+            <a:pPr algn="ctr"/>
+            <a:r>
+              <a:rPr lang="en-US" b="1" dirty="0">
+                <a:solidFill>
+                  <a:schemeClr val="bg1"/>
+                </a:solidFill>
+                <a:latin typeface="Times New Roman" panose="02020603050405020304" pitchFamily="18" charset="0"/>
+                <a:cs typeface="Times New Roman" panose="02020603050405020304" pitchFamily="18" charset="0"/>
+              </a:rPr>
+              <a:t>PCA</a:t>
+            </a:r>
+            <a:br>
+              <a:rPr lang="en-US" b="1" dirty="0">
+                <a:solidFill>
+                  <a:schemeClr val="bg1"/>
+                </a:solidFill>
+                <a:latin typeface="Times New Roman" panose="02020603050405020304" pitchFamily="18" charset="0"/>
+                <a:cs typeface="Times New Roman" panose="02020603050405020304" pitchFamily="18" charset="0"/>
+              </a:rPr>
+            </a:br>
+            <a:r>
+              <a:rPr lang="en-US" b="1" dirty="0">
+                <a:solidFill>
+                  <a:schemeClr val="bg1"/>
+                </a:solidFill>
+                <a:latin typeface="Times New Roman" panose="02020603050405020304" pitchFamily="18" charset="0"/>
+                <a:cs typeface="Times New Roman" panose="02020603050405020304" pitchFamily="18" charset="0"/>
+              </a:rPr>
+              <a:t>Survey Q4</a:t>
+            </a:r>
+            <a:br>
+              <a:rPr lang="en-US" b="1" dirty="0">
+                <a:solidFill>
+                  <a:schemeClr val="bg1"/>
+                </a:solidFill>
+                <a:latin typeface="Times New Roman" panose="02020603050405020304" pitchFamily="18" charset="0"/>
+                <a:cs typeface="Times New Roman" panose="02020603050405020304" pitchFamily="18" charset="0"/>
+              </a:rPr>
+            </a:br>
+            <a:r>
+              <a:rPr lang="en-US" b="1" dirty="0">
+                <a:solidFill>
+                  <a:schemeClr val="bg1"/>
+                </a:solidFill>
+                <a:latin typeface="Times New Roman" panose="02020603050405020304" pitchFamily="18" charset="0"/>
+                <a:cs typeface="Times New Roman" panose="02020603050405020304" pitchFamily="18" charset="0"/>
+              </a:rPr>
+              <a:t>Skill level</a:t>
+            </a:r>
+            <a:br>
+              <a:rPr lang="en-US" b="1" dirty="0">
+                <a:solidFill>
+                  <a:schemeClr val="bg1"/>
+                </a:solidFill>
+                <a:latin typeface="Times New Roman" panose="02020603050405020304" pitchFamily="18" charset="0"/>
+                <a:cs typeface="Times New Roman" panose="02020603050405020304" pitchFamily="18" charset="0"/>
+              </a:rPr>
+            </a:br>
+            <a:endParaRPr lang="en-US" b="1" dirty="0">
+              <a:solidFill>
+                <a:schemeClr val="bg1"/>
+              </a:solidFill>
+              <a:latin typeface="Times New Roman" panose="02020603050405020304" pitchFamily="18" charset="0"/>
+              <a:cs typeface="Times New Roman" panose="02020603050405020304" pitchFamily="18" charset="0"/>
+            </a:endParaRPr>
+          </a:p>
+        </p:txBody>
+      </p:sp>
+      <p:sp>
+        <p:nvSpPr>
+          <p:cNvPr id="6" name="Rectangle 5">
+            <a:extLst>
+              <a:ext uri="{FF2B5EF4-FFF2-40B4-BE49-F238E27FC236}">
+                <a16:creationId xmlns:a16="http://schemas.microsoft.com/office/drawing/2014/main" id="{B335D236-8F50-8C4C-8D59-BEC353129962}"/>
+              </a:ext>
+            </a:extLst>
+          </p:cNvPr>
+          <p:cNvSpPr/>
+          <p:nvPr/>
+        </p:nvSpPr>
+        <p:spPr>
+          <a:xfrm>
+            <a:off x="4411362" y="339569"/>
+            <a:ext cx="7035925" cy="2677656"/>
+          </a:xfrm>
+          <a:prstGeom prst="rect">
+            <a:avLst/>
+          </a:prstGeom>
+        </p:spPr>
+        <p:txBody>
+          <a:bodyPr wrap="square">
+            <a:spAutoFit/>
+          </a:bodyPr>
+          <a:lstStyle/>
+          <a:p>
+            <a:r>
+              <a:rPr lang="en-MY" sz="2800" dirty="0">
+                <a:solidFill>
+                  <a:schemeClr val="bg1"/>
+                </a:solidFill>
+                <a:latin typeface="Times New Roman" panose="02020603050405020304" pitchFamily="18" charset="0"/>
+                <a:cs typeface="Times New Roman" panose="02020603050405020304" pitchFamily="18" charset="0"/>
+              </a:rPr>
+              <a:t>How would you describe your approach towards visualizing complex information?</a:t>
+            </a:r>
+          </a:p>
+          <a:p>
+            <a:endParaRPr lang="en-MY" sz="2800" dirty="0">
+              <a:solidFill>
+                <a:schemeClr val="bg1"/>
+              </a:solidFill>
+              <a:latin typeface="Times New Roman" panose="02020603050405020304" pitchFamily="18" charset="0"/>
+              <a:cs typeface="Times New Roman" panose="02020603050405020304" pitchFamily="18" charset="0"/>
+            </a:endParaRPr>
+          </a:p>
+          <a:p>
+            <a:r>
+              <a:rPr lang="en-MY" sz="2800" dirty="0">
+                <a:solidFill>
+                  <a:schemeClr val="bg1"/>
+                </a:solidFill>
+                <a:latin typeface="Times New Roman" panose="02020603050405020304" pitchFamily="18" charset="0"/>
+                <a:cs typeface="Times New Roman" panose="02020603050405020304" pitchFamily="18" charset="0"/>
+              </a:rPr>
+              <a:t>Cronbach’s alpha (0.8158) (Good Consistency)</a:t>
+            </a:r>
+          </a:p>
+          <a:p>
+            <a:r>
+              <a:rPr lang="en-MY" sz="2800" dirty="0">
+                <a:solidFill>
+                  <a:schemeClr val="bg1"/>
+                </a:solidFill>
+                <a:latin typeface="Times New Roman" panose="02020603050405020304" pitchFamily="18" charset="0"/>
+                <a:cs typeface="Times New Roman" panose="02020603050405020304" pitchFamily="18" charset="0"/>
+              </a:rPr>
+              <a:t>KMO ( 0.8006 ) ( adequate )</a:t>
+            </a:r>
+          </a:p>
+          <a:p>
+            <a:r>
+              <a:rPr lang="en-MY" sz="2800" dirty="0" err="1">
+                <a:solidFill>
+                  <a:schemeClr val="bg1"/>
+                </a:solidFill>
+                <a:latin typeface="Times New Roman" panose="02020603050405020304" pitchFamily="18" charset="0"/>
+                <a:cs typeface="Times New Roman" panose="02020603050405020304" pitchFamily="18" charset="0"/>
+              </a:rPr>
+              <a:t>Barlett’s</a:t>
+            </a:r>
+            <a:r>
+              <a:rPr lang="en-MY" sz="2800" dirty="0">
+                <a:solidFill>
+                  <a:schemeClr val="bg1"/>
+                </a:solidFill>
+                <a:latin typeface="Times New Roman" panose="02020603050405020304" pitchFamily="18" charset="0"/>
+                <a:cs typeface="Times New Roman" panose="02020603050405020304" pitchFamily="18" charset="0"/>
+              </a:rPr>
+              <a:t> Test ( 2.7514e-58 ) ( significant )</a:t>
+            </a:r>
+            <a:endParaRPr lang="en-MY" sz="3200" dirty="0">
+              <a:solidFill>
+                <a:schemeClr val="bg1"/>
+              </a:solidFill>
+              <a:latin typeface="Times New Roman" panose="02020603050405020304" pitchFamily="18" charset="0"/>
+              <a:cs typeface="Times New Roman" panose="02020603050405020304" pitchFamily="18" charset="0"/>
+            </a:endParaRPr>
+          </a:p>
+        </p:txBody>
+      </p:sp>
+      <p:pic>
+        <p:nvPicPr>
+          <p:cNvPr id="7" name="Content Placeholder 6" descr="Table&#10;&#10;Description automatically generated with low confidence">
+            <a:extLst>
+              <a:ext uri="{FF2B5EF4-FFF2-40B4-BE49-F238E27FC236}">
+                <a16:creationId xmlns:a16="http://schemas.microsoft.com/office/drawing/2014/main" id="{AF00AEDE-E1FF-1947-9973-D60597CD5705}"/>
+              </a:ext>
+            </a:extLst>
+          </p:cNvPr>
+          <p:cNvPicPr>
+            <a:picLocks noGrp="1" noChangeAspect="1"/>
+          </p:cNvPicPr>
+          <p:nvPr>
+            <p:ph idx="1"/>
+          </p:nvPr>
+        </p:nvPicPr>
+        <p:blipFill>
+          <a:blip r:embed="rId3"/>
+          <a:stretch>
+            <a:fillRect/>
+          </a:stretch>
+        </p:blipFill>
+        <p:spPr>
+          <a:xfrm>
+            <a:off x="533910" y="3559123"/>
+            <a:ext cx="11189483" cy="2677655"/>
+          </a:xfrm>
+        </p:spPr>
+      </p:pic>
+    </p:spTree>
+    <p:extLst>
+      <p:ext uri="{BB962C8B-B14F-4D97-AF65-F5344CB8AC3E}">
+        <p14:creationId xmlns:p14="http://schemas.microsoft.com/office/powerpoint/2010/main" val="1887633472"/>
       </p:ext>
     </p:extLst>
   </p:cSld>
@@ -13796,6 +15626,1652 @@
     <p:extLst>
       <p:ext uri="{BB962C8B-B14F-4D97-AF65-F5344CB8AC3E}">
         <p14:creationId xmlns:p14="http://schemas.microsoft.com/office/powerpoint/2010/main" val="3122935008"/>
+      </p:ext>
+    </p:extLst>
+  </p:cSld>
+  <p:clrMapOvr>
+    <a:masterClrMapping/>
+  </p:clrMapOvr>
+</p:sld>
+</file>
+
+<file path=ppt/slides/slide40.xml><?xml version="1.0" encoding="utf-8"?>
+<p:sld xmlns:a="http://schemas.openxmlformats.org/drawingml/2006/main" xmlns:r="http://schemas.openxmlformats.org/officeDocument/2006/relationships" xmlns:p="http://schemas.openxmlformats.org/presentationml/2006/main" showMasterSp="0">
+  <p:cSld>
+    <p:bg>
+      <p:bgPr>
+        <a:solidFill>
+          <a:schemeClr val="tx1"/>
+        </a:solidFill>
+        <a:effectLst/>
+      </p:bgPr>
+    </p:bg>
+    <p:spTree>
+      <p:nvGrpSpPr>
+        <p:cNvPr id="1" name=""/>
+        <p:cNvGrpSpPr/>
+        <p:nvPr/>
+      </p:nvGrpSpPr>
+      <p:grpSpPr>
+        <a:xfrm>
+          <a:off x="0" y="0"/>
+          <a:ext cx="0" cy="0"/>
+          <a:chOff x="0" y="0"/>
+          <a:chExt cx="0" cy="0"/>
+        </a:xfrm>
+      </p:grpSpPr>
+      <p:sp>
+        <p:nvSpPr>
+          <p:cNvPr id="2" name="Title 1">
+            <a:extLst>
+              <a:ext uri="{FF2B5EF4-FFF2-40B4-BE49-F238E27FC236}">
+                <a16:creationId xmlns:a16="http://schemas.microsoft.com/office/drawing/2014/main" id="{F376363F-57CB-7C46-8D30-6997A8CB848E}"/>
+              </a:ext>
+            </a:extLst>
+          </p:cNvPr>
+          <p:cNvSpPr>
+            <a:spLocks noGrp="1"/>
+          </p:cNvSpPr>
+          <p:nvPr>
+            <p:ph type="title"/>
+          </p:nvPr>
+        </p:nvSpPr>
+        <p:spPr>
+          <a:xfrm>
+            <a:off x="-139486" y="293771"/>
+            <a:ext cx="5346915" cy="1477328"/>
+          </a:xfrm>
+        </p:spPr>
+        <p:txBody>
+          <a:bodyPr/>
+          <a:lstStyle/>
+          <a:p>
+            <a:pPr algn="ctr"/>
+            <a:r>
+              <a:rPr lang="en-US" b="1" dirty="0">
+                <a:solidFill>
+                  <a:schemeClr val="bg1"/>
+                </a:solidFill>
+                <a:latin typeface="Times New Roman" panose="02020603050405020304" pitchFamily="18" charset="0"/>
+                <a:cs typeface="Times New Roman" panose="02020603050405020304" pitchFamily="18" charset="0"/>
+              </a:rPr>
+              <a:t>PCA</a:t>
+            </a:r>
+            <a:br>
+              <a:rPr lang="en-US" b="1" dirty="0">
+                <a:solidFill>
+                  <a:schemeClr val="bg1"/>
+                </a:solidFill>
+                <a:latin typeface="Times New Roman" panose="02020603050405020304" pitchFamily="18" charset="0"/>
+                <a:cs typeface="Times New Roman" panose="02020603050405020304" pitchFamily="18" charset="0"/>
+              </a:rPr>
+            </a:br>
+            <a:r>
+              <a:rPr lang="en-US" b="1" dirty="0">
+                <a:solidFill>
+                  <a:schemeClr val="bg1"/>
+                </a:solidFill>
+                <a:latin typeface="Times New Roman" panose="02020603050405020304" pitchFamily="18" charset="0"/>
+                <a:cs typeface="Times New Roman" panose="02020603050405020304" pitchFamily="18" charset="0"/>
+              </a:rPr>
+              <a:t>Survey Q4</a:t>
+            </a:r>
+            <a:br>
+              <a:rPr lang="en-US" b="1" dirty="0">
+                <a:solidFill>
+                  <a:schemeClr val="bg1"/>
+                </a:solidFill>
+                <a:latin typeface="Times New Roman" panose="02020603050405020304" pitchFamily="18" charset="0"/>
+                <a:cs typeface="Times New Roman" panose="02020603050405020304" pitchFamily="18" charset="0"/>
+              </a:rPr>
+            </a:br>
+            <a:endParaRPr lang="en-US" b="1" dirty="0">
+              <a:solidFill>
+                <a:schemeClr val="bg1"/>
+              </a:solidFill>
+              <a:latin typeface="Times New Roman" panose="02020603050405020304" pitchFamily="18" charset="0"/>
+              <a:cs typeface="Times New Roman" panose="02020603050405020304" pitchFamily="18" charset="0"/>
+            </a:endParaRPr>
+          </a:p>
+        </p:txBody>
+      </p:sp>
+      <p:sp>
+        <p:nvSpPr>
+          <p:cNvPr id="6" name="Rectangle 5">
+            <a:extLst>
+              <a:ext uri="{FF2B5EF4-FFF2-40B4-BE49-F238E27FC236}">
+                <a16:creationId xmlns:a16="http://schemas.microsoft.com/office/drawing/2014/main" id="{B335D236-8F50-8C4C-8D59-BEC353129962}"/>
+              </a:ext>
+            </a:extLst>
+          </p:cNvPr>
+          <p:cNvSpPr/>
+          <p:nvPr/>
+        </p:nvSpPr>
+        <p:spPr>
+          <a:xfrm>
+            <a:off x="4411362" y="339569"/>
+            <a:ext cx="7035925" cy="1569660"/>
+          </a:xfrm>
+          <a:prstGeom prst="rect">
+            <a:avLst/>
+          </a:prstGeom>
+        </p:spPr>
+        <p:txBody>
+          <a:bodyPr wrap="square">
+            <a:spAutoFit/>
+          </a:bodyPr>
+          <a:lstStyle/>
+          <a:p>
+            <a:r>
+              <a:rPr lang="en-MY" sz="3200" dirty="0">
+                <a:solidFill>
+                  <a:schemeClr val="bg1"/>
+                </a:solidFill>
+                <a:latin typeface="Times New Roman" panose="02020603050405020304" pitchFamily="18" charset="0"/>
+                <a:cs typeface="Times New Roman" panose="02020603050405020304" pitchFamily="18" charset="0"/>
+              </a:rPr>
+              <a:t>Two Principle Components Explained 73.28% of the Variance. </a:t>
+            </a:r>
+          </a:p>
+          <a:p>
+            <a:endParaRPr lang="en-MY" sz="3200" dirty="0">
+              <a:solidFill>
+                <a:schemeClr val="bg1"/>
+              </a:solidFill>
+              <a:latin typeface="Times New Roman" panose="02020603050405020304" pitchFamily="18" charset="0"/>
+              <a:cs typeface="Times New Roman" panose="02020603050405020304" pitchFamily="18" charset="0"/>
+            </a:endParaRPr>
+          </a:p>
+        </p:txBody>
+      </p:sp>
+      <p:sp>
+        <p:nvSpPr>
+          <p:cNvPr id="4" name="Content Placeholder 3">
+            <a:extLst>
+              <a:ext uri="{FF2B5EF4-FFF2-40B4-BE49-F238E27FC236}">
+                <a16:creationId xmlns:a16="http://schemas.microsoft.com/office/drawing/2014/main" id="{ED6974DE-F708-7940-8EC6-C3420418C130}"/>
+              </a:ext>
+            </a:extLst>
+          </p:cNvPr>
+          <p:cNvSpPr>
+            <a:spLocks noGrp="1"/>
+          </p:cNvSpPr>
+          <p:nvPr>
+            <p:ph idx="1"/>
+          </p:nvPr>
+        </p:nvSpPr>
+        <p:spPr>
+          <a:xfrm>
+            <a:off x="573438" y="1790193"/>
+            <a:ext cx="11329260" cy="1638807"/>
+          </a:xfrm>
+        </p:spPr>
+        <p:txBody>
+          <a:bodyPr>
+            <a:normAutofit fontScale="92500" lnSpcReduction="20000"/>
+          </a:bodyPr>
+          <a:lstStyle/>
+          <a:p>
+            <a:r>
+              <a:rPr lang="en-US" sz="2500" dirty="0">
+                <a:solidFill>
+                  <a:schemeClr val="bg1">
+                    <a:alpha val="58000"/>
+                  </a:schemeClr>
+                </a:solidFill>
+                <a:latin typeface="Times New Roman" panose="02020603050405020304" pitchFamily="18" charset="0"/>
+                <a:cs typeface="Times New Roman" panose="02020603050405020304" pitchFamily="18" charset="0"/>
+              </a:rPr>
+              <a:t>PC1 explained 58.84% of the variance  - Person with High Value for PC1 will have </a:t>
+            </a:r>
+            <a:r>
+              <a:rPr lang="en-US" sz="2500" dirty="0">
+                <a:solidFill>
+                  <a:srgbClr val="FF0000">
+                    <a:alpha val="58000"/>
+                  </a:srgbClr>
+                </a:solidFill>
+                <a:latin typeface="Times New Roman" panose="02020603050405020304" pitchFamily="18" charset="0"/>
+                <a:cs typeface="Times New Roman" panose="02020603050405020304" pitchFamily="18" charset="0"/>
+              </a:rPr>
+              <a:t>low</a:t>
+            </a:r>
+            <a:r>
+              <a:rPr lang="en-US" sz="2500" dirty="0">
+                <a:solidFill>
+                  <a:schemeClr val="bg1">
+                    <a:alpha val="58000"/>
+                  </a:schemeClr>
+                </a:solidFill>
+                <a:latin typeface="Times New Roman" panose="02020603050405020304" pitchFamily="18" charset="0"/>
+                <a:cs typeface="Times New Roman" panose="02020603050405020304" pitchFamily="18" charset="0"/>
+              </a:rPr>
+              <a:t> </a:t>
+            </a:r>
+            <a:r>
+              <a:rPr lang="en-US" sz="2500" dirty="0">
+                <a:solidFill>
+                  <a:srgbClr val="FF0000">
+                    <a:alpha val="58000"/>
+                  </a:srgbClr>
+                </a:solidFill>
+                <a:latin typeface="Times New Roman" panose="02020603050405020304" pitchFamily="18" charset="0"/>
+                <a:cs typeface="Times New Roman" panose="02020603050405020304" pitchFamily="18" charset="0"/>
+              </a:rPr>
+              <a:t>Q1 (0.5567) and low Q3 (0.4819 )</a:t>
+            </a:r>
+          </a:p>
+          <a:p>
+            <a:r>
+              <a:rPr lang="en-US" sz="2500" dirty="0">
+                <a:solidFill>
+                  <a:schemeClr val="bg1">
+                    <a:alpha val="58000"/>
+                  </a:schemeClr>
+                </a:solidFill>
+                <a:latin typeface="Times New Roman" panose="02020603050405020304" pitchFamily="18" charset="0"/>
+                <a:cs typeface="Times New Roman" panose="02020603050405020304" pitchFamily="18" charset="0"/>
+              </a:rPr>
+              <a:t>PC2 explained 14.44% of the variance – Person with High Value for PC2 will have </a:t>
+            </a:r>
+            <a:r>
+              <a:rPr lang="en-US" sz="2500" dirty="0">
+                <a:solidFill>
+                  <a:srgbClr val="FF0000">
+                    <a:alpha val="58000"/>
+                  </a:srgbClr>
+                </a:solidFill>
+                <a:latin typeface="Times New Roman" panose="02020603050405020304" pitchFamily="18" charset="0"/>
+                <a:cs typeface="Times New Roman" panose="02020603050405020304" pitchFamily="18" charset="0"/>
+              </a:rPr>
+              <a:t>high</a:t>
+            </a:r>
+            <a:r>
+              <a:rPr lang="en-US" sz="2500" dirty="0">
+                <a:solidFill>
+                  <a:schemeClr val="bg1">
+                    <a:alpha val="58000"/>
+                  </a:schemeClr>
+                </a:solidFill>
+                <a:latin typeface="Times New Roman" panose="02020603050405020304" pitchFamily="18" charset="0"/>
+                <a:cs typeface="Times New Roman" panose="02020603050405020304" pitchFamily="18" charset="0"/>
+              </a:rPr>
+              <a:t> </a:t>
+            </a:r>
+            <a:r>
+              <a:rPr lang="en-US" sz="2500" dirty="0">
+                <a:solidFill>
+                  <a:srgbClr val="FF0000">
+                    <a:alpha val="58000"/>
+                  </a:srgbClr>
+                </a:solidFill>
+                <a:latin typeface="Times New Roman" panose="02020603050405020304" pitchFamily="18" charset="0"/>
+                <a:cs typeface="Times New Roman" panose="02020603050405020304" pitchFamily="18" charset="0"/>
+              </a:rPr>
+              <a:t>Q5 ( 0.3725 ) and low Q4 ( 0.4244 )</a:t>
+            </a:r>
+          </a:p>
+        </p:txBody>
+      </p:sp>
+      <p:pic>
+        <p:nvPicPr>
+          <p:cNvPr id="8" name="Picture 7" descr="Graphical user interface, application&#10;&#10;Description automatically generated">
+            <a:extLst>
+              <a:ext uri="{FF2B5EF4-FFF2-40B4-BE49-F238E27FC236}">
+                <a16:creationId xmlns:a16="http://schemas.microsoft.com/office/drawing/2014/main" id="{42AD645C-1DF5-064C-95CF-4CB7381C3AA2}"/>
+              </a:ext>
+            </a:extLst>
+          </p:cNvPr>
+          <p:cNvPicPr>
+            <a:picLocks noChangeAspect="1"/>
+          </p:cNvPicPr>
+          <p:nvPr/>
+        </p:nvPicPr>
+        <p:blipFill>
+          <a:blip r:embed="rId3"/>
+          <a:stretch>
+            <a:fillRect/>
+          </a:stretch>
+        </p:blipFill>
+        <p:spPr>
+          <a:xfrm>
+            <a:off x="0" y="3806723"/>
+            <a:ext cx="12086765" cy="2576147"/>
+          </a:xfrm>
+          <a:prstGeom prst="rect">
+            <a:avLst/>
+          </a:prstGeom>
+        </p:spPr>
+      </p:pic>
+    </p:spTree>
+    <p:extLst>
+      <p:ext uri="{BB962C8B-B14F-4D97-AF65-F5344CB8AC3E}">
+        <p14:creationId xmlns:p14="http://schemas.microsoft.com/office/powerpoint/2010/main" val="2753591096"/>
+      </p:ext>
+    </p:extLst>
+  </p:cSld>
+  <p:clrMapOvr>
+    <a:masterClrMapping/>
+  </p:clrMapOvr>
+</p:sld>
+</file>
+
+<file path=ppt/slides/slide41.xml><?xml version="1.0" encoding="utf-8"?>
+<p:sld xmlns:a="http://schemas.openxmlformats.org/drawingml/2006/main" xmlns:r="http://schemas.openxmlformats.org/officeDocument/2006/relationships" xmlns:p="http://schemas.openxmlformats.org/presentationml/2006/main" showMasterSp="0">
+  <p:cSld>
+    <p:bg>
+      <p:bgPr>
+        <a:solidFill>
+          <a:schemeClr val="tx1"/>
+        </a:solidFill>
+        <a:effectLst/>
+      </p:bgPr>
+    </p:bg>
+    <p:spTree>
+      <p:nvGrpSpPr>
+        <p:cNvPr id="1" name=""/>
+        <p:cNvGrpSpPr/>
+        <p:nvPr/>
+      </p:nvGrpSpPr>
+      <p:grpSpPr>
+        <a:xfrm>
+          <a:off x="0" y="0"/>
+          <a:ext cx="0" cy="0"/>
+          <a:chOff x="0" y="0"/>
+          <a:chExt cx="0" cy="0"/>
+        </a:xfrm>
+      </p:grpSpPr>
+      <p:sp>
+        <p:nvSpPr>
+          <p:cNvPr id="2" name="Title 1">
+            <a:extLst>
+              <a:ext uri="{FF2B5EF4-FFF2-40B4-BE49-F238E27FC236}">
+                <a16:creationId xmlns:a16="http://schemas.microsoft.com/office/drawing/2014/main" id="{F376363F-57CB-7C46-8D30-6997A8CB848E}"/>
+              </a:ext>
+            </a:extLst>
+          </p:cNvPr>
+          <p:cNvSpPr>
+            <a:spLocks noGrp="1"/>
+          </p:cNvSpPr>
+          <p:nvPr>
+            <p:ph type="title"/>
+          </p:nvPr>
+        </p:nvSpPr>
+        <p:spPr>
+          <a:xfrm>
+            <a:off x="3422541" y="285288"/>
+            <a:ext cx="5346915" cy="1477328"/>
+          </a:xfrm>
+        </p:spPr>
+        <p:txBody>
+          <a:bodyPr/>
+          <a:lstStyle/>
+          <a:p>
+            <a:pPr algn="ctr"/>
+            <a:r>
+              <a:rPr lang="en-US" b="1" dirty="0">
+                <a:solidFill>
+                  <a:schemeClr val="bg1"/>
+                </a:solidFill>
+                <a:latin typeface="Times New Roman" panose="02020603050405020304" pitchFamily="18" charset="0"/>
+                <a:cs typeface="Times New Roman" panose="02020603050405020304" pitchFamily="18" charset="0"/>
+              </a:rPr>
+              <a:t>PCA</a:t>
+            </a:r>
+            <a:br>
+              <a:rPr lang="en-US" b="1" dirty="0">
+                <a:solidFill>
+                  <a:schemeClr val="bg1"/>
+                </a:solidFill>
+                <a:latin typeface="Times New Roman" panose="02020603050405020304" pitchFamily="18" charset="0"/>
+                <a:cs typeface="Times New Roman" panose="02020603050405020304" pitchFamily="18" charset="0"/>
+              </a:rPr>
+            </a:br>
+            <a:r>
+              <a:rPr lang="en-US" b="1" dirty="0">
+                <a:solidFill>
+                  <a:schemeClr val="bg1"/>
+                </a:solidFill>
+                <a:latin typeface="Times New Roman" panose="02020603050405020304" pitchFamily="18" charset="0"/>
+                <a:cs typeface="Times New Roman" panose="02020603050405020304" pitchFamily="18" charset="0"/>
+              </a:rPr>
+              <a:t>Survey Q4</a:t>
+            </a:r>
+          </a:p>
+        </p:txBody>
+      </p:sp>
+      <p:sp>
+        <p:nvSpPr>
+          <p:cNvPr id="5" name="Rectangle 4">
+            <a:extLst>
+              <a:ext uri="{FF2B5EF4-FFF2-40B4-BE49-F238E27FC236}">
+                <a16:creationId xmlns:a16="http://schemas.microsoft.com/office/drawing/2014/main" id="{BD8B4206-4A29-2148-B4B7-602E621F85F8}"/>
+              </a:ext>
+            </a:extLst>
+          </p:cNvPr>
+          <p:cNvSpPr/>
+          <p:nvPr/>
+        </p:nvSpPr>
+        <p:spPr>
+          <a:xfrm>
+            <a:off x="359573" y="3164681"/>
+            <a:ext cx="11279653" cy="2893100"/>
+          </a:xfrm>
+          <a:prstGeom prst="rect">
+            <a:avLst/>
+          </a:prstGeom>
+        </p:spPr>
+        <p:txBody>
+          <a:bodyPr wrap="square">
+            <a:spAutoFit/>
+          </a:bodyPr>
+          <a:lstStyle/>
+          <a:p>
+            <a:r>
+              <a:rPr lang="en-MY" sz="2600" b="1" dirty="0">
+                <a:solidFill>
+                  <a:schemeClr val="bg1"/>
+                </a:solidFill>
+                <a:latin typeface="Times New Roman" panose="02020603050405020304" pitchFamily="18" charset="0"/>
+                <a:cs typeface="Times New Roman" panose="02020603050405020304" pitchFamily="18" charset="0"/>
+              </a:rPr>
+              <a:t>Interpretation: </a:t>
+            </a:r>
+            <a:r>
+              <a:rPr lang="en-MY" sz="2600" dirty="0">
+                <a:solidFill>
+                  <a:srgbClr val="000000"/>
+                </a:solidFill>
+                <a:latin typeface="Times New Roman" panose="02020603050405020304" pitchFamily="18" charset="0"/>
+                <a:cs typeface="Times New Roman" panose="02020603050405020304" pitchFamily="18" charset="0"/>
+              </a:rPr>
+              <a:t>Q4_Q4_1 </a:t>
+            </a:r>
+            <a:r>
+              <a:rPr lang="en-MY" sz="2600" dirty="0">
+                <a:solidFill>
+                  <a:schemeClr val="bg1"/>
+                </a:solidFill>
+                <a:latin typeface="Times New Roman" panose="02020603050405020304" pitchFamily="18" charset="0"/>
+                <a:cs typeface="Times New Roman" panose="02020603050405020304" pitchFamily="18" charset="0"/>
+              </a:rPr>
+              <a:t>[ Q1 ] </a:t>
+            </a:r>
+            <a:r>
+              <a:rPr lang="en-MY" sz="2600" dirty="0">
+                <a:solidFill>
+                  <a:srgbClr val="000000"/>
+                </a:solidFill>
+                <a:latin typeface="Times New Roman" panose="02020603050405020304" pitchFamily="18" charset="0"/>
+                <a:cs typeface="Times New Roman" panose="02020603050405020304" pitchFamily="18" charset="0"/>
+              </a:rPr>
+              <a:t>is ‘I create diagrams that map concepts, facts, and relationships between components</a:t>
+            </a:r>
+            <a:r>
+              <a:rPr lang="en-MY" sz="2600" b="1" dirty="0">
+                <a:solidFill>
+                  <a:schemeClr val="bg2"/>
+                </a:solidFill>
+                <a:latin typeface="Times New Roman" panose="02020603050405020304" pitchFamily="18" charset="0"/>
+                <a:cs typeface="Times New Roman" panose="02020603050405020304" pitchFamily="18" charset="0"/>
+              </a:rPr>
+              <a:t>’ </a:t>
+            </a:r>
+            <a:r>
+              <a:rPr lang="en-MY" sz="2600" b="1" dirty="0">
+                <a:solidFill>
+                  <a:srgbClr val="FF0000"/>
+                </a:solidFill>
+                <a:latin typeface="Times New Roman" panose="02020603050405020304" pitchFamily="18" charset="0"/>
+                <a:cs typeface="Times New Roman" panose="02020603050405020304" pitchFamily="18" charset="0"/>
+              </a:rPr>
+              <a:t>[ most important ] </a:t>
+            </a:r>
+          </a:p>
+          <a:p>
+            <a:r>
+              <a:rPr lang="en-MY" sz="2600" dirty="0">
+                <a:solidFill>
+                  <a:srgbClr val="000000"/>
+                </a:solidFill>
+                <a:latin typeface="Times New Roman" panose="02020603050405020304" pitchFamily="18" charset="0"/>
+                <a:cs typeface="Times New Roman" panose="02020603050405020304" pitchFamily="18" charset="0"/>
+              </a:rPr>
+              <a:t>Q4_Q4_3 [ Q3 ] is ‘I draw diagrams that show relationships between concepts’ </a:t>
+            </a:r>
+            <a:r>
+              <a:rPr lang="en-MY" sz="2600" b="1" dirty="0">
+                <a:solidFill>
+                  <a:srgbClr val="FF0000"/>
+                </a:solidFill>
+                <a:latin typeface="Times New Roman" panose="02020603050405020304" pitchFamily="18" charset="0"/>
+                <a:cs typeface="Times New Roman" panose="02020603050405020304" pitchFamily="18" charset="0"/>
+              </a:rPr>
+              <a:t>[ 2</a:t>
+            </a:r>
+            <a:r>
+              <a:rPr lang="en-MY" sz="2600" b="1" baseline="30000" dirty="0">
+                <a:solidFill>
+                  <a:srgbClr val="FF0000"/>
+                </a:solidFill>
+                <a:latin typeface="Times New Roman" panose="02020603050405020304" pitchFamily="18" charset="0"/>
+                <a:cs typeface="Times New Roman" panose="02020603050405020304" pitchFamily="18" charset="0"/>
+              </a:rPr>
+              <a:t>nd</a:t>
+            </a:r>
+            <a:r>
+              <a:rPr lang="en-MY" sz="2600" b="1" dirty="0">
+                <a:solidFill>
+                  <a:srgbClr val="FF0000"/>
+                </a:solidFill>
+                <a:latin typeface="Times New Roman" panose="02020603050405020304" pitchFamily="18" charset="0"/>
+                <a:cs typeface="Times New Roman" panose="02020603050405020304" pitchFamily="18" charset="0"/>
+              </a:rPr>
+              <a:t>  important ] </a:t>
+            </a:r>
+          </a:p>
+          <a:p>
+            <a:r>
+              <a:rPr lang="en-MY" sz="2600" dirty="0">
+                <a:solidFill>
+                  <a:srgbClr val="000000"/>
+                </a:solidFill>
+                <a:latin typeface="Times New Roman" panose="02020603050405020304" pitchFamily="18" charset="0"/>
+                <a:cs typeface="Times New Roman" panose="02020603050405020304" pitchFamily="18" charset="0"/>
+              </a:rPr>
+              <a:t>Q4_Q4_5 [ Q5 ] is ‘I create diagrams to understand complexity’ </a:t>
+            </a:r>
+            <a:r>
+              <a:rPr lang="en-MY" sz="2600" b="1" dirty="0">
+                <a:solidFill>
+                  <a:srgbClr val="FF0000"/>
+                </a:solidFill>
+                <a:latin typeface="Times New Roman" panose="02020603050405020304" pitchFamily="18" charset="0"/>
+                <a:cs typeface="Times New Roman" panose="02020603050405020304" pitchFamily="18" charset="0"/>
+              </a:rPr>
+              <a:t>[ 3</a:t>
+            </a:r>
+            <a:r>
+              <a:rPr lang="en-MY" sz="2600" b="1" baseline="30000" dirty="0">
+                <a:solidFill>
+                  <a:srgbClr val="FF0000"/>
+                </a:solidFill>
+                <a:latin typeface="Times New Roman" panose="02020603050405020304" pitchFamily="18" charset="0"/>
+                <a:cs typeface="Times New Roman" panose="02020603050405020304" pitchFamily="18" charset="0"/>
+              </a:rPr>
+              <a:t>rd</a:t>
+            </a:r>
+            <a:r>
+              <a:rPr lang="en-MY" sz="2600" b="1" dirty="0">
+                <a:solidFill>
+                  <a:srgbClr val="FF0000"/>
+                </a:solidFill>
+                <a:latin typeface="Times New Roman" panose="02020603050405020304" pitchFamily="18" charset="0"/>
+                <a:cs typeface="Times New Roman" panose="02020603050405020304" pitchFamily="18" charset="0"/>
+              </a:rPr>
+              <a:t> important ] </a:t>
+            </a:r>
+          </a:p>
+          <a:p>
+            <a:r>
+              <a:rPr lang="en-MY" sz="2600" dirty="0">
+                <a:solidFill>
+                  <a:schemeClr val="bg1"/>
+                </a:solidFill>
+                <a:latin typeface="Times New Roman" panose="02020603050405020304" pitchFamily="18" charset="0"/>
+                <a:cs typeface="Times New Roman" panose="02020603050405020304" pitchFamily="18" charset="0"/>
+              </a:rPr>
+              <a:t>Q4_Q4_4 [ Q4 ] is  ‘I map out components and their attributes’ </a:t>
+            </a:r>
+            <a:r>
+              <a:rPr lang="en-MY" sz="2600" b="1" dirty="0">
+                <a:solidFill>
+                  <a:srgbClr val="FF0000"/>
+                </a:solidFill>
+                <a:latin typeface="Times New Roman" panose="02020603050405020304" pitchFamily="18" charset="0"/>
+                <a:cs typeface="Times New Roman" panose="02020603050405020304" pitchFamily="18" charset="0"/>
+              </a:rPr>
+              <a:t>[ 4</a:t>
+            </a:r>
+            <a:r>
+              <a:rPr lang="en-MY" sz="2600" b="1" baseline="30000" dirty="0">
+                <a:solidFill>
+                  <a:srgbClr val="FF0000"/>
+                </a:solidFill>
+                <a:latin typeface="Times New Roman" panose="02020603050405020304" pitchFamily="18" charset="0"/>
+                <a:cs typeface="Times New Roman" panose="02020603050405020304" pitchFamily="18" charset="0"/>
+              </a:rPr>
+              <a:t>th</a:t>
+            </a:r>
+            <a:r>
+              <a:rPr lang="en-MY" sz="2600" b="1" dirty="0">
+                <a:solidFill>
+                  <a:srgbClr val="FF0000"/>
+                </a:solidFill>
+                <a:latin typeface="Times New Roman" panose="02020603050405020304" pitchFamily="18" charset="0"/>
+                <a:cs typeface="Times New Roman" panose="02020603050405020304" pitchFamily="18" charset="0"/>
+              </a:rPr>
+              <a:t>  important ] </a:t>
+            </a:r>
+          </a:p>
+          <a:p>
+            <a:endParaRPr lang="en-MY" sz="2600" b="1" i="0" dirty="0">
+              <a:solidFill>
+                <a:srgbClr val="FF0000"/>
+              </a:solidFill>
+              <a:effectLst/>
+              <a:latin typeface="Times New Roman" panose="02020603050405020304" pitchFamily="18" charset="0"/>
+              <a:cs typeface="Times New Roman" panose="02020603050405020304" pitchFamily="18" charset="0"/>
+            </a:endParaRPr>
+          </a:p>
+        </p:txBody>
+      </p:sp>
+      <p:pic>
+        <p:nvPicPr>
+          <p:cNvPr id="6" name="Picture 5">
+            <a:extLst>
+              <a:ext uri="{FF2B5EF4-FFF2-40B4-BE49-F238E27FC236}">
+                <a16:creationId xmlns:a16="http://schemas.microsoft.com/office/drawing/2014/main" id="{96BC910B-EE45-AF4E-936F-AC4999E65265}"/>
+              </a:ext>
+            </a:extLst>
+          </p:cNvPr>
+          <p:cNvPicPr>
+            <a:picLocks noChangeAspect="1"/>
+          </p:cNvPicPr>
+          <p:nvPr/>
+        </p:nvPicPr>
+        <p:blipFill>
+          <a:blip r:embed="rId3"/>
+          <a:stretch>
+            <a:fillRect/>
+          </a:stretch>
+        </p:blipFill>
+        <p:spPr>
+          <a:xfrm>
+            <a:off x="359574" y="1647811"/>
+            <a:ext cx="11472852" cy="1301857"/>
+          </a:xfrm>
+          <a:prstGeom prst="rect">
+            <a:avLst/>
+          </a:prstGeom>
+        </p:spPr>
+      </p:pic>
+    </p:spTree>
+    <p:extLst>
+      <p:ext uri="{BB962C8B-B14F-4D97-AF65-F5344CB8AC3E}">
+        <p14:creationId xmlns:p14="http://schemas.microsoft.com/office/powerpoint/2010/main" val="1956134133"/>
+      </p:ext>
+    </p:extLst>
+  </p:cSld>
+  <p:clrMapOvr>
+    <a:masterClrMapping/>
+  </p:clrMapOvr>
+</p:sld>
+</file>
+
+<file path=ppt/slides/slide42.xml><?xml version="1.0" encoding="utf-8"?>
+<p:sld xmlns:a="http://schemas.openxmlformats.org/drawingml/2006/main" xmlns:r="http://schemas.openxmlformats.org/officeDocument/2006/relationships" xmlns:p="http://schemas.openxmlformats.org/presentationml/2006/main" showMasterSp="0">
+  <p:cSld>
+    <p:bg>
+      <p:bgPr>
+        <a:solidFill>
+          <a:schemeClr val="tx1"/>
+        </a:solidFill>
+        <a:effectLst/>
+      </p:bgPr>
+    </p:bg>
+    <p:spTree>
+      <p:nvGrpSpPr>
+        <p:cNvPr id="1" name=""/>
+        <p:cNvGrpSpPr/>
+        <p:nvPr/>
+      </p:nvGrpSpPr>
+      <p:grpSpPr>
+        <a:xfrm>
+          <a:off x="0" y="0"/>
+          <a:ext cx="0" cy="0"/>
+          <a:chOff x="0" y="0"/>
+          <a:chExt cx="0" cy="0"/>
+        </a:xfrm>
+      </p:grpSpPr>
+      <p:sp>
+        <p:nvSpPr>
+          <p:cNvPr id="2" name="Title 1">
+            <a:extLst>
+              <a:ext uri="{FF2B5EF4-FFF2-40B4-BE49-F238E27FC236}">
+                <a16:creationId xmlns:a16="http://schemas.microsoft.com/office/drawing/2014/main" id="{F376363F-57CB-7C46-8D30-6997A8CB848E}"/>
+              </a:ext>
+            </a:extLst>
+          </p:cNvPr>
+          <p:cNvSpPr>
+            <a:spLocks noGrp="1"/>
+          </p:cNvSpPr>
+          <p:nvPr>
+            <p:ph type="title"/>
+          </p:nvPr>
+        </p:nvSpPr>
+        <p:spPr>
+          <a:xfrm>
+            <a:off x="-139486" y="293771"/>
+            <a:ext cx="5346915" cy="1798500"/>
+          </a:xfrm>
+        </p:spPr>
+        <p:txBody>
+          <a:bodyPr>
+            <a:normAutofit fontScale="90000"/>
+          </a:bodyPr>
+          <a:lstStyle/>
+          <a:p>
+            <a:pPr algn="ctr"/>
+            <a:r>
+              <a:rPr lang="en-US" b="1" dirty="0">
+                <a:solidFill>
+                  <a:schemeClr val="bg1"/>
+                </a:solidFill>
+                <a:latin typeface="Times New Roman" panose="02020603050405020304" pitchFamily="18" charset="0"/>
+                <a:cs typeface="Times New Roman" panose="02020603050405020304" pitchFamily="18" charset="0"/>
+              </a:rPr>
+              <a:t>PCA</a:t>
+            </a:r>
+            <a:br>
+              <a:rPr lang="en-US" b="1" dirty="0">
+                <a:solidFill>
+                  <a:schemeClr val="bg1"/>
+                </a:solidFill>
+                <a:latin typeface="Times New Roman" panose="02020603050405020304" pitchFamily="18" charset="0"/>
+                <a:cs typeface="Times New Roman" panose="02020603050405020304" pitchFamily="18" charset="0"/>
+              </a:rPr>
+            </a:br>
+            <a:r>
+              <a:rPr lang="en-US" b="1" dirty="0">
+                <a:solidFill>
+                  <a:schemeClr val="bg1"/>
+                </a:solidFill>
+                <a:latin typeface="Times New Roman" panose="02020603050405020304" pitchFamily="18" charset="0"/>
+                <a:cs typeface="Times New Roman" panose="02020603050405020304" pitchFamily="18" charset="0"/>
+              </a:rPr>
+              <a:t>Survey Q5</a:t>
+            </a:r>
+            <a:br>
+              <a:rPr lang="en-US" b="1" dirty="0">
+                <a:solidFill>
+                  <a:schemeClr val="bg1"/>
+                </a:solidFill>
+                <a:latin typeface="Times New Roman" panose="02020603050405020304" pitchFamily="18" charset="0"/>
+                <a:cs typeface="Times New Roman" panose="02020603050405020304" pitchFamily="18" charset="0"/>
+              </a:rPr>
+            </a:br>
+            <a:r>
+              <a:rPr lang="en-US" b="1" dirty="0">
+                <a:solidFill>
+                  <a:schemeClr val="bg1"/>
+                </a:solidFill>
+                <a:latin typeface="Times New Roman" panose="02020603050405020304" pitchFamily="18" charset="0"/>
+                <a:cs typeface="Times New Roman" panose="02020603050405020304" pitchFamily="18" charset="0"/>
+              </a:rPr>
+              <a:t>Individual level absorptive capacity</a:t>
+            </a:r>
+            <a:br>
+              <a:rPr lang="en-US" b="1" dirty="0">
+                <a:solidFill>
+                  <a:schemeClr val="bg1"/>
+                </a:solidFill>
+                <a:latin typeface="Times New Roman" panose="02020603050405020304" pitchFamily="18" charset="0"/>
+                <a:cs typeface="Times New Roman" panose="02020603050405020304" pitchFamily="18" charset="0"/>
+              </a:rPr>
+            </a:br>
+            <a:endParaRPr lang="en-US" b="1" dirty="0">
+              <a:solidFill>
+                <a:schemeClr val="bg1"/>
+              </a:solidFill>
+              <a:latin typeface="Times New Roman" panose="02020603050405020304" pitchFamily="18" charset="0"/>
+              <a:cs typeface="Times New Roman" panose="02020603050405020304" pitchFamily="18" charset="0"/>
+            </a:endParaRPr>
+          </a:p>
+        </p:txBody>
+      </p:sp>
+      <p:sp>
+        <p:nvSpPr>
+          <p:cNvPr id="6" name="Rectangle 5">
+            <a:extLst>
+              <a:ext uri="{FF2B5EF4-FFF2-40B4-BE49-F238E27FC236}">
+                <a16:creationId xmlns:a16="http://schemas.microsoft.com/office/drawing/2014/main" id="{B335D236-8F50-8C4C-8D59-BEC353129962}"/>
+              </a:ext>
+            </a:extLst>
+          </p:cNvPr>
+          <p:cNvSpPr/>
+          <p:nvPr/>
+        </p:nvSpPr>
+        <p:spPr>
+          <a:xfrm>
+            <a:off x="4742481" y="339569"/>
+            <a:ext cx="6704806" cy="3108543"/>
+          </a:xfrm>
+          <a:prstGeom prst="rect">
+            <a:avLst/>
+          </a:prstGeom>
+        </p:spPr>
+        <p:txBody>
+          <a:bodyPr wrap="square">
+            <a:spAutoFit/>
+          </a:bodyPr>
+          <a:lstStyle/>
+          <a:p>
+            <a:r>
+              <a:rPr lang="en-MY" sz="2800" dirty="0">
+                <a:solidFill>
+                  <a:schemeClr val="bg1"/>
+                </a:solidFill>
+                <a:latin typeface="Times New Roman" panose="02020603050405020304" pitchFamily="18" charset="0"/>
+                <a:cs typeface="Times New Roman" panose="02020603050405020304" pitchFamily="18" charset="0"/>
+              </a:rPr>
+              <a:t>How would you describe your technical competencies related to </a:t>
+            </a:r>
+            <a:r>
+              <a:rPr lang="en-MY" sz="2800" dirty="0" err="1">
+                <a:solidFill>
+                  <a:schemeClr val="bg1"/>
+                </a:solidFill>
+                <a:latin typeface="Times New Roman" panose="02020603050405020304" pitchFamily="18" charset="0"/>
+                <a:cs typeface="Times New Roman" panose="02020603050405020304" pitchFamily="18" charset="0"/>
+              </a:rPr>
+              <a:t>IronHack</a:t>
+            </a:r>
+            <a:r>
+              <a:rPr lang="en-MY" sz="2800" dirty="0">
+                <a:solidFill>
+                  <a:schemeClr val="bg1"/>
+                </a:solidFill>
+                <a:latin typeface="Times New Roman" panose="02020603050405020304" pitchFamily="18" charset="0"/>
+                <a:cs typeface="Times New Roman" panose="02020603050405020304" pitchFamily="18" charset="0"/>
+              </a:rPr>
+              <a:t>? </a:t>
+            </a:r>
+          </a:p>
+          <a:p>
+            <a:endParaRPr lang="en-MY" sz="2800" dirty="0">
+              <a:solidFill>
+                <a:schemeClr val="bg1"/>
+              </a:solidFill>
+              <a:latin typeface="Times New Roman" panose="02020603050405020304" pitchFamily="18" charset="0"/>
+              <a:cs typeface="Times New Roman" panose="02020603050405020304" pitchFamily="18" charset="0"/>
+            </a:endParaRPr>
+          </a:p>
+          <a:p>
+            <a:r>
+              <a:rPr lang="en-MY" sz="2800" dirty="0">
+                <a:solidFill>
+                  <a:schemeClr val="bg1"/>
+                </a:solidFill>
+                <a:latin typeface="Times New Roman" panose="02020603050405020304" pitchFamily="18" charset="0"/>
+                <a:cs typeface="Times New Roman" panose="02020603050405020304" pitchFamily="18" charset="0"/>
+              </a:rPr>
+              <a:t>Cronbach’s alpha (0.7834 ) ( acceptable consistency)</a:t>
+            </a:r>
+          </a:p>
+          <a:p>
+            <a:r>
+              <a:rPr lang="en-MY" sz="2800" dirty="0">
+                <a:solidFill>
+                  <a:schemeClr val="bg1"/>
+                </a:solidFill>
+                <a:latin typeface="Times New Roman" panose="02020603050405020304" pitchFamily="18" charset="0"/>
+                <a:cs typeface="Times New Roman" panose="02020603050405020304" pitchFamily="18" charset="0"/>
+              </a:rPr>
+              <a:t>KMO  (0.6526  ) (adequate)</a:t>
+            </a:r>
+          </a:p>
+          <a:p>
+            <a:r>
+              <a:rPr lang="en-MY" sz="2800" dirty="0" err="1">
+                <a:solidFill>
+                  <a:schemeClr val="bg1"/>
+                </a:solidFill>
+                <a:latin typeface="Times New Roman" panose="02020603050405020304" pitchFamily="18" charset="0"/>
+                <a:cs typeface="Times New Roman" panose="02020603050405020304" pitchFamily="18" charset="0"/>
+              </a:rPr>
+              <a:t>Barlett’s</a:t>
+            </a:r>
+            <a:r>
+              <a:rPr lang="en-MY" sz="2800" dirty="0">
+                <a:solidFill>
+                  <a:schemeClr val="bg1"/>
+                </a:solidFill>
+                <a:latin typeface="Times New Roman" panose="02020603050405020304" pitchFamily="18" charset="0"/>
+                <a:cs typeface="Times New Roman" panose="02020603050405020304" pitchFamily="18" charset="0"/>
+              </a:rPr>
+              <a:t> Test (3.955e-61) (significant)</a:t>
+            </a:r>
+            <a:endParaRPr lang="en-MY" sz="3200" dirty="0">
+              <a:solidFill>
+                <a:schemeClr val="bg1"/>
+              </a:solidFill>
+              <a:latin typeface="Times New Roman" panose="02020603050405020304" pitchFamily="18" charset="0"/>
+              <a:cs typeface="Times New Roman" panose="02020603050405020304" pitchFamily="18" charset="0"/>
+            </a:endParaRPr>
+          </a:p>
+        </p:txBody>
+      </p:sp>
+      <p:pic>
+        <p:nvPicPr>
+          <p:cNvPr id="8" name="Content Placeholder 7" descr="Graphical user interface, text, application&#10;&#10;Description automatically generated">
+            <a:extLst>
+              <a:ext uri="{FF2B5EF4-FFF2-40B4-BE49-F238E27FC236}">
+                <a16:creationId xmlns:a16="http://schemas.microsoft.com/office/drawing/2014/main" id="{A7A71EE9-B002-9344-9F8C-8037159816E0}"/>
+              </a:ext>
+            </a:extLst>
+          </p:cNvPr>
+          <p:cNvPicPr>
+            <a:picLocks noGrp="1" noChangeAspect="1"/>
+          </p:cNvPicPr>
+          <p:nvPr>
+            <p:ph idx="1"/>
+          </p:nvPr>
+        </p:nvPicPr>
+        <p:blipFill>
+          <a:blip r:embed="rId3"/>
+          <a:stretch>
+            <a:fillRect/>
+          </a:stretch>
+        </p:blipFill>
+        <p:spPr>
+          <a:xfrm>
+            <a:off x="402957" y="4029559"/>
+            <a:ext cx="11028846" cy="2278252"/>
+          </a:xfrm>
+        </p:spPr>
+      </p:pic>
+    </p:spTree>
+    <p:extLst>
+      <p:ext uri="{BB962C8B-B14F-4D97-AF65-F5344CB8AC3E}">
+        <p14:creationId xmlns:p14="http://schemas.microsoft.com/office/powerpoint/2010/main" val="314098492"/>
+      </p:ext>
+    </p:extLst>
+  </p:cSld>
+  <p:clrMapOvr>
+    <a:masterClrMapping/>
+  </p:clrMapOvr>
+</p:sld>
+</file>
+
+<file path=ppt/slides/slide43.xml><?xml version="1.0" encoding="utf-8"?>
+<p:sld xmlns:a="http://schemas.openxmlformats.org/drawingml/2006/main" xmlns:r="http://schemas.openxmlformats.org/officeDocument/2006/relationships" xmlns:p="http://schemas.openxmlformats.org/presentationml/2006/main" showMasterSp="0">
+  <p:cSld>
+    <p:bg>
+      <p:bgPr>
+        <a:solidFill>
+          <a:schemeClr val="tx1"/>
+        </a:solidFill>
+        <a:effectLst/>
+      </p:bgPr>
+    </p:bg>
+    <p:spTree>
+      <p:nvGrpSpPr>
+        <p:cNvPr id="1" name=""/>
+        <p:cNvGrpSpPr/>
+        <p:nvPr/>
+      </p:nvGrpSpPr>
+      <p:grpSpPr>
+        <a:xfrm>
+          <a:off x="0" y="0"/>
+          <a:ext cx="0" cy="0"/>
+          <a:chOff x="0" y="0"/>
+          <a:chExt cx="0" cy="0"/>
+        </a:xfrm>
+      </p:grpSpPr>
+      <p:sp>
+        <p:nvSpPr>
+          <p:cNvPr id="2" name="Title 1">
+            <a:extLst>
+              <a:ext uri="{FF2B5EF4-FFF2-40B4-BE49-F238E27FC236}">
+                <a16:creationId xmlns:a16="http://schemas.microsoft.com/office/drawing/2014/main" id="{F376363F-57CB-7C46-8D30-6997A8CB848E}"/>
+              </a:ext>
+            </a:extLst>
+          </p:cNvPr>
+          <p:cNvSpPr>
+            <a:spLocks noGrp="1"/>
+          </p:cNvSpPr>
+          <p:nvPr>
+            <p:ph type="title"/>
+          </p:nvPr>
+        </p:nvSpPr>
+        <p:spPr>
+          <a:xfrm>
+            <a:off x="-139486" y="293771"/>
+            <a:ext cx="5346915" cy="1477328"/>
+          </a:xfrm>
+        </p:spPr>
+        <p:txBody>
+          <a:bodyPr/>
+          <a:lstStyle/>
+          <a:p>
+            <a:pPr algn="ctr"/>
+            <a:r>
+              <a:rPr lang="en-US" b="1" dirty="0">
+                <a:solidFill>
+                  <a:schemeClr val="bg1"/>
+                </a:solidFill>
+                <a:latin typeface="Times New Roman" panose="02020603050405020304" pitchFamily="18" charset="0"/>
+                <a:cs typeface="Times New Roman" panose="02020603050405020304" pitchFamily="18" charset="0"/>
+              </a:rPr>
+              <a:t>PCA</a:t>
+            </a:r>
+            <a:br>
+              <a:rPr lang="en-US" b="1" dirty="0">
+                <a:solidFill>
+                  <a:schemeClr val="bg1"/>
+                </a:solidFill>
+                <a:latin typeface="Times New Roman" panose="02020603050405020304" pitchFamily="18" charset="0"/>
+                <a:cs typeface="Times New Roman" panose="02020603050405020304" pitchFamily="18" charset="0"/>
+              </a:rPr>
+            </a:br>
+            <a:r>
+              <a:rPr lang="en-US" b="1" dirty="0">
+                <a:solidFill>
+                  <a:schemeClr val="bg1"/>
+                </a:solidFill>
+                <a:latin typeface="Times New Roman" panose="02020603050405020304" pitchFamily="18" charset="0"/>
+                <a:cs typeface="Times New Roman" panose="02020603050405020304" pitchFamily="18" charset="0"/>
+              </a:rPr>
+              <a:t>Survey Q5</a:t>
+            </a:r>
+            <a:br>
+              <a:rPr lang="en-US" b="1" dirty="0">
+                <a:solidFill>
+                  <a:schemeClr val="bg1"/>
+                </a:solidFill>
+                <a:latin typeface="Times New Roman" panose="02020603050405020304" pitchFamily="18" charset="0"/>
+                <a:cs typeface="Times New Roman" panose="02020603050405020304" pitchFamily="18" charset="0"/>
+              </a:rPr>
+            </a:br>
+            <a:endParaRPr lang="en-US" b="1" dirty="0">
+              <a:solidFill>
+                <a:schemeClr val="bg1"/>
+              </a:solidFill>
+              <a:latin typeface="Times New Roman" panose="02020603050405020304" pitchFamily="18" charset="0"/>
+              <a:cs typeface="Times New Roman" panose="02020603050405020304" pitchFamily="18" charset="0"/>
+            </a:endParaRPr>
+          </a:p>
+        </p:txBody>
+      </p:sp>
+      <p:sp>
+        <p:nvSpPr>
+          <p:cNvPr id="6" name="Rectangle 5">
+            <a:extLst>
+              <a:ext uri="{FF2B5EF4-FFF2-40B4-BE49-F238E27FC236}">
+                <a16:creationId xmlns:a16="http://schemas.microsoft.com/office/drawing/2014/main" id="{B335D236-8F50-8C4C-8D59-BEC353129962}"/>
+              </a:ext>
+            </a:extLst>
+          </p:cNvPr>
+          <p:cNvSpPr/>
+          <p:nvPr/>
+        </p:nvSpPr>
+        <p:spPr>
+          <a:xfrm>
+            <a:off x="4411362" y="339569"/>
+            <a:ext cx="7035925" cy="1569660"/>
+          </a:xfrm>
+          <a:prstGeom prst="rect">
+            <a:avLst/>
+          </a:prstGeom>
+        </p:spPr>
+        <p:txBody>
+          <a:bodyPr wrap="square">
+            <a:spAutoFit/>
+          </a:bodyPr>
+          <a:lstStyle/>
+          <a:p>
+            <a:r>
+              <a:rPr lang="en-MY" sz="3200" dirty="0">
+                <a:solidFill>
+                  <a:schemeClr val="bg1"/>
+                </a:solidFill>
+                <a:latin typeface="Times New Roman" panose="02020603050405020304" pitchFamily="18" charset="0"/>
+                <a:cs typeface="Times New Roman" panose="02020603050405020304" pitchFamily="18" charset="0"/>
+              </a:rPr>
+              <a:t>Two Principle Components Explained 73.28% of the Variance. </a:t>
+            </a:r>
+          </a:p>
+          <a:p>
+            <a:endParaRPr lang="en-MY" sz="3200" dirty="0">
+              <a:solidFill>
+                <a:schemeClr val="bg1"/>
+              </a:solidFill>
+              <a:latin typeface="Times New Roman" panose="02020603050405020304" pitchFamily="18" charset="0"/>
+              <a:cs typeface="Times New Roman" panose="02020603050405020304" pitchFamily="18" charset="0"/>
+            </a:endParaRPr>
+          </a:p>
+        </p:txBody>
+      </p:sp>
+      <p:sp>
+        <p:nvSpPr>
+          <p:cNvPr id="4" name="Content Placeholder 3">
+            <a:extLst>
+              <a:ext uri="{FF2B5EF4-FFF2-40B4-BE49-F238E27FC236}">
+                <a16:creationId xmlns:a16="http://schemas.microsoft.com/office/drawing/2014/main" id="{ED6974DE-F708-7940-8EC6-C3420418C130}"/>
+              </a:ext>
+            </a:extLst>
+          </p:cNvPr>
+          <p:cNvSpPr>
+            <a:spLocks noGrp="1"/>
+          </p:cNvSpPr>
+          <p:nvPr>
+            <p:ph idx="1"/>
+          </p:nvPr>
+        </p:nvSpPr>
+        <p:spPr>
+          <a:xfrm>
+            <a:off x="573438" y="1790193"/>
+            <a:ext cx="11329260" cy="1638807"/>
+          </a:xfrm>
+        </p:spPr>
+        <p:txBody>
+          <a:bodyPr>
+            <a:normAutofit fontScale="92500" lnSpcReduction="20000"/>
+          </a:bodyPr>
+          <a:lstStyle/>
+          <a:p>
+            <a:r>
+              <a:rPr lang="en-US" sz="2500" dirty="0">
+                <a:solidFill>
+                  <a:schemeClr val="bg1">
+                    <a:alpha val="58000"/>
+                  </a:schemeClr>
+                </a:solidFill>
+                <a:latin typeface="Times New Roman" panose="02020603050405020304" pitchFamily="18" charset="0"/>
+                <a:cs typeface="Times New Roman" panose="02020603050405020304" pitchFamily="18" charset="0"/>
+              </a:rPr>
+              <a:t>PC1 explained 58.84% of the variance  - Person with High Value for PC1 will have </a:t>
+            </a:r>
+            <a:r>
+              <a:rPr lang="en-US" sz="2500" dirty="0">
+                <a:solidFill>
+                  <a:srgbClr val="FF0000">
+                    <a:alpha val="58000"/>
+                  </a:srgbClr>
+                </a:solidFill>
+                <a:latin typeface="Times New Roman" panose="02020603050405020304" pitchFamily="18" charset="0"/>
+                <a:cs typeface="Times New Roman" panose="02020603050405020304" pitchFamily="18" charset="0"/>
+              </a:rPr>
+              <a:t>low</a:t>
+            </a:r>
+            <a:r>
+              <a:rPr lang="en-US" sz="2500" dirty="0">
+                <a:solidFill>
+                  <a:schemeClr val="bg1">
+                    <a:alpha val="58000"/>
+                  </a:schemeClr>
+                </a:solidFill>
+                <a:latin typeface="Times New Roman" panose="02020603050405020304" pitchFamily="18" charset="0"/>
+                <a:cs typeface="Times New Roman" panose="02020603050405020304" pitchFamily="18" charset="0"/>
+              </a:rPr>
+              <a:t> </a:t>
+            </a:r>
+            <a:r>
+              <a:rPr lang="en-US" sz="2500" dirty="0">
+                <a:solidFill>
+                  <a:srgbClr val="FF0000">
+                    <a:alpha val="58000"/>
+                  </a:srgbClr>
+                </a:solidFill>
+                <a:latin typeface="Times New Roman" panose="02020603050405020304" pitchFamily="18" charset="0"/>
+                <a:cs typeface="Times New Roman" panose="02020603050405020304" pitchFamily="18" charset="0"/>
+              </a:rPr>
+              <a:t>Q4 (0.6306) and low Q2 (0.5306 ) and low Q1 ( 0.4918 )</a:t>
+            </a:r>
+          </a:p>
+          <a:p>
+            <a:r>
+              <a:rPr lang="en-US" sz="2500" dirty="0">
+                <a:solidFill>
+                  <a:schemeClr val="bg1">
+                    <a:alpha val="58000"/>
+                  </a:schemeClr>
+                </a:solidFill>
+                <a:latin typeface="Times New Roman" panose="02020603050405020304" pitchFamily="18" charset="0"/>
+                <a:cs typeface="Times New Roman" panose="02020603050405020304" pitchFamily="18" charset="0"/>
+              </a:rPr>
+              <a:t>PC2 explained 14.44% of the variance – Person with High Value for PC2 will have </a:t>
+            </a:r>
+            <a:r>
+              <a:rPr lang="en-US" sz="2500" dirty="0">
+                <a:solidFill>
+                  <a:srgbClr val="FF0000">
+                    <a:alpha val="58000"/>
+                  </a:srgbClr>
+                </a:solidFill>
+                <a:latin typeface="Times New Roman" panose="02020603050405020304" pitchFamily="18" charset="0"/>
+                <a:cs typeface="Times New Roman" panose="02020603050405020304" pitchFamily="18" charset="0"/>
+              </a:rPr>
+              <a:t>low</a:t>
+            </a:r>
+            <a:r>
+              <a:rPr lang="en-US" sz="2500" dirty="0">
+                <a:solidFill>
+                  <a:schemeClr val="bg1">
+                    <a:alpha val="58000"/>
+                  </a:schemeClr>
+                </a:solidFill>
+                <a:latin typeface="Times New Roman" panose="02020603050405020304" pitchFamily="18" charset="0"/>
+                <a:cs typeface="Times New Roman" panose="02020603050405020304" pitchFamily="18" charset="0"/>
+              </a:rPr>
+              <a:t> </a:t>
+            </a:r>
+            <a:r>
+              <a:rPr lang="en-US" sz="2500" dirty="0">
+                <a:solidFill>
+                  <a:srgbClr val="FF0000">
+                    <a:alpha val="58000"/>
+                  </a:srgbClr>
+                </a:solidFill>
+                <a:latin typeface="Times New Roman" panose="02020603050405020304" pitchFamily="18" charset="0"/>
+                <a:cs typeface="Times New Roman" panose="02020603050405020304" pitchFamily="18" charset="0"/>
+              </a:rPr>
+              <a:t>Q3 ( 0.7295) and low Q5 (0.5051)</a:t>
+            </a:r>
+          </a:p>
+        </p:txBody>
+      </p:sp>
+      <p:pic>
+        <p:nvPicPr>
+          <p:cNvPr id="5" name="Picture 4" descr="Table&#10;&#10;Description automatically generated">
+            <a:extLst>
+              <a:ext uri="{FF2B5EF4-FFF2-40B4-BE49-F238E27FC236}">
+                <a16:creationId xmlns:a16="http://schemas.microsoft.com/office/drawing/2014/main" id="{7900736B-AB99-DF4B-8765-D537D9759AE9}"/>
+              </a:ext>
+            </a:extLst>
+          </p:cNvPr>
+          <p:cNvPicPr>
+            <a:picLocks noChangeAspect="1"/>
+          </p:cNvPicPr>
+          <p:nvPr/>
+        </p:nvPicPr>
+        <p:blipFill>
+          <a:blip r:embed="rId3"/>
+          <a:stretch>
+            <a:fillRect/>
+          </a:stretch>
+        </p:blipFill>
+        <p:spPr>
+          <a:xfrm>
+            <a:off x="997338" y="3740713"/>
+            <a:ext cx="9975461" cy="2345924"/>
+          </a:xfrm>
+          <a:prstGeom prst="rect">
+            <a:avLst/>
+          </a:prstGeom>
+        </p:spPr>
+      </p:pic>
+    </p:spTree>
+    <p:extLst>
+      <p:ext uri="{BB962C8B-B14F-4D97-AF65-F5344CB8AC3E}">
+        <p14:creationId xmlns:p14="http://schemas.microsoft.com/office/powerpoint/2010/main" val="1534096387"/>
+      </p:ext>
+    </p:extLst>
+  </p:cSld>
+  <p:clrMapOvr>
+    <a:masterClrMapping/>
+  </p:clrMapOvr>
+</p:sld>
+</file>
+
+<file path=ppt/slides/slide44.xml><?xml version="1.0" encoding="utf-8"?>
+<p:sld xmlns:a="http://schemas.openxmlformats.org/drawingml/2006/main" xmlns:r="http://schemas.openxmlformats.org/officeDocument/2006/relationships" xmlns:p="http://schemas.openxmlformats.org/presentationml/2006/main" showMasterSp="0">
+  <p:cSld>
+    <p:bg>
+      <p:bgPr>
+        <a:solidFill>
+          <a:schemeClr val="tx1"/>
+        </a:solidFill>
+        <a:effectLst/>
+      </p:bgPr>
+    </p:bg>
+    <p:spTree>
+      <p:nvGrpSpPr>
+        <p:cNvPr id="1" name=""/>
+        <p:cNvGrpSpPr/>
+        <p:nvPr/>
+      </p:nvGrpSpPr>
+      <p:grpSpPr>
+        <a:xfrm>
+          <a:off x="0" y="0"/>
+          <a:ext cx="0" cy="0"/>
+          <a:chOff x="0" y="0"/>
+          <a:chExt cx="0" cy="0"/>
+        </a:xfrm>
+      </p:grpSpPr>
+      <p:sp>
+        <p:nvSpPr>
+          <p:cNvPr id="2" name="Title 1">
+            <a:extLst>
+              <a:ext uri="{FF2B5EF4-FFF2-40B4-BE49-F238E27FC236}">
+                <a16:creationId xmlns:a16="http://schemas.microsoft.com/office/drawing/2014/main" id="{F376363F-57CB-7C46-8D30-6997A8CB848E}"/>
+              </a:ext>
+            </a:extLst>
+          </p:cNvPr>
+          <p:cNvSpPr>
+            <a:spLocks noGrp="1"/>
+          </p:cNvSpPr>
+          <p:nvPr>
+            <p:ph type="title"/>
+          </p:nvPr>
+        </p:nvSpPr>
+        <p:spPr>
+          <a:xfrm>
+            <a:off x="3422542" y="130305"/>
+            <a:ext cx="5346915" cy="567119"/>
+          </a:xfrm>
+        </p:spPr>
+        <p:txBody>
+          <a:bodyPr/>
+          <a:lstStyle/>
+          <a:p>
+            <a:pPr algn="ctr"/>
+            <a:r>
+              <a:rPr lang="en-US" b="1" dirty="0">
+                <a:solidFill>
+                  <a:schemeClr val="bg1"/>
+                </a:solidFill>
+                <a:latin typeface="Times New Roman" panose="02020603050405020304" pitchFamily="18" charset="0"/>
+                <a:cs typeface="Times New Roman" panose="02020603050405020304" pitchFamily="18" charset="0"/>
+              </a:rPr>
+              <a:t>PCA. Survey Q5</a:t>
+            </a:r>
+          </a:p>
+        </p:txBody>
+      </p:sp>
+      <p:sp>
+        <p:nvSpPr>
+          <p:cNvPr id="5" name="Rectangle 4">
+            <a:extLst>
+              <a:ext uri="{FF2B5EF4-FFF2-40B4-BE49-F238E27FC236}">
+                <a16:creationId xmlns:a16="http://schemas.microsoft.com/office/drawing/2014/main" id="{BD8B4206-4A29-2148-B4B7-602E621F85F8}"/>
+              </a:ext>
+            </a:extLst>
+          </p:cNvPr>
+          <p:cNvSpPr/>
+          <p:nvPr/>
+        </p:nvSpPr>
+        <p:spPr>
+          <a:xfrm>
+            <a:off x="359573" y="1834048"/>
+            <a:ext cx="11279653" cy="4893647"/>
+          </a:xfrm>
+          <a:prstGeom prst="rect">
+            <a:avLst/>
+          </a:prstGeom>
+        </p:spPr>
+        <p:txBody>
+          <a:bodyPr wrap="square">
+            <a:spAutoFit/>
+          </a:bodyPr>
+          <a:lstStyle/>
+          <a:p>
+            <a:r>
+              <a:rPr lang="en-MY" sz="2600" b="1" dirty="0">
+                <a:solidFill>
+                  <a:schemeClr val="bg1"/>
+                </a:solidFill>
+                <a:latin typeface="Times New Roman" panose="02020603050405020304" pitchFamily="18" charset="0"/>
+                <a:cs typeface="Times New Roman" panose="02020603050405020304" pitchFamily="18" charset="0"/>
+              </a:rPr>
+              <a:t>Interpretation: </a:t>
+            </a:r>
+            <a:r>
+              <a:rPr lang="en-MY" sz="2600" dirty="0">
+                <a:solidFill>
+                  <a:srgbClr val="000000"/>
+                </a:solidFill>
+                <a:latin typeface="Times New Roman" panose="02020603050405020304" pitchFamily="18" charset="0"/>
+                <a:cs typeface="Times New Roman" panose="02020603050405020304" pitchFamily="18" charset="0"/>
+              </a:rPr>
+              <a:t>Q5_Q5_4 </a:t>
+            </a:r>
+            <a:r>
+              <a:rPr lang="en-MY" sz="2600" dirty="0">
+                <a:solidFill>
+                  <a:schemeClr val="bg1"/>
+                </a:solidFill>
+                <a:latin typeface="Times New Roman" panose="02020603050405020304" pitchFamily="18" charset="0"/>
+                <a:cs typeface="Times New Roman" panose="02020603050405020304" pitchFamily="18" charset="0"/>
+              </a:rPr>
+              <a:t>[ Q4 ] </a:t>
+            </a:r>
+            <a:r>
+              <a:rPr lang="en-MY" sz="2600" dirty="0">
+                <a:solidFill>
+                  <a:srgbClr val="000000"/>
+                </a:solidFill>
+                <a:latin typeface="Times New Roman" panose="02020603050405020304" pitchFamily="18" charset="0"/>
+                <a:cs typeface="Times New Roman" panose="02020603050405020304" pitchFamily="18" charset="0"/>
+              </a:rPr>
+              <a:t>is ‘I have the necessary skills to complete a web programming task in </a:t>
+            </a:r>
+            <a:r>
+              <a:rPr lang="en-MY" sz="2600" dirty="0" err="1">
+                <a:solidFill>
+                  <a:srgbClr val="000000"/>
+                </a:solidFill>
+                <a:latin typeface="Times New Roman" panose="02020603050405020304" pitchFamily="18" charset="0"/>
+                <a:cs typeface="Times New Roman" panose="02020603050405020304" pitchFamily="18" charset="0"/>
+              </a:rPr>
+              <a:t>Javascript</a:t>
+            </a:r>
+            <a:r>
+              <a:rPr lang="en-MY" sz="2600" b="1" dirty="0">
+                <a:solidFill>
+                  <a:schemeClr val="bg2"/>
+                </a:solidFill>
+                <a:latin typeface="Times New Roman" panose="02020603050405020304" pitchFamily="18" charset="0"/>
+                <a:cs typeface="Times New Roman" panose="02020603050405020304" pitchFamily="18" charset="0"/>
+              </a:rPr>
+              <a:t>’ </a:t>
+            </a:r>
+            <a:r>
+              <a:rPr lang="en-MY" sz="2600" b="1" dirty="0">
+                <a:solidFill>
+                  <a:srgbClr val="FF0000"/>
+                </a:solidFill>
+                <a:latin typeface="Times New Roman" panose="02020603050405020304" pitchFamily="18" charset="0"/>
+                <a:cs typeface="Times New Roman" panose="02020603050405020304" pitchFamily="18" charset="0"/>
+              </a:rPr>
+              <a:t>[ most important ] </a:t>
+            </a:r>
+          </a:p>
+          <a:p>
+            <a:r>
+              <a:rPr lang="en-MY" sz="2600" dirty="0">
+                <a:solidFill>
+                  <a:srgbClr val="000000"/>
+                </a:solidFill>
+                <a:latin typeface="Times New Roman" panose="02020603050405020304" pitchFamily="18" charset="0"/>
+                <a:cs typeface="Times New Roman" panose="02020603050405020304" pitchFamily="18" charset="0"/>
+              </a:rPr>
+              <a:t>Q5_Q5_2 [ Q2 ] is ‘I have a clear vision of what needs to be achieved when developing a mashup (combining data in an interactive web application) in </a:t>
+            </a:r>
+            <a:r>
+              <a:rPr lang="en-MY" sz="2600" dirty="0" err="1">
+                <a:solidFill>
+                  <a:srgbClr val="000000"/>
+                </a:solidFill>
+                <a:latin typeface="Times New Roman" panose="02020603050405020304" pitchFamily="18" charset="0"/>
+                <a:cs typeface="Times New Roman" panose="02020603050405020304" pitchFamily="18" charset="0"/>
+              </a:rPr>
+              <a:t>Javascript</a:t>
+            </a:r>
+            <a:r>
+              <a:rPr lang="en-MY" sz="2600" dirty="0">
+                <a:solidFill>
+                  <a:srgbClr val="000000"/>
+                </a:solidFill>
+                <a:latin typeface="Times New Roman" panose="02020603050405020304" pitchFamily="18" charset="0"/>
+                <a:cs typeface="Times New Roman" panose="02020603050405020304" pitchFamily="18" charset="0"/>
+              </a:rPr>
+              <a:t>’ </a:t>
+            </a:r>
+            <a:r>
+              <a:rPr lang="en-MY" sz="2600" b="1" dirty="0">
+                <a:solidFill>
+                  <a:srgbClr val="FF0000"/>
+                </a:solidFill>
+                <a:latin typeface="Times New Roman" panose="02020603050405020304" pitchFamily="18" charset="0"/>
+                <a:cs typeface="Times New Roman" panose="02020603050405020304" pitchFamily="18" charset="0"/>
+              </a:rPr>
+              <a:t>[ 2</a:t>
+            </a:r>
+            <a:r>
+              <a:rPr lang="en-MY" sz="2600" b="1" baseline="30000" dirty="0">
+                <a:solidFill>
+                  <a:srgbClr val="FF0000"/>
+                </a:solidFill>
+                <a:latin typeface="Times New Roman" panose="02020603050405020304" pitchFamily="18" charset="0"/>
+                <a:cs typeface="Times New Roman" panose="02020603050405020304" pitchFamily="18" charset="0"/>
+              </a:rPr>
+              <a:t>nd</a:t>
+            </a:r>
+            <a:r>
+              <a:rPr lang="en-MY" sz="2600" b="1" dirty="0">
+                <a:solidFill>
+                  <a:srgbClr val="FF0000"/>
+                </a:solidFill>
+                <a:latin typeface="Times New Roman" panose="02020603050405020304" pitchFamily="18" charset="0"/>
+                <a:cs typeface="Times New Roman" panose="02020603050405020304" pitchFamily="18" charset="0"/>
+              </a:rPr>
+              <a:t>  important ] </a:t>
+            </a:r>
+          </a:p>
+          <a:p>
+            <a:r>
+              <a:rPr lang="en-MY" sz="2600" dirty="0">
+                <a:solidFill>
+                  <a:srgbClr val="000000"/>
+                </a:solidFill>
+                <a:latin typeface="Times New Roman" panose="02020603050405020304" pitchFamily="18" charset="0"/>
+                <a:cs typeface="Times New Roman" panose="02020603050405020304" pitchFamily="18" charset="0"/>
+              </a:rPr>
+              <a:t>Q5_Q5_1 [ Q1 ] is ‘I have sufficient access to information about best practices in JavaScript coding’ </a:t>
+            </a:r>
+            <a:r>
+              <a:rPr lang="en-MY" sz="2600" b="1" dirty="0">
+                <a:solidFill>
+                  <a:srgbClr val="FF0000"/>
+                </a:solidFill>
+                <a:latin typeface="Times New Roman" panose="02020603050405020304" pitchFamily="18" charset="0"/>
+                <a:cs typeface="Times New Roman" panose="02020603050405020304" pitchFamily="18" charset="0"/>
+              </a:rPr>
+              <a:t>[ 4th important ] </a:t>
+            </a:r>
+          </a:p>
+          <a:p>
+            <a:r>
+              <a:rPr lang="en-MY" sz="2600" dirty="0">
+                <a:solidFill>
+                  <a:schemeClr val="bg1"/>
+                </a:solidFill>
+                <a:latin typeface="Times New Roman" panose="02020603050405020304" pitchFamily="18" charset="0"/>
+                <a:cs typeface="Times New Roman" panose="02020603050405020304" pitchFamily="18" charset="0"/>
+              </a:rPr>
+              <a:t>Q5_Q5_3 [ Q3 ] is  ‘I am able to communicate programming issues with others well’ </a:t>
+            </a:r>
+            <a:r>
+              <a:rPr lang="en-MY" sz="2600" b="1" dirty="0">
+                <a:solidFill>
+                  <a:srgbClr val="FF0000"/>
+                </a:solidFill>
+                <a:latin typeface="Times New Roman" panose="02020603050405020304" pitchFamily="18" charset="0"/>
+                <a:cs typeface="Times New Roman" panose="02020603050405020304" pitchFamily="18" charset="0"/>
+              </a:rPr>
+              <a:t>[ 3rd  important ] </a:t>
+            </a:r>
+          </a:p>
+          <a:p>
+            <a:r>
+              <a:rPr lang="en-MY" sz="2600" dirty="0">
+                <a:solidFill>
+                  <a:schemeClr val="bg1"/>
+                </a:solidFill>
+                <a:latin typeface="Times New Roman" panose="02020603050405020304" pitchFamily="18" charset="0"/>
+                <a:cs typeface="Times New Roman" panose="02020603050405020304" pitchFamily="18" charset="0"/>
+              </a:rPr>
+              <a:t>Q5_Q5_5 [ Q5 ] is  ‘I have the technical competence to absorb new programming knowledge’ </a:t>
+            </a:r>
+            <a:r>
+              <a:rPr lang="en-MY" sz="2600" b="1" dirty="0">
+                <a:solidFill>
+                  <a:srgbClr val="FF0000"/>
+                </a:solidFill>
+                <a:latin typeface="Times New Roman" panose="02020603050405020304" pitchFamily="18" charset="0"/>
+                <a:cs typeface="Times New Roman" panose="02020603050405020304" pitchFamily="18" charset="0"/>
+              </a:rPr>
+              <a:t>[ 5</a:t>
+            </a:r>
+            <a:r>
+              <a:rPr lang="en-MY" sz="2600" b="1" baseline="30000" dirty="0">
+                <a:solidFill>
+                  <a:srgbClr val="FF0000"/>
+                </a:solidFill>
+                <a:latin typeface="Times New Roman" panose="02020603050405020304" pitchFamily="18" charset="0"/>
+                <a:cs typeface="Times New Roman" panose="02020603050405020304" pitchFamily="18" charset="0"/>
+              </a:rPr>
+              <a:t>th</a:t>
+            </a:r>
+            <a:r>
+              <a:rPr lang="en-MY" sz="2600" b="1" dirty="0">
+                <a:solidFill>
+                  <a:srgbClr val="FF0000"/>
+                </a:solidFill>
+                <a:latin typeface="Times New Roman" panose="02020603050405020304" pitchFamily="18" charset="0"/>
+                <a:cs typeface="Times New Roman" panose="02020603050405020304" pitchFamily="18" charset="0"/>
+              </a:rPr>
+              <a:t>  important ] </a:t>
+            </a:r>
+          </a:p>
+          <a:p>
+            <a:endParaRPr lang="en-MY" sz="2600" b="1" i="0" dirty="0">
+              <a:solidFill>
+                <a:srgbClr val="FF0000"/>
+              </a:solidFill>
+              <a:effectLst/>
+              <a:latin typeface="Times New Roman" panose="02020603050405020304" pitchFamily="18" charset="0"/>
+              <a:cs typeface="Times New Roman" panose="02020603050405020304" pitchFamily="18" charset="0"/>
+            </a:endParaRPr>
+          </a:p>
+        </p:txBody>
+      </p:sp>
+      <p:pic>
+        <p:nvPicPr>
+          <p:cNvPr id="4" name="Picture 3">
+            <a:extLst>
+              <a:ext uri="{FF2B5EF4-FFF2-40B4-BE49-F238E27FC236}">
+                <a16:creationId xmlns:a16="http://schemas.microsoft.com/office/drawing/2014/main" id="{556A54E3-5351-E142-B4AE-5454E54377B5}"/>
+              </a:ext>
+            </a:extLst>
+          </p:cNvPr>
+          <p:cNvPicPr>
+            <a:picLocks noChangeAspect="1"/>
+          </p:cNvPicPr>
+          <p:nvPr/>
+        </p:nvPicPr>
+        <p:blipFill>
+          <a:blip r:embed="rId3"/>
+          <a:stretch>
+            <a:fillRect/>
+          </a:stretch>
+        </p:blipFill>
+        <p:spPr>
+          <a:xfrm>
+            <a:off x="359573" y="573437"/>
+            <a:ext cx="11032327" cy="1327473"/>
+          </a:xfrm>
+          <a:prstGeom prst="rect">
+            <a:avLst/>
+          </a:prstGeom>
+        </p:spPr>
+      </p:pic>
+    </p:spTree>
+    <p:extLst>
+      <p:ext uri="{BB962C8B-B14F-4D97-AF65-F5344CB8AC3E}">
+        <p14:creationId xmlns:p14="http://schemas.microsoft.com/office/powerpoint/2010/main" val="1381973613"/>
       </p:ext>
     </p:extLst>
   </p:cSld>

--- a/surveys/survey_analysis_and_pca_theory.pptx
+++ b/surveys/survey_analysis_and_pca_theory.pptx
@@ -5,7 +5,7 @@
     <p:sldMasterId id="2147483753" r:id="rId1"/>
   </p:sldMasterIdLst>
   <p:notesMasterIdLst>
-    <p:notesMasterId r:id="rId46"/>
+    <p:notesMasterId r:id="rId49"/>
   </p:notesMasterIdLst>
   <p:sldIdLst>
     <p:sldId id="256" r:id="rId2"/>
@@ -50,8 +50,11 @@
     <p:sldId id="298" r:id="rId41"/>
     <p:sldId id="299" r:id="rId42"/>
     <p:sldId id="300" r:id="rId43"/>
-    <p:sldId id="301" r:id="rId44"/>
-    <p:sldId id="302" r:id="rId45"/>
+    <p:sldId id="302" r:id="rId44"/>
+    <p:sldId id="301" r:id="rId45"/>
+    <p:sldId id="303" r:id="rId46"/>
+    <p:sldId id="304" r:id="rId47"/>
+    <p:sldId id="305" r:id="rId48"/>
   </p:sldIdLst>
   <p:sldSz cx="12192000" cy="6858000"/>
   <p:notesSz cx="6858000" cy="9144000"/>
@@ -2191,7 +2194,7 @@
     </p:spTree>
     <p:extLst>
       <p:ext uri="{BB962C8B-B14F-4D97-AF65-F5344CB8AC3E}">
-        <p14:creationId xmlns:p14="http://schemas.microsoft.com/office/powerpoint/2010/main" val="1849923713"/>
+        <p14:creationId xmlns:p14="http://schemas.microsoft.com/office/powerpoint/2010/main" val="244966173"/>
       </p:ext>
     </p:extLst>
   </p:cSld>
@@ -2275,7 +2278,259 @@
     </p:spTree>
     <p:extLst>
       <p:ext uri="{BB962C8B-B14F-4D97-AF65-F5344CB8AC3E}">
-        <p14:creationId xmlns:p14="http://schemas.microsoft.com/office/powerpoint/2010/main" val="244966173"/>
+        <p14:creationId xmlns:p14="http://schemas.microsoft.com/office/powerpoint/2010/main" val="1849923713"/>
+      </p:ext>
+    </p:extLst>
+  </p:cSld>
+  <p:clrMapOvr>
+    <a:masterClrMapping/>
+  </p:clrMapOvr>
+</p:notes>
+</file>
+
+<file path=ppt/notesSlides/notesSlide22.xml><?xml version="1.0" encoding="utf-8"?>
+<p:notes xmlns:a="http://schemas.openxmlformats.org/drawingml/2006/main" xmlns:r="http://schemas.openxmlformats.org/officeDocument/2006/relationships" xmlns:p="http://schemas.openxmlformats.org/presentationml/2006/main">
+  <p:cSld>
+    <p:spTree>
+      <p:nvGrpSpPr>
+        <p:cNvPr id="1" name=""/>
+        <p:cNvGrpSpPr/>
+        <p:nvPr/>
+      </p:nvGrpSpPr>
+      <p:grpSpPr>
+        <a:xfrm>
+          <a:off x="0" y="0"/>
+          <a:ext cx="0" cy="0"/>
+          <a:chOff x="0" y="0"/>
+          <a:chExt cx="0" cy="0"/>
+        </a:xfrm>
+      </p:grpSpPr>
+      <p:sp>
+        <p:nvSpPr>
+          <p:cNvPr id="2" name="Slide Image Placeholder 1"/>
+          <p:cNvSpPr>
+            <a:spLocks noGrp="1" noRot="1" noChangeAspect="1"/>
+          </p:cNvSpPr>
+          <p:nvPr>
+            <p:ph type="sldImg"/>
+          </p:nvPr>
+        </p:nvSpPr>
+        <p:spPr/>
+      </p:sp>
+      <p:sp>
+        <p:nvSpPr>
+          <p:cNvPr id="3" name="Notes Placeholder 2"/>
+          <p:cNvSpPr>
+            <a:spLocks noGrp="1"/>
+          </p:cNvSpPr>
+          <p:nvPr>
+            <p:ph type="body" idx="1"/>
+          </p:nvPr>
+        </p:nvSpPr>
+        <p:spPr/>
+        <p:txBody>
+          <a:bodyPr/>
+          <a:lstStyle/>
+          <a:p>
+            <a:endParaRPr lang="en-US" dirty="0"/>
+          </a:p>
+        </p:txBody>
+      </p:sp>
+      <p:sp>
+        <p:nvSpPr>
+          <p:cNvPr id="4" name="Slide Number Placeholder 3"/>
+          <p:cNvSpPr>
+            <a:spLocks noGrp="1"/>
+          </p:cNvSpPr>
+          <p:nvPr>
+            <p:ph type="sldNum" sz="quarter" idx="5"/>
+          </p:nvPr>
+        </p:nvSpPr>
+        <p:spPr/>
+        <p:txBody>
+          <a:bodyPr/>
+          <a:lstStyle/>
+          <a:p>
+            <a:fld id="{337C1EA3-F53F-1B47-B656-7229C750B466}" type="slidenum">
+              <a:rPr lang="en-US" smtClean="0"/>
+              <a:t>45</a:t>
+            </a:fld>
+            <a:endParaRPr lang="en-US"/>
+          </a:p>
+        </p:txBody>
+      </p:sp>
+    </p:spTree>
+    <p:extLst>
+      <p:ext uri="{BB962C8B-B14F-4D97-AF65-F5344CB8AC3E}">
+        <p14:creationId xmlns:p14="http://schemas.microsoft.com/office/powerpoint/2010/main" val="1651725251"/>
+      </p:ext>
+    </p:extLst>
+  </p:cSld>
+  <p:clrMapOvr>
+    <a:masterClrMapping/>
+  </p:clrMapOvr>
+</p:notes>
+</file>
+
+<file path=ppt/notesSlides/notesSlide23.xml><?xml version="1.0" encoding="utf-8"?>
+<p:notes xmlns:a="http://schemas.openxmlformats.org/drawingml/2006/main" xmlns:r="http://schemas.openxmlformats.org/officeDocument/2006/relationships" xmlns:p="http://schemas.openxmlformats.org/presentationml/2006/main">
+  <p:cSld>
+    <p:spTree>
+      <p:nvGrpSpPr>
+        <p:cNvPr id="1" name=""/>
+        <p:cNvGrpSpPr/>
+        <p:nvPr/>
+      </p:nvGrpSpPr>
+      <p:grpSpPr>
+        <a:xfrm>
+          <a:off x="0" y="0"/>
+          <a:ext cx="0" cy="0"/>
+          <a:chOff x="0" y="0"/>
+          <a:chExt cx="0" cy="0"/>
+        </a:xfrm>
+      </p:grpSpPr>
+      <p:sp>
+        <p:nvSpPr>
+          <p:cNvPr id="2" name="Slide Image Placeholder 1"/>
+          <p:cNvSpPr>
+            <a:spLocks noGrp="1" noRot="1" noChangeAspect="1"/>
+          </p:cNvSpPr>
+          <p:nvPr>
+            <p:ph type="sldImg"/>
+          </p:nvPr>
+        </p:nvSpPr>
+        <p:spPr/>
+      </p:sp>
+      <p:sp>
+        <p:nvSpPr>
+          <p:cNvPr id="3" name="Notes Placeholder 2"/>
+          <p:cNvSpPr>
+            <a:spLocks noGrp="1"/>
+          </p:cNvSpPr>
+          <p:nvPr>
+            <p:ph type="body" idx="1"/>
+          </p:nvPr>
+        </p:nvSpPr>
+        <p:spPr/>
+        <p:txBody>
+          <a:bodyPr/>
+          <a:lstStyle/>
+          <a:p>
+            <a:endParaRPr lang="en-US" dirty="0"/>
+          </a:p>
+        </p:txBody>
+      </p:sp>
+      <p:sp>
+        <p:nvSpPr>
+          <p:cNvPr id="4" name="Slide Number Placeholder 3"/>
+          <p:cNvSpPr>
+            <a:spLocks noGrp="1"/>
+          </p:cNvSpPr>
+          <p:nvPr>
+            <p:ph type="sldNum" sz="quarter" idx="5"/>
+          </p:nvPr>
+        </p:nvSpPr>
+        <p:spPr/>
+        <p:txBody>
+          <a:bodyPr/>
+          <a:lstStyle/>
+          <a:p>
+            <a:fld id="{337C1EA3-F53F-1B47-B656-7229C750B466}" type="slidenum">
+              <a:rPr lang="en-US" smtClean="0"/>
+              <a:t>46</a:t>
+            </a:fld>
+            <a:endParaRPr lang="en-US"/>
+          </a:p>
+        </p:txBody>
+      </p:sp>
+    </p:spTree>
+    <p:extLst>
+      <p:ext uri="{BB962C8B-B14F-4D97-AF65-F5344CB8AC3E}">
+        <p14:creationId xmlns:p14="http://schemas.microsoft.com/office/powerpoint/2010/main" val="1940378389"/>
+      </p:ext>
+    </p:extLst>
+  </p:cSld>
+  <p:clrMapOvr>
+    <a:masterClrMapping/>
+  </p:clrMapOvr>
+</p:notes>
+</file>
+
+<file path=ppt/notesSlides/notesSlide24.xml><?xml version="1.0" encoding="utf-8"?>
+<p:notes xmlns:a="http://schemas.openxmlformats.org/drawingml/2006/main" xmlns:r="http://schemas.openxmlformats.org/officeDocument/2006/relationships" xmlns:p="http://schemas.openxmlformats.org/presentationml/2006/main">
+  <p:cSld>
+    <p:spTree>
+      <p:nvGrpSpPr>
+        <p:cNvPr id="1" name=""/>
+        <p:cNvGrpSpPr/>
+        <p:nvPr/>
+      </p:nvGrpSpPr>
+      <p:grpSpPr>
+        <a:xfrm>
+          <a:off x="0" y="0"/>
+          <a:ext cx="0" cy="0"/>
+          <a:chOff x="0" y="0"/>
+          <a:chExt cx="0" cy="0"/>
+        </a:xfrm>
+      </p:grpSpPr>
+      <p:sp>
+        <p:nvSpPr>
+          <p:cNvPr id="2" name="Slide Image Placeholder 1"/>
+          <p:cNvSpPr>
+            <a:spLocks noGrp="1" noRot="1" noChangeAspect="1"/>
+          </p:cNvSpPr>
+          <p:nvPr>
+            <p:ph type="sldImg"/>
+          </p:nvPr>
+        </p:nvSpPr>
+        <p:spPr/>
+      </p:sp>
+      <p:sp>
+        <p:nvSpPr>
+          <p:cNvPr id="3" name="Notes Placeholder 2"/>
+          <p:cNvSpPr>
+            <a:spLocks noGrp="1"/>
+          </p:cNvSpPr>
+          <p:nvPr>
+            <p:ph type="body" idx="1"/>
+          </p:nvPr>
+        </p:nvSpPr>
+        <p:spPr/>
+        <p:txBody>
+          <a:bodyPr/>
+          <a:lstStyle/>
+          <a:p>
+            <a:endParaRPr lang="en-US" dirty="0"/>
+          </a:p>
+        </p:txBody>
+      </p:sp>
+      <p:sp>
+        <p:nvSpPr>
+          <p:cNvPr id="4" name="Slide Number Placeholder 3"/>
+          <p:cNvSpPr>
+            <a:spLocks noGrp="1"/>
+          </p:cNvSpPr>
+          <p:nvPr>
+            <p:ph type="sldNum" sz="quarter" idx="5"/>
+          </p:nvPr>
+        </p:nvSpPr>
+        <p:spPr/>
+        <p:txBody>
+          <a:bodyPr/>
+          <a:lstStyle/>
+          <a:p>
+            <a:fld id="{337C1EA3-F53F-1B47-B656-7229C750B466}" type="slidenum">
+              <a:rPr lang="en-US" smtClean="0"/>
+              <a:t>47</a:t>
+            </a:fld>
+            <a:endParaRPr lang="en-US"/>
+          </a:p>
+        </p:txBody>
+      </p:sp>
+    </p:spTree>
+    <p:extLst>
+      <p:ext uri="{BB962C8B-B14F-4D97-AF65-F5344CB8AC3E}">
+        <p14:creationId xmlns:p14="http://schemas.microsoft.com/office/powerpoint/2010/main" val="2259737392"/>
       </p:ext>
     </p:extLst>
   </p:cSld>
@@ -16637,6 +16892,372 @@
         </p:nvSpPr>
         <p:spPr>
           <a:xfrm>
+            <a:off x="3422542" y="130305"/>
+            <a:ext cx="5346915" cy="567119"/>
+          </a:xfrm>
+        </p:spPr>
+        <p:txBody>
+          <a:bodyPr/>
+          <a:lstStyle/>
+          <a:p>
+            <a:pPr algn="ctr"/>
+            <a:r>
+              <a:rPr lang="en-US" b="1" dirty="0">
+                <a:solidFill>
+                  <a:schemeClr val="bg1"/>
+                </a:solidFill>
+                <a:latin typeface="Times New Roman" panose="02020603050405020304" pitchFamily="18" charset="0"/>
+                <a:cs typeface="Times New Roman" panose="02020603050405020304" pitchFamily="18" charset="0"/>
+              </a:rPr>
+              <a:t>PCA. Survey Q5</a:t>
+            </a:r>
+          </a:p>
+        </p:txBody>
+      </p:sp>
+      <p:sp>
+        <p:nvSpPr>
+          <p:cNvPr id="5" name="Rectangle 4">
+            <a:extLst>
+              <a:ext uri="{FF2B5EF4-FFF2-40B4-BE49-F238E27FC236}">
+                <a16:creationId xmlns:a16="http://schemas.microsoft.com/office/drawing/2014/main" id="{BD8B4206-4A29-2148-B4B7-602E621F85F8}"/>
+              </a:ext>
+            </a:extLst>
+          </p:cNvPr>
+          <p:cNvSpPr/>
+          <p:nvPr/>
+        </p:nvSpPr>
+        <p:spPr>
+          <a:xfrm>
+            <a:off x="359573" y="1834048"/>
+            <a:ext cx="11279653" cy="4893647"/>
+          </a:xfrm>
+          <a:prstGeom prst="rect">
+            <a:avLst/>
+          </a:prstGeom>
+        </p:spPr>
+        <p:txBody>
+          <a:bodyPr wrap="square">
+            <a:spAutoFit/>
+          </a:bodyPr>
+          <a:lstStyle/>
+          <a:p>
+            <a:r>
+              <a:rPr lang="en-MY" sz="2600" b="1" dirty="0">
+                <a:solidFill>
+                  <a:schemeClr val="bg1"/>
+                </a:solidFill>
+                <a:latin typeface="Times New Roman" panose="02020603050405020304" pitchFamily="18" charset="0"/>
+                <a:cs typeface="Times New Roman" panose="02020603050405020304" pitchFamily="18" charset="0"/>
+              </a:rPr>
+              <a:t>Interpretation: </a:t>
+            </a:r>
+            <a:r>
+              <a:rPr lang="en-MY" sz="2600" dirty="0">
+                <a:solidFill>
+                  <a:srgbClr val="000000"/>
+                </a:solidFill>
+                <a:latin typeface="Times New Roman" panose="02020603050405020304" pitchFamily="18" charset="0"/>
+                <a:cs typeface="Times New Roman" panose="02020603050405020304" pitchFamily="18" charset="0"/>
+              </a:rPr>
+              <a:t>Q5_Q5_4 </a:t>
+            </a:r>
+            <a:r>
+              <a:rPr lang="en-MY" sz="2600" dirty="0">
+                <a:solidFill>
+                  <a:schemeClr val="bg1"/>
+                </a:solidFill>
+                <a:latin typeface="Times New Roman" panose="02020603050405020304" pitchFamily="18" charset="0"/>
+                <a:cs typeface="Times New Roman" panose="02020603050405020304" pitchFamily="18" charset="0"/>
+              </a:rPr>
+              <a:t>[ Q4 ] </a:t>
+            </a:r>
+            <a:r>
+              <a:rPr lang="en-MY" sz="2600" dirty="0">
+                <a:solidFill>
+                  <a:srgbClr val="000000"/>
+                </a:solidFill>
+                <a:latin typeface="Times New Roman" panose="02020603050405020304" pitchFamily="18" charset="0"/>
+                <a:cs typeface="Times New Roman" panose="02020603050405020304" pitchFamily="18" charset="0"/>
+              </a:rPr>
+              <a:t>is ‘I have the necessary skills to complete a web programming task in </a:t>
+            </a:r>
+            <a:r>
+              <a:rPr lang="en-MY" sz="2600" dirty="0" err="1">
+                <a:solidFill>
+                  <a:srgbClr val="000000"/>
+                </a:solidFill>
+                <a:latin typeface="Times New Roman" panose="02020603050405020304" pitchFamily="18" charset="0"/>
+                <a:cs typeface="Times New Roman" panose="02020603050405020304" pitchFamily="18" charset="0"/>
+              </a:rPr>
+              <a:t>Javascript</a:t>
+            </a:r>
+            <a:r>
+              <a:rPr lang="en-MY" sz="2600" b="1" dirty="0">
+                <a:solidFill>
+                  <a:schemeClr val="bg2"/>
+                </a:solidFill>
+                <a:latin typeface="Times New Roman" panose="02020603050405020304" pitchFamily="18" charset="0"/>
+                <a:cs typeface="Times New Roman" panose="02020603050405020304" pitchFamily="18" charset="0"/>
+              </a:rPr>
+              <a:t>’ </a:t>
+            </a:r>
+            <a:r>
+              <a:rPr lang="en-MY" sz="2600" b="1" dirty="0">
+                <a:solidFill>
+                  <a:srgbClr val="FF0000"/>
+                </a:solidFill>
+                <a:latin typeface="Times New Roman" panose="02020603050405020304" pitchFamily="18" charset="0"/>
+                <a:cs typeface="Times New Roman" panose="02020603050405020304" pitchFamily="18" charset="0"/>
+              </a:rPr>
+              <a:t>[ most important ] </a:t>
+            </a:r>
+          </a:p>
+          <a:p>
+            <a:r>
+              <a:rPr lang="en-MY" sz="2600" dirty="0">
+                <a:solidFill>
+                  <a:srgbClr val="000000"/>
+                </a:solidFill>
+                <a:latin typeface="Times New Roman" panose="02020603050405020304" pitchFamily="18" charset="0"/>
+                <a:cs typeface="Times New Roman" panose="02020603050405020304" pitchFamily="18" charset="0"/>
+              </a:rPr>
+              <a:t>Q5_Q5_2 [ Q2 ] is ‘I have a clear vision of what needs to be achieved when developing a mashup (combining data in an interactive web application) in </a:t>
+            </a:r>
+            <a:r>
+              <a:rPr lang="en-MY" sz="2600" dirty="0" err="1">
+                <a:solidFill>
+                  <a:srgbClr val="000000"/>
+                </a:solidFill>
+                <a:latin typeface="Times New Roman" panose="02020603050405020304" pitchFamily="18" charset="0"/>
+                <a:cs typeface="Times New Roman" panose="02020603050405020304" pitchFamily="18" charset="0"/>
+              </a:rPr>
+              <a:t>Javascript</a:t>
+            </a:r>
+            <a:r>
+              <a:rPr lang="en-MY" sz="2600" dirty="0">
+                <a:solidFill>
+                  <a:srgbClr val="000000"/>
+                </a:solidFill>
+                <a:latin typeface="Times New Roman" panose="02020603050405020304" pitchFamily="18" charset="0"/>
+                <a:cs typeface="Times New Roman" panose="02020603050405020304" pitchFamily="18" charset="0"/>
+              </a:rPr>
+              <a:t>’ </a:t>
+            </a:r>
+            <a:r>
+              <a:rPr lang="en-MY" sz="2600" b="1" dirty="0">
+                <a:solidFill>
+                  <a:srgbClr val="FF0000"/>
+                </a:solidFill>
+                <a:latin typeface="Times New Roman" panose="02020603050405020304" pitchFamily="18" charset="0"/>
+                <a:cs typeface="Times New Roman" panose="02020603050405020304" pitchFamily="18" charset="0"/>
+              </a:rPr>
+              <a:t>[ 2</a:t>
+            </a:r>
+            <a:r>
+              <a:rPr lang="en-MY" sz="2600" b="1" baseline="30000" dirty="0">
+                <a:solidFill>
+                  <a:srgbClr val="FF0000"/>
+                </a:solidFill>
+                <a:latin typeface="Times New Roman" panose="02020603050405020304" pitchFamily="18" charset="0"/>
+                <a:cs typeface="Times New Roman" panose="02020603050405020304" pitchFamily="18" charset="0"/>
+              </a:rPr>
+              <a:t>nd</a:t>
+            </a:r>
+            <a:r>
+              <a:rPr lang="en-MY" sz="2600" b="1" dirty="0">
+                <a:solidFill>
+                  <a:srgbClr val="FF0000"/>
+                </a:solidFill>
+                <a:latin typeface="Times New Roman" panose="02020603050405020304" pitchFamily="18" charset="0"/>
+                <a:cs typeface="Times New Roman" panose="02020603050405020304" pitchFamily="18" charset="0"/>
+              </a:rPr>
+              <a:t>  important ] </a:t>
+            </a:r>
+          </a:p>
+          <a:p>
+            <a:r>
+              <a:rPr lang="en-MY" sz="2600" dirty="0">
+                <a:solidFill>
+                  <a:srgbClr val="000000"/>
+                </a:solidFill>
+                <a:latin typeface="Times New Roman" panose="02020603050405020304" pitchFamily="18" charset="0"/>
+                <a:cs typeface="Times New Roman" panose="02020603050405020304" pitchFamily="18" charset="0"/>
+              </a:rPr>
+              <a:t>Q5_Q5_1 [ Q1 ] is ‘I have sufficient access to information about best practices in JavaScript coding’ </a:t>
+            </a:r>
+            <a:r>
+              <a:rPr lang="en-MY" sz="2600" b="1" dirty="0">
+                <a:solidFill>
+                  <a:srgbClr val="FF0000"/>
+                </a:solidFill>
+                <a:latin typeface="Times New Roman" panose="02020603050405020304" pitchFamily="18" charset="0"/>
+                <a:cs typeface="Times New Roman" panose="02020603050405020304" pitchFamily="18" charset="0"/>
+              </a:rPr>
+              <a:t>[ 4th important ] </a:t>
+            </a:r>
+          </a:p>
+          <a:p>
+            <a:r>
+              <a:rPr lang="en-MY" sz="2600" dirty="0">
+                <a:solidFill>
+                  <a:schemeClr val="bg1"/>
+                </a:solidFill>
+                <a:latin typeface="Times New Roman" panose="02020603050405020304" pitchFamily="18" charset="0"/>
+                <a:cs typeface="Times New Roman" panose="02020603050405020304" pitchFamily="18" charset="0"/>
+              </a:rPr>
+              <a:t>Q5_Q5_3 [ Q3 ] is  ‘I am able to communicate programming issues with others well’ </a:t>
+            </a:r>
+            <a:r>
+              <a:rPr lang="en-MY" sz="2600" b="1" dirty="0">
+                <a:solidFill>
+                  <a:srgbClr val="FF0000"/>
+                </a:solidFill>
+                <a:latin typeface="Times New Roman" panose="02020603050405020304" pitchFamily="18" charset="0"/>
+                <a:cs typeface="Times New Roman" panose="02020603050405020304" pitchFamily="18" charset="0"/>
+              </a:rPr>
+              <a:t>[ 3rd  important ] </a:t>
+            </a:r>
+          </a:p>
+          <a:p>
+            <a:r>
+              <a:rPr lang="en-MY" sz="2600" dirty="0">
+                <a:solidFill>
+                  <a:schemeClr val="bg1"/>
+                </a:solidFill>
+                <a:latin typeface="Times New Roman" panose="02020603050405020304" pitchFamily="18" charset="0"/>
+                <a:cs typeface="Times New Roman" panose="02020603050405020304" pitchFamily="18" charset="0"/>
+              </a:rPr>
+              <a:t>Q5_Q5_5 [ Q5 ] is  ‘I have the technical competence to absorb new programming knowledge’ </a:t>
+            </a:r>
+            <a:r>
+              <a:rPr lang="en-MY" sz="2600" b="1" dirty="0">
+                <a:solidFill>
+                  <a:srgbClr val="FF0000"/>
+                </a:solidFill>
+                <a:latin typeface="Times New Roman" panose="02020603050405020304" pitchFamily="18" charset="0"/>
+                <a:cs typeface="Times New Roman" panose="02020603050405020304" pitchFamily="18" charset="0"/>
+              </a:rPr>
+              <a:t>[ 5</a:t>
+            </a:r>
+            <a:r>
+              <a:rPr lang="en-MY" sz="2600" b="1" baseline="30000" dirty="0">
+                <a:solidFill>
+                  <a:srgbClr val="FF0000"/>
+                </a:solidFill>
+                <a:latin typeface="Times New Roman" panose="02020603050405020304" pitchFamily="18" charset="0"/>
+                <a:cs typeface="Times New Roman" panose="02020603050405020304" pitchFamily="18" charset="0"/>
+              </a:rPr>
+              <a:t>th</a:t>
+            </a:r>
+            <a:r>
+              <a:rPr lang="en-MY" sz="2600" b="1" dirty="0">
+                <a:solidFill>
+                  <a:srgbClr val="FF0000"/>
+                </a:solidFill>
+                <a:latin typeface="Times New Roman" panose="02020603050405020304" pitchFamily="18" charset="0"/>
+                <a:cs typeface="Times New Roman" panose="02020603050405020304" pitchFamily="18" charset="0"/>
+              </a:rPr>
+              <a:t>  important ] </a:t>
+            </a:r>
+          </a:p>
+          <a:p>
+            <a:endParaRPr lang="en-MY" sz="2600" b="1" i="0" dirty="0">
+              <a:solidFill>
+                <a:srgbClr val="FF0000"/>
+              </a:solidFill>
+              <a:effectLst/>
+              <a:latin typeface="Times New Roman" panose="02020603050405020304" pitchFamily="18" charset="0"/>
+              <a:cs typeface="Times New Roman" panose="02020603050405020304" pitchFamily="18" charset="0"/>
+            </a:endParaRPr>
+          </a:p>
+        </p:txBody>
+      </p:sp>
+      <p:pic>
+        <p:nvPicPr>
+          <p:cNvPr id="4" name="Picture 3">
+            <a:extLst>
+              <a:ext uri="{FF2B5EF4-FFF2-40B4-BE49-F238E27FC236}">
+                <a16:creationId xmlns:a16="http://schemas.microsoft.com/office/drawing/2014/main" id="{556A54E3-5351-E142-B4AE-5454E54377B5}"/>
+              </a:ext>
+            </a:extLst>
+          </p:cNvPr>
+          <p:cNvPicPr>
+            <a:picLocks noChangeAspect="1"/>
+          </p:cNvPicPr>
+          <p:nvPr/>
+        </p:nvPicPr>
+        <p:blipFill>
+          <a:blip r:embed="rId3"/>
+          <a:stretch>
+            <a:fillRect/>
+          </a:stretch>
+        </p:blipFill>
+        <p:spPr>
+          <a:xfrm>
+            <a:off x="359573" y="573437"/>
+            <a:ext cx="11032327" cy="1327473"/>
+          </a:xfrm>
+          <a:prstGeom prst="rect">
+            <a:avLst/>
+          </a:prstGeom>
+        </p:spPr>
+      </p:pic>
+    </p:spTree>
+    <p:extLst>
+      <p:ext uri="{BB962C8B-B14F-4D97-AF65-F5344CB8AC3E}">
+        <p14:creationId xmlns:p14="http://schemas.microsoft.com/office/powerpoint/2010/main" val="1381973613"/>
+      </p:ext>
+    </p:extLst>
+  </p:cSld>
+  <p:clrMapOvr>
+    <a:masterClrMapping/>
+  </p:clrMapOvr>
+</p:sld>
+</file>
+
+<file path=ppt/slides/slide44.xml><?xml version="1.0" encoding="utf-8"?>
+<p:sld xmlns:a="http://schemas.openxmlformats.org/drawingml/2006/main" xmlns:r="http://schemas.openxmlformats.org/officeDocument/2006/relationships" xmlns:p="http://schemas.openxmlformats.org/presentationml/2006/main" showMasterSp="0">
+  <p:cSld>
+    <p:bg>
+      <p:bgPr>
+        <a:solidFill>
+          <a:schemeClr val="tx1"/>
+        </a:solidFill>
+        <a:effectLst/>
+      </p:bgPr>
+    </p:bg>
+    <p:spTree>
+      <p:nvGrpSpPr>
+        <p:cNvPr id="1" name=""/>
+        <p:cNvGrpSpPr/>
+        <p:nvPr/>
+      </p:nvGrpSpPr>
+      <p:grpSpPr>
+        <a:xfrm>
+          <a:off x="0" y="0"/>
+          <a:ext cx="0" cy="0"/>
+          <a:chOff x="0" y="0"/>
+          <a:chExt cx="0" cy="0"/>
+        </a:xfrm>
+      </p:grpSpPr>
+      <p:sp>
+        <p:nvSpPr>
+          <p:cNvPr id="2" name="Title 1">
+            <a:extLst>
+              <a:ext uri="{FF2B5EF4-FFF2-40B4-BE49-F238E27FC236}">
+                <a16:creationId xmlns:a16="http://schemas.microsoft.com/office/drawing/2014/main" id="{F376363F-57CB-7C46-8D30-6997A8CB848E}"/>
+              </a:ext>
+            </a:extLst>
+          </p:cNvPr>
+          <p:cNvSpPr>
+            <a:spLocks noGrp="1"/>
+          </p:cNvSpPr>
+          <p:nvPr>
+            <p:ph type="title"/>
+          </p:nvPr>
+        </p:nvSpPr>
+        <p:spPr>
+          <a:xfrm>
             <a:off x="-139486" y="293771"/>
             <a:ext cx="5346915" cy="1477328"/>
           </a:xfrm>
@@ -16915,7 +17536,7 @@
 </p:sld>
 </file>
 
-<file path=ppt/slides/slide44.xml><?xml version="1.0" encoding="utf-8"?>
+<file path=ppt/slides/slide45.xml><?xml version="1.0" encoding="utf-8"?>
 <p:sld xmlns:a="http://schemas.openxmlformats.org/drawingml/2006/main" xmlns:r="http://schemas.openxmlformats.org/officeDocument/2006/relationships" xmlns:p="http://schemas.openxmlformats.org/presentationml/2006/main" showMasterSp="0">
   <p:cSld>
     <p:bg>
@@ -16958,12 +17579,14 @@
         </p:nvSpPr>
         <p:spPr>
           <a:xfrm>
-            <a:off x="3422542" y="130305"/>
-            <a:ext cx="5346915" cy="567119"/>
+            <a:off x="-139486" y="293771"/>
+            <a:ext cx="5346915" cy="1798500"/>
           </a:xfrm>
         </p:spPr>
         <p:txBody>
-          <a:bodyPr/>
+          <a:bodyPr>
+            <a:normAutofit fontScale="90000"/>
+          </a:bodyPr>
           <a:lstStyle/>
           <a:p>
             <a:pPr algn="ctr"/>
@@ -16975,17 +17598,71 @@
                 <a:latin typeface="Times New Roman" panose="02020603050405020304" pitchFamily="18" charset="0"/>
                 <a:cs typeface="Times New Roman" panose="02020603050405020304" pitchFamily="18" charset="0"/>
               </a:rPr>
-              <a:t>PCA. Survey Q5</a:t>
-            </a:r>
-          </a:p>
-        </p:txBody>
-      </p:sp>
-      <p:sp>
-        <p:nvSpPr>
-          <p:cNvPr id="5" name="Rectangle 4">
+              <a:t>PCA</a:t>
+            </a:r>
+            <a:br>
+              <a:rPr lang="en-US" b="1" dirty="0">
+                <a:solidFill>
+                  <a:schemeClr val="bg1"/>
+                </a:solidFill>
+                <a:latin typeface="Times New Roman" panose="02020603050405020304" pitchFamily="18" charset="0"/>
+                <a:cs typeface="Times New Roman" panose="02020603050405020304" pitchFamily="18" charset="0"/>
+              </a:rPr>
+            </a:br>
+            <a:r>
+              <a:rPr lang="en-US" b="1" dirty="0">
+                <a:solidFill>
+                  <a:schemeClr val="bg1"/>
+                </a:solidFill>
+                <a:latin typeface="Times New Roman" panose="02020603050405020304" pitchFamily="18" charset="0"/>
+                <a:cs typeface="Times New Roman" panose="02020603050405020304" pitchFamily="18" charset="0"/>
+              </a:rPr>
+              <a:t>Survey Q7</a:t>
+            </a:r>
+            <a:br>
+              <a:rPr lang="en-US" b="1" dirty="0">
+                <a:solidFill>
+                  <a:schemeClr val="bg1"/>
+                </a:solidFill>
+                <a:latin typeface="Times New Roman" panose="02020603050405020304" pitchFamily="18" charset="0"/>
+                <a:cs typeface="Times New Roman" panose="02020603050405020304" pitchFamily="18" charset="0"/>
+              </a:rPr>
+            </a:br>
+            <a:r>
+              <a:rPr lang="en-US" b="1" dirty="0">
+                <a:solidFill>
+                  <a:schemeClr val="bg1"/>
+                </a:solidFill>
+                <a:latin typeface="Times New Roman" panose="02020603050405020304" pitchFamily="18" charset="0"/>
+                <a:cs typeface="Times New Roman" panose="02020603050405020304" pitchFamily="18" charset="0"/>
+              </a:rPr>
+              <a:t>Individual level absorptive capacity</a:t>
+            </a:r>
+            <a:br>
+              <a:rPr lang="en-US" b="1" dirty="0">
+                <a:solidFill>
+                  <a:schemeClr val="bg1"/>
+                </a:solidFill>
+                <a:latin typeface="Times New Roman" panose="02020603050405020304" pitchFamily="18" charset="0"/>
+                <a:cs typeface="Times New Roman" panose="02020603050405020304" pitchFamily="18" charset="0"/>
+              </a:rPr>
+            </a:br>
+            <a:endParaRPr lang="en-US" b="1" dirty="0">
+              <a:solidFill>
+                <a:schemeClr val="bg1"/>
+              </a:solidFill>
+              <a:latin typeface="Times New Roman" panose="02020603050405020304" pitchFamily="18" charset="0"/>
+              <a:cs typeface="Times New Roman" panose="02020603050405020304" pitchFamily="18" charset="0"/>
+            </a:endParaRPr>
+          </a:p>
+        </p:txBody>
+      </p:sp>
+      <p:sp>
+        <p:nvSpPr>
+          <p:cNvPr id="6" name="Rectangle 5">
             <a:extLst>
               <a:ext uri="{FF2B5EF4-FFF2-40B4-BE49-F238E27FC236}">
-                <a16:creationId xmlns:a16="http://schemas.microsoft.com/office/drawing/2014/main" id="{BD8B4206-4A29-2148-B4B7-602E621F85F8}"/>
+                <a16:creationId xmlns:a16="http://schemas.microsoft.com/office/drawing/2014/main" id="{B335D236-8F50-8C4C-8D59-BEC353129962}"/>
               </a:ext>
             </a:extLst>
           </p:cNvPr>
@@ -16994,8 +17671,8 @@
         </p:nvSpPr>
         <p:spPr>
           <a:xfrm>
-            <a:off x="359573" y="1834048"/>
-            <a:ext cx="11279653" cy="4893647"/>
+            <a:off x="4742481" y="339569"/>
+            <a:ext cx="6704806" cy="3108543"/>
           </a:xfrm>
           <a:prstGeom prst="rect">
             <a:avLst/>
@@ -17008,242 +17685,356 @@
           <a:lstStyle/>
           <a:p>
             <a:r>
-              <a:rPr lang="en-MY" sz="2600" b="1" dirty="0">
-                <a:solidFill>
-                  <a:schemeClr val="bg1"/>
-                </a:solidFill>
-                <a:latin typeface="Times New Roman" panose="02020603050405020304" pitchFamily="18" charset="0"/>
-                <a:cs typeface="Times New Roman" panose="02020603050405020304" pitchFamily="18" charset="0"/>
-              </a:rPr>
-              <a:t>Interpretation: </a:t>
-            </a:r>
-            <a:r>
-              <a:rPr lang="en-MY" sz="2600" dirty="0">
-                <a:solidFill>
-                  <a:srgbClr val="000000"/>
-                </a:solidFill>
-                <a:latin typeface="Times New Roman" panose="02020603050405020304" pitchFamily="18" charset="0"/>
-                <a:cs typeface="Times New Roman" panose="02020603050405020304" pitchFamily="18" charset="0"/>
-              </a:rPr>
-              <a:t>Q5_Q5_4 </a:t>
-            </a:r>
-            <a:r>
-              <a:rPr lang="en-MY" sz="2600" dirty="0">
-                <a:solidFill>
-                  <a:schemeClr val="bg1"/>
-                </a:solidFill>
-                <a:latin typeface="Times New Roman" panose="02020603050405020304" pitchFamily="18" charset="0"/>
-                <a:cs typeface="Times New Roman" panose="02020603050405020304" pitchFamily="18" charset="0"/>
-              </a:rPr>
-              <a:t>[ Q4 ] </a:t>
-            </a:r>
-            <a:r>
-              <a:rPr lang="en-MY" sz="2600" dirty="0">
-                <a:solidFill>
-                  <a:srgbClr val="000000"/>
-                </a:solidFill>
-                <a:latin typeface="Times New Roman" panose="02020603050405020304" pitchFamily="18" charset="0"/>
-                <a:cs typeface="Times New Roman" panose="02020603050405020304" pitchFamily="18" charset="0"/>
-              </a:rPr>
-              <a:t>is ‘I have the necessary skills to complete a web programming task in </a:t>
-            </a:r>
-            <a:r>
-              <a:rPr lang="en-MY" sz="2600" dirty="0" err="1">
-                <a:solidFill>
-                  <a:srgbClr val="000000"/>
-                </a:solidFill>
-                <a:latin typeface="Times New Roman" panose="02020603050405020304" pitchFamily="18" charset="0"/>
-                <a:cs typeface="Times New Roman" panose="02020603050405020304" pitchFamily="18" charset="0"/>
-              </a:rPr>
-              <a:t>Javascript</a:t>
-            </a:r>
-            <a:r>
-              <a:rPr lang="en-MY" sz="2600" b="1" dirty="0">
-                <a:solidFill>
-                  <a:schemeClr val="bg2"/>
-                </a:solidFill>
-                <a:latin typeface="Times New Roman" panose="02020603050405020304" pitchFamily="18" charset="0"/>
-                <a:cs typeface="Times New Roman" panose="02020603050405020304" pitchFamily="18" charset="0"/>
-              </a:rPr>
-              <a:t>’ </a:t>
-            </a:r>
-            <a:r>
-              <a:rPr lang="en-MY" sz="2600" b="1" dirty="0">
-                <a:solidFill>
-                  <a:srgbClr val="FF0000"/>
-                </a:solidFill>
-                <a:latin typeface="Times New Roman" panose="02020603050405020304" pitchFamily="18" charset="0"/>
-                <a:cs typeface="Times New Roman" panose="02020603050405020304" pitchFamily="18" charset="0"/>
-              </a:rPr>
-              <a:t>[ most important ] </a:t>
-            </a:r>
-          </a:p>
-          <a:p>
-            <a:r>
-              <a:rPr lang="en-MY" sz="2600" dirty="0">
-                <a:solidFill>
-                  <a:srgbClr val="000000"/>
-                </a:solidFill>
-                <a:latin typeface="Times New Roman" panose="02020603050405020304" pitchFamily="18" charset="0"/>
-                <a:cs typeface="Times New Roman" panose="02020603050405020304" pitchFamily="18" charset="0"/>
-              </a:rPr>
-              <a:t>Q5_Q5_2 [ Q2 ] is ‘I have a clear vision of what needs to be achieved when developing a mashup (combining data in an interactive web application) in </a:t>
-            </a:r>
-            <a:r>
-              <a:rPr lang="en-MY" sz="2600" dirty="0" err="1">
-                <a:solidFill>
-                  <a:srgbClr val="000000"/>
-                </a:solidFill>
-                <a:latin typeface="Times New Roman" panose="02020603050405020304" pitchFamily="18" charset="0"/>
-                <a:cs typeface="Times New Roman" panose="02020603050405020304" pitchFamily="18" charset="0"/>
-              </a:rPr>
-              <a:t>Javascript</a:t>
-            </a:r>
-            <a:r>
-              <a:rPr lang="en-MY" sz="2600" dirty="0">
-                <a:solidFill>
-                  <a:srgbClr val="000000"/>
-                </a:solidFill>
-                <a:latin typeface="Times New Roman" panose="02020603050405020304" pitchFamily="18" charset="0"/>
-                <a:cs typeface="Times New Roman" panose="02020603050405020304" pitchFamily="18" charset="0"/>
-              </a:rPr>
-              <a:t>’ </a:t>
-            </a:r>
-            <a:r>
-              <a:rPr lang="en-MY" sz="2600" b="1" dirty="0">
-                <a:solidFill>
-                  <a:srgbClr val="FF0000"/>
-                </a:solidFill>
-                <a:latin typeface="Times New Roman" panose="02020603050405020304" pitchFamily="18" charset="0"/>
-                <a:cs typeface="Times New Roman" panose="02020603050405020304" pitchFamily="18" charset="0"/>
-              </a:rPr>
-              <a:t>[ 2</a:t>
-            </a:r>
-            <a:r>
-              <a:rPr lang="en-MY" sz="2600" b="1" baseline="30000" dirty="0">
-                <a:solidFill>
-                  <a:srgbClr val="FF0000"/>
-                </a:solidFill>
-                <a:latin typeface="Times New Roman" panose="02020603050405020304" pitchFamily="18" charset="0"/>
-                <a:cs typeface="Times New Roman" panose="02020603050405020304" pitchFamily="18" charset="0"/>
-              </a:rPr>
-              <a:t>nd</a:t>
-            </a:r>
-            <a:r>
-              <a:rPr lang="en-MY" sz="2600" b="1" dirty="0">
-                <a:solidFill>
-                  <a:srgbClr val="FF0000"/>
-                </a:solidFill>
-                <a:latin typeface="Times New Roman" panose="02020603050405020304" pitchFamily="18" charset="0"/>
-                <a:cs typeface="Times New Roman" panose="02020603050405020304" pitchFamily="18" charset="0"/>
-              </a:rPr>
-              <a:t>  important ] </a:t>
-            </a:r>
-          </a:p>
-          <a:p>
-            <a:r>
-              <a:rPr lang="en-MY" sz="2600" dirty="0">
-                <a:solidFill>
-                  <a:srgbClr val="000000"/>
-                </a:solidFill>
-                <a:latin typeface="Times New Roman" panose="02020603050405020304" pitchFamily="18" charset="0"/>
-                <a:cs typeface="Times New Roman" panose="02020603050405020304" pitchFamily="18" charset="0"/>
-              </a:rPr>
-              <a:t>Q5_Q5_1 [ Q1 ] is ‘I have sufficient access to information about best practices in JavaScript coding’ </a:t>
-            </a:r>
-            <a:r>
-              <a:rPr lang="en-MY" sz="2600" b="1" dirty="0">
-                <a:solidFill>
-                  <a:srgbClr val="FF0000"/>
-                </a:solidFill>
-                <a:latin typeface="Times New Roman" panose="02020603050405020304" pitchFamily="18" charset="0"/>
-                <a:cs typeface="Times New Roman" panose="02020603050405020304" pitchFamily="18" charset="0"/>
-              </a:rPr>
-              <a:t>[ 4th important ] </a:t>
-            </a:r>
-          </a:p>
-          <a:p>
-            <a:r>
-              <a:rPr lang="en-MY" sz="2600" dirty="0">
-                <a:solidFill>
-                  <a:schemeClr val="bg1"/>
-                </a:solidFill>
-                <a:latin typeface="Times New Roman" panose="02020603050405020304" pitchFamily="18" charset="0"/>
-                <a:cs typeface="Times New Roman" panose="02020603050405020304" pitchFamily="18" charset="0"/>
-              </a:rPr>
-              <a:t>Q5_Q5_3 [ Q3 ] is  ‘I am able to communicate programming issues with others well’ </a:t>
-            </a:r>
-            <a:r>
-              <a:rPr lang="en-MY" sz="2600" b="1" dirty="0">
-                <a:solidFill>
-                  <a:srgbClr val="FF0000"/>
-                </a:solidFill>
-                <a:latin typeface="Times New Roman" panose="02020603050405020304" pitchFamily="18" charset="0"/>
-                <a:cs typeface="Times New Roman" panose="02020603050405020304" pitchFamily="18" charset="0"/>
-              </a:rPr>
-              <a:t>[ 3rd  important ] </a:t>
-            </a:r>
-          </a:p>
-          <a:p>
-            <a:r>
-              <a:rPr lang="en-MY" sz="2600" dirty="0">
-                <a:solidFill>
-                  <a:schemeClr val="bg1"/>
-                </a:solidFill>
-                <a:latin typeface="Times New Roman" panose="02020603050405020304" pitchFamily="18" charset="0"/>
-                <a:cs typeface="Times New Roman" panose="02020603050405020304" pitchFamily="18" charset="0"/>
-              </a:rPr>
-              <a:t>Q5_Q5_5 [ Q5 ] is  ‘I have the technical competence to absorb new programming knowledge’ </a:t>
-            </a:r>
-            <a:r>
-              <a:rPr lang="en-MY" sz="2600" b="1" dirty="0">
-                <a:solidFill>
-                  <a:srgbClr val="FF0000"/>
-                </a:solidFill>
-                <a:latin typeface="Times New Roman" panose="02020603050405020304" pitchFamily="18" charset="0"/>
-                <a:cs typeface="Times New Roman" panose="02020603050405020304" pitchFamily="18" charset="0"/>
-              </a:rPr>
-              <a:t>[ 5</a:t>
-            </a:r>
-            <a:r>
-              <a:rPr lang="en-MY" sz="2600" b="1" baseline="30000" dirty="0">
-                <a:solidFill>
-                  <a:srgbClr val="FF0000"/>
-                </a:solidFill>
-                <a:latin typeface="Times New Roman" panose="02020603050405020304" pitchFamily="18" charset="0"/>
-                <a:cs typeface="Times New Roman" panose="02020603050405020304" pitchFamily="18" charset="0"/>
-              </a:rPr>
-              <a:t>th</a:t>
-            </a:r>
-            <a:r>
-              <a:rPr lang="en-MY" sz="2600" b="1" dirty="0">
-                <a:solidFill>
-                  <a:srgbClr val="FF0000"/>
-                </a:solidFill>
-                <a:latin typeface="Times New Roman" panose="02020603050405020304" pitchFamily="18" charset="0"/>
-                <a:cs typeface="Times New Roman" panose="02020603050405020304" pitchFamily="18" charset="0"/>
-              </a:rPr>
-              <a:t>  important ] </a:t>
-            </a:r>
-          </a:p>
-          <a:p>
-            <a:endParaRPr lang="en-MY" sz="2600" b="1" i="0" dirty="0">
+              <a:rPr lang="en-MY" sz="2800" dirty="0">
+                <a:solidFill>
+                  <a:schemeClr val="bg1"/>
+                </a:solidFill>
+                <a:latin typeface="Times New Roman" panose="02020603050405020304" pitchFamily="18" charset="0"/>
+                <a:cs typeface="Times New Roman" panose="02020603050405020304" pitchFamily="18" charset="0"/>
+              </a:rPr>
+              <a:t>How would you describe your programming skills?</a:t>
+            </a:r>
+          </a:p>
+          <a:p>
+            <a:endParaRPr lang="en-MY" sz="2800" dirty="0">
               <a:solidFill>
-                <a:srgbClr val="FF0000"/>
+                <a:schemeClr val="bg1"/>
               </a:solidFill>
-              <a:effectLst/>
               <a:latin typeface="Times New Roman" panose="02020603050405020304" pitchFamily="18" charset="0"/>
               <a:cs typeface="Times New Roman" panose="02020603050405020304" pitchFamily="18" charset="0"/>
             </a:endParaRPr>
           </a:p>
+          <a:p>
+            <a:r>
+              <a:rPr lang="en-MY" sz="2800" dirty="0">
+                <a:solidFill>
+                  <a:schemeClr val="bg1"/>
+                </a:solidFill>
+                <a:latin typeface="Times New Roman" panose="02020603050405020304" pitchFamily="18" charset="0"/>
+                <a:cs typeface="Times New Roman" panose="02020603050405020304" pitchFamily="18" charset="0"/>
+              </a:rPr>
+              <a:t>Cronbach’s alpha (0.8772 ) ( acceptable consistency)</a:t>
+            </a:r>
+          </a:p>
+          <a:p>
+            <a:r>
+              <a:rPr lang="en-MY" sz="2800" dirty="0">
+                <a:solidFill>
+                  <a:schemeClr val="bg1"/>
+                </a:solidFill>
+                <a:latin typeface="Times New Roman" panose="02020603050405020304" pitchFamily="18" charset="0"/>
+                <a:cs typeface="Times New Roman" panose="02020603050405020304" pitchFamily="18" charset="0"/>
+              </a:rPr>
+              <a:t>KMO  (0.7453 ) (adequate)</a:t>
+            </a:r>
+          </a:p>
+          <a:p>
+            <a:r>
+              <a:rPr lang="en-MY" sz="2800" dirty="0" err="1">
+                <a:solidFill>
+                  <a:schemeClr val="bg1"/>
+                </a:solidFill>
+                <a:latin typeface="Times New Roman" panose="02020603050405020304" pitchFamily="18" charset="0"/>
+                <a:cs typeface="Times New Roman" panose="02020603050405020304" pitchFamily="18" charset="0"/>
+              </a:rPr>
+              <a:t>Barlett’s</a:t>
+            </a:r>
+            <a:r>
+              <a:rPr lang="en-MY" sz="2800" dirty="0">
+                <a:solidFill>
+                  <a:schemeClr val="bg1"/>
+                </a:solidFill>
+                <a:latin typeface="Times New Roman" panose="02020603050405020304" pitchFamily="18" charset="0"/>
+                <a:cs typeface="Times New Roman" panose="02020603050405020304" pitchFamily="18" charset="0"/>
+              </a:rPr>
+              <a:t> Test (1.323e-82) (significant)</a:t>
+            </a:r>
+            <a:endParaRPr lang="en-MY" sz="3200" dirty="0">
+              <a:solidFill>
+                <a:schemeClr val="bg1"/>
+              </a:solidFill>
+              <a:latin typeface="Times New Roman" panose="02020603050405020304" pitchFamily="18" charset="0"/>
+              <a:cs typeface="Times New Roman" panose="02020603050405020304" pitchFamily="18" charset="0"/>
+            </a:endParaRPr>
+          </a:p>
         </p:txBody>
       </p:sp>
       <p:pic>
         <p:nvPicPr>
-          <p:cNvPr id="4" name="Picture 3">
+          <p:cNvPr id="7" name="Content Placeholder 6" descr="Text&#10;&#10;Description automatically generated with medium confidence">
             <a:extLst>
               <a:ext uri="{FF2B5EF4-FFF2-40B4-BE49-F238E27FC236}">
-                <a16:creationId xmlns:a16="http://schemas.microsoft.com/office/drawing/2014/main" id="{556A54E3-5351-E142-B4AE-5454E54377B5}"/>
+                <a16:creationId xmlns:a16="http://schemas.microsoft.com/office/drawing/2014/main" id="{8995CFC7-3834-E442-BA62-8127837CE087}"/>
+              </a:ext>
+            </a:extLst>
+          </p:cNvPr>
+          <p:cNvPicPr>
+            <a:picLocks noGrp="1" noChangeAspect="1"/>
+          </p:cNvPicPr>
+          <p:nvPr>
+            <p:ph idx="1"/>
+          </p:nvPr>
+        </p:nvPicPr>
+        <p:blipFill>
+          <a:blip r:embed="rId3"/>
+          <a:stretch>
+            <a:fillRect/>
+          </a:stretch>
+        </p:blipFill>
+        <p:spPr>
+          <a:xfrm>
+            <a:off x="232178" y="3964781"/>
+            <a:ext cx="11215109" cy="2211430"/>
+          </a:xfrm>
+        </p:spPr>
+      </p:pic>
+    </p:spTree>
+    <p:extLst>
+      <p:ext uri="{BB962C8B-B14F-4D97-AF65-F5344CB8AC3E}">
+        <p14:creationId xmlns:p14="http://schemas.microsoft.com/office/powerpoint/2010/main" val="4083254147"/>
+      </p:ext>
+    </p:extLst>
+  </p:cSld>
+  <p:clrMapOvr>
+    <a:masterClrMapping/>
+  </p:clrMapOvr>
+</p:sld>
+</file>
+
+<file path=ppt/slides/slide46.xml><?xml version="1.0" encoding="utf-8"?>
+<p:sld xmlns:a="http://schemas.openxmlformats.org/drawingml/2006/main" xmlns:r="http://schemas.openxmlformats.org/officeDocument/2006/relationships" xmlns:p="http://schemas.openxmlformats.org/presentationml/2006/main" showMasterSp="0">
+  <p:cSld>
+    <p:bg>
+      <p:bgPr>
+        <a:solidFill>
+          <a:schemeClr val="tx1"/>
+        </a:solidFill>
+        <a:effectLst/>
+      </p:bgPr>
+    </p:bg>
+    <p:spTree>
+      <p:nvGrpSpPr>
+        <p:cNvPr id="1" name=""/>
+        <p:cNvGrpSpPr/>
+        <p:nvPr/>
+      </p:nvGrpSpPr>
+      <p:grpSpPr>
+        <a:xfrm>
+          <a:off x="0" y="0"/>
+          <a:ext cx="0" cy="0"/>
+          <a:chOff x="0" y="0"/>
+          <a:chExt cx="0" cy="0"/>
+        </a:xfrm>
+      </p:grpSpPr>
+      <p:sp>
+        <p:nvSpPr>
+          <p:cNvPr id="2" name="Title 1">
+            <a:extLst>
+              <a:ext uri="{FF2B5EF4-FFF2-40B4-BE49-F238E27FC236}">
+                <a16:creationId xmlns:a16="http://schemas.microsoft.com/office/drawing/2014/main" id="{F376363F-57CB-7C46-8D30-6997A8CB848E}"/>
+              </a:ext>
+            </a:extLst>
+          </p:cNvPr>
+          <p:cNvSpPr>
+            <a:spLocks noGrp="1"/>
+          </p:cNvSpPr>
+          <p:nvPr>
+            <p:ph type="title"/>
+          </p:nvPr>
+        </p:nvSpPr>
+        <p:spPr>
+          <a:xfrm>
+            <a:off x="-139486" y="293771"/>
+            <a:ext cx="5346915" cy="1477328"/>
+          </a:xfrm>
+        </p:spPr>
+        <p:txBody>
+          <a:bodyPr/>
+          <a:lstStyle/>
+          <a:p>
+            <a:pPr algn="ctr"/>
+            <a:r>
+              <a:rPr lang="en-US" b="1" dirty="0">
+                <a:solidFill>
+                  <a:schemeClr val="bg1"/>
+                </a:solidFill>
+                <a:latin typeface="Times New Roman" panose="02020603050405020304" pitchFamily="18" charset="0"/>
+                <a:cs typeface="Times New Roman" panose="02020603050405020304" pitchFamily="18" charset="0"/>
+              </a:rPr>
+              <a:t>PCA</a:t>
+            </a:r>
+            <a:br>
+              <a:rPr lang="en-US" b="1" dirty="0">
+                <a:solidFill>
+                  <a:schemeClr val="bg1"/>
+                </a:solidFill>
+                <a:latin typeface="Times New Roman" panose="02020603050405020304" pitchFamily="18" charset="0"/>
+                <a:cs typeface="Times New Roman" panose="02020603050405020304" pitchFamily="18" charset="0"/>
+              </a:rPr>
+            </a:br>
+            <a:r>
+              <a:rPr lang="en-US" b="1" dirty="0">
+                <a:solidFill>
+                  <a:schemeClr val="bg1"/>
+                </a:solidFill>
+                <a:latin typeface="Times New Roman" panose="02020603050405020304" pitchFamily="18" charset="0"/>
+                <a:cs typeface="Times New Roman" panose="02020603050405020304" pitchFamily="18" charset="0"/>
+              </a:rPr>
+              <a:t>Survey Q7</a:t>
+            </a:r>
+            <a:br>
+              <a:rPr lang="en-US" b="1" dirty="0">
+                <a:solidFill>
+                  <a:schemeClr val="bg1"/>
+                </a:solidFill>
+                <a:latin typeface="Times New Roman" panose="02020603050405020304" pitchFamily="18" charset="0"/>
+                <a:cs typeface="Times New Roman" panose="02020603050405020304" pitchFamily="18" charset="0"/>
+              </a:rPr>
+            </a:br>
+            <a:endParaRPr lang="en-US" b="1" dirty="0">
+              <a:solidFill>
+                <a:schemeClr val="bg1"/>
+              </a:solidFill>
+              <a:latin typeface="Times New Roman" panose="02020603050405020304" pitchFamily="18" charset="0"/>
+              <a:cs typeface="Times New Roman" panose="02020603050405020304" pitchFamily="18" charset="0"/>
+            </a:endParaRPr>
+          </a:p>
+        </p:txBody>
+      </p:sp>
+      <p:sp>
+        <p:nvSpPr>
+          <p:cNvPr id="6" name="Rectangle 5">
+            <a:extLst>
+              <a:ext uri="{FF2B5EF4-FFF2-40B4-BE49-F238E27FC236}">
+                <a16:creationId xmlns:a16="http://schemas.microsoft.com/office/drawing/2014/main" id="{B335D236-8F50-8C4C-8D59-BEC353129962}"/>
+              </a:ext>
+            </a:extLst>
+          </p:cNvPr>
+          <p:cNvSpPr/>
+          <p:nvPr/>
+        </p:nvSpPr>
+        <p:spPr>
+          <a:xfrm>
+            <a:off x="4411362" y="339569"/>
+            <a:ext cx="7035925" cy="1569660"/>
+          </a:xfrm>
+          <a:prstGeom prst="rect">
+            <a:avLst/>
+          </a:prstGeom>
+        </p:spPr>
+        <p:txBody>
+          <a:bodyPr wrap="square">
+            <a:spAutoFit/>
+          </a:bodyPr>
+          <a:lstStyle/>
+          <a:p>
+            <a:r>
+              <a:rPr lang="en-MY" sz="3200" dirty="0">
+                <a:solidFill>
+                  <a:schemeClr val="bg1"/>
+                </a:solidFill>
+                <a:latin typeface="Times New Roman" panose="02020603050405020304" pitchFamily="18" charset="0"/>
+                <a:cs typeface="Times New Roman" panose="02020603050405020304" pitchFamily="18" charset="0"/>
+              </a:rPr>
+              <a:t>One Principle Components Explained 73.4% of the Variance. </a:t>
+            </a:r>
+          </a:p>
+          <a:p>
+            <a:endParaRPr lang="en-MY" sz="3200" dirty="0">
+              <a:solidFill>
+                <a:schemeClr val="bg1"/>
+              </a:solidFill>
+              <a:latin typeface="Times New Roman" panose="02020603050405020304" pitchFamily="18" charset="0"/>
+              <a:cs typeface="Times New Roman" panose="02020603050405020304" pitchFamily="18" charset="0"/>
+            </a:endParaRPr>
+          </a:p>
+        </p:txBody>
+      </p:sp>
+      <p:sp>
+        <p:nvSpPr>
+          <p:cNvPr id="4" name="Content Placeholder 3">
+            <a:extLst>
+              <a:ext uri="{FF2B5EF4-FFF2-40B4-BE49-F238E27FC236}">
+                <a16:creationId xmlns:a16="http://schemas.microsoft.com/office/drawing/2014/main" id="{ED6974DE-F708-7940-8EC6-C3420418C130}"/>
+              </a:ext>
+            </a:extLst>
+          </p:cNvPr>
+          <p:cNvSpPr>
+            <a:spLocks noGrp="1"/>
+          </p:cNvSpPr>
+          <p:nvPr>
+            <p:ph idx="1"/>
+          </p:nvPr>
+        </p:nvSpPr>
+        <p:spPr>
+          <a:xfrm>
+            <a:off x="573438" y="1790193"/>
+            <a:ext cx="11329260" cy="1638807"/>
+          </a:xfrm>
+        </p:spPr>
+        <p:txBody>
+          <a:bodyPr>
+            <a:normAutofit/>
+          </a:bodyPr>
+          <a:lstStyle/>
+          <a:p>
+            <a:r>
+              <a:rPr lang="en-US" sz="2500" dirty="0">
+                <a:solidFill>
+                  <a:schemeClr val="bg1">
+                    <a:alpha val="58000"/>
+                  </a:schemeClr>
+                </a:solidFill>
+                <a:latin typeface="Times New Roman" panose="02020603050405020304" pitchFamily="18" charset="0"/>
+                <a:cs typeface="Times New Roman" panose="02020603050405020304" pitchFamily="18" charset="0"/>
+              </a:rPr>
+              <a:t>PC1 explained 73.4% of the variance  - Person with High Value for PC1 will have </a:t>
+            </a:r>
+            <a:r>
+              <a:rPr lang="en-US" sz="2500" dirty="0">
+                <a:solidFill>
+                  <a:srgbClr val="FF0000">
+                    <a:alpha val="58000"/>
+                  </a:srgbClr>
+                </a:solidFill>
+                <a:latin typeface="Times New Roman" panose="02020603050405020304" pitchFamily="18" charset="0"/>
+                <a:cs typeface="Times New Roman" panose="02020603050405020304" pitchFamily="18" charset="0"/>
+              </a:rPr>
+              <a:t>high</a:t>
+            </a:r>
+            <a:r>
+              <a:rPr lang="en-US" sz="2500" dirty="0">
+                <a:solidFill>
+                  <a:schemeClr val="bg1">
+                    <a:alpha val="58000"/>
+                  </a:schemeClr>
+                </a:solidFill>
+                <a:latin typeface="Times New Roman" panose="02020603050405020304" pitchFamily="18" charset="0"/>
+                <a:cs typeface="Times New Roman" panose="02020603050405020304" pitchFamily="18" charset="0"/>
+              </a:rPr>
+              <a:t> </a:t>
+            </a:r>
+            <a:r>
+              <a:rPr lang="en-US" sz="2500" dirty="0">
+                <a:solidFill>
+                  <a:srgbClr val="FF0000">
+                    <a:alpha val="58000"/>
+                  </a:srgbClr>
+                </a:solidFill>
+                <a:latin typeface="Times New Roman" panose="02020603050405020304" pitchFamily="18" charset="0"/>
+                <a:cs typeface="Times New Roman" panose="02020603050405020304" pitchFamily="18" charset="0"/>
+              </a:rPr>
+              <a:t>Q1 (0.5126) and high Q3 (0.5438 ). </a:t>
+            </a:r>
+          </a:p>
+        </p:txBody>
+      </p:sp>
+      <p:pic>
+        <p:nvPicPr>
+          <p:cNvPr id="7" name="Picture 6" descr="Table&#10;&#10;Description automatically generated with low confidence">
+            <a:extLst>
+              <a:ext uri="{FF2B5EF4-FFF2-40B4-BE49-F238E27FC236}">
+                <a16:creationId xmlns:a16="http://schemas.microsoft.com/office/drawing/2014/main" id="{72AAE8EA-11CB-9D47-97C9-B8C89CAF7791}"/>
               </a:ext>
             </a:extLst>
           </p:cNvPr>
@@ -17260,8 +18051,8 @@
         </p:blipFill>
         <p:spPr>
           <a:xfrm>
-            <a:off x="359573" y="573437"/>
-            <a:ext cx="11032327" cy="1327473"/>
+            <a:off x="1090065" y="3834063"/>
+            <a:ext cx="9885144" cy="1876926"/>
           </a:xfrm>
           <a:prstGeom prst="rect">
             <a:avLst/>
@@ -17271,7 +18062,326 @@
     </p:spTree>
     <p:extLst>
       <p:ext uri="{BB962C8B-B14F-4D97-AF65-F5344CB8AC3E}">
-        <p14:creationId xmlns:p14="http://schemas.microsoft.com/office/powerpoint/2010/main" val="1381973613"/>
+        <p14:creationId xmlns:p14="http://schemas.microsoft.com/office/powerpoint/2010/main" val="1648865066"/>
+      </p:ext>
+    </p:extLst>
+  </p:cSld>
+  <p:clrMapOvr>
+    <a:masterClrMapping/>
+  </p:clrMapOvr>
+</p:sld>
+</file>
+
+<file path=ppt/slides/slide47.xml><?xml version="1.0" encoding="utf-8"?>
+<p:sld xmlns:a="http://schemas.openxmlformats.org/drawingml/2006/main" xmlns:r="http://schemas.openxmlformats.org/officeDocument/2006/relationships" xmlns:p="http://schemas.openxmlformats.org/presentationml/2006/main" showMasterSp="0">
+  <p:cSld>
+    <p:bg>
+      <p:bgPr>
+        <a:solidFill>
+          <a:schemeClr val="tx1"/>
+        </a:solidFill>
+        <a:effectLst/>
+      </p:bgPr>
+    </p:bg>
+    <p:spTree>
+      <p:nvGrpSpPr>
+        <p:cNvPr id="1" name=""/>
+        <p:cNvGrpSpPr/>
+        <p:nvPr/>
+      </p:nvGrpSpPr>
+      <p:grpSpPr>
+        <a:xfrm>
+          <a:off x="0" y="0"/>
+          <a:ext cx="0" cy="0"/>
+          <a:chOff x="0" y="0"/>
+          <a:chExt cx="0" cy="0"/>
+        </a:xfrm>
+      </p:grpSpPr>
+      <p:sp>
+        <p:nvSpPr>
+          <p:cNvPr id="2" name="Title 1">
+            <a:extLst>
+              <a:ext uri="{FF2B5EF4-FFF2-40B4-BE49-F238E27FC236}">
+                <a16:creationId xmlns:a16="http://schemas.microsoft.com/office/drawing/2014/main" id="{F376363F-57CB-7C46-8D30-6997A8CB848E}"/>
+              </a:ext>
+            </a:extLst>
+          </p:cNvPr>
+          <p:cNvSpPr>
+            <a:spLocks noGrp="1"/>
+          </p:cNvSpPr>
+          <p:nvPr>
+            <p:ph type="title"/>
+          </p:nvPr>
+        </p:nvSpPr>
+        <p:spPr>
+          <a:xfrm>
+            <a:off x="3422542" y="290726"/>
+            <a:ext cx="5346915" cy="567119"/>
+          </a:xfrm>
+        </p:spPr>
+        <p:txBody>
+          <a:bodyPr/>
+          <a:lstStyle/>
+          <a:p>
+            <a:pPr algn="ctr"/>
+            <a:r>
+              <a:rPr lang="en-US" b="1">
+                <a:solidFill>
+                  <a:schemeClr val="bg1"/>
+                </a:solidFill>
+                <a:latin typeface="Times New Roman" panose="02020603050405020304" pitchFamily="18" charset="0"/>
+                <a:cs typeface="Times New Roman" panose="02020603050405020304" pitchFamily="18" charset="0"/>
+              </a:rPr>
+              <a:t>PCA </a:t>
+            </a:r>
+            <a:r>
+              <a:rPr lang="en-US" b="1" dirty="0">
+                <a:solidFill>
+                  <a:schemeClr val="bg1"/>
+                </a:solidFill>
+                <a:latin typeface="Times New Roman" panose="02020603050405020304" pitchFamily="18" charset="0"/>
+                <a:cs typeface="Times New Roman" panose="02020603050405020304" pitchFamily="18" charset="0"/>
+              </a:rPr>
+              <a:t>Survey Q7</a:t>
+            </a:r>
+          </a:p>
+        </p:txBody>
+      </p:sp>
+      <p:sp>
+        <p:nvSpPr>
+          <p:cNvPr id="5" name="Rectangle 4">
+            <a:extLst>
+              <a:ext uri="{FF2B5EF4-FFF2-40B4-BE49-F238E27FC236}">
+                <a16:creationId xmlns:a16="http://schemas.microsoft.com/office/drawing/2014/main" id="{BD8B4206-4A29-2148-B4B7-602E621F85F8}"/>
+              </a:ext>
+            </a:extLst>
+          </p:cNvPr>
+          <p:cNvSpPr/>
+          <p:nvPr/>
+        </p:nvSpPr>
+        <p:spPr>
+          <a:xfrm>
+            <a:off x="673768" y="2588027"/>
+            <a:ext cx="10965458" cy="3693319"/>
+          </a:xfrm>
+          <a:prstGeom prst="rect">
+            <a:avLst/>
+          </a:prstGeom>
+        </p:spPr>
+        <p:txBody>
+          <a:bodyPr wrap="square">
+            <a:spAutoFit/>
+          </a:bodyPr>
+          <a:lstStyle/>
+          <a:p>
+            <a:r>
+              <a:rPr lang="en-MY" sz="2600" b="1" dirty="0">
+                <a:solidFill>
+                  <a:schemeClr val="bg1"/>
+                </a:solidFill>
+                <a:latin typeface="Times New Roman" panose="02020603050405020304" pitchFamily="18" charset="0"/>
+                <a:cs typeface="Times New Roman" panose="02020603050405020304" pitchFamily="18" charset="0"/>
+              </a:rPr>
+              <a:t>Interpretation: </a:t>
+            </a:r>
+          </a:p>
+          <a:p>
+            <a:endParaRPr lang="en-MY" sz="2600" b="1" dirty="0">
+              <a:solidFill>
+                <a:schemeClr val="bg1"/>
+              </a:solidFill>
+              <a:latin typeface="Times New Roman" panose="02020603050405020304" pitchFamily="18" charset="0"/>
+              <a:cs typeface="Times New Roman" panose="02020603050405020304" pitchFamily="18" charset="0"/>
+            </a:endParaRPr>
+          </a:p>
+          <a:p>
+            <a:r>
+              <a:rPr lang="en-MY" sz="2600" dirty="0">
+                <a:solidFill>
+                  <a:srgbClr val="000000"/>
+                </a:solidFill>
+                <a:latin typeface="Times New Roman" panose="02020603050405020304" pitchFamily="18" charset="0"/>
+                <a:cs typeface="Times New Roman" panose="02020603050405020304" pitchFamily="18" charset="0"/>
+              </a:rPr>
+              <a:t>Q7_Q7_3 </a:t>
+            </a:r>
+            <a:r>
+              <a:rPr lang="en-MY" sz="2600" dirty="0">
+                <a:solidFill>
+                  <a:schemeClr val="bg1"/>
+                </a:solidFill>
+                <a:latin typeface="Times New Roman" panose="02020603050405020304" pitchFamily="18" charset="0"/>
+                <a:cs typeface="Times New Roman" panose="02020603050405020304" pitchFamily="18" charset="0"/>
+              </a:rPr>
+              <a:t>[ Q3 ] </a:t>
+            </a:r>
+            <a:r>
+              <a:rPr lang="en-MY" sz="2600" dirty="0">
+                <a:solidFill>
+                  <a:srgbClr val="000000"/>
+                </a:solidFill>
+                <a:latin typeface="Times New Roman" panose="02020603050405020304" pitchFamily="18" charset="0"/>
+                <a:cs typeface="Times New Roman" panose="02020603050405020304" pitchFamily="18" charset="0"/>
+              </a:rPr>
+              <a:t>is ‘I know somewhat more than most programmers about programming in </a:t>
+            </a:r>
+            <a:r>
+              <a:rPr lang="en-MY" sz="2600" dirty="0" err="1">
+                <a:solidFill>
+                  <a:srgbClr val="000000"/>
+                </a:solidFill>
+                <a:latin typeface="Times New Roman" panose="02020603050405020304" pitchFamily="18" charset="0"/>
+                <a:cs typeface="Times New Roman" panose="02020603050405020304" pitchFamily="18" charset="0"/>
+              </a:rPr>
+              <a:t>Javascript</a:t>
+            </a:r>
+            <a:r>
+              <a:rPr lang="en-MY" sz="2600" b="1" dirty="0">
+                <a:solidFill>
+                  <a:schemeClr val="bg2"/>
+                </a:solidFill>
+                <a:latin typeface="Times New Roman" panose="02020603050405020304" pitchFamily="18" charset="0"/>
+                <a:cs typeface="Times New Roman" panose="02020603050405020304" pitchFamily="18" charset="0"/>
+              </a:rPr>
+              <a:t>’ </a:t>
+            </a:r>
+            <a:r>
+              <a:rPr lang="en-MY" sz="2600" b="1" dirty="0">
+                <a:solidFill>
+                  <a:srgbClr val="FF0000"/>
+                </a:solidFill>
+                <a:latin typeface="Times New Roman" panose="02020603050405020304" pitchFamily="18" charset="0"/>
+                <a:cs typeface="Times New Roman" panose="02020603050405020304" pitchFamily="18" charset="0"/>
+              </a:rPr>
+              <a:t>[ most important ] </a:t>
+            </a:r>
+          </a:p>
+          <a:p>
+            <a:endParaRPr lang="en-MY" sz="2600" b="1" dirty="0">
+              <a:solidFill>
+                <a:srgbClr val="FF0000"/>
+              </a:solidFill>
+              <a:latin typeface="Times New Roman" panose="02020603050405020304" pitchFamily="18" charset="0"/>
+              <a:cs typeface="Times New Roman" panose="02020603050405020304" pitchFamily="18" charset="0"/>
+            </a:endParaRPr>
+          </a:p>
+          <a:p>
+            <a:r>
+              <a:rPr lang="en-MY" sz="2600" dirty="0">
+                <a:solidFill>
+                  <a:srgbClr val="000000"/>
+                </a:solidFill>
+                <a:latin typeface="Times New Roman" panose="02020603050405020304" pitchFamily="18" charset="0"/>
+                <a:cs typeface="Times New Roman" panose="02020603050405020304" pitchFamily="18" charset="0"/>
+              </a:rPr>
+              <a:t>Q7_Q7_1 [ Q1 ] is ‘I am extremely skilled at programming in </a:t>
+            </a:r>
+            <a:r>
+              <a:rPr lang="en-MY" sz="2600" dirty="0" err="1">
+                <a:solidFill>
+                  <a:srgbClr val="000000"/>
+                </a:solidFill>
+                <a:latin typeface="Times New Roman" panose="02020603050405020304" pitchFamily="18" charset="0"/>
+                <a:cs typeface="Times New Roman" panose="02020603050405020304" pitchFamily="18" charset="0"/>
+              </a:rPr>
+              <a:t>Javascript</a:t>
+            </a:r>
+            <a:r>
+              <a:rPr lang="en-MY" sz="2600" dirty="0">
+                <a:solidFill>
+                  <a:srgbClr val="000000"/>
+                </a:solidFill>
+                <a:latin typeface="Times New Roman" panose="02020603050405020304" pitchFamily="18" charset="0"/>
+                <a:cs typeface="Times New Roman" panose="02020603050405020304" pitchFamily="18" charset="0"/>
+              </a:rPr>
+              <a:t>’ </a:t>
+            </a:r>
+            <a:r>
+              <a:rPr lang="en-MY" sz="2600" b="1" dirty="0">
+                <a:solidFill>
+                  <a:srgbClr val="FF0000"/>
+                </a:solidFill>
+                <a:latin typeface="Times New Roman" panose="02020603050405020304" pitchFamily="18" charset="0"/>
+                <a:cs typeface="Times New Roman" panose="02020603050405020304" pitchFamily="18" charset="0"/>
+              </a:rPr>
+              <a:t>[ 2</a:t>
+            </a:r>
+            <a:r>
+              <a:rPr lang="en-MY" sz="2600" b="1" baseline="30000" dirty="0">
+                <a:solidFill>
+                  <a:srgbClr val="FF0000"/>
+                </a:solidFill>
+                <a:latin typeface="Times New Roman" panose="02020603050405020304" pitchFamily="18" charset="0"/>
+                <a:cs typeface="Times New Roman" panose="02020603050405020304" pitchFamily="18" charset="0"/>
+              </a:rPr>
+              <a:t>nd</a:t>
+            </a:r>
+            <a:r>
+              <a:rPr lang="en-MY" sz="2600" b="1" dirty="0">
+                <a:solidFill>
+                  <a:srgbClr val="FF0000"/>
+                </a:solidFill>
+                <a:latin typeface="Times New Roman" panose="02020603050405020304" pitchFamily="18" charset="0"/>
+                <a:cs typeface="Times New Roman" panose="02020603050405020304" pitchFamily="18" charset="0"/>
+              </a:rPr>
+              <a:t>  important ] </a:t>
+            </a:r>
+          </a:p>
+          <a:p>
+            <a:endParaRPr lang="en-MY" sz="2600" b="1" dirty="0">
+              <a:solidFill>
+                <a:srgbClr val="FF0000"/>
+              </a:solidFill>
+              <a:latin typeface="Times New Roman" panose="02020603050405020304" pitchFamily="18" charset="0"/>
+              <a:cs typeface="Times New Roman" panose="02020603050405020304" pitchFamily="18" charset="0"/>
+            </a:endParaRPr>
+          </a:p>
+          <a:p>
+            <a:endParaRPr lang="en-MY" sz="2600" b="1" i="0" dirty="0">
+              <a:solidFill>
+                <a:srgbClr val="FF0000"/>
+              </a:solidFill>
+              <a:effectLst/>
+              <a:latin typeface="Times New Roman" panose="02020603050405020304" pitchFamily="18" charset="0"/>
+              <a:cs typeface="Times New Roman" panose="02020603050405020304" pitchFamily="18" charset="0"/>
+            </a:endParaRPr>
+          </a:p>
+        </p:txBody>
+      </p:sp>
+      <p:pic>
+        <p:nvPicPr>
+          <p:cNvPr id="6" name="Picture 5">
+            <a:extLst>
+              <a:ext uri="{FF2B5EF4-FFF2-40B4-BE49-F238E27FC236}">
+                <a16:creationId xmlns:a16="http://schemas.microsoft.com/office/drawing/2014/main" id="{C55D2CF3-60C3-DC41-8414-58617174B45B}"/>
+              </a:ext>
+            </a:extLst>
+          </p:cNvPr>
+          <p:cNvPicPr>
+            <a:picLocks noChangeAspect="1"/>
+          </p:cNvPicPr>
+          <p:nvPr/>
+        </p:nvPicPr>
+        <p:blipFill>
+          <a:blip r:embed="rId3"/>
+          <a:stretch>
+            <a:fillRect/>
+          </a:stretch>
+        </p:blipFill>
+        <p:spPr>
+          <a:xfrm>
+            <a:off x="673768" y="857845"/>
+            <a:ext cx="10965458" cy="1434208"/>
+          </a:xfrm>
+          <a:prstGeom prst="rect">
+            <a:avLst/>
+          </a:prstGeom>
+        </p:spPr>
+      </p:pic>
+    </p:spTree>
+    <p:extLst>
+      <p:ext uri="{BB962C8B-B14F-4D97-AF65-F5344CB8AC3E}">
+        <p14:creationId xmlns:p14="http://schemas.microsoft.com/office/powerpoint/2010/main" val="3898009778"/>
       </p:ext>
     </p:extLst>
   </p:cSld>

--- a/surveys/survey_analysis_and_pca_theory.pptx
+++ b/surveys/survey_analysis_and_pca_theory.pptx
@@ -5,7 +5,7 @@
     <p:sldMasterId id="2147483753" r:id="rId1"/>
   </p:sldMasterIdLst>
   <p:notesMasterIdLst>
-    <p:notesMasterId r:id="rId49"/>
+    <p:notesMasterId r:id="rId53"/>
   </p:notesMasterIdLst>
   <p:sldIdLst>
     <p:sldId id="256" r:id="rId2"/>
@@ -40,21 +40,25 @@
     <p:sldId id="287" r:id="rId31"/>
     <p:sldId id="288" r:id="rId32"/>
     <p:sldId id="289" r:id="rId33"/>
-    <p:sldId id="291" r:id="rId34"/>
-    <p:sldId id="293" r:id="rId35"/>
-    <p:sldId id="292" r:id="rId36"/>
-    <p:sldId id="294" r:id="rId37"/>
-    <p:sldId id="295" r:id="rId38"/>
-    <p:sldId id="296" r:id="rId39"/>
-    <p:sldId id="297" r:id="rId40"/>
-    <p:sldId id="298" r:id="rId41"/>
-    <p:sldId id="299" r:id="rId42"/>
-    <p:sldId id="300" r:id="rId43"/>
-    <p:sldId id="302" r:id="rId44"/>
-    <p:sldId id="301" r:id="rId45"/>
-    <p:sldId id="303" r:id="rId46"/>
-    <p:sldId id="304" r:id="rId47"/>
-    <p:sldId id="305" r:id="rId48"/>
+    <p:sldId id="307" r:id="rId34"/>
+    <p:sldId id="308" r:id="rId35"/>
+    <p:sldId id="291" r:id="rId36"/>
+    <p:sldId id="293" r:id="rId37"/>
+    <p:sldId id="292" r:id="rId38"/>
+    <p:sldId id="294" r:id="rId39"/>
+    <p:sldId id="295" r:id="rId40"/>
+    <p:sldId id="296" r:id="rId41"/>
+    <p:sldId id="297" r:id="rId42"/>
+    <p:sldId id="309" r:id="rId43"/>
+    <p:sldId id="298" r:id="rId44"/>
+    <p:sldId id="299" r:id="rId45"/>
+    <p:sldId id="300" r:id="rId46"/>
+    <p:sldId id="302" r:id="rId47"/>
+    <p:sldId id="301" r:id="rId48"/>
+    <p:sldId id="303" r:id="rId49"/>
+    <p:sldId id="304" r:id="rId50"/>
+    <p:sldId id="305" r:id="rId51"/>
+    <p:sldId id="306" r:id="rId52"/>
   </p:sldIdLst>
   <p:sldSz cx="12192000" cy="6858000"/>
   <p:notesSz cx="6858000" cy="9144000"/>
@@ -834,7 +838,7 @@
           <a:p>
             <a:fld id="{337C1EA3-F53F-1B47-B656-7229C750B466}" type="slidenum">
               <a:rPr lang="en-US" smtClean="0"/>
-              <a:t>33</a:t>
+              <a:t>35</a:t>
             </a:fld>
             <a:endParaRPr lang="en-US"/>
           </a:p>
@@ -918,7 +922,7 @@
           <a:p>
             <a:fld id="{337C1EA3-F53F-1B47-B656-7229C750B466}" type="slidenum">
               <a:rPr lang="en-US" smtClean="0"/>
-              <a:t>34</a:t>
+              <a:t>36</a:t>
             </a:fld>
             <a:endParaRPr lang="en-US"/>
           </a:p>
@@ -1002,7 +1006,7 @@
           <a:p>
             <a:fld id="{337C1EA3-F53F-1B47-B656-7229C750B466}" type="slidenum">
               <a:rPr lang="en-US" smtClean="0"/>
-              <a:t>35</a:t>
+              <a:t>37</a:t>
             </a:fld>
             <a:endParaRPr lang="en-US"/>
           </a:p>
@@ -1086,7 +1090,7 @@
           <a:p>
             <a:fld id="{337C1EA3-F53F-1B47-B656-7229C750B466}" type="slidenum">
               <a:rPr lang="en-US" smtClean="0"/>
-              <a:t>36</a:t>
+              <a:t>38</a:t>
             </a:fld>
             <a:endParaRPr lang="en-US"/>
           </a:p>
@@ -1170,7 +1174,7 @@
           <a:p>
             <a:fld id="{337C1EA3-F53F-1B47-B656-7229C750B466}" type="slidenum">
               <a:rPr lang="en-US" smtClean="0"/>
-              <a:t>37</a:t>
+              <a:t>39</a:t>
             </a:fld>
             <a:endParaRPr lang="en-US"/>
           </a:p>
@@ -1254,7 +1258,7 @@
           <a:p>
             <a:fld id="{337C1EA3-F53F-1B47-B656-7229C750B466}" type="slidenum">
               <a:rPr lang="en-US" smtClean="0"/>
-              <a:t>38</a:t>
+              <a:t>40</a:t>
             </a:fld>
             <a:endParaRPr lang="en-US"/>
           </a:p>
@@ -1338,7 +1342,7 @@
           <a:p>
             <a:fld id="{337C1EA3-F53F-1B47-B656-7229C750B466}" type="slidenum">
               <a:rPr lang="en-US" smtClean="0"/>
-              <a:t>39</a:t>
+              <a:t>41</a:t>
             </a:fld>
             <a:endParaRPr lang="en-US"/>
           </a:p>
@@ -1422,7 +1426,7 @@
           <a:p>
             <a:fld id="{337C1EA3-F53F-1B47-B656-7229C750B466}" type="slidenum">
               <a:rPr lang="en-US" smtClean="0"/>
-              <a:t>40</a:t>
+              <a:t>42</a:t>
             </a:fld>
             <a:endParaRPr lang="en-US"/>
           </a:p>
@@ -1431,7 +1435,7 @@
     </p:spTree>
     <p:extLst>
       <p:ext uri="{BB962C8B-B14F-4D97-AF65-F5344CB8AC3E}">
-        <p14:creationId xmlns:p14="http://schemas.microsoft.com/office/powerpoint/2010/main" val="950908076"/>
+        <p14:creationId xmlns:p14="http://schemas.microsoft.com/office/powerpoint/2010/main" val="1361127007"/>
       </p:ext>
     </p:extLst>
   </p:cSld>
@@ -1506,7 +1510,7 @@
           <a:p>
             <a:fld id="{337C1EA3-F53F-1B47-B656-7229C750B466}" type="slidenum">
               <a:rPr lang="en-US" smtClean="0"/>
-              <a:t>41</a:t>
+              <a:t>43</a:t>
             </a:fld>
             <a:endParaRPr lang="en-US"/>
           </a:p>
@@ -1515,7 +1519,7 @@
     </p:spTree>
     <p:extLst>
       <p:ext uri="{BB962C8B-B14F-4D97-AF65-F5344CB8AC3E}">
-        <p14:creationId xmlns:p14="http://schemas.microsoft.com/office/powerpoint/2010/main" val="55163438"/>
+        <p14:creationId xmlns:p14="http://schemas.microsoft.com/office/powerpoint/2010/main" val="950908076"/>
       </p:ext>
     </p:extLst>
   </p:cSld>
@@ -1590,7 +1594,7 @@
           <a:p>
             <a:fld id="{337C1EA3-F53F-1B47-B656-7229C750B466}" type="slidenum">
               <a:rPr lang="en-US" smtClean="0"/>
-              <a:t>42</a:t>
+              <a:t>44</a:t>
             </a:fld>
             <a:endParaRPr lang="en-US"/>
           </a:p>
@@ -1599,7 +1603,7 @@
     </p:spTree>
     <p:extLst>
       <p:ext uri="{BB962C8B-B14F-4D97-AF65-F5344CB8AC3E}">
-        <p14:creationId xmlns:p14="http://schemas.microsoft.com/office/powerpoint/2010/main" val="3270218238"/>
+        <p14:creationId xmlns:p14="http://schemas.microsoft.com/office/powerpoint/2010/main" val="55163438"/>
       </p:ext>
     </p:extLst>
   </p:cSld>
@@ -2185,7 +2189,7 @@
           <a:p>
             <a:fld id="{337C1EA3-F53F-1B47-B656-7229C750B466}" type="slidenum">
               <a:rPr lang="en-US" smtClean="0"/>
-              <a:t>43</a:t>
+              <a:t>45</a:t>
             </a:fld>
             <a:endParaRPr lang="en-US"/>
           </a:p>
@@ -2194,7 +2198,7 @@
     </p:spTree>
     <p:extLst>
       <p:ext uri="{BB962C8B-B14F-4D97-AF65-F5344CB8AC3E}">
-        <p14:creationId xmlns:p14="http://schemas.microsoft.com/office/powerpoint/2010/main" val="244966173"/>
+        <p14:creationId xmlns:p14="http://schemas.microsoft.com/office/powerpoint/2010/main" val="3270218238"/>
       </p:ext>
     </p:extLst>
   </p:cSld>
@@ -2269,7 +2273,7 @@
           <a:p>
             <a:fld id="{337C1EA3-F53F-1B47-B656-7229C750B466}" type="slidenum">
               <a:rPr lang="en-US" smtClean="0"/>
-              <a:t>44</a:t>
+              <a:t>46</a:t>
             </a:fld>
             <a:endParaRPr lang="en-US"/>
           </a:p>
@@ -2278,7 +2282,7 @@
     </p:spTree>
     <p:extLst>
       <p:ext uri="{BB962C8B-B14F-4D97-AF65-F5344CB8AC3E}">
-        <p14:creationId xmlns:p14="http://schemas.microsoft.com/office/powerpoint/2010/main" val="1849923713"/>
+        <p14:creationId xmlns:p14="http://schemas.microsoft.com/office/powerpoint/2010/main" val="244966173"/>
       </p:ext>
     </p:extLst>
   </p:cSld>
@@ -2353,7 +2357,7 @@
           <a:p>
             <a:fld id="{337C1EA3-F53F-1B47-B656-7229C750B466}" type="slidenum">
               <a:rPr lang="en-US" smtClean="0"/>
-              <a:t>45</a:t>
+              <a:t>47</a:t>
             </a:fld>
             <a:endParaRPr lang="en-US"/>
           </a:p>
@@ -2362,7 +2366,7 @@
     </p:spTree>
     <p:extLst>
       <p:ext uri="{BB962C8B-B14F-4D97-AF65-F5344CB8AC3E}">
-        <p14:creationId xmlns:p14="http://schemas.microsoft.com/office/powerpoint/2010/main" val="1651725251"/>
+        <p14:creationId xmlns:p14="http://schemas.microsoft.com/office/powerpoint/2010/main" val="1849923713"/>
       </p:ext>
     </p:extLst>
   </p:cSld>
@@ -2437,7 +2441,7 @@
           <a:p>
             <a:fld id="{337C1EA3-F53F-1B47-B656-7229C750B466}" type="slidenum">
               <a:rPr lang="en-US" smtClean="0"/>
-              <a:t>46</a:t>
+              <a:t>48</a:t>
             </a:fld>
             <a:endParaRPr lang="en-US"/>
           </a:p>
@@ -2446,7 +2450,7 @@
     </p:spTree>
     <p:extLst>
       <p:ext uri="{BB962C8B-B14F-4D97-AF65-F5344CB8AC3E}">
-        <p14:creationId xmlns:p14="http://schemas.microsoft.com/office/powerpoint/2010/main" val="1940378389"/>
+        <p14:creationId xmlns:p14="http://schemas.microsoft.com/office/powerpoint/2010/main" val="1651725251"/>
       </p:ext>
     </p:extLst>
   </p:cSld>
@@ -2521,7 +2525,91 @@
           <a:p>
             <a:fld id="{337C1EA3-F53F-1B47-B656-7229C750B466}" type="slidenum">
               <a:rPr lang="en-US" smtClean="0"/>
-              <a:t>47</a:t>
+              <a:t>49</a:t>
+            </a:fld>
+            <a:endParaRPr lang="en-US"/>
+          </a:p>
+        </p:txBody>
+      </p:sp>
+    </p:spTree>
+    <p:extLst>
+      <p:ext uri="{BB962C8B-B14F-4D97-AF65-F5344CB8AC3E}">
+        <p14:creationId xmlns:p14="http://schemas.microsoft.com/office/powerpoint/2010/main" val="1940378389"/>
+      </p:ext>
+    </p:extLst>
+  </p:cSld>
+  <p:clrMapOvr>
+    <a:masterClrMapping/>
+  </p:clrMapOvr>
+</p:notes>
+</file>
+
+<file path=ppt/notesSlides/notesSlide25.xml><?xml version="1.0" encoding="utf-8"?>
+<p:notes xmlns:a="http://schemas.openxmlformats.org/drawingml/2006/main" xmlns:r="http://schemas.openxmlformats.org/officeDocument/2006/relationships" xmlns:p="http://schemas.openxmlformats.org/presentationml/2006/main">
+  <p:cSld>
+    <p:spTree>
+      <p:nvGrpSpPr>
+        <p:cNvPr id="1" name=""/>
+        <p:cNvGrpSpPr/>
+        <p:nvPr/>
+      </p:nvGrpSpPr>
+      <p:grpSpPr>
+        <a:xfrm>
+          <a:off x="0" y="0"/>
+          <a:ext cx="0" cy="0"/>
+          <a:chOff x="0" y="0"/>
+          <a:chExt cx="0" cy="0"/>
+        </a:xfrm>
+      </p:grpSpPr>
+      <p:sp>
+        <p:nvSpPr>
+          <p:cNvPr id="2" name="Slide Image Placeholder 1"/>
+          <p:cNvSpPr>
+            <a:spLocks noGrp="1" noRot="1" noChangeAspect="1"/>
+          </p:cNvSpPr>
+          <p:nvPr>
+            <p:ph type="sldImg"/>
+          </p:nvPr>
+        </p:nvSpPr>
+        <p:spPr/>
+      </p:sp>
+      <p:sp>
+        <p:nvSpPr>
+          <p:cNvPr id="3" name="Notes Placeholder 2"/>
+          <p:cNvSpPr>
+            <a:spLocks noGrp="1"/>
+          </p:cNvSpPr>
+          <p:nvPr>
+            <p:ph type="body" idx="1"/>
+          </p:nvPr>
+        </p:nvSpPr>
+        <p:spPr/>
+        <p:txBody>
+          <a:bodyPr/>
+          <a:lstStyle/>
+          <a:p>
+            <a:endParaRPr lang="en-US" dirty="0"/>
+          </a:p>
+        </p:txBody>
+      </p:sp>
+      <p:sp>
+        <p:nvSpPr>
+          <p:cNvPr id="4" name="Slide Number Placeholder 3"/>
+          <p:cNvSpPr>
+            <a:spLocks noGrp="1"/>
+          </p:cNvSpPr>
+          <p:nvPr>
+            <p:ph type="sldNum" sz="quarter" idx="5"/>
+          </p:nvPr>
+        </p:nvSpPr>
+        <p:spPr/>
+        <p:txBody>
+          <a:bodyPr/>
+          <a:lstStyle/>
+          <a:p>
+            <a:fld id="{337C1EA3-F53F-1B47-B656-7229C750B466}" type="slidenum">
+              <a:rPr lang="en-US" smtClean="0"/>
+              <a:t>50</a:t>
             </a:fld>
             <a:endParaRPr lang="en-US"/>
           </a:p>
@@ -2531,6 +2619,90 @@
     <p:extLst>
       <p:ext uri="{BB962C8B-B14F-4D97-AF65-F5344CB8AC3E}">
         <p14:creationId xmlns:p14="http://schemas.microsoft.com/office/powerpoint/2010/main" val="2259737392"/>
+      </p:ext>
+    </p:extLst>
+  </p:cSld>
+  <p:clrMapOvr>
+    <a:masterClrMapping/>
+  </p:clrMapOvr>
+</p:notes>
+</file>
+
+<file path=ppt/notesSlides/notesSlide26.xml><?xml version="1.0" encoding="utf-8"?>
+<p:notes xmlns:a="http://schemas.openxmlformats.org/drawingml/2006/main" xmlns:r="http://schemas.openxmlformats.org/officeDocument/2006/relationships" xmlns:p="http://schemas.openxmlformats.org/presentationml/2006/main">
+  <p:cSld>
+    <p:spTree>
+      <p:nvGrpSpPr>
+        <p:cNvPr id="1" name=""/>
+        <p:cNvGrpSpPr/>
+        <p:nvPr/>
+      </p:nvGrpSpPr>
+      <p:grpSpPr>
+        <a:xfrm>
+          <a:off x="0" y="0"/>
+          <a:ext cx="0" cy="0"/>
+          <a:chOff x="0" y="0"/>
+          <a:chExt cx="0" cy="0"/>
+        </a:xfrm>
+      </p:grpSpPr>
+      <p:sp>
+        <p:nvSpPr>
+          <p:cNvPr id="2" name="Slide Image Placeholder 1"/>
+          <p:cNvSpPr>
+            <a:spLocks noGrp="1" noRot="1" noChangeAspect="1"/>
+          </p:cNvSpPr>
+          <p:nvPr>
+            <p:ph type="sldImg"/>
+          </p:nvPr>
+        </p:nvSpPr>
+        <p:spPr/>
+      </p:sp>
+      <p:sp>
+        <p:nvSpPr>
+          <p:cNvPr id="3" name="Notes Placeholder 2"/>
+          <p:cNvSpPr>
+            <a:spLocks noGrp="1"/>
+          </p:cNvSpPr>
+          <p:nvPr>
+            <p:ph type="body" idx="1"/>
+          </p:nvPr>
+        </p:nvSpPr>
+        <p:spPr/>
+        <p:txBody>
+          <a:bodyPr/>
+          <a:lstStyle/>
+          <a:p>
+            <a:endParaRPr lang="en-US" dirty="0"/>
+          </a:p>
+        </p:txBody>
+      </p:sp>
+      <p:sp>
+        <p:nvSpPr>
+          <p:cNvPr id="4" name="Slide Number Placeholder 3"/>
+          <p:cNvSpPr>
+            <a:spLocks noGrp="1"/>
+          </p:cNvSpPr>
+          <p:nvPr>
+            <p:ph type="sldNum" sz="quarter" idx="5"/>
+          </p:nvPr>
+        </p:nvSpPr>
+        <p:spPr/>
+        <p:txBody>
+          <a:bodyPr/>
+          <a:lstStyle/>
+          <a:p>
+            <a:fld id="{337C1EA3-F53F-1B47-B656-7229C750B466}" type="slidenum">
+              <a:rPr lang="en-US" smtClean="0"/>
+              <a:t>51</a:t>
+            </a:fld>
+            <a:endParaRPr lang="en-US"/>
+          </a:p>
+        </p:txBody>
+      </p:sp>
+    </p:spTree>
+    <p:extLst>
+      <p:ext uri="{BB962C8B-B14F-4D97-AF65-F5344CB8AC3E}">
+        <p14:creationId xmlns:p14="http://schemas.microsoft.com/office/powerpoint/2010/main" val="3567927399"/>
       </p:ext>
     </p:extLst>
   </p:cSld>
@@ -13408,6 +13580,637 @@
           <p:cNvPr id="2" name="Title 1">
             <a:extLst>
               <a:ext uri="{FF2B5EF4-FFF2-40B4-BE49-F238E27FC236}">
+                <a16:creationId xmlns:a16="http://schemas.microsoft.com/office/drawing/2014/main" id="{3BAB5246-BF58-5E47-919A-8541967ADDDC}"/>
+              </a:ext>
+            </a:extLst>
+          </p:cNvPr>
+          <p:cNvSpPr>
+            <a:spLocks noGrp="1"/>
+          </p:cNvSpPr>
+          <p:nvPr>
+            <p:ph type="title"/>
+          </p:nvPr>
+        </p:nvSpPr>
+        <p:spPr>
+          <a:xfrm>
+            <a:off x="731839" y="224589"/>
+            <a:ext cx="10728322" cy="3416969"/>
+          </a:xfrm>
+        </p:spPr>
+        <p:txBody>
+          <a:bodyPr>
+            <a:normAutofit fontScale="90000"/>
+          </a:bodyPr>
+          <a:lstStyle/>
+          <a:p>
+            <a:r>
+              <a:rPr lang="en-MY" sz="2800" dirty="0">
+                <a:solidFill>
+                  <a:schemeClr val="bg1"/>
+                </a:solidFill>
+                <a:latin typeface="Times New Roman" panose="02020603050405020304" pitchFamily="18" charset="0"/>
+                <a:cs typeface="Times New Roman" panose="02020603050405020304" pitchFamily="18" charset="0"/>
+              </a:rPr>
+              <a:t>The Kaiser-Meyer-Olkin Measure of Sampling Adequacy is </a:t>
+            </a:r>
+            <a:r>
+              <a:rPr lang="en-MY" sz="2800" b="1" dirty="0">
+                <a:solidFill>
+                  <a:schemeClr val="bg1"/>
+                </a:solidFill>
+                <a:latin typeface="Times New Roman" panose="02020603050405020304" pitchFamily="18" charset="0"/>
+                <a:cs typeface="Times New Roman" panose="02020603050405020304" pitchFamily="18" charset="0"/>
+              </a:rPr>
+              <a:t>a statistic that indicates the proportion of variance in your variables that might be caused by underlying factors</a:t>
+            </a:r>
+            <a:r>
+              <a:rPr lang="en-MY" sz="2800" dirty="0">
+                <a:solidFill>
+                  <a:schemeClr val="bg1"/>
+                </a:solidFill>
+                <a:latin typeface="Times New Roman" panose="02020603050405020304" pitchFamily="18" charset="0"/>
+                <a:cs typeface="Times New Roman" panose="02020603050405020304" pitchFamily="18" charset="0"/>
+              </a:rPr>
+              <a:t>. High values (close to 1.0) generally indicate that a factor analysis may be useful for the data</a:t>
+            </a:r>
+            <a:r>
+              <a:rPr lang="en-MY" sz="2200" dirty="0">
+                <a:solidFill>
+                  <a:schemeClr val="bg1"/>
+                </a:solidFill>
+                <a:latin typeface="Times New Roman" panose="02020603050405020304" pitchFamily="18" charset="0"/>
+                <a:cs typeface="Times New Roman" panose="02020603050405020304" pitchFamily="18" charset="0"/>
+              </a:rPr>
+              <a:t>. </a:t>
+            </a:r>
+            <a:r>
+              <a:rPr lang="en-MY" sz="2800" dirty="0">
+                <a:solidFill>
+                  <a:schemeClr val="bg1"/>
+                </a:solidFill>
+                <a:latin typeface="Times New Roman" panose="02020603050405020304" pitchFamily="18" charset="0"/>
+                <a:cs typeface="Times New Roman" panose="02020603050405020304" pitchFamily="18" charset="0"/>
+              </a:rPr>
+              <a:t>If the value is less than 0.50, the results of the factor analysis probably won’t be very useful. </a:t>
+            </a:r>
+            <a:br>
+              <a:rPr lang="en-MY" sz="2800" dirty="0">
+                <a:solidFill>
+                  <a:schemeClr val="bg1"/>
+                </a:solidFill>
+                <a:latin typeface="Times New Roman" panose="02020603050405020304" pitchFamily="18" charset="0"/>
+                <a:cs typeface="Times New Roman" panose="02020603050405020304" pitchFamily="18" charset="0"/>
+              </a:rPr>
+            </a:br>
+            <a:br>
+              <a:rPr lang="en-MY" sz="2800" dirty="0">
+                <a:solidFill>
+                  <a:schemeClr val="bg1"/>
+                </a:solidFill>
+                <a:latin typeface="Times New Roman" panose="02020603050405020304" pitchFamily="18" charset="0"/>
+                <a:cs typeface="Times New Roman" panose="02020603050405020304" pitchFamily="18" charset="0"/>
+              </a:rPr>
+            </a:br>
+            <a:r>
+              <a:rPr lang="en-MY" sz="2800" dirty="0">
+                <a:solidFill>
+                  <a:schemeClr val="bg1"/>
+                </a:solidFill>
+                <a:highlight>
+                  <a:srgbClr val="00FFFF"/>
+                </a:highlight>
+                <a:latin typeface="Times New Roman" panose="02020603050405020304" pitchFamily="18" charset="0"/>
+                <a:cs typeface="Times New Roman" panose="02020603050405020304" pitchFamily="18" charset="0"/>
+              </a:rPr>
+              <a:t>Previous studies have suggested that KMO greater than 0.5 can be used for factor analysis, while KMO greater than 0.8 is very suitable for factor analysis. </a:t>
+            </a:r>
+            <a:r>
+              <a:rPr lang="en-MY" dirty="0"/>
+              <a:t>r</a:t>
+            </a:r>
+            <a:br>
+              <a:rPr lang="en-MY" sz="2800" dirty="0">
+                <a:solidFill>
+                  <a:schemeClr val="bg1"/>
+                </a:solidFill>
+                <a:latin typeface="Times New Roman" panose="02020603050405020304" pitchFamily="18" charset="0"/>
+                <a:cs typeface="Times New Roman" panose="02020603050405020304" pitchFamily="18" charset="0"/>
+              </a:rPr>
+            </a:br>
+            <a:br>
+              <a:rPr lang="en-MY" sz="2800" dirty="0">
+                <a:solidFill>
+                  <a:schemeClr val="bg1"/>
+                </a:solidFill>
+                <a:latin typeface="Times New Roman" panose="02020603050405020304" pitchFamily="18" charset="0"/>
+                <a:cs typeface="Times New Roman" panose="02020603050405020304" pitchFamily="18" charset="0"/>
+              </a:rPr>
+            </a:br>
+            <a:br>
+              <a:rPr lang="en-MY" sz="2800" dirty="0">
+                <a:solidFill>
+                  <a:schemeClr val="bg1"/>
+                </a:solidFill>
+                <a:latin typeface="Times New Roman" panose="02020603050405020304" pitchFamily="18" charset="0"/>
+                <a:cs typeface="Times New Roman" panose="02020603050405020304" pitchFamily="18" charset="0"/>
+              </a:rPr>
+            </a:br>
+            <a:br>
+              <a:rPr lang="en-MY" sz="2800" dirty="0">
+                <a:solidFill>
+                  <a:schemeClr val="bg1"/>
+                </a:solidFill>
+                <a:latin typeface="Times New Roman" panose="02020603050405020304" pitchFamily="18" charset="0"/>
+                <a:cs typeface="Times New Roman" panose="02020603050405020304" pitchFamily="18" charset="0"/>
+              </a:rPr>
+            </a:br>
+            <a:br>
+              <a:rPr lang="en-MY" sz="2800" dirty="0">
+                <a:solidFill>
+                  <a:schemeClr val="bg1"/>
+                </a:solidFill>
+                <a:latin typeface="Times New Roman" panose="02020603050405020304" pitchFamily="18" charset="0"/>
+                <a:cs typeface="Times New Roman" panose="02020603050405020304" pitchFamily="18" charset="0"/>
+              </a:rPr>
+            </a:br>
+            <a:endParaRPr lang="en-US" sz="2800" dirty="0">
+              <a:solidFill>
+                <a:schemeClr val="bg1"/>
+              </a:solidFill>
+              <a:latin typeface="Times New Roman" panose="02020603050405020304" pitchFamily="18" charset="0"/>
+              <a:cs typeface="Times New Roman" panose="02020603050405020304" pitchFamily="18" charset="0"/>
+            </a:endParaRPr>
+          </a:p>
+        </p:txBody>
+      </p:sp>
+      <p:sp>
+        <p:nvSpPr>
+          <p:cNvPr id="3" name="Content Placeholder 2">
+            <a:extLst>
+              <a:ext uri="{FF2B5EF4-FFF2-40B4-BE49-F238E27FC236}">
+                <a16:creationId xmlns:a16="http://schemas.microsoft.com/office/drawing/2014/main" id="{F8C0E548-70B0-3342-BC65-46EE365E4F71}"/>
+              </a:ext>
+            </a:extLst>
+          </p:cNvPr>
+          <p:cNvSpPr>
+            <a:spLocks noGrp="1"/>
+          </p:cNvSpPr>
+          <p:nvPr>
+            <p:ph idx="1"/>
+          </p:nvPr>
+        </p:nvSpPr>
+        <p:spPr>
+          <a:xfrm>
+            <a:off x="731836" y="3630625"/>
+            <a:ext cx="10728325" cy="3227375"/>
+          </a:xfrm>
+        </p:spPr>
+        <p:txBody>
+          <a:bodyPr>
+            <a:normAutofit/>
+          </a:bodyPr>
+          <a:lstStyle/>
+          <a:p>
+            <a:pPr marL="0" indent="0">
+              <a:buNone/>
+            </a:pPr>
+            <a:r>
+              <a:rPr lang="en-MY" sz="2500" dirty="0">
+                <a:solidFill>
+                  <a:schemeClr val="bg1"/>
+                </a:solidFill>
+                <a:latin typeface="Times New Roman" panose="02020603050405020304" pitchFamily="18" charset="0"/>
+                <a:cs typeface="Times New Roman" panose="02020603050405020304" pitchFamily="18" charset="0"/>
+              </a:rPr>
+              <a:t>• Li, N., Huang, J., &amp; Feng, Y. (2020). Construction and confirmatory factor analysis of the core cognitive ability index system of ship C2 system operators. </a:t>
+            </a:r>
+            <a:r>
+              <a:rPr lang="en-MY" sz="2500" i="1" dirty="0" err="1">
+                <a:solidFill>
+                  <a:schemeClr val="bg1"/>
+                </a:solidFill>
+                <a:latin typeface="Times New Roman" panose="02020603050405020304" pitchFamily="18" charset="0"/>
+                <a:cs typeface="Times New Roman" panose="02020603050405020304" pitchFamily="18" charset="0"/>
+              </a:rPr>
+              <a:t>PloS</a:t>
+            </a:r>
+            <a:r>
+              <a:rPr lang="en-MY" sz="2500" i="1" dirty="0">
+                <a:solidFill>
+                  <a:schemeClr val="bg1"/>
+                </a:solidFill>
+                <a:latin typeface="Times New Roman" panose="02020603050405020304" pitchFamily="18" charset="0"/>
+                <a:cs typeface="Times New Roman" panose="02020603050405020304" pitchFamily="18" charset="0"/>
+              </a:rPr>
+              <a:t> one</a:t>
+            </a:r>
+            <a:r>
+              <a:rPr lang="en-MY" sz="2500" dirty="0">
+                <a:solidFill>
+                  <a:schemeClr val="bg1"/>
+                </a:solidFill>
+                <a:latin typeface="Times New Roman" panose="02020603050405020304" pitchFamily="18" charset="0"/>
+                <a:cs typeface="Times New Roman" panose="02020603050405020304" pitchFamily="18" charset="0"/>
+              </a:rPr>
+              <a:t>, </a:t>
+            </a:r>
+            <a:r>
+              <a:rPr lang="en-MY" sz="2500" i="1" dirty="0">
+                <a:solidFill>
+                  <a:schemeClr val="bg1"/>
+                </a:solidFill>
+                <a:latin typeface="Times New Roman" panose="02020603050405020304" pitchFamily="18" charset="0"/>
+                <a:cs typeface="Times New Roman" panose="02020603050405020304" pitchFamily="18" charset="0"/>
+              </a:rPr>
+              <a:t>15</a:t>
+            </a:r>
+            <a:r>
+              <a:rPr lang="en-MY" sz="2500" dirty="0">
+                <a:solidFill>
+                  <a:schemeClr val="bg1"/>
+                </a:solidFill>
+                <a:latin typeface="Times New Roman" panose="02020603050405020304" pitchFamily="18" charset="0"/>
+                <a:cs typeface="Times New Roman" panose="02020603050405020304" pitchFamily="18" charset="0"/>
+              </a:rPr>
+              <a:t>(8), e0237339. https://</a:t>
+            </a:r>
+            <a:r>
+              <a:rPr lang="en-MY" sz="2500" dirty="0" err="1">
+                <a:solidFill>
+                  <a:schemeClr val="bg1"/>
+                </a:solidFill>
+                <a:latin typeface="Times New Roman" panose="02020603050405020304" pitchFamily="18" charset="0"/>
+                <a:cs typeface="Times New Roman" panose="02020603050405020304" pitchFamily="18" charset="0"/>
+              </a:rPr>
+              <a:t>doi.org</a:t>
+            </a:r>
+            <a:r>
+              <a:rPr lang="en-MY" sz="2500" dirty="0">
+                <a:solidFill>
+                  <a:schemeClr val="bg1"/>
+                </a:solidFill>
+                <a:latin typeface="Times New Roman" panose="02020603050405020304" pitchFamily="18" charset="0"/>
+                <a:cs typeface="Times New Roman" panose="02020603050405020304" pitchFamily="18" charset="0"/>
+              </a:rPr>
+              <a:t>/10.1371/journal.pone.0237339</a:t>
+            </a:r>
+          </a:p>
+          <a:p>
+            <a:pPr marL="0" indent="0">
+              <a:buNone/>
+            </a:pPr>
+            <a:r>
+              <a:rPr lang="en-MY" sz="2500" dirty="0">
+                <a:solidFill>
+                  <a:schemeClr val="bg1"/>
+                </a:solidFill>
+                <a:latin typeface="Times New Roman" panose="02020603050405020304" pitchFamily="18" charset="0"/>
+                <a:cs typeface="Times New Roman" panose="02020603050405020304" pitchFamily="18" charset="0"/>
+              </a:rPr>
+              <a:t>• Kaiser, H. F. (1974). An index of factorial simplicity. </a:t>
+            </a:r>
+            <a:r>
+              <a:rPr lang="en-MY" sz="2500" i="1" dirty="0">
+                <a:solidFill>
+                  <a:schemeClr val="bg1"/>
+                </a:solidFill>
+                <a:latin typeface="Times New Roman" panose="02020603050405020304" pitchFamily="18" charset="0"/>
+                <a:cs typeface="Times New Roman" panose="02020603050405020304" pitchFamily="18" charset="0"/>
+              </a:rPr>
+              <a:t>Psychometrika</a:t>
+            </a:r>
+            <a:r>
+              <a:rPr lang="en-MY" sz="2500" dirty="0">
+                <a:solidFill>
+                  <a:schemeClr val="bg1"/>
+                </a:solidFill>
+                <a:latin typeface="Times New Roman" panose="02020603050405020304" pitchFamily="18" charset="0"/>
+                <a:cs typeface="Times New Roman" panose="02020603050405020304" pitchFamily="18" charset="0"/>
+              </a:rPr>
+              <a:t>, </a:t>
+            </a:r>
+            <a:r>
+              <a:rPr lang="en-MY" sz="2500" i="1" dirty="0">
+                <a:solidFill>
+                  <a:schemeClr val="bg1"/>
+                </a:solidFill>
+                <a:latin typeface="Times New Roman" panose="02020603050405020304" pitchFamily="18" charset="0"/>
+                <a:cs typeface="Times New Roman" panose="02020603050405020304" pitchFamily="18" charset="0"/>
+              </a:rPr>
+              <a:t>39</a:t>
+            </a:r>
+            <a:r>
+              <a:rPr lang="en-MY" sz="2500" dirty="0">
+                <a:solidFill>
+                  <a:schemeClr val="bg1"/>
+                </a:solidFill>
+                <a:latin typeface="Times New Roman" panose="02020603050405020304" pitchFamily="18" charset="0"/>
+                <a:cs typeface="Times New Roman" panose="02020603050405020304" pitchFamily="18" charset="0"/>
+              </a:rPr>
+              <a:t>(1), 31-36.</a:t>
+            </a:r>
+            <a:endParaRPr lang="en-US" sz="2500" dirty="0">
+              <a:solidFill>
+                <a:schemeClr val="bg1"/>
+              </a:solidFill>
+              <a:latin typeface="Times New Roman" panose="02020603050405020304" pitchFamily="18" charset="0"/>
+              <a:cs typeface="Times New Roman" panose="02020603050405020304" pitchFamily="18" charset="0"/>
+            </a:endParaRPr>
+          </a:p>
+        </p:txBody>
+      </p:sp>
+    </p:spTree>
+    <p:extLst>
+      <p:ext uri="{BB962C8B-B14F-4D97-AF65-F5344CB8AC3E}">
+        <p14:creationId xmlns:p14="http://schemas.microsoft.com/office/powerpoint/2010/main" val="2403538729"/>
+      </p:ext>
+    </p:extLst>
+  </p:cSld>
+  <p:clrMapOvr>
+    <a:masterClrMapping/>
+  </p:clrMapOvr>
+</p:sld>
+</file>
+
+<file path=ppt/slides/slide34.xml><?xml version="1.0" encoding="utf-8"?>
+<p:sld xmlns:a="http://schemas.openxmlformats.org/drawingml/2006/main" xmlns:r="http://schemas.openxmlformats.org/officeDocument/2006/relationships" xmlns:p="http://schemas.openxmlformats.org/presentationml/2006/main" showMasterSp="0">
+  <p:cSld>
+    <p:bg>
+      <p:bgPr>
+        <a:solidFill>
+          <a:schemeClr val="tx1"/>
+        </a:solidFill>
+        <a:effectLst/>
+      </p:bgPr>
+    </p:bg>
+    <p:spTree>
+      <p:nvGrpSpPr>
+        <p:cNvPr id="1" name=""/>
+        <p:cNvGrpSpPr/>
+        <p:nvPr/>
+      </p:nvGrpSpPr>
+      <p:grpSpPr>
+        <a:xfrm>
+          <a:off x="0" y="0"/>
+          <a:ext cx="0" cy="0"/>
+          <a:chOff x="0" y="0"/>
+          <a:chExt cx="0" cy="0"/>
+        </a:xfrm>
+      </p:grpSpPr>
+      <p:sp>
+        <p:nvSpPr>
+          <p:cNvPr id="2" name="Title 1">
+            <a:extLst>
+              <a:ext uri="{FF2B5EF4-FFF2-40B4-BE49-F238E27FC236}">
+                <a16:creationId xmlns:a16="http://schemas.microsoft.com/office/drawing/2014/main" id="{3BAB5246-BF58-5E47-919A-8541967ADDDC}"/>
+              </a:ext>
+            </a:extLst>
+          </p:cNvPr>
+          <p:cNvSpPr>
+            <a:spLocks noGrp="1"/>
+          </p:cNvSpPr>
+          <p:nvPr>
+            <p:ph type="title"/>
+          </p:nvPr>
+        </p:nvSpPr>
+        <p:spPr>
+          <a:xfrm>
+            <a:off x="731839" y="224589"/>
+            <a:ext cx="10728322" cy="3416969"/>
+          </a:xfrm>
+        </p:spPr>
+        <p:txBody>
+          <a:bodyPr>
+            <a:normAutofit fontScale="90000"/>
+          </a:bodyPr>
+          <a:lstStyle/>
+          <a:p>
+            <a:pPr algn="ctr"/>
+            <a:br>
+              <a:rPr lang="en-MY" sz="2500" dirty="0">
+                <a:solidFill>
+                  <a:schemeClr val="bg1"/>
+                </a:solidFill>
+                <a:latin typeface="Times New Roman" panose="02020603050405020304" pitchFamily="18" charset="0"/>
+                <a:cs typeface="Times New Roman" panose="02020603050405020304" pitchFamily="18" charset="0"/>
+              </a:rPr>
+            </a:br>
+            <a:r>
+              <a:rPr lang="en-MY" sz="3300" b="1" dirty="0">
+                <a:solidFill>
+                  <a:schemeClr val="bg1"/>
+                </a:solidFill>
+                <a:latin typeface="Times New Roman" panose="02020603050405020304" pitchFamily="18" charset="0"/>
+                <a:cs typeface="Times New Roman" panose="02020603050405020304" pitchFamily="18" charset="0"/>
+              </a:rPr>
+              <a:t>IDEAL VARIANCE RANGE</a:t>
+            </a:r>
+            <a:br>
+              <a:rPr lang="en-MY" sz="2500" dirty="0">
+                <a:solidFill>
+                  <a:schemeClr val="bg1"/>
+                </a:solidFill>
+                <a:latin typeface="Times New Roman" panose="02020603050405020304" pitchFamily="18" charset="0"/>
+                <a:cs typeface="Times New Roman" panose="02020603050405020304" pitchFamily="18" charset="0"/>
+              </a:rPr>
+            </a:br>
+            <a:br>
+              <a:rPr lang="en-MY" sz="2500" dirty="0">
+                <a:solidFill>
+                  <a:schemeClr val="bg1"/>
+                </a:solidFill>
+                <a:latin typeface="Times New Roman" panose="02020603050405020304" pitchFamily="18" charset="0"/>
+                <a:cs typeface="Times New Roman" panose="02020603050405020304" pitchFamily="18" charset="0"/>
+              </a:rPr>
+            </a:br>
+            <a:br>
+              <a:rPr lang="en-MY" sz="2500" dirty="0">
+                <a:solidFill>
+                  <a:schemeClr val="bg1"/>
+                </a:solidFill>
+                <a:latin typeface="Times New Roman" panose="02020603050405020304" pitchFamily="18" charset="0"/>
+                <a:cs typeface="Times New Roman" panose="02020603050405020304" pitchFamily="18" charset="0"/>
+              </a:rPr>
+            </a:br>
+            <a:r>
+              <a:rPr lang="en-MY" sz="2500" dirty="0">
+                <a:solidFill>
+                  <a:schemeClr val="bg1"/>
+                </a:solidFill>
+                <a:latin typeface="Times New Roman" panose="02020603050405020304" pitchFamily="18" charset="0"/>
+                <a:cs typeface="Times New Roman" panose="02020603050405020304" pitchFamily="18" charset="0"/>
+              </a:rPr>
+              <a:t>The total value of Total Variance Explained should be between 50% and 90% for factor analysis. </a:t>
+            </a:r>
+            <a:br>
+              <a:rPr lang="en-MY" sz="2800" dirty="0">
+                <a:solidFill>
+                  <a:schemeClr val="bg1"/>
+                </a:solidFill>
+                <a:latin typeface="Times New Roman" panose="02020603050405020304" pitchFamily="18" charset="0"/>
+                <a:cs typeface="Times New Roman" panose="02020603050405020304" pitchFamily="18" charset="0"/>
+              </a:rPr>
+            </a:br>
+            <a:br>
+              <a:rPr lang="en-MY" sz="2800" dirty="0">
+                <a:solidFill>
+                  <a:schemeClr val="bg1"/>
+                </a:solidFill>
+                <a:latin typeface="Times New Roman" panose="02020603050405020304" pitchFamily="18" charset="0"/>
+                <a:cs typeface="Times New Roman" panose="02020603050405020304" pitchFamily="18" charset="0"/>
+              </a:rPr>
+            </a:br>
+            <a:br>
+              <a:rPr lang="en-MY" sz="2800" dirty="0">
+                <a:solidFill>
+                  <a:schemeClr val="bg1"/>
+                </a:solidFill>
+                <a:latin typeface="Times New Roman" panose="02020603050405020304" pitchFamily="18" charset="0"/>
+                <a:cs typeface="Times New Roman" panose="02020603050405020304" pitchFamily="18" charset="0"/>
+              </a:rPr>
+            </a:br>
+            <a:br>
+              <a:rPr lang="en-MY" sz="2800" dirty="0">
+                <a:solidFill>
+                  <a:schemeClr val="bg1"/>
+                </a:solidFill>
+                <a:latin typeface="Times New Roman" panose="02020603050405020304" pitchFamily="18" charset="0"/>
+                <a:cs typeface="Times New Roman" panose="02020603050405020304" pitchFamily="18" charset="0"/>
+              </a:rPr>
+            </a:br>
+            <a:br>
+              <a:rPr lang="en-MY" sz="2800" dirty="0">
+                <a:solidFill>
+                  <a:schemeClr val="bg1"/>
+                </a:solidFill>
+                <a:latin typeface="Times New Roman" panose="02020603050405020304" pitchFamily="18" charset="0"/>
+                <a:cs typeface="Times New Roman" panose="02020603050405020304" pitchFamily="18" charset="0"/>
+              </a:rPr>
+            </a:br>
+            <a:endParaRPr lang="en-US" sz="2800" dirty="0">
+              <a:solidFill>
+                <a:schemeClr val="bg1"/>
+              </a:solidFill>
+              <a:latin typeface="Times New Roman" panose="02020603050405020304" pitchFamily="18" charset="0"/>
+              <a:cs typeface="Times New Roman" panose="02020603050405020304" pitchFamily="18" charset="0"/>
+            </a:endParaRPr>
+          </a:p>
+        </p:txBody>
+      </p:sp>
+      <p:sp>
+        <p:nvSpPr>
+          <p:cNvPr id="3" name="Content Placeholder 2">
+            <a:extLst>
+              <a:ext uri="{FF2B5EF4-FFF2-40B4-BE49-F238E27FC236}">
+                <a16:creationId xmlns:a16="http://schemas.microsoft.com/office/drawing/2014/main" id="{F8C0E548-70B0-3342-BC65-46EE365E4F71}"/>
+              </a:ext>
+            </a:extLst>
+          </p:cNvPr>
+          <p:cNvSpPr>
+            <a:spLocks noGrp="1"/>
+          </p:cNvSpPr>
+          <p:nvPr>
+            <p:ph idx="1"/>
+          </p:nvPr>
+        </p:nvSpPr>
+        <p:spPr>
+          <a:xfrm>
+            <a:off x="731836" y="3630625"/>
+            <a:ext cx="10728325" cy="3227375"/>
+          </a:xfrm>
+        </p:spPr>
+        <p:txBody>
+          <a:bodyPr>
+            <a:normAutofit/>
+          </a:bodyPr>
+          <a:lstStyle/>
+          <a:p>
+            <a:pPr marL="0" indent="0">
+              <a:buNone/>
+            </a:pPr>
+            <a:r>
+              <a:rPr lang="en-MY" sz="2500" dirty="0">
+                <a:solidFill>
+                  <a:schemeClr val="bg1"/>
+                </a:solidFill>
+                <a:latin typeface="Times New Roman" panose="02020603050405020304" pitchFamily="18" charset="0"/>
+                <a:cs typeface="Times New Roman" panose="02020603050405020304" pitchFamily="18" charset="0"/>
+              </a:rPr>
+              <a:t>Dawson, J. (2016). </a:t>
+            </a:r>
+            <a:r>
+              <a:rPr lang="en-MY" sz="2500" i="1" dirty="0">
+                <a:solidFill>
+                  <a:schemeClr val="bg1"/>
+                </a:solidFill>
+                <a:latin typeface="Times New Roman" panose="02020603050405020304" pitchFamily="18" charset="0"/>
+                <a:cs typeface="Times New Roman" panose="02020603050405020304" pitchFamily="18" charset="0"/>
+              </a:rPr>
+              <a:t>Analysing quantitative survey data for business and management students</a:t>
+            </a:r>
+            <a:r>
+              <a:rPr lang="en-MY" sz="2500" dirty="0">
+                <a:solidFill>
+                  <a:schemeClr val="bg1"/>
+                </a:solidFill>
+                <a:latin typeface="Times New Roman" panose="02020603050405020304" pitchFamily="18" charset="0"/>
+                <a:cs typeface="Times New Roman" panose="02020603050405020304" pitchFamily="18" charset="0"/>
+              </a:rPr>
+              <a:t>. Sage.</a:t>
+            </a:r>
+            <a:endParaRPr lang="en-US" sz="2500" dirty="0">
+              <a:solidFill>
+                <a:schemeClr val="bg1"/>
+              </a:solidFill>
+              <a:latin typeface="Times New Roman" panose="02020603050405020304" pitchFamily="18" charset="0"/>
+              <a:cs typeface="Times New Roman" panose="02020603050405020304" pitchFamily="18" charset="0"/>
+            </a:endParaRPr>
+          </a:p>
+        </p:txBody>
+      </p:sp>
+    </p:spTree>
+    <p:extLst>
+      <p:ext uri="{BB962C8B-B14F-4D97-AF65-F5344CB8AC3E}">
+        <p14:creationId xmlns:p14="http://schemas.microsoft.com/office/powerpoint/2010/main" val="2451253119"/>
+      </p:ext>
+    </p:extLst>
+  </p:cSld>
+  <p:clrMapOvr>
+    <a:masterClrMapping/>
+  </p:clrMapOvr>
+</p:sld>
+</file>
+
+<file path=ppt/slides/slide35.xml><?xml version="1.0" encoding="utf-8"?>
+<p:sld xmlns:a="http://schemas.openxmlformats.org/drawingml/2006/main" xmlns:r="http://schemas.openxmlformats.org/officeDocument/2006/relationships" xmlns:p="http://schemas.openxmlformats.org/presentationml/2006/main" showMasterSp="0">
+  <p:cSld>
+    <p:bg>
+      <p:bgPr>
+        <a:solidFill>
+          <a:schemeClr val="tx1"/>
+        </a:solidFill>
+        <a:effectLst/>
+      </p:bgPr>
+    </p:bg>
+    <p:spTree>
+      <p:nvGrpSpPr>
+        <p:cNvPr id="1" name=""/>
+        <p:cNvGrpSpPr/>
+        <p:nvPr/>
+      </p:nvGrpSpPr>
+      <p:grpSpPr>
+        <a:xfrm>
+          <a:off x="0" y="0"/>
+          <a:ext cx="0" cy="0"/>
+          <a:chOff x="0" y="0"/>
+          <a:chExt cx="0" cy="0"/>
+        </a:xfrm>
+      </p:grpSpPr>
+      <p:sp>
+        <p:nvSpPr>
+          <p:cNvPr id="2" name="Title 1">
+            <a:extLst>
+              <a:ext uri="{FF2B5EF4-FFF2-40B4-BE49-F238E27FC236}">
                 <a16:creationId xmlns:a16="http://schemas.microsoft.com/office/drawing/2014/main" id="{F376363F-57CB-7C46-8D30-6997A8CB848E}"/>
               </a:ext>
             </a:extLst>
@@ -13663,7 +14466,7 @@
 </p:sld>
 </file>
 
-<file path=ppt/slides/slide34.xml><?xml version="1.0" encoding="utf-8"?>
+<file path=ppt/slides/slide36.xml><?xml version="1.0" encoding="utf-8"?>
 <p:sld xmlns:a="http://schemas.openxmlformats.org/drawingml/2006/main" xmlns:r="http://schemas.openxmlformats.org/officeDocument/2006/relationships" xmlns:p="http://schemas.openxmlformats.org/presentationml/2006/main" showMasterSp="0">
   <p:cSld>
     <p:bg>
@@ -14043,838 +14846,6 @@
 </p:sld>
 </file>
 
-<file path=ppt/slides/slide35.xml><?xml version="1.0" encoding="utf-8"?>
-<p:sld xmlns:a="http://schemas.openxmlformats.org/drawingml/2006/main" xmlns:r="http://schemas.openxmlformats.org/officeDocument/2006/relationships" xmlns:p="http://schemas.openxmlformats.org/presentationml/2006/main" showMasterSp="0">
-  <p:cSld>
-    <p:bg>
-      <p:bgPr>
-        <a:solidFill>
-          <a:schemeClr val="tx1"/>
-        </a:solidFill>
-        <a:effectLst/>
-      </p:bgPr>
-    </p:bg>
-    <p:spTree>
-      <p:nvGrpSpPr>
-        <p:cNvPr id="1" name=""/>
-        <p:cNvGrpSpPr/>
-        <p:nvPr/>
-      </p:nvGrpSpPr>
-      <p:grpSpPr>
-        <a:xfrm>
-          <a:off x="0" y="0"/>
-          <a:ext cx="0" cy="0"/>
-          <a:chOff x="0" y="0"/>
-          <a:chExt cx="0" cy="0"/>
-        </a:xfrm>
-      </p:grpSpPr>
-      <p:sp>
-        <p:nvSpPr>
-          <p:cNvPr id="2" name="Title 1">
-            <a:extLst>
-              <a:ext uri="{FF2B5EF4-FFF2-40B4-BE49-F238E27FC236}">
-                <a16:creationId xmlns:a16="http://schemas.microsoft.com/office/drawing/2014/main" id="{F376363F-57CB-7C46-8D30-6997A8CB848E}"/>
-              </a:ext>
-            </a:extLst>
-          </p:cNvPr>
-          <p:cNvSpPr>
-            <a:spLocks noGrp="1"/>
-          </p:cNvSpPr>
-          <p:nvPr>
-            <p:ph type="title"/>
-          </p:nvPr>
-        </p:nvSpPr>
-        <p:spPr>
-          <a:xfrm>
-            <a:off x="-139486" y="293771"/>
-            <a:ext cx="5346915" cy="1477328"/>
-          </a:xfrm>
-        </p:spPr>
-        <p:txBody>
-          <a:bodyPr/>
-          <a:lstStyle/>
-          <a:p>
-            <a:pPr algn="ctr"/>
-            <a:r>
-              <a:rPr lang="en-US" b="1" dirty="0">
-                <a:solidFill>
-                  <a:schemeClr val="bg1"/>
-                </a:solidFill>
-                <a:latin typeface="Times New Roman" panose="02020603050405020304" pitchFamily="18" charset="0"/>
-                <a:cs typeface="Times New Roman" panose="02020603050405020304" pitchFamily="18" charset="0"/>
-              </a:rPr>
-              <a:t>PCA</a:t>
-            </a:r>
-            <a:br>
-              <a:rPr lang="en-US" b="1" dirty="0">
-                <a:solidFill>
-                  <a:schemeClr val="bg1"/>
-                </a:solidFill>
-                <a:latin typeface="Times New Roman" panose="02020603050405020304" pitchFamily="18" charset="0"/>
-                <a:cs typeface="Times New Roman" panose="02020603050405020304" pitchFamily="18" charset="0"/>
-              </a:rPr>
-            </a:br>
-            <a:r>
-              <a:rPr lang="en-US" b="1" dirty="0">
-                <a:solidFill>
-                  <a:schemeClr val="bg1"/>
-                </a:solidFill>
-                <a:latin typeface="Times New Roman" panose="02020603050405020304" pitchFamily="18" charset="0"/>
-                <a:cs typeface="Times New Roman" panose="02020603050405020304" pitchFamily="18" charset="0"/>
-              </a:rPr>
-              <a:t>Survey Q2</a:t>
-            </a:r>
-          </a:p>
-        </p:txBody>
-      </p:sp>
-      <p:sp>
-        <p:nvSpPr>
-          <p:cNvPr id="6" name="Rectangle 5">
-            <a:extLst>
-              <a:ext uri="{FF2B5EF4-FFF2-40B4-BE49-F238E27FC236}">
-                <a16:creationId xmlns:a16="http://schemas.microsoft.com/office/drawing/2014/main" id="{B335D236-8F50-8C4C-8D59-BEC353129962}"/>
-              </a:ext>
-            </a:extLst>
-          </p:cNvPr>
-          <p:cNvSpPr/>
-          <p:nvPr/>
-        </p:nvSpPr>
-        <p:spPr>
-          <a:xfrm>
-            <a:off x="4259526" y="169784"/>
-            <a:ext cx="6465302" cy="3908762"/>
-          </a:xfrm>
-          <a:prstGeom prst="rect">
-            <a:avLst/>
-          </a:prstGeom>
-        </p:spPr>
-        <p:txBody>
-          <a:bodyPr wrap="square">
-            <a:spAutoFit/>
-          </a:bodyPr>
-          <a:lstStyle/>
-          <a:p>
-            <a:r>
-              <a:rPr lang="en-MY" dirty="0">
-                <a:solidFill>
-                  <a:schemeClr val="bg1"/>
-                </a:solidFill>
-              </a:rPr>
-              <a:t>Features by importance: </a:t>
-            </a:r>
-          </a:p>
-          <a:p>
-            <a:r>
-              <a:rPr lang="en-MY" dirty="0">
-                <a:solidFill>
-                  <a:schemeClr val="bg1"/>
-                </a:solidFill>
-              </a:rPr>
-              <a:t>[(5.839735054043034, 'Q2_Q2_13'), (4.636818964269485, 'Q2_Q2_5'), (4.538149110813588, 'Q2_Q2_2'), (4.522662372716051, 'Q2_Q2_1'), (4.387088637503117, 'Q2_Q2_4'), (4.234664206641395, 'Q2_Q2_9'), (4.119574038933979, 'Q2_Q2_3'), (3.922502790812984, 'Q2_Q2_6'), (3.840675387905758, 'Q2_Q2_8'), (3.7292214581674994, 'Q2_Q2_12'), (3.5871174171973936, 'Q2_Q2_11'), (3.458266845317514, 'Q2_Q2_10'), (3.001852776427413, 'Q2_Q2_7')] </a:t>
-            </a:r>
-          </a:p>
-          <a:p>
-            <a:br>
-              <a:rPr lang="en-MY" dirty="0">
-                <a:solidFill>
-                  <a:schemeClr val="bg1"/>
-                </a:solidFill>
-              </a:rPr>
-            </a:br>
-            <a:endParaRPr lang="en-MY" dirty="0">
-              <a:solidFill>
-                <a:schemeClr val="bg1"/>
-              </a:solidFill>
-            </a:endParaRPr>
-          </a:p>
-          <a:p>
-            <a:endParaRPr lang="en-MY" sz="3200" dirty="0">
-              <a:solidFill>
-                <a:schemeClr val="bg1"/>
-              </a:solidFill>
-              <a:latin typeface="Times New Roman" panose="02020603050405020304" pitchFamily="18" charset="0"/>
-              <a:cs typeface="Times New Roman" panose="02020603050405020304" pitchFamily="18" charset="0"/>
-            </a:endParaRPr>
-          </a:p>
-        </p:txBody>
-      </p:sp>
-      <p:sp>
-        <p:nvSpPr>
-          <p:cNvPr id="5" name="Rectangle 4">
-            <a:extLst>
-              <a:ext uri="{FF2B5EF4-FFF2-40B4-BE49-F238E27FC236}">
-                <a16:creationId xmlns:a16="http://schemas.microsoft.com/office/drawing/2014/main" id="{BD8B4206-4A29-2148-B4B7-602E621F85F8}"/>
-              </a:ext>
-            </a:extLst>
-          </p:cNvPr>
-          <p:cNvSpPr/>
-          <p:nvPr/>
-        </p:nvSpPr>
-        <p:spPr>
-          <a:xfrm>
-            <a:off x="811078" y="2994897"/>
-            <a:ext cx="10879810" cy="3693319"/>
-          </a:xfrm>
-          <a:prstGeom prst="rect">
-            <a:avLst/>
-          </a:prstGeom>
-        </p:spPr>
-        <p:txBody>
-          <a:bodyPr wrap="square">
-            <a:spAutoFit/>
-          </a:bodyPr>
-          <a:lstStyle/>
-          <a:p>
-            <a:r>
-              <a:rPr lang="en-MY" sz="2600" b="1" dirty="0">
-                <a:solidFill>
-                  <a:schemeClr val="bg1"/>
-                </a:solidFill>
-                <a:latin typeface="Times New Roman" panose="02020603050405020304" pitchFamily="18" charset="0"/>
-                <a:cs typeface="Times New Roman" panose="02020603050405020304" pitchFamily="18" charset="0"/>
-              </a:rPr>
-              <a:t>Interpretation: </a:t>
-            </a:r>
-            <a:r>
-              <a:rPr lang="en-MY" sz="2600" dirty="0">
-                <a:solidFill>
-                  <a:srgbClr val="000000"/>
-                </a:solidFill>
-                <a:latin typeface="Times New Roman" panose="02020603050405020304" pitchFamily="18" charset="0"/>
-                <a:cs typeface="Times New Roman" panose="02020603050405020304" pitchFamily="18" charset="0"/>
-              </a:rPr>
-              <a:t>Q2_Q2_5 </a:t>
-            </a:r>
-            <a:r>
-              <a:rPr lang="en-MY" sz="2600" b="1" dirty="0">
-                <a:solidFill>
-                  <a:srgbClr val="000000"/>
-                </a:solidFill>
-                <a:latin typeface="Times New Roman" panose="02020603050405020304" pitchFamily="18" charset="0"/>
-                <a:cs typeface="Times New Roman" panose="02020603050405020304" pitchFamily="18" charset="0"/>
-              </a:rPr>
-              <a:t>[ Q5 ] </a:t>
-            </a:r>
-            <a:r>
-              <a:rPr lang="en-MY" sz="2600" dirty="0">
-                <a:solidFill>
-                  <a:srgbClr val="000000"/>
-                </a:solidFill>
-                <a:latin typeface="Times New Roman" panose="02020603050405020304" pitchFamily="18" charset="0"/>
-                <a:cs typeface="Times New Roman" panose="02020603050405020304" pitchFamily="18" charset="0"/>
-              </a:rPr>
-              <a:t>is 'Because I want to get in touch with the experts in </a:t>
-            </a:r>
-            <a:r>
-              <a:rPr lang="en-MY" sz="2600" dirty="0" err="1">
-                <a:solidFill>
-                  <a:srgbClr val="000000"/>
-                </a:solidFill>
-                <a:latin typeface="Times New Roman" panose="02020603050405020304" pitchFamily="18" charset="0"/>
-                <a:cs typeface="Times New Roman" panose="02020603050405020304" pitchFamily="18" charset="0"/>
-              </a:rPr>
-              <a:t>IronHacks</a:t>
-            </a:r>
-            <a:r>
-              <a:rPr lang="en-MY" sz="2600" b="1" dirty="0">
-                <a:solidFill>
-                  <a:schemeClr val="bg2"/>
-                </a:solidFill>
-                <a:latin typeface="Times New Roman" panose="02020603050405020304" pitchFamily="18" charset="0"/>
-                <a:cs typeface="Times New Roman" panose="02020603050405020304" pitchFamily="18" charset="0"/>
-              </a:rPr>
-              <a:t>’ </a:t>
-            </a:r>
-            <a:r>
-              <a:rPr lang="en-MY" sz="2600" b="1" dirty="0">
-                <a:solidFill>
-                  <a:srgbClr val="FF0000"/>
-                </a:solidFill>
-                <a:latin typeface="Times New Roman" panose="02020603050405020304" pitchFamily="18" charset="0"/>
-                <a:cs typeface="Times New Roman" panose="02020603050405020304" pitchFamily="18" charset="0"/>
-              </a:rPr>
-              <a:t>[ 2</a:t>
-            </a:r>
-            <a:r>
-              <a:rPr lang="en-MY" sz="2600" b="1" baseline="30000" dirty="0">
-                <a:solidFill>
-                  <a:srgbClr val="FF0000"/>
-                </a:solidFill>
-                <a:latin typeface="Times New Roman" panose="02020603050405020304" pitchFamily="18" charset="0"/>
-                <a:cs typeface="Times New Roman" panose="02020603050405020304" pitchFamily="18" charset="0"/>
-              </a:rPr>
-              <a:t>nd</a:t>
-            </a:r>
-            <a:r>
-              <a:rPr lang="en-MY" sz="2600" b="1" dirty="0">
-                <a:solidFill>
-                  <a:srgbClr val="FF0000"/>
-                </a:solidFill>
-                <a:latin typeface="Times New Roman" panose="02020603050405020304" pitchFamily="18" charset="0"/>
-                <a:cs typeface="Times New Roman" panose="02020603050405020304" pitchFamily="18" charset="0"/>
-              </a:rPr>
-              <a:t> important ] </a:t>
-            </a:r>
-          </a:p>
-          <a:p>
-            <a:r>
-              <a:rPr lang="en-MY" sz="2600" dirty="0">
-                <a:solidFill>
-                  <a:srgbClr val="000000"/>
-                </a:solidFill>
-                <a:latin typeface="Times New Roman" panose="02020603050405020304" pitchFamily="18" charset="0"/>
-                <a:cs typeface="Times New Roman" panose="02020603050405020304" pitchFamily="18" charset="0"/>
-              </a:rPr>
-              <a:t>Q2_Q2_13 </a:t>
-            </a:r>
-            <a:r>
-              <a:rPr lang="en-MY" sz="2600" b="1" dirty="0">
-                <a:solidFill>
-                  <a:srgbClr val="000000"/>
-                </a:solidFill>
-                <a:latin typeface="Times New Roman" panose="02020603050405020304" pitchFamily="18" charset="0"/>
-                <a:cs typeface="Times New Roman" panose="02020603050405020304" pitchFamily="18" charset="0"/>
-              </a:rPr>
-              <a:t>[ Q13 ] </a:t>
-            </a:r>
-            <a:r>
-              <a:rPr lang="en-MY" sz="2600" dirty="0">
-                <a:solidFill>
-                  <a:srgbClr val="000000"/>
-                </a:solidFill>
-                <a:latin typeface="Times New Roman" panose="02020603050405020304" pitchFamily="18" charset="0"/>
-                <a:cs typeface="Times New Roman" panose="02020603050405020304" pitchFamily="18" charset="0"/>
-              </a:rPr>
-              <a:t>is 'To pass the class’ </a:t>
-            </a:r>
-            <a:r>
-              <a:rPr lang="en-MY" sz="2600" b="1" dirty="0">
-                <a:solidFill>
-                  <a:srgbClr val="FF0000"/>
-                </a:solidFill>
-                <a:latin typeface="Times New Roman" panose="02020603050405020304" pitchFamily="18" charset="0"/>
-                <a:cs typeface="Times New Roman" panose="02020603050405020304" pitchFamily="18" charset="0"/>
-              </a:rPr>
-              <a:t>[ most important ] </a:t>
-            </a:r>
-          </a:p>
-          <a:p>
-            <a:r>
-              <a:rPr lang="en-MY" sz="2600" dirty="0">
-                <a:solidFill>
-                  <a:schemeClr val="bg1"/>
-                </a:solidFill>
-                <a:latin typeface="Times New Roman" panose="02020603050405020304" pitchFamily="18" charset="0"/>
-                <a:cs typeface="Times New Roman" panose="02020603050405020304" pitchFamily="18" charset="0"/>
-              </a:rPr>
-              <a:t>Q2_Q2_2 </a:t>
-            </a:r>
-            <a:r>
-              <a:rPr lang="en-MY" sz="2600" b="1" dirty="0">
-                <a:solidFill>
-                  <a:schemeClr val="bg1"/>
-                </a:solidFill>
-                <a:latin typeface="Times New Roman" panose="02020603050405020304" pitchFamily="18" charset="0"/>
-                <a:cs typeface="Times New Roman" panose="02020603050405020304" pitchFamily="18" charset="0"/>
-              </a:rPr>
-              <a:t>[ Q2 ]</a:t>
-            </a:r>
-            <a:r>
-              <a:rPr lang="en-MY" sz="2600" dirty="0">
-                <a:solidFill>
-                  <a:schemeClr val="bg1"/>
-                </a:solidFill>
-                <a:latin typeface="Times New Roman" panose="02020603050405020304" pitchFamily="18" charset="0"/>
-                <a:cs typeface="Times New Roman" panose="02020603050405020304" pitchFamily="18" charset="0"/>
-              </a:rPr>
-              <a:t>  is  ‘To become known for being an excellent programmer’ </a:t>
-            </a:r>
-          </a:p>
-          <a:p>
-            <a:r>
-              <a:rPr lang="en-MY" sz="2600" b="1" dirty="0">
-                <a:solidFill>
-                  <a:srgbClr val="FF0000"/>
-                </a:solidFill>
-                <a:latin typeface="Times New Roman" panose="02020603050405020304" pitchFamily="18" charset="0"/>
-                <a:cs typeface="Times New Roman" panose="02020603050405020304" pitchFamily="18" charset="0"/>
-              </a:rPr>
-              <a:t>[ 3</a:t>
-            </a:r>
-            <a:r>
-              <a:rPr lang="en-MY" sz="2600" b="1" baseline="30000" dirty="0">
-                <a:solidFill>
-                  <a:srgbClr val="FF0000"/>
-                </a:solidFill>
-                <a:latin typeface="Times New Roman" panose="02020603050405020304" pitchFamily="18" charset="0"/>
-                <a:cs typeface="Times New Roman" panose="02020603050405020304" pitchFamily="18" charset="0"/>
-              </a:rPr>
-              <a:t>rd</a:t>
-            </a:r>
-            <a:r>
-              <a:rPr lang="en-MY" sz="2600" b="1" dirty="0">
-                <a:solidFill>
-                  <a:srgbClr val="FF0000"/>
-                </a:solidFill>
-                <a:latin typeface="Times New Roman" panose="02020603050405020304" pitchFamily="18" charset="0"/>
-                <a:cs typeface="Times New Roman" panose="02020603050405020304" pitchFamily="18" charset="0"/>
-              </a:rPr>
-              <a:t> important ] </a:t>
-            </a:r>
-          </a:p>
-          <a:p>
-            <a:r>
-              <a:rPr lang="en-MY" sz="2600" dirty="0">
-                <a:solidFill>
-                  <a:schemeClr val="bg1"/>
-                </a:solidFill>
-                <a:latin typeface="Times New Roman" panose="02020603050405020304" pitchFamily="18" charset="0"/>
-                <a:cs typeface="Times New Roman" panose="02020603050405020304" pitchFamily="18" charset="0"/>
-              </a:rPr>
-              <a:t>Q2_Q2_1 </a:t>
-            </a:r>
-            <a:r>
-              <a:rPr lang="en-MY" sz="2600" b="1" dirty="0">
-                <a:solidFill>
-                  <a:schemeClr val="bg1"/>
-                </a:solidFill>
-                <a:latin typeface="Times New Roman" panose="02020603050405020304" pitchFamily="18" charset="0"/>
-                <a:cs typeface="Times New Roman" panose="02020603050405020304" pitchFamily="18" charset="0"/>
-              </a:rPr>
-              <a:t>[ Q1 ] </a:t>
-            </a:r>
-            <a:r>
-              <a:rPr lang="en-MY" sz="2600" dirty="0">
-                <a:solidFill>
-                  <a:schemeClr val="bg1"/>
-                </a:solidFill>
-                <a:latin typeface="Times New Roman" panose="02020603050405020304" pitchFamily="18" charset="0"/>
-                <a:cs typeface="Times New Roman" panose="02020603050405020304" pitchFamily="18" charset="0"/>
-              </a:rPr>
-              <a:t>is ‘I hope to get monetary compensation according to the effort made’ </a:t>
-            </a:r>
-            <a:r>
-              <a:rPr lang="en-MY" sz="2600" b="1" dirty="0">
-                <a:solidFill>
-                  <a:srgbClr val="FF0000"/>
-                </a:solidFill>
-                <a:latin typeface="Times New Roman" panose="02020603050405020304" pitchFamily="18" charset="0"/>
-                <a:cs typeface="Times New Roman" panose="02020603050405020304" pitchFamily="18" charset="0"/>
-              </a:rPr>
-              <a:t>[ 4</a:t>
-            </a:r>
-            <a:r>
-              <a:rPr lang="en-MY" sz="2600" b="1" baseline="30000" dirty="0">
-                <a:solidFill>
-                  <a:srgbClr val="FF0000"/>
-                </a:solidFill>
-                <a:latin typeface="Times New Roman" panose="02020603050405020304" pitchFamily="18" charset="0"/>
-                <a:cs typeface="Times New Roman" panose="02020603050405020304" pitchFamily="18" charset="0"/>
-              </a:rPr>
-              <a:t>th</a:t>
-            </a:r>
-            <a:r>
-              <a:rPr lang="en-MY" sz="2600" b="1" dirty="0">
-                <a:solidFill>
-                  <a:srgbClr val="FF0000"/>
-                </a:solidFill>
-                <a:latin typeface="Times New Roman" panose="02020603050405020304" pitchFamily="18" charset="0"/>
-                <a:cs typeface="Times New Roman" panose="02020603050405020304" pitchFamily="18" charset="0"/>
-              </a:rPr>
-              <a:t> important ] </a:t>
-            </a:r>
-          </a:p>
-          <a:p>
-            <a:r>
-              <a:rPr lang="en-MY" sz="2600" i="0" dirty="0">
-                <a:solidFill>
-                  <a:schemeClr val="bg1"/>
-                </a:solidFill>
-                <a:effectLst/>
-                <a:latin typeface="Times New Roman" panose="02020603050405020304" pitchFamily="18" charset="0"/>
-                <a:cs typeface="Times New Roman" panose="02020603050405020304" pitchFamily="18" charset="0"/>
-              </a:rPr>
-              <a:t>Q2</a:t>
-            </a:r>
-            <a:r>
-              <a:rPr lang="en-MY" sz="2600" dirty="0">
-                <a:solidFill>
-                  <a:schemeClr val="bg1"/>
-                </a:solidFill>
-                <a:latin typeface="Times New Roman" panose="02020603050405020304" pitchFamily="18" charset="0"/>
-                <a:cs typeface="Times New Roman" panose="02020603050405020304" pitchFamily="18" charset="0"/>
-              </a:rPr>
-              <a:t>_Q2_4 </a:t>
-            </a:r>
-            <a:r>
-              <a:rPr lang="en-MY" sz="2600" b="1" dirty="0">
-                <a:solidFill>
-                  <a:schemeClr val="bg1"/>
-                </a:solidFill>
-                <a:latin typeface="Times New Roman" panose="02020603050405020304" pitchFamily="18" charset="0"/>
-                <a:cs typeface="Times New Roman" panose="02020603050405020304" pitchFamily="18" charset="0"/>
-              </a:rPr>
-              <a:t>[ Q4 ] </a:t>
-            </a:r>
-            <a:r>
-              <a:rPr lang="en-MY" sz="2600" dirty="0">
-                <a:solidFill>
-                  <a:schemeClr val="bg1"/>
-                </a:solidFill>
-                <a:latin typeface="Times New Roman" panose="02020603050405020304" pitchFamily="18" charset="0"/>
-                <a:cs typeface="Times New Roman" panose="02020603050405020304" pitchFamily="18" charset="0"/>
-              </a:rPr>
-              <a:t>is ‘Because I have ideas I want to introduce to the experts in </a:t>
-            </a:r>
-            <a:r>
-              <a:rPr lang="en-MY" sz="2600" dirty="0" err="1">
-                <a:solidFill>
-                  <a:schemeClr val="bg1"/>
-                </a:solidFill>
-                <a:latin typeface="Times New Roman" panose="02020603050405020304" pitchFamily="18" charset="0"/>
-                <a:cs typeface="Times New Roman" panose="02020603050405020304" pitchFamily="18" charset="0"/>
-              </a:rPr>
-              <a:t>IronHacks</a:t>
-            </a:r>
-            <a:r>
-              <a:rPr lang="en-MY" sz="2600" dirty="0">
-                <a:solidFill>
-                  <a:schemeClr val="bg1"/>
-                </a:solidFill>
-                <a:latin typeface="Times New Roman" panose="02020603050405020304" pitchFamily="18" charset="0"/>
-                <a:cs typeface="Times New Roman" panose="02020603050405020304" pitchFamily="18" charset="0"/>
-              </a:rPr>
-              <a:t>’ </a:t>
-            </a:r>
-            <a:r>
-              <a:rPr lang="en-MY" sz="2600" b="1" dirty="0">
-                <a:solidFill>
-                  <a:srgbClr val="FF0000"/>
-                </a:solidFill>
-                <a:latin typeface="Times New Roman" panose="02020603050405020304" pitchFamily="18" charset="0"/>
-                <a:cs typeface="Times New Roman" panose="02020603050405020304" pitchFamily="18" charset="0"/>
-              </a:rPr>
-              <a:t>[ 5</a:t>
-            </a:r>
-            <a:r>
-              <a:rPr lang="en-MY" sz="2600" b="1" baseline="30000" dirty="0">
-                <a:solidFill>
-                  <a:srgbClr val="FF0000"/>
-                </a:solidFill>
-                <a:latin typeface="Times New Roman" panose="02020603050405020304" pitchFamily="18" charset="0"/>
-                <a:cs typeface="Times New Roman" panose="02020603050405020304" pitchFamily="18" charset="0"/>
-              </a:rPr>
-              <a:t>th</a:t>
-            </a:r>
-            <a:r>
-              <a:rPr lang="en-MY" sz="2600" b="1" dirty="0">
-                <a:solidFill>
-                  <a:srgbClr val="FF0000"/>
-                </a:solidFill>
-                <a:latin typeface="Times New Roman" panose="02020603050405020304" pitchFamily="18" charset="0"/>
-                <a:cs typeface="Times New Roman" panose="02020603050405020304" pitchFamily="18" charset="0"/>
-              </a:rPr>
-              <a:t> important ] </a:t>
-            </a:r>
-            <a:endParaRPr lang="en-MY" sz="2600" b="1" i="0" dirty="0">
-              <a:solidFill>
-                <a:srgbClr val="FF0000"/>
-              </a:solidFill>
-              <a:effectLst/>
-              <a:latin typeface="Times New Roman" panose="02020603050405020304" pitchFamily="18" charset="0"/>
-              <a:cs typeface="Times New Roman" panose="02020603050405020304" pitchFamily="18" charset="0"/>
-            </a:endParaRPr>
-          </a:p>
-        </p:txBody>
-      </p:sp>
-    </p:spTree>
-    <p:extLst>
-      <p:ext uri="{BB962C8B-B14F-4D97-AF65-F5344CB8AC3E}">
-        <p14:creationId xmlns:p14="http://schemas.microsoft.com/office/powerpoint/2010/main" val="3329683253"/>
-      </p:ext>
-    </p:extLst>
-  </p:cSld>
-  <p:clrMapOvr>
-    <a:masterClrMapping/>
-  </p:clrMapOvr>
-</p:sld>
-</file>
-
-<file path=ppt/slides/slide36.xml><?xml version="1.0" encoding="utf-8"?>
-<p:sld xmlns:a="http://schemas.openxmlformats.org/drawingml/2006/main" xmlns:r="http://schemas.openxmlformats.org/officeDocument/2006/relationships" xmlns:p="http://schemas.openxmlformats.org/presentationml/2006/main" showMasterSp="0">
-  <p:cSld>
-    <p:bg>
-      <p:bgPr>
-        <a:solidFill>
-          <a:schemeClr val="tx1"/>
-        </a:solidFill>
-        <a:effectLst/>
-      </p:bgPr>
-    </p:bg>
-    <p:spTree>
-      <p:nvGrpSpPr>
-        <p:cNvPr id="1" name=""/>
-        <p:cNvGrpSpPr/>
-        <p:nvPr/>
-      </p:nvGrpSpPr>
-      <p:grpSpPr>
-        <a:xfrm>
-          <a:off x="0" y="0"/>
-          <a:ext cx="0" cy="0"/>
-          <a:chOff x="0" y="0"/>
-          <a:chExt cx="0" cy="0"/>
-        </a:xfrm>
-      </p:grpSpPr>
-      <p:sp>
-        <p:nvSpPr>
-          <p:cNvPr id="2" name="Title 1">
-            <a:extLst>
-              <a:ext uri="{FF2B5EF4-FFF2-40B4-BE49-F238E27FC236}">
-                <a16:creationId xmlns:a16="http://schemas.microsoft.com/office/drawing/2014/main" id="{F376363F-57CB-7C46-8D30-6997A8CB848E}"/>
-              </a:ext>
-            </a:extLst>
-          </p:cNvPr>
-          <p:cNvSpPr>
-            <a:spLocks noGrp="1"/>
-          </p:cNvSpPr>
-          <p:nvPr>
-            <p:ph type="title"/>
-          </p:nvPr>
-        </p:nvSpPr>
-        <p:spPr>
-          <a:xfrm>
-            <a:off x="-139486" y="293771"/>
-            <a:ext cx="5346915" cy="1477328"/>
-          </a:xfrm>
-        </p:spPr>
-        <p:txBody>
-          <a:bodyPr>
-            <a:normAutofit fontScale="90000"/>
-          </a:bodyPr>
-          <a:lstStyle/>
-          <a:p>
-            <a:pPr algn="ctr"/>
-            <a:r>
-              <a:rPr lang="en-US" b="1" dirty="0">
-                <a:solidFill>
-                  <a:schemeClr val="bg1"/>
-                </a:solidFill>
-                <a:latin typeface="Times New Roman" panose="02020603050405020304" pitchFamily="18" charset="0"/>
-                <a:cs typeface="Times New Roman" panose="02020603050405020304" pitchFamily="18" charset="0"/>
-              </a:rPr>
-              <a:t>PCA</a:t>
-            </a:r>
-            <a:br>
-              <a:rPr lang="en-US" b="1" dirty="0">
-                <a:solidFill>
-                  <a:schemeClr val="bg1"/>
-                </a:solidFill>
-                <a:latin typeface="Times New Roman" panose="02020603050405020304" pitchFamily="18" charset="0"/>
-                <a:cs typeface="Times New Roman" panose="02020603050405020304" pitchFamily="18" charset="0"/>
-              </a:rPr>
-            </a:br>
-            <a:r>
-              <a:rPr lang="en-US" b="1" dirty="0">
-                <a:solidFill>
-                  <a:schemeClr val="bg1"/>
-                </a:solidFill>
-                <a:latin typeface="Times New Roman" panose="02020603050405020304" pitchFamily="18" charset="0"/>
-                <a:cs typeface="Times New Roman" panose="02020603050405020304" pitchFamily="18" charset="0"/>
-              </a:rPr>
-              <a:t>Survey Q3</a:t>
-            </a:r>
-            <a:br>
-              <a:rPr lang="en-US" b="1" dirty="0">
-                <a:solidFill>
-                  <a:schemeClr val="bg1"/>
-                </a:solidFill>
-                <a:latin typeface="Times New Roman" panose="02020603050405020304" pitchFamily="18" charset="0"/>
-                <a:cs typeface="Times New Roman" panose="02020603050405020304" pitchFamily="18" charset="0"/>
-              </a:rPr>
-            </a:br>
-            <a:r>
-              <a:rPr lang="en-US" b="1" dirty="0">
-                <a:solidFill>
-                  <a:schemeClr val="bg1"/>
-                </a:solidFill>
-                <a:latin typeface="Times New Roman" panose="02020603050405020304" pitchFamily="18" charset="0"/>
-                <a:cs typeface="Times New Roman" panose="02020603050405020304" pitchFamily="18" charset="0"/>
-              </a:rPr>
-              <a:t>Openness/</a:t>
-            </a:r>
-            <a:r>
-              <a:rPr lang="en-US" b="1" dirty="0" err="1">
-                <a:solidFill>
-                  <a:schemeClr val="bg1"/>
-                </a:solidFill>
-                <a:latin typeface="Times New Roman" panose="02020603050405020304" pitchFamily="18" charset="0"/>
-                <a:cs typeface="Times New Roman" panose="02020603050405020304" pitchFamily="18" charset="0"/>
-              </a:rPr>
-              <a:t>flexibilty</a:t>
-            </a:r>
-            <a:br>
-              <a:rPr lang="en-US" b="1" dirty="0">
-                <a:solidFill>
-                  <a:schemeClr val="bg1"/>
-                </a:solidFill>
-                <a:latin typeface="Times New Roman" panose="02020603050405020304" pitchFamily="18" charset="0"/>
-                <a:cs typeface="Times New Roman" panose="02020603050405020304" pitchFamily="18" charset="0"/>
-              </a:rPr>
-            </a:br>
-            <a:endParaRPr lang="en-US" b="1" dirty="0">
-              <a:solidFill>
-                <a:schemeClr val="bg1"/>
-              </a:solidFill>
-              <a:latin typeface="Times New Roman" panose="02020603050405020304" pitchFamily="18" charset="0"/>
-              <a:cs typeface="Times New Roman" panose="02020603050405020304" pitchFamily="18" charset="0"/>
-            </a:endParaRPr>
-          </a:p>
-        </p:txBody>
-      </p:sp>
-      <p:sp>
-        <p:nvSpPr>
-          <p:cNvPr id="6" name="Rectangle 5">
-            <a:extLst>
-              <a:ext uri="{FF2B5EF4-FFF2-40B4-BE49-F238E27FC236}">
-                <a16:creationId xmlns:a16="http://schemas.microsoft.com/office/drawing/2014/main" id="{B335D236-8F50-8C4C-8D59-BEC353129962}"/>
-              </a:ext>
-            </a:extLst>
-          </p:cNvPr>
-          <p:cNvSpPr/>
-          <p:nvPr/>
-        </p:nvSpPr>
-        <p:spPr>
-          <a:xfrm>
-            <a:off x="4411362" y="339569"/>
-            <a:ext cx="7035925" cy="2677656"/>
-          </a:xfrm>
-          <a:prstGeom prst="rect">
-            <a:avLst/>
-          </a:prstGeom>
-        </p:spPr>
-        <p:txBody>
-          <a:bodyPr wrap="square">
-            <a:spAutoFit/>
-          </a:bodyPr>
-          <a:lstStyle/>
-          <a:p>
-            <a:r>
-              <a:rPr lang="en-MY" sz="2800" dirty="0">
-                <a:solidFill>
-                  <a:schemeClr val="bg1"/>
-                </a:solidFill>
-                <a:latin typeface="Times New Roman" panose="02020603050405020304" pitchFamily="18" charset="0"/>
-                <a:cs typeface="Times New Roman" panose="02020603050405020304" pitchFamily="18" charset="0"/>
-              </a:rPr>
-              <a:t>To what extent do each of the following statements describe you?</a:t>
-            </a:r>
-          </a:p>
-          <a:p>
-            <a:endParaRPr lang="en-MY" sz="2800" dirty="0">
-              <a:solidFill>
-                <a:schemeClr val="bg1"/>
-              </a:solidFill>
-              <a:latin typeface="Times New Roman" panose="02020603050405020304" pitchFamily="18" charset="0"/>
-              <a:cs typeface="Times New Roman" panose="02020603050405020304" pitchFamily="18" charset="0"/>
-            </a:endParaRPr>
-          </a:p>
-          <a:p>
-            <a:r>
-              <a:rPr lang="en-MY" sz="2800" dirty="0">
-                <a:solidFill>
-                  <a:schemeClr val="bg1"/>
-                </a:solidFill>
-                <a:latin typeface="Times New Roman" panose="02020603050405020304" pitchFamily="18" charset="0"/>
-                <a:cs typeface="Times New Roman" panose="02020603050405020304" pitchFamily="18" charset="0"/>
-              </a:rPr>
-              <a:t>Cronbach’s alpha (0.8004) (Good Consistency)</a:t>
-            </a:r>
-          </a:p>
-          <a:p>
-            <a:r>
-              <a:rPr lang="en-MY" sz="2800" dirty="0">
-                <a:solidFill>
-                  <a:schemeClr val="bg1"/>
-                </a:solidFill>
-                <a:latin typeface="Times New Roman" panose="02020603050405020304" pitchFamily="18" charset="0"/>
-                <a:cs typeface="Times New Roman" panose="02020603050405020304" pitchFamily="18" charset="0"/>
-              </a:rPr>
-              <a:t>KMO  ( 0.764 ) ( adequate )</a:t>
-            </a:r>
-          </a:p>
-          <a:p>
-            <a:r>
-              <a:rPr lang="en-MY" sz="2800" dirty="0" err="1">
-                <a:solidFill>
-                  <a:schemeClr val="bg1"/>
-                </a:solidFill>
-                <a:latin typeface="Times New Roman" panose="02020603050405020304" pitchFamily="18" charset="0"/>
-                <a:cs typeface="Times New Roman" panose="02020603050405020304" pitchFamily="18" charset="0"/>
-              </a:rPr>
-              <a:t>Barlett’s</a:t>
-            </a:r>
-            <a:r>
-              <a:rPr lang="en-MY" sz="2800" dirty="0">
-                <a:solidFill>
-                  <a:schemeClr val="bg1"/>
-                </a:solidFill>
-                <a:latin typeface="Times New Roman" panose="02020603050405020304" pitchFamily="18" charset="0"/>
-                <a:cs typeface="Times New Roman" panose="02020603050405020304" pitchFamily="18" charset="0"/>
-              </a:rPr>
-              <a:t> Test ( 1.822e-55 ) ( significant )</a:t>
-            </a:r>
-            <a:endParaRPr lang="en-MY" sz="3200" dirty="0">
-              <a:solidFill>
-                <a:schemeClr val="bg1"/>
-              </a:solidFill>
-              <a:latin typeface="Times New Roman" panose="02020603050405020304" pitchFamily="18" charset="0"/>
-              <a:cs typeface="Times New Roman" panose="02020603050405020304" pitchFamily="18" charset="0"/>
-            </a:endParaRPr>
-          </a:p>
-        </p:txBody>
-      </p:sp>
-      <p:pic>
-        <p:nvPicPr>
-          <p:cNvPr id="7" name="Content Placeholder 6" descr="Text&#10;&#10;Description automatically generated with medium confidence">
-            <a:extLst>
-              <a:ext uri="{FF2B5EF4-FFF2-40B4-BE49-F238E27FC236}">
-                <a16:creationId xmlns:a16="http://schemas.microsoft.com/office/drawing/2014/main" id="{CC158491-2D58-B445-9218-5988240CA174}"/>
-              </a:ext>
-            </a:extLst>
-          </p:cNvPr>
-          <p:cNvPicPr>
-            <a:picLocks noGrp="1" noChangeAspect="1"/>
-          </p:cNvPicPr>
-          <p:nvPr>
-            <p:ph idx="1"/>
-          </p:nvPr>
-        </p:nvPicPr>
-        <p:blipFill>
-          <a:blip r:embed="rId3"/>
-          <a:stretch>
-            <a:fillRect/>
-          </a:stretch>
-        </p:blipFill>
-        <p:spPr>
-          <a:xfrm>
-            <a:off x="808391" y="3366683"/>
-            <a:ext cx="10853696" cy="2854259"/>
-          </a:xfrm>
-        </p:spPr>
-      </p:pic>
-    </p:spTree>
-    <p:extLst>
-      <p:ext uri="{BB962C8B-B14F-4D97-AF65-F5344CB8AC3E}">
-        <p14:creationId xmlns:p14="http://schemas.microsoft.com/office/powerpoint/2010/main" val="3035991681"/>
-      </p:ext>
-    </p:extLst>
-  </p:cSld>
-  <p:clrMapOvr>
-    <a:masterClrMapping/>
-  </p:clrMapOvr>
-</p:sld>
-</file>
-
 <file path=ppt/slides/slide37.xml><?xml version="1.0" encoding="utf-8"?>
 <p:sld xmlns:a="http://schemas.openxmlformats.org/drawingml/2006/main" xmlns:r="http://schemas.openxmlformats.org/officeDocument/2006/relationships" xmlns:p="http://schemas.openxmlformats.org/presentationml/2006/main" showMasterSp="0">
   <p:cSld>
@@ -14954,24 +14925,8 @@
                 <a:latin typeface="Times New Roman" panose="02020603050405020304" pitchFamily="18" charset="0"/>
                 <a:cs typeface="Times New Roman" panose="02020603050405020304" pitchFamily="18" charset="0"/>
               </a:rPr>
-              <a:t>Survey Q3</a:t>
-            </a:r>
-            <a:br>
-              <a:rPr lang="en-US" b="1" dirty="0">
-                <a:solidFill>
-                  <a:schemeClr val="bg1"/>
-                </a:solidFill>
-                <a:latin typeface="Times New Roman" panose="02020603050405020304" pitchFamily="18" charset="0"/>
-                <a:cs typeface="Times New Roman" panose="02020603050405020304" pitchFamily="18" charset="0"/>
-              </a:rPr>
-            </a:br>
-            <a:endParaRPr lang="en-US" b="1" dirty="0">
-              <a:solidFill>
-                <a:schemeClr val="bg1"/>
-              </a:solidFill>
-              <a:latin typeface="Times New Roman" panose="02020603050405020304" pitchFamily="18" charset="0"/>
-              <a:cs typeface="Times New Roman" panose="02020603050405020304" pitchFamily="18" charset="0"/>
-            </a:endParaRPr>
+              <a:t>Survey Q2</a:t>
+            </a:r>
           </a:p>
         </p:txBody>
       </p:sp>
@@ -14989,8 +14944,8 @@
         </p:nvSpPr>
         <p:spPr>
           <a:xfrm>
-            <a:off x="4411362" y="339569"/>
-            <a:ext cx="7035925" cy="1569660"/>
+            <a:off x="4259526" y="169784"/>
+            <a:ext cx="6465302" cy="3908762"/>
           </a:xfrm>
           <a:prstGeom prst="rect">
             <a:avLst/>
@@ -15003,15 +14958,37 @@
           <a:lstStyle/>
           <a:p>
             <a:r>
-              <a:rPr lang="en-MY" sz="3200" dirty="0">
-                <a:solidFill>
-                  <a:schemeClr val="bg1"/>
-                </a:solidFill>
-                <a:latin typeface="Times New Roman" panose="02020603050405020304" pitchFamily="18" charset="0"/>
-                <a:cs typeface="Times New Roman" panose="02020603050405020304" pitchFamily="18" charset="0"/>
-              </a:rPr>
-              <a:t>Two Principle Components Explained 75.11% of the Variance. </a:t>
-            </a:r>
+              <a:rPr lang="en-MY" dirty="0">
+                <a:solidFill>
+                  <a:schemeClr val="bg1"/>
+                </a:solidFill>
+              </a:rPr>
+              <a:t>Features by importance: </a:t>
+            </a:r>
+          </a:p>
+          <a:p>
+            <a:r>
+              <a:rPr lang="en-MY" dirty="0">
+                <a:solidFill>
+                  <a:schemeClr val="bg1"/>
+                </a:solidFill>
+              </a:rPr>
+              <a:t>[(5.839735054043034, 'Q2_Q2_13'), (4.636818964269485, 'Q2_Q2_5'), (4.538149110813588, 'Q2_Q2_2'), (4.522662372716051, 'Q2_Q2_1'), (4.387088637503117, 'Q2_Q2_4'), (4.234664206641395, 'Q2_Q2_9'), (4.119574038933979, 'Q2_Q2_3'), (3.922502790812984, 'Q2_Q2_6'), (3.840675387905758, 'Q2_Q2_8'), (3.7292214581674994, 'Q2_Q2_12'), (3.5871174171973936, 'Q2_Q2_11'), (3.458266845317514, 'Q2_Q2_10'), (3.001852776427413, 'Q2_Q2_7')] </a:t>
+            </a:r>
+          </a:p>
+          <a:p>
+            <a:br>
+              <a:rPr lang="en-MY" dirty="0">
+                <a:solidFill>
+                  <a:schemeClr val="bg1"/>
+                </a:solidFill>
+              </a:rPr>
+            </a:br>
+            <a:endParaRPr lang="en-MY" dirty="0">
+              <a:solidFill>
+                <a:schemeClr val="bg1"/>
+              </a:solidFill>
+            </a:endParaRPr>
           </a:p>
           <a:p>
             <a:endParaRPr lang="en-MY" sz="3200" dirty="0">
@@ -15026,133 +15003,397 @@
       </p:sp>
       <p:sp>
         <p:nvSpPr>
-          <p:cNvPr id="4" name="Content Placeholder 3">
+          <p:cNvPr id="5" name="Rectangle 4">
             <a:extLst>
               <a:ext uri="{FF2B5EF4-FFF2-40B4-BE49-F238E27FC236}">
-                <a16:creationId xmlns:a16="http://schemas.microsoft.com/office/drawing/2014/main" id="{ED6974DE-F708-7940-8EC6-C3420418C130}"/>
+                <a16:creationId xmlns:a16="http://schemas.microsoft.com/office/drawing/2014/main" id="{BD8B4206-4A29-2148-B4B7-602E621F85F8}"/>
               </a:ext>
             </a:extLst>
           </p:cNvPr>
-          <p:cNvSpPr>
-            <a:spLocks noGrp="1"/>
-          </p:cNvSpPr>
-          <p:nvPr>
-            <p:ph idx="1"/>
-          </p:nvPr>
+          <p:cNvSpPr/>
+          <p:nvPr/>
         </p:nvSpPr>
         <p:spPr>
           <a:xfrm>
-            <a:off x="573438" y="1790193"/>
-            <a:ext cx="11329260" cy="1638807"/>
-          </a:xfrm>
-        </p:spPr>
-        <p:txBody>
-          <a:bodyPr>
-            <a:normAutofit fontScale="77500" lnSpcReduction="20000"/>
-          </a:bodyPr>
-          <a:lstStyle/>
-          <a:p>
-            <a:r>
-              <a:rPr lang="en-US" sz="2500" dirty="0">
-                <a:solidFill>
-                  <a:schemeClr val="bg1">
-                    <a:alpha val="58000"/>
-                  </a:schemeClr>
-                </a:solidFill>
-                <a:latin typeface="Times New Roman" panose="02020603050405020304" pitchFamily="18" charset="0"/>
-                <a:cs typeface="Times New Roman" panose="02020603050405020304" pitchFamily="18" charset="0"/>
-              </a:rPr>
-              <a:t>PC1 explained 55.93% of the variance  - Person with High Value for PC1 will have </a:t>
-            </a:r>
-          </a:p>
-          <a:p>
-            <a:r>
-              <a:rPr lang="en-US" sz="2500" dirty="0">
-                <a:solidFill>
-                  <a:srgbClr val="FF0000">
-                    <a:alpha val="58000"/>
-                  </a:srgbClr>
-                </a:solidFill>
-                <a:latin typeface="Times New Roman" panose="02020603050405020304" pitchFamily="18" charset="0"/>
-                <a:cs typeface="Times New Roman" panose="02020603050405020304" pitchFamily="18" charset="0"/>
-              </a:rPr>
-              <a:t>low Q1 ( 0.516 ) and low Q3 ( 0.461 )</a:t>
-            </a:r>
-          </a:p>
-          <a:p>
-            <a:r>
-              <a:rPr lang="en-US" sz="2500" dirty="0">
-                <a:solidFill>
-                  <a:schemeClr val="bg1">
-                    <a:alpha val="58000"/>
-                  </a:schemeClr>
-                </a:solidFill>
-                <a:latin typeface="Times New Roman" panose="02020603050405020304" pitchFamily="18" charset="0"/>
-                <a:cs typeface="Times New Roman" panose="02020603050405020304" pitchFamily="18" charset="0"/>
-              </a:rPr>
-              <a:t>PC2 explained 19.18% of the variance – Person with High Value for PC2 will have </a:t>
-            </a:r>
-          </a:p>
-          <a:p>
-            <a:r>
-              <a:rPr lang="en-US" sz="2500" dirty="0">
-                <a:solidFill>
-                  <a:srgbClr val="FF0000"/>
-                </a:solidFill>
-                <a:latin typeface="Times New Roman" panose="02020603050405020304" pitchFamily="18" charset="0"/>
-                <a:cs typeface="Times New Roman" panose="02020603050405020304" pitchFamily="18" charset="0"/>
-              </a:rPr>
-              <a:t>low Q1 ( 0.7688 ) </a:t>
-            </a:r>
-            <a:r>
-              <a:rPr lang="en-US" sz="2500" dirty="0">
-                <a:solidFill>
-                  <a:srgbClr val="FF0000">
-                    <a:alpha val="58000"/>
-                  </a:srgbClr>
-                </a:solidFill>
-                <a:latin typeface="Times New Roman" panose="02020603050405020304" pitchFamily="18" charset="0"/>
-                <a:cs typeface="Times New Roman" panose="02020603050405020304" pitchFamily="18" charset="0"/>
-              </a:rPr>
-              <a:t>and high Q4 ( 0.4448 )</a:t>
-            </a:r>
-          </a:p>
-        </p:txBody>
-      </p:sp>
-      <p:pic>
-        <p:nvPicPr>
-          <p:cNvPr id="8" name="Picture 7" descr="Graphical user interface, application&#10;&#10;Description automatically generated">
-            <a:extLst>
-              <a:ext uri="{FF2B5EF4-FFF2-40B4-BE49-F238E27FC236}">
-                <a16:creationId xmlns:a16="http://schemas.microsoft.com/office/drawing/2014/main" id="{42AD645C-1DF5-064C-95CF-4CB7381C3AA2}"/>
-              </a:ext>
-            </a:extLst>
-          </p:cNvPr>
-          <p:cNvPicPr>
-            <a:picLocks noChangeAspect="1"/>
-          </p:cNvPicPr>
-          <p:nvPr/>
-        </p:nvPicPr>
-        <p:blipFill>
-          <a:blip r:embed="rId3"/>
-          <a:stretch>
-            <a:fillRect/>
-          </a:stretch>
-        </p:blipFill>
-        <p:spPr>
-          <a:xfrm>
-            <a:off x="0" y="3806723"/>
-            <a:ext cx="12086765" cy="2576147"/>
+            <a:off x="811078" y="2994897"/>
+            <a:ext cx="10879810" cy="3693319"/>
           </a:xfrm>
           <a:prstGeom prst="rect">
             <a:avLst/>
           </a:prstGeom>
         </p:spPr>
-      </p:pic>
+        <p:txBody>
+          <a:bodyPr wrap="square">
+            <a:spAutoFit/>
+          </a:bodyPr>
+          <a:lstStyle/>
+          <a:p>
+            <a:r>
+              <a:rPr lang="en-MY" sz="2600" b="1" dirty="0">
+                <a:solidFill>
+                  <a:schemeClr val="bg1"/>
+                </a:solidFill>
+                <a:latin typeface="Times New Roman" panose="02020603050405020304" pitchFamily="18" charset="0"/>
+                <a:cs typeface="Times New Roman" panose="02020603050405020304" pitchFamily="18" charset="0"/>
+              </a:rPr>
+              <a:t>Interpretation: </a:t>
+            </a:r>
+            <a:r>
+              <a:rPr lang="en-MY" sz="2600" dirty="0">
+                <a:solidFill>
+                  <a:srgbClr val="000000"/>
+                </a:solidFill>
+                <a:latin typeface="Times New Roman" panose="02020603050405020304" pitchFamily="18" charset="0"/>
+                <a:cs typeface="Times New Roman" panose="02020603050405020304" pitchFamily="18" charset="0"/>
+              </a:rPr>
+              <a:t>Q2_Q2_5 </a:t>
+            </a:r>
+            <a:r>
+              <a:rPr lang="en-MY" sz="2600" b="1" dirty="0">
+                <a:solidFill>
+                  <a:srgbClr val="000000"/>
+                </a:solidFill>
+                <a:latin typeface="Times New Roman" panose="02020603050405020304" pitchFamily="18" charset="0"/>
+                <a:cs typeface="Times New Roman" panose="02020603050405020304" pitchFamily="18" charset="0"/>
+              </a:rPr>
+              <a:t>[ Q5 ] </a:t>
+            </a:r>
+            <a:r>
+              <a:rPr lang="en-MY" sz="2600" dirty="0">
+                <a:solidFill>
+                  <a:srgbClr val="000000"/>
+                </a:solidFill>
+                <a:latin typeface="Times New Roman" panose="02020603050405020304" pitchFamily="18" charset="0"/>
+                <a:cs typeface="Times New Roman" panose="02020603050405020304" pitchFamily="18" charset="0"/>
+              </a:rPr>
+              <a:t>is 'Because I want to get in touch with the experts in </a:t>
+            </a:r>
+            <a:r>
+              <a:rPr lang="en-MY" sz="2600" dirty="0" err="1">
+                <a:solidFill>
+                  <a:srgbClr val="000000"/>
+                </a:solidFill>
+                <a:latin typeface="Times New Roman" panose="02020603050405020304" pitchFamily="18" charset="0"/>
+                <a:cs typeface="Times New Roman" panose="02020603050405020304" pitchFamily="18" charset="0"/>
+              </a:rPr>
+              <a:t>IronHacks</a:t>
+            </a:r>
+            <a:r>
+              <a:rPr lang="en-MY" sz="2600" b="1" dirty="0">
+                <a:solidFill>
+                  <a:schemeClr val="bg2"/>
+                </a:solidFill>
+                <a:latin typeface="Times New Roman" panose="02020603050405020304" pitchFamily="18" charset="0"/>
+                <a:cs typeface="Times New Roman" panose="02020603050405020304" pitchFamily="18" charset="0"/>
+              </a:rPr>
+              <a:t>’ </a:t>
+            </a:r>
+            <a:r>
+              <a:rPr lang="en-MY" sz="2600" b="1" dirty="0">
+                <a:solidFill>
+                  <a:srgbClr val="FF0000"/>
+                </a:solidFill>
+                <a:latin typeface="Times New Roman" panose="02020603050405020304" pitchFamily="18" charset="0"/>
+                <a:cs typeface="Times New Roman" panose="02020603050405020304" pitchFamily="18" charset="0"/>
+              </a:rPr>
+              <a:t>[ 2</a:t>
+            </a:r>
+            <a:r>
+              <a:rPr lang="en-MY" sz="2600" b="1" baseline="30000" dirty="0">
+                <a:solidFill>
+                  <a:srgbClr val="FF0000"/>
+                </a:solidFill>
+                <a:latin typeface="Times New Roman" panose="02020603050405020304" pitchFamily="18" charset="0"/>
+                <a:cs typeface="Times New Roman" panose="02020603050405020304" pitchFamily="18" charset="0"/>
+              </a:rPr>
+              <a:t>nd</a:t>
+            </a:r>
+            <a:r>
+              <a:rPr lang="en-MY" sz="2600" b="1" dirty="0">
+                <a:solidFill>
+                  <a:srgbClr val="FF0000"/>
+                </a:solidFill>
+                <a:latin typeface="Times New Roman" panose="02020603050405020304" pitchFamily="18" charset="0"/>
+                <a:cs typeface="Times New Roman" panose="02020603050405020304" pitchFamily="18" charset="0"/>
+              </a:rPr>
+              <a:t> important ] </a:t>
+            </a:r>
+          </a:p>
+          <a:p>
+            <a:r>
+              <a:rPr lang="en-MY" sz="2600" dirty="0">
+                <a:solidFill>
+                  <a:srgbClr val="000000"/>
+                </a:solidFill>
+                <a:latin typeface="Times New Roman" panose="02020603050405020304" pitchFamily="18" charset="0"/>
+                <a:cs typeface="Times New Roman" panose="02020603050405020304" pitchFamily="18" charset="0"/>
+              </a:rPr>
+              <a:t>Q2_Q2_13 </a:t>
+            </a:r>
+            <a:r>
+              <a:rPr lang="en-MY" sz="2600" b="1" dirty="0">
+                <a:solidFill>
+                  <a:srgbClr val="000000"/>
+                </a:solidFill>
+                <a:latin typeface="Times New Roman" panose="02020603050405020304" pitchFamily="18" charset="0"/>
+                <a:cs typeface="Times New Roman" panose="02020603050405020304" pitchFamily="18" charset="0"/>
+              </a:rPr>
+              <a:t>[ Q13 ] </a:t>
+            </a:r>
+            <a:r>
+              <a:rPr lang="en-MY" sz="2600" dirty="0">
+                <a:solidFill>
+                  <a:srgbClr val="000000"/>
+                </a:solidFill>
+                <a:latin typeface="Times New Roman" panose="02020603050405020304" pitchFamily="18" charset="0"/>
+                <a:cs typeface="Times New Roman" panose="02020603050405020304" pitchFamily="18" charset="0"/>
+              </a:rPr>
+              <a:t>is 'To pass the class’ </a:t>
+            </a:r>
+            <a:r>
+              <a:rPr lang="en-MY" sz="2600" b="1" dirty="0">
+                <a:solidFill>
+                  <a:srgbClr val="FF0000"/>
+                </a:solidFill>
+                <a:latin typeface="Times New Roman" panose="02020603050405020304" pitchFamily="18" charset="0"/>
+                <a:cs typeface="Times New Roman" panose="02020603050405020304" pitchFamily="18" charset="0"/>
+              </a:rPr>
+              <a:t>[ most important ] </a:t>
+            </a:r>
+          </a:p>
+          <a:p>
+            <a:r>
+              <a:rPr lang="en-MY" sz="2600" dirty="0">
+                <a:solidFill>
+                  <a:schemeClr val="bg1"/>
+                </a:solidFill>
+                <a:latin typeface="Times New Roman" panose="02020603050405020304" pitchFamily="18" charset="0"/>
+                <a:cs typeface="Times New Roman" panose="02020603050405020304" pitchFamily="18" charset="0"/>
+              </a:rPr>
+              <a:t>Q2_Q2_2 </a:t>
+            </a:r>
+            <a:r>
+              <a:rPr lang="en-MY" sz="2600" b="1" dirty="0">
+                <a:solidFill>
+                  <a:schemeClr val="bg1"/>
+                </a:solidFill>
+                <a:latin typeface="Times New Roman" panose="02020603050405020304" pitchFamily="18" charset="0"/>
+                <a:cs typeface="Times New Roman" panose="02020603050405020304" pitchFamily="18" charset="0"/>
+              </a:rPr>
+              <a:t>[ Q2 ]</a:t>
+            </a:r>
+            <a:r>
+              <a:rPr lang="en-MY" sz="2600" dirty="0">
+                <a:solidFill>
+                  <a:schemeClr val="bg1"/>
+                </a:solidFill>
+                <a:latin typeface="Times New Roman" panose="02020603050405020304" pitchFamily="18" charset="0"/>
+                <a:cs typeface="Times New Roman" panose="02020603050405020304" pitchFamily="18" charset="0"/>
+              </a:rPr>
+              <a:t>  is  ‘To become known for being an excellent programmer’ </a:t>
+            </a:r>
+          </a:p>
+          <a:p>
+            <a:r>
+              <a:rPr lang="en-MY" sz="2600" b="1" dirty="0">
+                <a:solidFill>
+                  <a:srgbClr val="FF0000"/>
+                </a:solidFill>
+                <a:latin typeface="Times New Roman" panose="02020603050405020304" pitchFamily="18" charset="0"/>
+                <a:cs typeface="Times New Roman" panose="02020603050405020304" pitchFamily="18" charset="0"/>
+              </a:rPr>
+              <a:t>[ 3</a:t>
+            </a:r>
+            <a:r>
+              <a:rPr lang="en-MY" sz="2600" b="1" baseline="30000" dirty="0">
+                <a:solidFill>
+                  <a:srgbClr val="FF0000"/>
+                </a:solidFill>
+                <a:latin typeface="Times New Roman" panose="02020603050405020304" pitchFamily="18" charset="0"/>
+                <a:cs typeface="Times New Roman" panose="02020603050405020304" pitchFamily="18" charset="0"/>
+              </a:rPr>
+              <a:t>rd</a:t>
+            </a:r>
+            <a:r>
+              <a:rPr lang="en-MY" sz="2600" b="1" dirty="0">
+                <a:solidFill>
+                  <a:srgbClr val="FF0000"/>
+                </a:solidFill>
+                <a:latin typeface="Times New Roman" panose="02020603050405020304" pitchFamily="18" charset="0"/>
+                <a:cs typeface="Times New Roman" panose="02020603050405020304" pitchFamily="18" charset="0"/>
+              </a:rPr>
+              <a:t> important ] </a:t>
+            </a:r>
+          </a:p>
+          <a:p>
+            <a:r>
+              <a:rPr lang="en-MY" sz="2600" dirty="0">
+                <a:solidFill>
+                  <a:schemeClr val="bg1"/>
+                </a:solidFill>
+                <a:latin typeface="Times New Roman" panose="02020603050405020304" pitchFamily="18" charset="0"/>
+                <a:cs typeface="Times New Roman" panose="02020603050405020304" pitchFamily="18" charset="0"/>
+              </a:rPr>
+              <a:t>Q2_Q2_1 </a:t>
+            </a:r>
+            <a:r>
+              <a:rPr lang="en-MY" sz="2600" b="1" dirty="0">
+                <a:solidFill>
+                  <a:schemeClr val="bg1"/>
+                </a:solidFill>
+                <a:latin typeface="Times New Roman" panose="02020603050405020304" pitchFamily="18" charset="0"/>
+                <a:cs typeface="Times New Roman" panose="02020603050405020304" pitchFamily="18" charset="0"/>
+              </a:rPr>
+              <a:t>[ Q1 ] </a:t>
+            </a:r>
+            <a:r>
+              <a:rPr lang="en-MY" sz="2600" dirty="0">
+                <a:solidFill>
+                  <a:schemeClr val="bg1"/>
+                </a:solidFill>
+                <a:latin typeface="Times New Roman" panose="02020603050405020304" pitchFamily="18" charset="0"/>
+                <a:cs typeface="Times New Roman" panose="02020603050405020304" pitchFamily="18" charset="0"/>
+              </a:rPr>
+              <a:t>is ‘I hope to get monetary compensation according to the effort made’ </a:t>
+            </a:r>
+            <a:r>
+              <a:rPr lang="en-MY" sz="2600" b="1" dirty="0">
+                <a:solidFill>
+                  <a:srgbClr val="FF0000"/>
+                </a:solidFill>
+                <a:latin typeface="Times New Roman" panose="02020603050405020304" pitchFamily="18" charset="0"/>
+                <a:cs typeface="Times New Roman" panose="02020603050405020304" pitchFamily="18" charset="0"/>
+              </a:rPr>
+              <a:t>[ 4</a:t>
+            </a:r>
+            <a:r>
+              <a:rPr lang="en-MY" sz="2600" b="1" baseline="30000" dirty="0">
+                <a:solidFill>
+                  <a:srgbClr val="FF0000"/>
+                </a:solidFill>
+                <a:latin typeface="Times New Roman" panose="02020603050405020304" pitchFamily="18" charset="0"/>
+                <a:cs typeface="Times New Roman" panose="02020603050405020304" pitchFamily="18" charset="0"/>
+              </a:rPr>
+              <a:t>th</a:t>
+            </a:r>
+            <a:r>
+              <a:rPr lang="en-MY" sz="2600" b="1" dirty="0">
+                <a:solidFill>
+                  <a:srgbClr val="FF0000"/>
+                </a:solidFill>
+                <a:latin typeface="Times New Roman" panose="02020603050405020304" pitchFamily="18" charset="0"/>
+                <a:cs typeface="Times New Roman" panose="02020603050405020304" pitchFamily="18" charset="0"/>
+              </a:rPr>
+              <a:t> important ] </a:t>
+            </a:r>
+          </a:p>
+          <a:p>
+            <a:r>
+              <a:rPr lang="en-MY" sz="2600" i="0" dirty="0">
+                <a:solidFill>
+                  <a:schemeClr val="bg1"/>
+                </a:solidFill>
+                <a:effectLst/>
+                <a:latin typeface="Times New Roman" panose="02020603050405020304" pitchFamily="18" charset="0"/>
+                <a:cs typeface="Times New Roman" panose="02020603050405020304" pitchFamily="18" charset="0"/>
+              </a:rPr>
+              <a:t>Q2</a:t>
+            </a:r>
+            <a:r>
+              <a:rPr lang="en-MY" sz="2600" dirty="0">
+                <a:solidFill>
+                  <a:schemeClr val="bg1"/>
+                </a:solidFill>
+                <a:latin typeface="Times New Roman" panose="02020603050405020304" pitchFamily="18" charset="0"/>
+                <a:cs typeface="Times New Roman" panose="02020603050405020304" pitchFamily="18" charset="0"/>
+              </a:rPr>
+              <a:t>_Q2_4 </a:t>
+            </a:r>
+            <a:r>
+              <a:rPr lang="en-MY" sz="2600" b="1" dirty="0">
+                <a:solidFill>
+                  <a:schemeClr val="bg1"/>
+                </a:solidFill>
+                <a:latin typeface="Times New Roman" panose="02020603050405020304" pitchFamily="18" charset="0"/>
+                <a:cs typeface="Times New Roman" panose="02020603050405020304" pitchFamily="18" charset="0"/>
+              </a:rPr>
+              <a:t>[ Q4 ] </a:t>
+            </a:r>
+            <a:r>
+              <a:rPr lang="en-MY" sz="2600" dirty="0">
+                <a:solidFill>
+                  <a:schemeClr val="bg1"/>
+                </a:solidFill>
+                <a:latin typeface="Times New Roman" panose="02020603050405020304" pitchFamily="18" charset="0"/>
+                <a:cs typeface="Times New Roman" panose="02020603050405020304" pitchFamily="18" charset="0"/>
+              </a:rPr>
+              <a:t>is ‘Because I have ideas I want to introduce to the experts in </a:t>
+            </a:r>
+            <a:r>
+              <a:rPr lang="en-MY" sz="2600" dirty="0" err="1">
+                <a:solidFill>
+                  <a:schemeClr val="bg1"/>
+                </a:solidFill>
+                <a:latin typeface="Times New Roman" panose="02020603050405020304" pitchFamily="18" charset="0"/>
+                <a:cs typeface="Times New Roman" panose="02020603050405020304" pitchFamily="18" charset="0"/>
+              </a:rPr>
+              <a:t>IronHacks</a:t>
+            </a:r>
+            <a:r>
+              <a:rPr lang="en-MY" sz="2600" dirty="0">
+                <a:solidFill>
+                  <a:schemeClr val="bg1"/>
+                </a:solidFill>
+                <a:latin typeface="Times New Roman" panose="02020603050405020304" pitchFamily="18" charset="0"/>
+                <a:cs typeface="Times New Roman" panose="02020603050405020304" pitchFamily="18" charset="0"/>
+              </a:rPr>
+              <a:t>’ </a:t>
+            </a:r>
+            <a:r>
+              <a:rPr lang="en-MY" sz="2600" b="1" dirty="0">
+                <a:solidFill>
+                  <a:srgbClr val="FF0000"/>
+                </a:solidFill>
+                <a:latin typeface="Times New Roman" panose="02020603050405020304" pitchFamily="18" charset="0"/>
+                <a:cs typeface="Times New Roman" panose="02020603050405020304" pitchFamily="18" charset="0"/>
+              </a:rPr>
+              <a:t>[ 5</a:t>
+            </a:r>
+            <a:r>
+              <a:rPr lang="en-MY" sz="2600" b="1" baseline="30000" dirty="0">
+                <a:solidFill>
+                  <a:srgbClr val="FF0000"/>
+                </a:solidFill>
+                <a:latin typeface="Times New Roman" panose="02020603050405020304" pitchFamily="18" charset="0"/>
+                <a:cs typeface="Times New Roman" panose="02020603050405020304" pitchFamily="18" charset="0"/>
+              </a:rPr>
+              <a:t>th</a:t>
+            </a:r>
+            <a:r>
+              <a:rPr lang="en-MY" sz="2600" b="1" dirty="0">
+                <a:solidFill>
+                  <a:srgbClr val="FF0000"/>
+                </a:solidFill>
+                <a:latin typeface="Times New Roman" panose="02020603050405020304" pitchFamily="18" charset="0"/>
+                <a:cs typeface="Times New Roman" panose="02020603050405020304" pitchFamily="18" charset="0"/>
+              </a:rPr>
+              <a:t> important ] </a:t>
+            </a:r>
+            <a:endParaRPr lang="en-MY" sz="2600" b="1" i="0" dirty="0">
+              <a:solidFill>
+                <a:srgbClr val="FF0000"/>
+              </a:solidFill>
+              <a:effectLst/>
+              <a:latin typeface="Times New Roman" panose="02020603050405020304" pitchFamily="18" charset="0"/>
+              <a:cs typeface="Times New Roman" panose="02020603050405020304" pitchFamily="18" charset="0"/>
+            </a:endParaRPr>
+          </a:p>
+        </p:txBody>
+      </p:sp>
     </p:spTree>
     <p:extLst>
       <p:ext uri="{BB962C8B-B14F-4D97-AF65-F5344CB8AC3E}">
-        <p14:creationId xmlns:p14="http://schemas.microsoft.com/office/powerpoint/2010/main" val="3582249359"/>
+        <p14:creationId xmlns:p14="http://schemas.microsoft.com/office/powerpoint/2010/main" val="3329683253"/>
       </p:ext>
     </p:extLst>
   </p:cSld>
@@ -15205,12 +15446,14 @@
         </p:nvSpPr>
         <p:spPr>
           <a:xfrm>
-            <a:off x="3422541" y="285288"/>
+            <a:off x="-139486" y="293771"/>
             <a:ext cx="5346915" cy="1477328"/>
           </a:xfrm>
         </p:spPr>
         <p:txBody>
-          <a:bodyPr/>
+          <a:bodyPr>
+            <a:normAutofit fontScale="90000"/>
+          </a:bodyPr>
           <a:lstStyle/>
           <a:p>
             <a:pPr algn="ctr"/>
@@ -15243,15 +15486,60 @@
               </a:rPr>
               <a:t>Survey Q3</a:t>
             </a:r>
-          </a:p>
-        </p:txBody>
-      </p:sp>
-      <p:sp>
-        <p:nvSpPr>
-          <p:cNvPr id="5" name="Rectangle 4">
+            <a:br>
+              <a:rPr lang="en-US" b="1" dirty="0">
+                <a:solidFill>
+                  <a:schemeClr val="bg1"/>
+                </a:solidFill>
+                <a:latin typeface="Times New Roman" panose="02020603050405020304" pitchFamily="18" charset="0"/>
+                <a:cs typeface="Times New Roman" panose="02020603050405020304" pitchFamily="18" charset="0"/>
+              </a:rPr>
+            </a:br>
+            <a:r>
+              <a:rPr lang="en-US" b="1" dirty="0">
+                <a:solidFill>
+                  <a:schemeClr val="bg1"/>
+                </a:solidFill>
+                <a:latin typeface="Times New Roman" panose="02020603050405020304" pitchFamily="18" charset="0"/>
+                <a:cs typeface="Times New Roman" panose="02020603050405020304" pitchFamily="18" charset="0"/>
+              </a:rPr>
+              <a:t>Openness/</a:t>
+            </a:r>
+            <a:r>
+              <a:rPr lang="en-US" b="1" dirty="0" err="1">
+                <a:solidFill>
+                  <a:schemeClr val="bg1"/>
+                </a:solidFill>
+                <a:latin typeface="Times New Roman" panose="02020603050405020304" pitchFamily="18" charset="0"/>
+                <a:cs typeface="Times New Roman" panose="02020603050405020304" pitchFamily="18" charset="0"/>
+              </a:rPr>
+              <a:t>flexibilty</a:t>
+            </a:r>
+            <a:br>
+              <a:rPr lang="en-US" b="1" dirty="0">
+                <a:solidFill>
+                  <a:schemeClr val="bg1"/>
+                </a:solidFill>
+                <a:latin typeface="Times New Roman" panose="02020603050405020304" pitchFamily="18" charset="0"/>
+                <a:cs typeface="Times New Roman" panose="02020603050405020304" pitchFamily="18" charset="0"/>
+              </a:rPr>
+            </a:br>
+            <a:endParaRPr lang="en-US" b="1" dirty="0">
+              <a:solidFill>
+                <a:schemeClr val="bg1"/>
+              </a:solidFill>
+              <a:latin typeface="Times New Roman" panose="02020603050405020304" pitchFamily="18" charset="0"/>
+              <a:cs typeface="Times New Roman" panose="02020603050405020304" pitchFamily="18" charset="0"/>
+            </a:endParaRPr>
+          </a:p>
+        </p:txBody>
+      </p:sp>
+      <p:sp>
+        <p:nvSpPr>
+          <p:cNvPr id="6" name="Rectangle 5">
             <a:extLst>
               <a:ext uri="{FF2B5EF4-FFF2-40B4-BE49-F238E27FC236}">
-                <a16:creationId xmlns:a16="http://schemas.microsoft.com/office/drawing/2014/main" id="{BD8B4206-4A29-2148-B4B7-602E621F85F8}"/>
+                <a16:creationId xmlns:a16="http://schemas.microsoft.com/office/drawing/2014/main" id="{B335D236-8F50-8C4C-8D59-BEC353129962}"/>
               </a:ext>
             </a:extLst>
           </p:cNvPr>
@@ -15260,8 +15548,8 @@
         </p:nvSpPr>
         <p:spPr>
           <a:xfrm>
-            <a:off x="449451" y="3599481"/>
-            <a:ext cx="10879810" cy="2893100"/>
+            <a:off x="4411362" y="339569"/>
+            <a:ext cx="7035925" cy="2677656"/>
           </a:xfrm>
           <a:prstGeom prst="rect">
             <a:avLst/>
@@ -15274,175 +15562,95 @@
           <a:lstStyle/>
           <a:p>
             <a:r>
-              <a:rPr lang="en-MY" sz="2600" b="1" dirty="0">
-                <a:solidFill>
-                  <a:schemeClr val="bg1"/>
-                </a:solidFill>
-                <a:latin typeface="Times New Roman" panose="02020603050405020304" pitchFamily="18" charset="0"/>
-                <a:cs typeface="Times New Roman" panose="02020603050405020304" pitchFamily="18" charset="0"/>
-              </a:rPr>
-              <a:t>Interpretation: </a:t>
-            </a:r>
-            <a:r>
-              <a:rPr lang="en-MY" sz="2600" dirty="0">
-                <a:solidFill>
-                  <a:srgbClr val="000000"/>
-                </a:solidFill>
-                <a:latin typeface="Times New Roman" panose="02020603050405020304" pitchFamily="18" charset="0"/>
-                <a:cs typeface="Times New Roman" panose="02020603050405020304" pitchFamily="18" charset="0"/>
-              </a:rPr>
-              <a:t>Q3_Q3_1 </a:t>
-            </a:r>
-            <a:r>
-              <a:rPr lang="en-MY" sz="2600" dirty="0">
-                <a:solidFill>
-                  <a:schemeClr val="bg1"/>
-                </a:solidFill>
-                <a:latin typeface="Times New Roman" panose="02020603050405020304" pitchFamily="18" charset="0"/>
-                <a:cs typeface="Times New Roman" panose="02020603050405020304" pitchFamily="18" charset="0"/>
-              </a:rPr>
-              <a:t>[ Q1 ] </a:t>
-            </a:r>
-            <a:r>
-              <a:rPr lang="en-MY" sz="2600" dirty="0">
-                <a:solidFill>
-                  <a:srgbClr val="000000"/>
-                </a:solidFill>
-                <a:latin typeface="Times New Roman" panose="02020603050405020304" pitchFamily="18" charset="0"/>
-                <a:cs typeface="Times New Roman" panose="02020603050405020304" pitchFamily="18" charset="0"/>
-              </a:rPr>
-              <a:t>is 'I am able to communicate ideas in many different ways</a:t>
-            </a:r>
-            <a:r>
-              <a:rPr lang="en-MY" sz="2600" b="1" dirty="0">
-                <a:solidFill>
-                  <a:schemeClr val="bg2"/>
-                </a:solidFill>
-                <a:latin typeface="Times New Roman" panose="02020603050405020304" pitchFamily="18" charset="0"/>
-                <a:cs typeface="Times New Roman" panose="02020603050405020304" pitchFamily="18" charset="0"/>
-              </a:rPr>
-              <a:t>’ </a:t>
-            </a:r>
-            <a:r>
-              <a:rPr lang="en-MY" sz="2600" b="1" dirty="0">
-                <a:solidFill>
-                  <a:srgbClr val="FF0000"/>
-                </a:solidFill>
-                <a:latin typeface="Times New Roman" panose="02020603050405020304" pitchFamily="18" charset="0"/>
-                <a:cs typeface="Times New Roman" panose="02020603050405020304" pitchFamily="18" charset="0"/>
-              </a:rPr>
-              <a:t>[ most important ] </a:t>
-            </a:r>
-          </a:p>
-          <a:p>
-            <a:r>
-              <a:rPr lang="en-MY" sz="2600" dirty="0">
-                <a:solidFill>
-                  <a:srgbClr val="000000"/>
-                </a:solidFill>
-                <a:latin typeface="Times New Roman" panose="02020603050405020304" pitchFamily="18" charset="0"/>
-                <a:cs typeface="Times New Roman" panose="02020603050405020304" pitchFamily="18" charset="0"/>
-              </a:rPr>
-              <a:t>Q3_Q3_3 [ Q3 ] is ‘I am willing to consider solutions offered by others’ </a:t>
-            </a:r>
-            <a:r>
-              <a:rPr lang="en-MY" sz="2600" b="1" dirty="0">
-                <a:solidFill>
-                  <a:srgbClr val="FF0000"/>
-                </a:solidFill>
-                <a:latin typeface="Times New Roman" panose="02020603050405020304" pitchFamily="18" charset="0"/>
-                <a:cs typeface="Times New Roman" panose="02020603050405020304" pitchFamily="18" charset="0"/>
-              </a:rPr>
-              <a:t>[ 2</a:t>
-            </a:r>
-            <a:r>
-              <a:rPr lang="en-MY" sz="2600" b="1" baseline="30000" dirty="0">
-                <a:solidFill>
-                  <a:srgbClr val="FF0000"/>
-                </a:solidFill>
-                <a:latin typeface="Times New Roman" panose="02020603050405020304" pitchFamily="18" charset="0"/>
-                <a:cs typeface="Times New Roman" panose="02020603050405020304" pitchFamily="18" charset="0"/>
-              </a:rPr>
-              <a:t>nd</a:t>
-            </a:r>
-            <a:r>
-              <a:rPr lang="en-MY" sz="2600" b="1" dirty="0">
-                <a:solidFill>
-                  <a:srgbClr val="FF0000"/>
-                </a:solidFill>
-                <a:latin typeface="Times New Roman" panose="02020603050405020304" pitchFamily="18" charset="0"/>
-                <a:cs typeface="Times New Roman" panose="02020603050405020304" pitchFamily="18" charset="0"/>
-              </a:rPr>
-              <a:t>  important ] </a:t>
-            </a:r>
-          </a:p>
-          <a:p>
-            <a:r>
-              <a:rPr lang="en-MY" sz="2600" dirty="0">
-                <a:solidFill>
-                  <a:schemeClr val="bg1"/>
-                </a:solidFill>
-                <a:latin typeface="Times New Roman" panose="02020603050405020304" pitchFamily="18" charset="0"/>
-                <a:cs typeface="Times New Roman" panose="02020603050405020304" pitchFamily="18" charset="0"/>
-              </a:rPr>
-              <a:t>Q3_Q3_4 [ Q4 ] is  ‘I am willing to try different ways of solving problems’ </a:t>
-            </a:r>
-            <a:r>
-              <a:rPr lang="en-MY" sz="2600" b="1" dirty="0">
-                <a:solidFill>
-                  <a:srgbClr val="FF0000"/>
-                </a:solidFill>
-                <a:latin typeface="Times New Roman" panose="02020603050405020304" pitchFamily="18" charset="0"/>
-                <a:cs typeface="Times New Roman" panose="02020603050405020304" pitchFamily="18" charset="0"/>
-              </a:rPr>
-              <a:t>[ 3</a:t>
-            </a:r>
-            <a:r>
-              <a:rPr lang="en-MY" sz="2600" b="1" baseline="30000" dirty="0">
-                <a:solidFill>
-                  <a:srgbClr val="FF0000"/>
-                </a:solidFill>
-                <a:latin typeface="Times New Roman" panose="02020603050405020304" pitchFamily="18" charset="0"/>
-                <a:cs typeface="Times New Roman" panose="02020603050405020304" pitchFamily="18" charset="0"/>
-              </a:rPr>
-              <a:t>rd</a:t>
-            </a:r>
-            <a:r>
-              <a:rPr lang="en-MY" sz="2600" b="1" dirty="0">
-                <a:solidFill>
-                  <a:srgbClr val="FF0000"/>
-                </a:solidFill>
-                <a:latin typeface="Times New Roman" panose="02020603050405020304" pitchFamily="18" charset="0"/>
-                <a:cs typeface="Times New Roman" panose="02020603050405020304" pitchFamily="18" charset="0"/>
-              </a:rPr>
-              <a:t> important ] </a:t>
-            </a:r>
-          </a:p>
-          <a:p>
-            <a:endParaRPr lang="en-MY" sz="2600" b="1" i="0" dirty="0">
+              <a:rPr lang="en-MY" sz="2800" dirty="0">
+                <a:solidFill>
+                  <a:schemeClr val="bg1"/>
+                </a:solidFill>
+                <a:latin typeface="Times New Roman" panose="02020603050405020304" pitchFamily="18" charset="0"/>
+                <a:cs typeface="Times New Roman" panose="02020603050405020304" pitchFamily="18" charset="0"/>
+              </a:rPr>
+              <a:t>To what extent do each of the following statements describe you?</a:t>
+            </a:r>
+          </a:p>
+          <a:p>
+            <a:endParaRPr lang="en-MY" sz="2800" dirty="0">
               <a:solidFill>
-                <a:srgbClr val="FF0000"/>
+                <a:schemeClr val="bg1"/>
               </a:solidFill>
-              <a:effectLst/>
               <a:latin typeface="Times New Roman" panose="02020603050405020304" pitchFamily="18" charset="0"/>
               <a:cs typeface="Times New Roman" panose="02020603050405020304" pitchFamily="18" charset="0"/>
             </a:endParaRPr>
           </a:p>
+          <a:p>
+            <a:r>
+              <a:rPr lang="en-MY" sz="2800" dirty="0">
+                <a:solidFill>
+                  <a:schemeClr val="bg1"/>
+                </a:solidFill>
+                <a:latin typeface="Times New Roman" panose="02020603050405020304" pitchFamily="18" charset="0"/>
+                <a:cs typeface="Times New Roman" panose="02020603050405020304" pitchFamily="18" charset="0"/>
+              </a:rPr>
+              <a:t>Cronbach’s alpha (0.8004) (Good Consistency)</a:t>
+            </a:r>
+          </a:p>
+          <a:p>
+            <a:r>
+              <a:rPr lang="en-MY" sz="2800" dirty="0">
+                <a:solidFill>
+                  <a:schemeClr val="bg1"/>
+                </a:solidFill>
+                <a:latin typeface="Times New Roman" panose="02020603050405020304" pitchFamily="18" charset="0"/>
+                <a:cs typeface="Times New Roman" panose="02020603050405020304" pitchFamily="18" charset="0"/>
+              </a:rPr>
+              <a:t>KMO  ( 0.764 ) ( adequate )</a:t>
+            </a:r>
+          </a:p>
+          <a:p>
+            <a:r>
+              <a:rPr lang="en-MY" sz="2800" dirty="0" err="1">
+                <a:solidFill>
+                  <a:schemeClr val="bg1"/>
+                </a:solidFill>
+                <a:latin typeface="Times New Roman" panose="02020603050405020304" pitchFamily="18" charset="0"/>
+                <a:cs typeface="Times New Roman" panose="02020603050405020304" pitchFamily="18" charset="0"/>
+              </a:rPr>
+              <a:t>Barlett’s</a:t>
+            </a:r>
+            <a:r>
+              <a:rPr lang="en-MY" sz="2800" dirty="0">
+                <a:solidFill>
+                  <a:schemeClr val="bg1"/>
+                </a:solidFill>
+                <a:latin typeface="Times New Roman" panose="02020603050405020304" pitchFamily="18" charset="0"/>
+                <a:cs typeface="Times New Roman" panose="02020603050405020304" pitchFamily="18" charset="0"/>
+              </a:rPr>
+              <a:t> Test ( 1.822e-55 ) ( significant )</a:t>
+            </a:r>
+            <a:endParaRPr lang="en-MY" sz="3200" dirty="0">
+              <a:solidFill>
+                <a:schemeClr val="bg1"/>
+              </a:solidFill>
+              <a:latin typeface="Times New Roman" panose="02020603050405020304" pitchFamily="18" charset="0"/>
+              <a:cs typeface="Times New Roman" panose="02020603050405020304" pitchFamily="18" charset="0"/>
+            </a:endParaRPr>
+          </a:p>
         </p:txBody>
       </p:sp>
       <p:pic>
         <p:nvPicPr>
-          <p:cNvPr id="4" name="Picture 3">
+          <p:cNvPr id="7" name="Content Placeholder 6" descr="Text&#10;&#10;Description automatically generated with medium confidence">
             <a:extLst>
               <a:ext uri="{FF2B5EF4-FFF2-40B4-BE49-F238E27FC236}">
-                <a16:creationId xmlns:a16="http://schemas.microsoft.com/office/drawing/2014/main" id="{C9080198-8DA7-E247-AA51-BC42DE5BDF57}"/>
+                <a16:creationId xmlns:a16="http://schemas.microsoft.com/office/drawing/2014/main" id="{CC158491-2D58-B445-9218-5988240CA174}"/>
               </a:ext>
             </a:extLst>
           </p:cNvPr>
           <p:cNvPicPr>
-            <a:picLocks noChangeAspect="1"/>
+            <a:picLocks noGrp="1" noChangeAspect="1"/>
           </p:cNvPicPr>
-          <p:nvPr/>
+          <p:nvPr>
+            <p:ph idx="1"/>
+          </p:nvPr>
         </p:nvPicPr>
         <p:blipFill>
           <a:blip r:embed="rId3"/>
@@ -15452,18 +15660,15 @@
         </p:blipFill>
         <p:spPr>
           <a:xfrm>
-            <a:off x="129957" y="1659610"/>
-            <a:ext cx="11932085" cy="1347061"/>
+            <a:off x="808391" y="3366683"/>
+            <a:ext cx="10853696" cy="2854259"/>
           </a:xfrm>
-          <a:prstGeom prst="rect">
-            <a:avLst/>
-          </a:prstGeom>
         </p:spPr>
       </p:pic>
     </p:spTree>
     <p:extLst>
       <p:ext uri="{BB962C8B-B14F-4D97-AF65-F5344CB8AC3E}">
-        <p14:creationId xmlns:p14="http://schemas.microsoft.com/office/powerpoint/2010/main" val="1709294944"/>
+        <p14:creationId xmlns:p14="http://schemas.microsoft.com/office/powerpoint/2010/main" val="3035991681"/>
       </p:ext>
     </p:extLst>
   </p:cSld>
@@ -15521,9 +15726,7 @@
           </a:xfrm>
         </p:spPr>
         <p:txBody>
-          <a:bodyPr>
-            <a:normAutofit fontScale="90000"/>
-          </a:bodyPr>
+          <a:bodyPr/>
           <a:lstStyle/>
           <a:p>
             <a:pPr algn="ctr"/>
@@ -15554,26 +15757,7 @@
                 <a:latin typeface="Times New Roman" panose="02020603050405020304" pitchFamily="18" charset="0"/>
                 <a:cs typeface="Times New Roman" panose="02020603050405020304" pitchFamily="18" charset="0"/>
               </a:rPr>
-              <a:t>Survey Q4</a:t>
-            </a:r>
-            <a:br>
-              <a:rPr lang="en-US" b="1" dirty="0">
-                <a:solidFill>
-                  <a:schemeClr val="bg1"/>
-                </a:solidFill>
-                <a:latin typeface="Times New Roman" panose="02020603050405020304" pitchFamily="18" charset="0"/>
-                <a:cs typeface="Times New Roman" panose="02020603050405020304" pitchFamily="18" charset="0"/>
-              </a:rPr>
-            </a:br>
-            <a:r>
-              <a:rPr lang="en-US" b="1" dirty="0">
-                <a:solidFill>
-                  <a:schemeClr val="bg1"/>
-                </a:solidFill>
-                <a:latin typeface="Times New Roman" panose="02020603050405020304" pitchFamily="18" charset="0"/>
-                <a:cs typeface="Times New Roman" panose="02020603050405020304" pitchFamily="18" charset="0"/>
-              </a:rPr>
-              <a:t>Skill level</a:t>
+              <a:t>Survey Q3</a:t>
             </a:r>
             <a:br>
               <a:rPr lang="en-US" b="1" dirty="0">
@@ -15609,7 +15793,7 @@
         <p:spPr>
           <a:xfrm>
             <a:off x="4411362" y="339569"/>
-            <a:ext cx="7035925" cy="2677656"/>
+            <a:ext cx="7035925" cy="1569660"/>
           </a:xfrm>
           <a:prstGeom prst="rect">
             <a:avLst/>
@@ -15622,70 +15806,17 @@
           <a:lstStyle/>
           <a:p>
             <a:r>
-              <a:rPr lang="en-MY" sz="2800" dirty="0">
-                <a:solidFill>
-                  <a:schemeClr val="bg1"/>
-                </a:solidFill>
-                <a:latin typeface="Times New Roman" panose="02020603050405020304" pitchFamily="18" charset="0"/>
-                <a:cs typeface="Times New Roman" panose="02020603050405020304" pitchFamily="18" charset="0"/>
-              </a:rPr>
-              <a:t>How would you describe your approach towards visualizing complex information?</a:t>
-            </a:r>
-          </a:p>
-          <a:p>
-            <a:endParaRPr lang="en-MY" sz="2800" dirty="0">
-              <a:solidFill>
-                <a:schemeClr val="bg1"/>
-              </a:solidFill>
-              <a:latin typeface="Times New Roman" panose="02020603050405020304" pitchFamily="18" charset="0"/>
-              <a:cs typeface="Times New Roman" panose="02020603050405020304" pitchFamily="18" charset="0"/>
-            </a:endParaRPr>
-          </a:p>
-          <a:p>
-            <a:r>
-              <a:rPr lang="en-MY" sz="2800" dirty="0">
-                <a:solidFill>
-                  <a:schemeClr val="bg1"/>
-                </a:solidFill>
-                <a:latin typeface="Times New Roman" panose="02020603050405020304" pitchFamily="18" charset="0"/>
-                <a:cs typeface="Times New Roman" panose="02020603050405020304" pitchFamily="18" charset="0"/>
-              </a:rPr>
-              <a:t>Cronbach’s alpha (0.8158) (Good Consistency)</a:t>
-            </a:r>
-          </a:p>
-          <a:p>
-            <a:r>
-              <a:rPr lang="en-MY" sz="2800" dirty="0">
-                <a:solidFill>
-                  <a:schemeClr val="bg1"/>
-                </a:solidFill>
-                <a:latin typeface="Times New Roman" panose="02020603050405020304" pitchFamily="18" charset="0"/>
-                <a:cs typeface="Times New Roman" panose="02020603050405020304" pitchFamily="18" charset="0"/>
-              </a:rPr>
-              <a:t>KMO ( 0.8006 ) ( adequate )</a:t>
-            </a:r>
-          </a:p>
-          <a:p>
-            <a:r>
-              <a:rPr lang="en-MY" sz="2800" dirty="0" err="1">
-                <a:solidFill>
-                  <a:schemeClr val="bg1"/>
-                </a:solidFill>
-                <a:latin typeface="Times New Roman" panose="02020603050405020304" pitchFamily="18" charset="0"/>
-                <a:cs typeface="Times New Roman" panose="02020603050405020304" pitchFamily="18" charset="0"/>
-              </a:rPr>
-              <a:t>Barlett’s</a:t>
-            </a:r>
-            <a:r>
-              <a:rPr lang="en-MY" sz="2800" dirty="0">
-                <a:solidFill>
-                  <a:schemeClr val="bg1"/>
-                </a:solidFill>
-                <a:latin typeface="Times New Roman" panose="02020603050405020304" pitchFamily="18" charset="0"/>
-                <a:cs typeface="Times New Roman" panose="02020603050405020304" pitchFamily="18" charset="0"/>
-              </a:rPr>
-              <a:t> Test ( 2.7514e-58 ) ( significant )</a:t>
-            </a:r>
+              <a:rPr lang="en-MY" sz="3200" dirty="0">
+                <a:solidFill>
+                  <a:schemeClr val="bg1"/>
+                </a:solidFill>
+                <a:latin typeface="Times New Roman" panose="02020603050405020304" pitchFamily="18" charset="0"/>
+                <a:cs typeface="Times New Roman" panose="02020603050405020304" pitchFamily="18" charset="0"/>
+              </a:rPr>
+              <a:t>Two Principle Components Explained 75.11% of the Variance. </a:t>
+            </a:r>
+          </a:p>
+          <a:p>
             <a:endParaRPr lang="en-MY" sz="3200" dirty="0">
               <a:solidFill>
                 <a:schemeClr val="bg1"/>
@@ -15696,21 +15827,114 @@
           </a:p>
         </p:txBody>
       </p:sp>
+      <p:sp>
+        <p:nvSpPr>
+          <p:cNvPr id="4" name="Content Placeholder 3">
+            <a:extLst>
+              <a:ext uri="{FF2B5EF4-FFF2-40B4-BE49-F238E27FC236}">
+                <a16:creationId xmlns:a16="http://schemas.microsoft.com/office/drawing/2014/main" id="{ED6974DE-F708-7940-8EC6-C3420418C130}"/>
+              </a:ext>
+            </a:extLst>
+          </p:cNvPr>
+          <p:cNvSpPr>
+            <a:spLocks noGrp="1"/>
+          </p:cNvSpPr>
+          <p:nvPr>
+            <p:ph idx="1"/>
+          </p:nvPr>
+        </p:nvSpPr>
+        <p:spPr>
+          <a:xfrm>
+            <a:off x="573438" y="1790193"/>
+            <a:ext cx="11329260" cy="1638807"/>
+          </a:xfrm>
+        </p:spPr>
+        <p:txBody>
+          <a:bodyPr>
+            <a:normAutofit fontScale="77500" lnSpcReduction="20000"/>
+          </a:bodyPr>
+          <a:lstStyle/>
+          <a:p>
+            <a:r>
+              <a:rPr lang="en-US" sz="2500" dirty="0">
+                <a:solidFill>
+                  <a:schemeClr val="bg1">
+                    <a:alpha val="58000"/>
+                  </a:schemeClr>
+                </a:solidFill>
+                <a:latin typeface="Times New Roman" panose="02020603050405020304" pitchFamily="18" charset="0"/>
+                <a:cs typeface="Times New Roman" panose="02020603050405020304" pitchFamily="18" charset="0"/>
+              </a:rPr>
+              <a:t>PC1 explained 55.93% of the variance  - Person with High Value for PC1 will have </a:t>
+            </a:r>
+          </a:p>
+          <a:p>
+            <a:r>
+              <a:rPr lang="en-US" sz="2500" dirty="0">
+                <a:solidFill>
+                  <a:srgbClr val="FF0000">
+                    <a:alpha val="58000"/>
+                  </a:srgbClr>
+                </a:solidFill>
+                <a:latin typeface="Times New Roman" panose="02020603050405020304" pitchFamily="18" charset="0"/>
+                <a:cs typeface="Times New Roman" panose="02020603050405020304" pitchFamily="18" charset="0"/>
+              </a:rPr>
+              <a:t>low Q1 ( 0.516 ) and low Q3 ( 0.461 )</a:t>
+            </a:r>
+          </a:p>
+          <a:p>
+            <a:r>
+              <a:rPr lang="en-US" sz="2500" dirty="0">
+                <a:solidFill>
+                  <a:schemeClr val="bg1">
+                    <a:alpha val="58000"/>
+                  </a:schemeClr>
+                </a:solidFill>
+                <a:latin typeface="Times New Roman" panose="02020603050405020304" pitchFamily="18" charset="0"/>
+                <a:cs typeface="Times New Roman" panose="02020603050405020304" pitchFamily="18" charset="0"/>
+              </a:rPr>
+              <a:t>PC2 explained 19.18% of the variance – Person with High Value for PC2 will have </a:t>
+            </a:r>
+          </a:p>
+          <a:p>
+            <a:r>
+              <a:rPr lang="en-US" sz="2500" dirty="0">
+                <a:solidFill>
+                  <a:srgbClr val="FF0000"/>
+                </a:solidFill>
+                <a:latin typeface="Times New Roman" panose="02020603050405020304" pitchFamily="18" charset="0"/>
+                <a:cs typeface="Times New Roman" panose="02020603050405020304" pitchFamily="18" charset="0"/>
+              </a:rPr>
+              <a:t>low Q1 ( 0.7688 ) </a:t>
+            </a:r>
+            <a:r>
+              <a:rPr lang="en-US" sz="2500" dirty="0">
+                <a:solidFill>
+                  <a:srgbClr val="FF0000">
+                    <a:alpha val="58000"/>
+                  </a:srgbClr>
+                </a:solidFill>
+                <a:latin typeface="Times New Roman" panose="02020603050405020304" pitchFamily="18" charset="0"/>
+                <a:cs typeface="Times New Roman" panose="02020603050405020304" pitchFamily="18" charset="0"/>
+              </a:rPr>
+              <a:t>and high Q4 ( 0.4448 )</a:t>
+            </a:r>
+          </a:p>
+        </p:txBody>
+      </p:sp>
       <p:pic>
         <p:nvPicPr>
-          <p:cNvPr id="7" name="Content Placeholder 6" descr="Table&#10;&#10;Description automatically generated with low confidence">
+          <p:cNvPr id="5" name="Picture 4" descr="Table&#10;&#10;Description automatically generated">
             <a:extLst>
               <a:ext uri="{FF2B5EF4-FFF2-40B4-BE49-F238E27FC236}">
-                <a16:creationId xmlns:a16="http://schemas.microsoft.com/office/drawing/2014/main" id="{AF00AEDE-E1FF-1947-9973-D60597CD5705}"/>
+                <a16:creationId xmlns:a16="http://schemas.microsoft.com/office/drawing/2014/main" id="{79AB5397-6467-CB4D-A6BF-E443DB6D04D9}"/>
               </a:ext>
             </a:extLst>
           </p:cNvPr>
           <p:cNvPicPr>
-            <a:picLocks noGrp="1" noChangeAspect="1"/>
+            <a:picLocks noChangeAspect="1"/>
           </p:cNvPicPr>
-          <p:nvPr>
-            <p:ph idx="1"/>
-          </p:nvPr>
+          <p:nvPr/>
         </p:nvPicPr>
         <p:blipFill>
           <a:blip r:embed="rId3"/>
@@ -15720,15 +15944,18 @@
         </p:blipFill>
         <p:spPr>
           <a:xfrm>
-            <a:off x="533910" y="3559123"/>
-            <a:ext cx="11189483" cy="2677655"/>
+            <a:off x="1016635" y="3672126"/>
+            <a:ext cx="10158730" cy="2414995"/>
           </a:xfrm>
+          <a:prstGeom prst="rect">
+            <a:avLst/>
+          </a:prstGeom>
         </p:spPr>
       </p:pic>
     </p:spTree>
     <p:extLst>
       <p:ext uri="{BB962C8B-B14F-4D97-AF65-F5344CB8AC3E}">
-        <p14:creationId xmlns:p14="http://schemas.microsoft.com/office/powerpoint/2010/main" val="1887633472"/>
+        <p14:creationId xmlns:p14="http://schemas.microsoft.com/office/powerpoint/2010/main" val="3582249359"/>
       </p:ext>
     </p:extLst>
   </p:cSld>
@@ -15933,6 +16160,804 @@
         </p:nvSpPr>
         <p:spPr>
           <a:xfrm>
+            <a:off x="3422541" y="285288"/>
+            <a:ext cx="5346915" cy="1477328"/>
+          </a:xfrm>
+        </p:spPr>
+        <p:txBody>
+          <a:bodyPr/>
+          <a:lstStyle/>
+          <a:p>
+            <a:pPr algn="ctr"/>
+            <a:r>
+              <a:rPr lang="en-US" b="1" dirty="0">
+                <a:solidFill>
+                  <a:schemeClr val="bg1"/>
+                </a:solidFill>
+                <a:latin typeface="Times New Roman" panose="02020603050405020304" pitchFamily="18" charset="0"/>
+                <a:cs typeface="Times New Roman" panose="02020603050405020304" pitchFamily="18" charset="0"/>
+              </a:rPr>
+              <a:t>PCA</a:t>
+            </a:r>
+            <a:br>
+              <a:rPr lang="en-US" b="1" dirty="0">
+                <a:solidFill>
+                  <a:schemeClr val="bg1"/>
+                </a:solidFill>
+                <a:latin typeface="Times New Roman" panose="02020603050405020304" pitchFamily="18" charset="0"/>
+                <a:cs typeface="Times New Roman" panose="02020603050405020304" pitchFamily="18" charset="0"/>
+              </a:rPr>
+            </a:br>
+            <a:r>
+              <a:rPr lang="en-US" b="1" dirty="0">
+                <a:solidFill>
+                  <a:schemeClr val="bg1"/>
+                </a:solidFill>
+                <a:latin typeface="Times New Roman" panose="02020603050405020304" pitchFamily="18" charset="0"/>
+                <a:cs typeface="Times New Roman" panose="02020603050405020304" pitchFamily="18" charset="0"/>
+              </a:rPr>
+              <a:t>Survey Q3</a:t>
+            </a:r>
+          </a:p>
+        </p:txBody>
+      </p:sp>
+      <p:sp>
+        <p:nvSpPr>
+          <p:cNvPr id="5" name="Rectangle 4">
+            <a:extLst>
+              <a:ext uri="{FF2B5EF4-FFF2-40B4-BE49-F238E27FC236}">
+                <a16:creationId xmlns:a16="http://schemas.microsoft.com/office/drawing/2014/main" id="{BD8B4206-4A29-2148-B4B7-602E621F85F8}"/>
+              </a:ext>
+            </a:extLst>
+          </p:cNvPr>
+          <p:cNvSpPr/>
+          <p:nvPr/>
+        </p:nvSpPr>
+        <p:spPr>
+          <a:xfrm>
+            <a:off x="449451" y="3599481"/>
+            <a:ext cx="10879810" cy="2893100"/>
+          </a:xfrm>
+          <a:prstGeom prst="rect">
+            <a:avLst/>
+          </a:prstGeom>
+        </p:spPr>
+        <p:txBody>
+          <a:bodyPr wrap="square">
+            <a:spAutoFit/>
+          </a:bodyPr>
+          <a:lstStyle/>
+          <a:p>
+            <a:r>
+              <a:rPr lang="en-MY" sz="2600" b="1" dirty="0">
+                <a:solidFill>
+                  <a:schemeClr val="bg1"/>
+                </a:solidFill>
+                <a:latin typeface="Times New Roman" panose="02020603050405020304" pitchFamily="18" charset="0"/>
+                <a:cs typeface="Times New Roman" panose="02020603050405020304" pitchFamily="18" charset="0"/>
+              </a:rPr>
+              <a:t>Interpretation: </a:t>
+            </a:r>
+            <a:r>
+              <a:rPr lang="en-MY" sz="2600" dirty="0">
+                <a:solidFill>
+                  <a:srgbClr val="000000"/>
+                </a:solidFill>
+                <a:latin typeface="Times New Roman" panose="02020603050405020304" pitchFamily="18" charset="0"/>
+                <a:cs typeface="Times New Roman" panose="02020603050405020304" pitchFamily="18" charset="0"/>
+              </a:rPr>
+              <a:t>Q3_Q3_1 </a:t>
+            </a:r>
+            <a:r>
+              <a:rPr lang="en-MY" sz="2600" dirty="0">
+                <a:solidFill>
+                  <a:schemeClr val="bg1"/>
+                </a:solidFill>
+                <a:latin typeface="Times New Roman" panose="02020603050405020304" pitchFamily="18" charset="0"/>
+                <a:cs typeface="Times New Roman" panose="02020603050405020304" pitchFamily="18" charset="0"/>
+              </a:rPr>
+              <a:t>[ Q1 ] </a:t>
+            </a:r>
+            <a:r>
+              <a:rPr lang="en-MY" sz="2600" dirty="0">
+                <a:solidFill>
+                  <a:srgbClr val="000000"/>
+                </a:solidFill>
+                <a:latin typeface="Times New Roman" panose="02020603050405020304" pitchFamily="18" charset="0"/>
+                <a:cs typeface="Times New Roman" panose="02020603050405020304" pitchFamily="18" charset="0"/>
+              </a:rPr>
+              <a:t>is 'I am able to communicate ideas in many different ways</a:t>
+            </a:r>
+            <a:r>
+              <a:rPr lang="en-MY" sz="2600" b="1" dirty="0">
+                <a:solidFill>
+                  <a:schemeClr val="bg2"/>
+                </a:solidFill>
+                <a:latin typeface="Times New Roman" panose="02020603050405020304" pitchFamily="18" charset="0"/>
+                <a:cs typeface="Times New Roman" panose="02020603050405020304" pitchFamily="18" charset="0"/>
+              </a:rPr>
+              <a:t>’ </a:t>
+            </a:r>
+            <a:r>
+              <a:rPr lang="en-MY" sz="2600" b="1" dirty="0">
+                <a:solidFill>
+                  <a:srgbClr val="FF0000"/>
+                </a:solidFill>
+                <a:latin typeface="Times New Roman" panose="02020603050405020304" pitchFamily="18" charset="0"/>
+                <a:cs typeface="Times New Roman" panose="02020603050405020304" pitchFamily="18" charset="0"/>
+              </a:rPr>
+              <a:t>[ most important ] </a:t>
+            </a:r>
+          </a:p>
+          <a:p>
+            <a:r>
+              <a:rPr lang="en-MY" sz="2600" dirty="0">
+                <a:solidFill>
+                  <a:srgbClr val="000000"/>
+                </a:solidFill>
+                <a:latin typeface="Times New Roman" panose="02020603050405020304" pitchFamily="18" charset="0"/>
+                <a:cs typeface="Times New Roman" panose="02020603050405020304" pitchFamily="18" charset="0"/>
+              </a:rPr>
+              <a:t>Q3_Q3_3 [ Q3 ] is ‘I am willing to consider solutions offered by others’ </a:t>
+            </a:r>
+            <a:r>
+              <a:rPr lang="en-MY" sz="2600" b="1" dirty="0">
+                <a:solidFill>
+                  <a:srgbClr val="FF0000"/>
+                </a:solidFill>
+                <a:latin typeface="Times New Roman" panose="02020603050405020304" pitchFamily="18" charset="0"/>
+                <a:cs typeface="Times New Roman" panose="02020603050405020304" pitchFamily="18" charset="0"/>
+              </a:rPr>
+              <a:t>[ 2</a:t>
+            </a:r>
+            <a:r>
+              <a:rPr lang="en-MY" sz="2600" b="1" baseline="30000" dirty="0">
+                <a:solidFill>
+                  <a:srgbClr val="FF0000"/>
+                </a:solidFill>
+                <a:latin typeface="Times New Roman" panose="02020603050405020304" pitchFamily="18" charset="0"/>
+                <a:cs typeface="Times New Roman" panose="02020603050405020304" pitchFamily="18" charset="0"/>
+              </a:rPr>
+              <a:t>nd</a:t>
+            </a:r>
+            <a:r>
+              <a:rPr lang="en-MY" sz="2600" b="1" dirty="0">
+                <a:solidFill>
+                  <a:srgbClr val="FF0000"/>
+                </a:solidFill>
+                <a:latin typeface="Times New Roman" panose="02020603050405020304" pitchFamily="18" charset="0"/>
+                <a:cs typeface="Times New Roman" panose="02020603050405020304" pitchFamily="18" charset="0"/>
+              </a:rPr>
+              <a:t>  important ] </a:t>
+            </a:r>
+          </a:p>
+          <a:p>
+            <a:r>
+              <a:rPr lang="en-MY" sz="2600" dirty="0">
+                <a:solidFill>
+                  <a:schemeClr val="bg1"/>
+                </a:solidFill>
+                <a:latin typeface="Times New Roman" panose="02020603050405020304" pitchFamily="18" charset="0"/>
+                <a:cs typeface="Times New Roman" panose="02020603050405020304" pitchFamily="18" charset="0"/>
+              </a:rPr>
+              <a:t>Q3_Q3_4 [ Q4 ] is  ‘I am willing to try different ways of solving problems’ </a:t>
+            </a:r>
+            <a:r>
+              <a:rPr lang="en-MY" sz="2600" b="1" dirty="0">
+                <a:solidFill>
+                  <a:srgbClr val="FF0000"/>
+                </a:solidFill>
+                <a:latin typeface="Times New Roman" panose="02020603050405020304" pitchFamily="18" charset="0"/>
+                <a:cs typeface="Times New Roman" panose="02020603050405020304" pitchFamily="18" charset="0"/>
+              </a:rPr>
+              <a:t>[ 3</a:t>
+            </a:r>
+            <a:r>
+              <a:rPr lang="en-MY" sz="2600" b="1" baseline="30000" dirty="0">
+                <a:solidFill>
+                  <a:srgbClr val="FF0000"/>
+                </a:solidFill>
+                <a:latin typeface="Times New Roman" panose="02020603050405020304" pitchFamily="18" charset="0"/>
+                <a:cs typeface="Times New Roman" panose="02020603050405020304" pitchFamily="18" charset="0"/>
+              </a:rPr>
+              <a:t>rd</a:t>
+            </a:r>
+            <a:r>
+              <a:rPr lang="en-MY" sz="2600" b="1" dirty="0">
+                <a:solidFill>
+                  <a:srgbClr val="FF0000"/>
+                </a:solidFill>
+                <a:latin typeface="Times New Roman" panose="02020603050405020304" pitchFamily="18" charset="0"/>
+                <a:cs typeface="Times New Roman" panose="02020603050405020304" pitchFamily="18" charset="0"/>
+              </a:rPr>
+              <a:t> important ] </a:t>
+            </a:r>
+          </a:p>
+          <a:p>
+            <a:endParaRPr lang="en-MY" sz="2600" b="1" i="0" dirty="0">
+              <a:solidFill>
+                <a:srgbClr val="FF0000"/>
+              </a:solidFill>
+              <a:effectLst/>
+              <a:latin typeface="Times New Roman" panose="02020603050405020304" pitchFamily="18" charset="0"/>
+              <a:cs typeface="Times New Roman" panose="02020603050405020304" pitchFamily="18" charset="0"/>
+            </a:endParaRPr>
+          </a:p>
+        </p:txBody>
+      </p:sp>
+      <p:pic>
+        <p:nvPicPr>
+          <p:cNvPr id="4" name="Picture 3">
+            <a:extLst>
+              <a:ext uri="{FF2B5EF4-FFF2-40B4-BE49-F238E27FC236}">
+                <a16:creationId xmlns:a16="http://schemas.microsoft.com/office/drawing/2014/main" id="{C9080198-8DA7-E247-AA51-BC42DE5BDF57}"/>
+              </a:ext>
+            </a:extLst>
+          </p:cNvPr>
+          <p:cNvPicPr>
+            <a:picLocks noChangeAspect="1"/>
+          </p:cNvPicPr>
+          <p:nvPr/>
+        </p:nvPicPr>
+        <p:blipFill>
+          <a:blip r:embed="rId3"/>
+          <a:stretch>
+            <a:fillRect/>
+          </a:stretch>
+        </p:blipFill>
+        <p:spPr>
+          <a:xfrm>
+            <a:off x="129957" y="1659610"/>
+            <a:ext cx="11932085" cy="1347061"/>
+          </a:xfrm>
+          <a:prstGeom prst="rect">
+            <a:avLst/>
+          </a:prstGeom>
+        </p:spPr>
+      </p:pic>
+    </p:spTree>
+    <p:extLst>
+      <p:ext uri="{BB962C8B-B14F-4D97-AF65-F5344CB8AC3E}">
+        <p14:creationId xmlns:p14="http://schemas.microsoft.com/office/powerpoint/2010/main" val="1709294944"/>
+      </p:ext>
+    </p:extLst>
+  </p:cSld>
+  <p:clrMapOvr>
+    <a:masterClrMapping/>
+  </p:clrMapOvr>
+</p:sld>
+</file>
+
+<file path=ppt/slides/slide41.xml><?xml version="1.0" encoding="utf-8"?>
+<p:sld xmlns:a="http://schemas.openxmlformats.org/drawingml/2006/main" xmlns:r="http://schemas.openxmlformats.org/officeDocument/2006/relationships" xmlns:p="http://schemas.openxmlformats.org/presentationml/2006/main" showMasterSp="0">
+  <p:cSld>
+    <p:bg>
+      <p:bgPr>
+        <a:solidFill>
+          <a:schemeClr val="tx1"/>
+        </a:solidFill>
+        <a:effectLst/>
+      </p:bgPr>
+    </p:bg>
+    <p:spTree>
+      <p:nvGrpSpPr>
+        <p:cNvPr id="1" name=""/>
+        <p:cNvGrpSpPr/>
+        <p:nvPr/>
+      </p:nvGrpSpPr>
+      <p:grpSpPr>
+        <a:xfrm>
+          <a:off x="0" y="0"/>
+          <a:ext cx="0" cy="0"/>
+          <a:chOff x="0" y="0"/>
+          <a:chExt cx="0" cy="0"/>
+        </a:xfrm>
+      </p:grpSpPr>
+      <p:sp>
+        <p:nvSpPr>
+          <p:cNvPr id="2" name="Title 1">
+            <a:extLst>
+              <a:ext uri="{FF2B5EF4-FFF2-40B4-BE49-F238E27FC236}">
+                <a16:creationId xmlns:a16="http://schemas.microsoft.com/office/drawing/2014/main" id="{F376363F-57CB-7C46-8D30-6997A8CB848E}"/>
+              </a:ext>
+            </a:extLst>
+          </p:cNvPr>
+          <p:cNvSpPr>
+            <a:spLocks noGrp="1"/>
+          </p:cNvSpPr>
+          <p:nvPr>
+            <p:ph type="title"/>
+          </p:nvPr>
+        </p:nvSpPr>
+        <p:spPr>
+          <a:xfrm>
+            <a:off x="-139486" y="293771"/>
+            <a:ext cx="5346915" cy="1477328"/>
+          </a:xfrm>
+        </p:spPr>
+        <p:txBody>
+          <a:bodyPr>
+            <a:normAutofit fontScale="90000"/>
+          </a:bodyPr>
+          <a:lstStyle/>
+          <a:p>
+            <a:pPr algn="ctr"/>
+            <a:r>
+              <a:rPr lang="en-US" b="1" dirty="0">
+                <a:solidFill>
+                  <a:schemeClr val="bg1"/>
+                </a:solidFill>
+                <a:latin typeface="Times New Roman" panose="02020603050405020304" pitchFamily="18" charset="0"/>
+                <a:cs typeface="Times New Roman" panose="02020603050405020304" pitchFamily="18" charset="0"/>
+              </a:rPr>
+              <a:t>PCA</a:t>
+            </a:r>
+            <a:br>
+              <a:rPr lang="en-US" b="1" dirty="0">
+                <a:solidFill>
+                  <a:schemeClr val="bg1"/>
+                </a:solidFill>
+                <a:latin typeface="Times New Roman" panose="02020603050405020304" pitchFamily="18" charset="0"/>
+                <a:cs typeface="Times New Roman" panose="02020603050405020304" pitchFamily="18" charset="0"/>
+              </a:rPr>
+            </a:br>
+            <a:r>
+              <a:rPr lang="en-US" b="1" dirty="0">
+                <a:solidFill>
+                  <a:schemeClr val="bg1"/>
+                </a:solidFill>
+                <a:latin typeface="Times New Roman" panose="02020603050405020304" pitchFamily="18" charset="0"/>
+                <a:cs typeface="Times New Roman" panose="02020603050405020304" pitchFamily="18" charset="0"/>
+              </a:rPr>
+              <a:t>Survey Q4</a:t>
+            </a:r>
+            <a:br>
+              <a:rPr lang="en-US" b="1" dirty="0">
+                <a:solidFill>
+                  <a:schemeClr val="bg1"/>
+                </a:solidFill>
+                <a:latin typeface="Times New Roman" panose="02020603050405020304" pitchFamily="18" charset="0"/>
+                <a:cs typeface="Times New Roman" panose="02020603050405020304" pitchFamily="18" charset="0"/>
+              </a:rPr>
+            </a:br>
+            <a:r>
+              <a:rPr lang="en-US" b="1" dirty="0">
+                <a:solidFill>
+                  <a:schemeClr val="bg1"/>
+                </a:solidFill>
+                <a:latin typeface="Times New Roman" panose="02020603050405020304" pitchFamily="18" charset="0"/>
+                <a:cs typeface="Times New Roman" panose="02020603050405020304" pitchFamily="18" charset="0"/>
+              </a:rPr>
+              <a:t>Skill level</a:t>
+            </a:r>
+            <a:br>
+              <a:rPr lang="en-US" b="1" dirty="0">
+                <a:solidFill>
+                  <a:schemeClr val="bg1"/>
+                </a:solidFill>
+                <a:latin typeface="Times New Roman" panose="02020603050405020304" pitchFamily="18" charset="0"/>
+                <a:cs typeface="Times New Roman" panose="02020603050405020304" pitchFamily="18" charset="0"/>
+              </a:rPr>
+            </a:br>
+            <a:endParaRPr lang="en-US" b="1" dirty="0">
+              <a:solidFill>
+                <a:schemeClr val="bg1"/>
+              </a:solidFill>
+              <a:latin typeface="Times New Roman" panose="02020603050405020304" pitchFamily="18" charset="0"/>
+              <a:cs typeface="Times New Roman" panose="02020603050405020304" pitchFamily="18" charset="0"/>
+            </a:endParaRPr>
+          </a:p>
+        </p:txBody>
+      </p:sp>
+      <p:sp>
+        <p:nvSpPr>
+          <p:cNvPr id="6" name="Rectangle 5">
+            <a:extLst>
+              <a:ext uri="{FF2B5EF4-FFF2-40B4-BE49-F238E27FC236}">
+                <a16:creationId xmlns:a16="http://schemas.microsoft.com/office/drawing/2014/main" id="{B335D236-8F50-8C4C-8D59-BEC353129962}"/>
+              </a:ext>
+            </a:extLst>
+          </p:cNvPr>
+          <p:cNvSpPr/>
+          <p:nvPr/>
+        </p:nvSpPr>
+        <p:spPr>
+          <a:xfrm>
+            <a:off x="4411362" y="339569"/>
+            <a:ext cx="7035925" cy="2677656"/>
+          </a:xfrm>
+          <a:prstGeom prst="rect">
+            <a:avLst/>
+          </a:prstGeom>
+        </p:spPr>
+        <p:txBody>
+          <a:bodyPr wrap="square">
+            <a:spAutoFit/>
+          </a:bodyPr>
+          <a:lstStyle/>
+          <a:p>
+            <a:r>
+              <a:rPr lang="en-MY" sz="2800" dirty="0">
+                <a:solidFill>
+                  <a:schemeClr val="bg1"/>
+                </a:solidFill>
+                <a:latin typeface="Times New Roman" panose="02020603050405020304" pitchFamily="18" charset="0"/>
+                <a:cs typeface="Times New Roman" panose="02020603050405020304" pitchFamily="18" charset="0"/>
+              </a:rPr>
+              <a:t>How would you describe your approach towards visualizing complex information?</a:t>
+            </a:r>
+          </a:p>
+          <a:p>
+            <a:endParaRPr lang="en-MY" sz="2800" dirty="0">
+              <a:solidFill>
+                <a:schemeClr val="bg1"/>
+              </a:solidFill>
+              <a:latin typeface="Times New Roman" panose="02020603050405020304" pitchFamily="18" charset="0"/>
+              <a:cs typeface="Times New Roman" panose="02020603050405020304" pitchFamily="18" charset="0"/>
+            </a:endParaRPr>
+          </a:p>
+          <a:p>
+            <a:r>
+              <a:rPr lang="en-MY" sz="2800" dirty="0">
+                <a:solidFill>
+                  <a:schemeClr val="bg1"/>
+                </a:solidFill>
+                <a:latin typeface="Times New Roman" panose="02020603050405020304" pitchFamily="18" charset="0"/>
+                <a:cs typeface="Times New Roman" panose="02020603050405020304" pitchFamily="18" charset="0"/>
+              </a:rPr>
+              <a:t>Cronbach’s alpha (0.8158) (Good Consistency)</a:t>
+            </a:r>
+          </a:p>
+          <a:p>
+            <a:r>
+              <a:rPr lang="en-MY" sz="2800" dirty="0">
+                <a:solidFill>
+                  <a:schemeClr val="bg1"/>
+                </a:solidFill>
+                <a:latin typeface="Times New Roman" panose="02020603050405020304" pitchFamily="18" charset="0"/>
+                <a:cs typeface="Times New Roman" panose="02020603050405020304" pitchFamily="18" charset="0"/>
+              </a:rPr>
+              <a:t>KMO ( 0.8006 ) ( adequate )</a:t>
+            </a:r>
+          </a:p>
+          <a:p>
+            <a:r>
+              <a:rPr lang="en-MY" sz="2800" dirty="0" err="1">
+                <a:solidFill>
+                  <a:schemeClr val="bg1"/>
+                </a:solidFill>
+                <a:latin typeface="Times New Roman" panose="02020603050405020304" pitchFamily="18" charset="0"/>
+                <a:cs typeface="Times New Roman" panose="02020603050405020304" pitchFamily="18" charset="0"/>
+              </a:rPr>
+              <a:t>Barlett’s</a:t>
+            </a:r>
+            <a:r>
+              <a:rPr lang="en-MY" sz="2800" dirty="0">
+                <a:solidFill>
+                  <a:schemeClr val="bg1"/>
+                </a:solidFill>
+                <a:latin typeface="Times New Roman" panose="02020603050405020304" pitchFamily="18" charset="0"/>
+                <a:cs typeface="Times New Roman" panose="02020603050405020304" pitchFamily="18" charset="0"/>
+              </a:rPr>
+              <a:t> Test ( 2.7514e-58 ) ( significant )</a:t>
+            </a:r>
+            <a:endParaRPr lang="en-MY" sz="3200" dirty="0">
+              <a:solidFill>
+                <a:schemeClr val="bg1"/>
+              </a:solidFill>
+              <a:latin typeface="Times New Roman" panose="02020603050405020304" pitchFamily="18" charset="0"/>
+              <a:cs typeface="Times New Roman" panose="02020603050405020304" pitchFamily="18" charset="0"/>
+            </a:endParaRPr>
+          </a:p>
+        </p:txBody>
+      </p:sp>
+      <p:pic>
+        <p:nvPicPr>
+          <p:cNvPr id="7" name="Content Placeholder 6" descr="Table&#10;&#10;Description automatically generated with low confidence">
+            <a:extLst>
+              <a:ext uri="{FF2B5EF4-FFF2-40B4-BE49-F238E27FC236}">
+                <a16:creationId xmlns:a16="http://schemas.microsoft.com/office/drawing/2014/main" id="{AF00AEDE-E1FF-1947-9973-D60597CD5705}"/>
+              </a:ext>
+            </a:extLst>
+          </p:cNvPr>
+          <p:cNvPicPr>
+            <a:picLocks noGrp="1" noChangeAspect="1"/>
+          </p:cNvPicPr>
+          <p:nvPr>
+            <p:ph idx="1"/>
+          </p:nvPr>
+        </p:nvPicPr>
+        <p:blipFill>
+          <a:blip r:embed="rId3"/>
+          <a:stretch>
+            <a:fillRect/>
+          </a:stretch>
+        </p:blipFill>
+        <p:spPr>
+          <a:xfrm>
+            <a:off x="533910" y="3559123"/>
+            <a:ext cx="11189483" cy="2677655"/>
+          </a:xfrm>
+        </p:spPr>
+      </p:pic>
+    </p:spTree>
+    <p:extLst>
+      <p:ext uri="{BB962C8B-B14F-4D97-AF65-F5344CB8AC3E}">
+        <p14:creationId xmlns:p14="http://schemas.microsoft.com/office/powerpoint/2010/main" val="1887633472"/>
+      </p:ext>
+    </p:extLst>
+  </p:cSld>
+  <p:clrMapOvr>
+    <a:masterClrMapping/>
+  </p:clrMapOvr>
+</p:sld>
+</file>
+
+<file path=ppt/slides/slide42.xml><?xml version="1.0" encoding="utf-8"?>
+<p:sld xmlns:a="http://schemas.openxmlformats.org/drawingml/2006/main" xmlns:r="http://schemas.openxmlformats.org/officeDocument/2006/relationships" xmlns:p="http://schemas.openxmlformats.org/presentationml/2006/main" showMasterSp="0">
+  <p:cSld>
+    <p:bg>
+      <p:bgPr>
+        <a:solidFill>
+          <a:schemeClr val="tx1"/>
+        </a:solidFill>
+        <a:effectLst/>
+      </p:bgPr>
+    </p:bg>
+    <p:spTree>
+      <p:nvGrpSpPr>
+        <p:cNvPr id="1" name=""/>
+        <p:cNvGrpSpPr/>
+        <p:nvPr/>
+      </p:nvGrpSpPr>
+      <p:grpSpPr>
+        <a:xfrm>
+          <a:off x="0" y="0"/>
+          <a:ext cx="0" cy="0"/>
+          <a:chOff x="0" y="0"/>
+          <a:chExt cx="0" cy="0"/>
+        </a:xfrm>
+      </p:grpSpPr>
+      <p:sp>
+        <p:nvSpPr>
+          <p:cNvPr id="2" name="Title 1">
+            <a:extLst>
+              <a:ext uri="{FF2B5EF4-FFF2-40B4-BE49-F238E27FC236}">
+                <a16:creationId xmlns:a16="http://schemas.microsoft.com/office/drawing/2014/main" id="{F376363F-57CB-7C46-8D30-6997A8CB848E}"/>
+              </a:ext>
+            </a:extLst>
+          </p:cNvPr>
+          <p:cNvSpPr>
+            <a:spLocks noGrp="1"/>
+          </p:cNvSpPr>
+          <p:nvPr>
+            <p:ph type="title"/>
+          </p:nvPr>
+        </p:nvSpPr>
+        <p:spPr>
+          <a:xfrm>
+            <a:off x="-139486" y="293771"/>
+            <a:ext cx="5346915" cy="1477328"/>
+          </a:xfrm>
+        </p:spPr>
+        <p:txBody>
+          <a:bodyPr>
+            <a:normAutofit fontScale="90000"/>
+          </a:bodyPr>
+          <a:lstStyle/>
+          <a:p>
+            <a:pPr algn="ctr"/>
+            <a:r>
+              <a:rPr lang="en-US" b="1" dirty="0">
+                <a:solidFill>
+                  <a:schemeClr val="bg1"/>
+                </a:solidFill>
+                <a:latin typeface="Times New Roman" panose="02020603050405020304" pitchFamily="18" charset="0"/>
+                <a:cs typeface="Times New Roman" panose="02020603050405020304" pitchFamily="18" charset="0"/>
+              </a:rPr>
+              <a:t>PCA</a:t>
+            </a:r>
+            <a:br>
+              <a:rPr lang="en-US" b="1" dirty="0">
+                <a:solidFill>
+                  <a:schemeClr val="bg1"/>
+                </a:solidFill>
+                <a:latin typeface="Times New Roman" panose="02020603050405020304" pitchFamily="18" charset="0"/>
+                <a:cs typeface="Times New Roman" panose="02020603050405020304" pitchFamily="18" charset="0"/>
+              </a:rPr>
+            </a:br>
+            <a:r>
+              <a:rPr lang="en-US" b="1" dirty="0">
+                <a:solidFill>
+                  <a:schemeClr val="bg1"/>
+                </a:solidFill>
+                <a:latin typeface="Times New Roman" panose="02020603050405020304" pitchFamily="18" charset="0"/>
+                <a:cs typeface="Times New Roman" panose="02020603050405020304" pitchFamily="18" charset="0"/>
+              </a:rPr>
+              <a:t>Survey Q4</a:t>
+            </a:r>
+            <a:br>
+              <a:rPr lang="en-US" b="1" dirty="0">
+                <a:solidFill>
+                  <a:schemeClr val="bg1"/>
+                </a:solidFill>
+                <a:latin typeface="Times New Roman" panose="02020603050405020304" pitchFamily="18" charset="0"/>
+                <a:cs typeface="Times New Roman" panose="02020603050405020304" pitchFamily="18" charset="0"/>
+              </a:rPr>
+            </a:br>
+            <a:r>
+              <a:rPr lang="en-US" b="1" dirty="0">
+                <a:solidFill>
+                  <a:schemeClr val="bg1"/>
+                </a:solidFill>
+                <a:latin typeface="Times New Roman" panose="02020603050405020304" pitchFamily="18" charset="0"/>
+                <a:cs typeface="Times New Roman" panose="02020603050405020304" pitchFamily="18" charset="0"/>
+              </a:rPr>
+              <a:t>Skill level</a:t>
+            </a:r>
+            <a:br>
+              <a:rPr lang="en-US" b="1" dirty="0">
+                <a:solidFill>
+                  <a:schemeClr val="bg1"/>
+                </a:solidFill>
+                <a:latin typeface="Times New Roman" panose="02020603050405020304" pitchFamily="18" charset="0"/>
+                <a:cs typeface="Times New Roman" panose="02020603050405020304" pitchFamily="18" charset="0"/>
+              </a:rPr>
+            </a:br>
+            <a:endParaRPr lang="en-US" b="1" dirty="0">
+              <a:solidFill>
+                <a:schemeClr val="bg1"/>
+              </a:solidFill>
+              <a:latin typeface="Times New Roman" panose="02020603050405020304" pitchFamily="18" charset="0"/>
+              <a:cs typeface="Times New Roman" panose="02020603050405020304" pitchFamily="18" charset="0"/>
+            </a:endParaRPr>
+          </a:p>
+        </p:txBody>
+      </p:sp>
+      <p:pic>
+        <p:nvPicPr>
+          <p:cNvPr id="8" name="Content Placeholder 7" descr="Graphical user interface, text, application, email&#10;&#10;Description automatically generated">
+            <a:extLst>
+              <a:ext uri="{FF2B5EF4-FFF2-40B4-BE49-F238E27FC236}">
+                <a16:creationId xmlns:a16="http://schemas.microsoft.com/office/drawing/2014/main" id="{71381A41-33A4-AC41-AEF5-30459402C819}"/>
+              </a:ext>
+            </a:extLst>
+          </p:cNvPr>
+          <p:cNvPicPr>
+            <a:picLocks noGrp="1" noChangeAspect="1"/>
+          </p:cNvPicPr>
+          <p:nvPr>
+            <p:ph idx="1"/>
+          </p:nvPr>
+        </p:nvPicPr>
+        <p:blipFill>
+          <a:blip r:embed="rId3"/>
+          <a:stretch>
+            <a:fillRect/>
+          </a:stretch>
+        </p:blipFill>
+        <p:spPr>
+          <a:xfrm>
+            <a:off x="594101" y="2156456"/>
+            <a:ext cx="11003798" cy="3409281"/>
+          </a:xfrm>
+        </p:spPr>
+      </p:pic>
+      <p:sp>
+        <p:nvSpPr>
+          <p:cNvPr id="9" name="TextBox 8">
+            <a:extLst>
+              <a:ext uri="{FF2B5EF4-FFF2-40B4-BE49-F238E27FC236}">
+                <a16:creationId xmlns:a16="http://schemas.microsoft.com/office/drawing/2014/main" id="{AFC6E4FA-696B-574F-B681-897EB183594D}"/>
+              </a:ext>
+            </a:extLst>
+          </p:cNvPr>
+          <p:cNvSpPr txBox="1"/>
+          <p:nvPr/>
+        </p:nvSpPr>
+        <p:spPr>
+          <a:xfrm>
+            <a:off x="4184543" y="332562"/>
+            <a:ext cx="6044338" cy="1246495"/>
+          </a:xfrm>
+          <a:prstGeom prst="rect">
+            <a:avLst/>
+          </a:prstGeom>
+          <a:noFill/>
+        </p:spPr>
+        <p:txBody>
+          <a:bodyPr wrap="square" rtlCol="0">
+            <a:spAutoFit/>
+          </a:bodyPr>
+          <a:lstStyle/>
+          <a:p>
+            <a:r>
+              <a:rPr lang="en-US" sz="2500" dirty="0">
+                <a:solidFill>
+                  <a:schemeClr val="bg1"/>
+                </a:solidFill>
+              </a:rPr>
+              <a:t>PC1 – 1, 3, 5</a:t>
+            </a:r>
+          </a:p>
+          <a:p>
+            <a:r>
+              <a:rPr lang="en-US" sz="2500" dirty="0">
+                <a:solidFill>
+                  <a:schemeClr val="bg1"/>
+                </a:solidFill>
+              </a:rPr>
+              <a:t>PC2 – 2, 4</a:t>
+            </a:r>
+          </a:p>
+          <a:p>
+            <a:r>
+              <a:rPr lang="en-US" sz="2500" dirty="0">
+                <a:solidFill>
+                  <a:schemeClr val="bg1"/>
+                </a:solidFill>
+              </a:rPr>
+              <a:t>Two PCs explains 73% of the variance</a:t>
+            </a:r>
+          </a:p>
+        </p:txBody>
+      </p:sp>
+    </p:spTree>
+    <p:extLst>
+      <p:ext uri="{BB962C8B-B14F-4D97-AF65-F5344CB8AC3E}">
+        <p14:creationId xmlns:p14="http://schemas.microsoft.com/office/powerpoint/2010/main" val="1735816985"/>
+      </p:ext>
+    </p:extLst>
+  </p:cSld>
+  <p:clrMapOvr>
+    <a:masterClrMapping/>
+  </p:clrMapOvr>
+</p:sld>
+</file>
+
+<file path=ppt/slides/slide43.xml><?xml version="1.0" encoding="utf-8"?>
+<p:sld xmlns:a="http://schemas.openxmlformats.org/drawingml/2006/main" xmlns:r="http://schemas.openxmlformats.org/officeDocument/2006/relationships" xmlns:p="http://schemas.openxmlformats.org/presentationml/2006/main" showMasterSp="0">
+  <p:cSld>
+    <p:bg>
+      <p:bgPr>
+        <a:solidFill>
+          <a:schemeClr val="tx1"/>
+        </a:solidFill>
+        <a:effectLst/>
+      </p:bgPr>
+    </p:bg>
+    <p:spTree>
+      <p:nvGrpSpPr>
+        <p:cNvPr id="1" name=""/>
+        <p:cNvGrpSpPr/>
+        <p:nvPr/>
+      </p:nvGrpSpPr>
+      <p:grpSpPr>
+        <a:xfrm>
+          <a:off x="0" y="0"/>
+          <a:ext cx="0" cy="0"/>
+          <a:chOff x="0" y="0"/>
+          <a:chExt cx="0" cy="0"/>
+        </a:xfrm>
+      </p:grpSpPr>
+      <p:sp>
+        <p:nvSpPr>
+          <p:cNvPr id="2" name="Title 1">
+            <a:extLst>
+              <a:ext uri="{FF2B5EF4-FFF2-40B4-BE49-F238E27FC236}">
+                <a16:creationId xmlns:a16="http://schemas.microsoft.com/office/drawing/2014/main" id="{F376363F-57CB-7C46-8D30-6997A8CB848E}"/>
+              </a:ext>
+            </a:extLst>
+          </p:cNvPr>
+          <p:cNvSpPr>
+            <a:spLocks noGrp="1"/>
+          </p:cNvSpPr>
+          <p:nvPr>
+            <p:ph type="title"/>
+          </p:nvPr>
+        </p:nvSpPr>
+        <p:spPr>
+          <a:xfrm>
             <a:off x="-139486" y="293771"/>
             <a:ext cx="5346915" cy="1477328"/>
           </a:xfrm>
@@ -16211,7 +17236,7 @@
 </p:sld>
 </file>
 
-<file path=ppt/slides/slide41.xml><?xml version="1.0" encoding="utf-8"?>
+<file path=ppt/slides/slide44.xml><?xml version="1.0" encoding="utf-8"?>
 <p:sld xmlns:a="http://schemas.openxmlformats.org/drawingml/2006/main" xmlns:r="http://schemas.openxmlformats.org/officeDocument/2006/relationships" xmlns:p="http://schemas.openxmlformats.org/presentationml/2006/main" showMasterSp="0">
   <p:cSld>
     <p:bg>
@@ -16564,7 +17589,7 @@
 </p:sld>
 </file>
 
-<file path=ppt/slides/slide42.xml><?xml version="1.0" encoding="utf-8"?>
+<file path=ppt/slides/slide45.xml><?xml version="1.0" encoding="utf-8"?>
 <p:sld xmlns:a="http://schemas.openxmlformats.org/drawingml/2006/main" xmlns:r="http://schemas.openxmlformats.org/officeDocument/2006/relationships" xmlns:p="http://schemas.openxmlformats.org/presentationml/2006/main" showMasterSp="0">
   <p:cSld>
     <p:bg>
@@ -16849,7 +17874,7 @@
 </p:sld>
 </file>
 
-<file path=ppt/slides/slide43.xml><?xml version="1.0" encoding="utf-8"?>
+<file path=ppt/slides/slide46.xml><?xml version="1.0" encoding="utf-8"?>
 <p:sld xmlns:a="http://schemas.openxmlformats.org/drawingml/2006/main" xmlns:r="http://schemas.openxmlformats.org/officeDocument/2006/relationships" xmlns:p="http://schemas.openxmlformats.org/presentationml/2006/main" showMasterSp="0">
   <p:cSld>
     <p:bg>
@@ -17215,7 +18240,7 @@
 </p:sld>
 </file>
 
-<file path=ppt/slides/slide44.xml><?xml version="1.0" encoding="utf-8"?>
+<file path=ppt/slides/slide47.xml><?xml version="1.0" encoding="utf-8"?>
 <p:sld xmlns:a="http://schemas.openxmlformats.org/drawingml/2006/main" xmlns:r="http://schemas.openxmlformats.org/officeDocument/2006/relationships" xmlns:p="http://schemas.openxmlformats.org/presentationml/2006/main" showMasterSp="0">
   <p:cSld>
     <p:bg>
@@ -17536,7 +18561,7 @@
 </p:sld>
 </file>
 
-<file path=ppt/slides/slide45.xml><?xml version="1.0" encoding="utf-8"?>
+<file path=ppt/slides/slide48.xml><?xml version="1.0" encoding="utf-8"?>
 <p:sld xmlns:a="http://schemas.openxmlformats.org/drawingml/2006/main" xmlns:r="http://schemas.openxmlformats.org/officeDocument/2006/relationships" xmlns:p="http://schemas.openxmlformats.org/presentationml/2006/main" showMasterSp="0">
   <p:cSld>
     <p:bg>
@@ -17801,7 +18826,7 @@
 </p:sld>
 </file>
 
-<file path=ppt/slides/slide46.xml><?xml version="1.0" encoding="utf-8"?>
+<file path=ppt/slides/slide49.xml><?xml version="1.0" encoding="utf-8"?>
 <p:sld xmlns:a="http://schemas.openxmlformats.org/drawingml/2006/main" xmlns:r="http://schemas.openxmlformats.org/officeDocument/2006/relationships" xmlns:p="http://schemas.openxmlformats.org/presentationml/2006/main" showMasterSp="0">
   <p:cSld>
     <p:bg>
@@ -18063,325 +19088,6 @@
     <p:extLst>
       <p:ext uri="{BB962C8B-B14F-4D97-AF65-F5344CB8AC3E}">
         <p14:creationId xmlns:p14="http://schemas.microsoft.com/office/powerpoint/2010/main" val="1648865066"/>
-      </p:ext>
-    </p:extLst>
-  </p:cSld>
-  <p:clrMapOvr>
-    <a:masterClrMapping/>
-  </p:clrMapOvr>
-</p:sld>
-</file>
-
-<file path=ppt/slides/slide47.xml><?xml version="1.0" encoding="utf-8"?>
-<p:sld xmlns:a="http://schemas.openxmlformats.org/drawingml/2006/main" xmlns:r="http://schemas.openxmlformats.org/officeDocument/2006/relationships" xmlns:p="http://schemas.openxmlformats.org/presentationml/2006/main" showMasterSp="0">
-  <p:cSld>
-    <p:bg>
-      <p:bgPr>
-        <a:solidFill>
-          <a:schemeClr val="tx1"/>
-        </a:solidFill>
-        <a:effectLst/>
-      </p:bgPr>
-    </p:bg>
-    <p:spTree>
-      <p:nvGrpSpPr>
-        <p:cNvPr id="1" name=""/>
-        <p:cNvGrpSpPr/>
-        <p:nvPr/>
-      </p:nvGrpSpPr>
-      <p:grpSpPr>
-        <a:xfrm>
-          <a:off x="0" y="0"/>
-          <a:ext cx="0" cy="0"/>
-          <a:chOff x="0" y="0"/>
-          <a:chExt cx="0" cy="0"/>
-        </a:xfrm>
-      </p:grpSpPr>
-      <p:sp>
-        <p:nvSpPr>
-          <p:cNvPr id="2" name="Title 1">
-            <a:extLst>
-              <a:ext uri="{FF2B5EF4-FFF2-40B4-BE49-F238E27FC236}">
-                <a16:creationId xmlns:a16="http://schemas.microsoft.com/office/drawing/2014/main" id="{F376363F-57CB-7C46-8D30-6997A8CB848E}"/>
-              </a:ext>
-            </a:extLst>
-          </p:cNvPr>
-          <p:cNvSpPr>
-            <a:spLocks noGrp="1"/>
-          </p:cNvSpPr>
-          <p:nvPr>
-            <p:ph type="title"/>
-          </p:nvPr>
-        </p:nvSpPr>
-        <p:spPr>
-          <a:xfrm>
-            <a:off x="3422542" y="290726"/>
-            <a:ext cx="5346915" cy="567119"/>
-          </a:xfrm>
-        </p:spPr>
-        <p:txBody>
-          <a:bodyPr/>
-          <a:lstStyle/>
-          <a:p>
-            <a:pPr algn="ctr"/>
-            <a:r>
-              <a:rPr lang="en-US" b="1">
-                <a:solidFill>
-                  <a:schemeClr val="bg1"/>
-                </a:solidFill>
-                <a:latin typeface="Times New Roman" panose="02020603050405020304" pitchFamily="18" charset="0"/>
-                <a:cs typeface="Times New Roman" panose="02020603050405020304" pitchFamily="18" charset="0"/>
-              </a:rPr>
-              <a:t>PCA </a:t>
-            </a:r>
-            <a:r>
-              <a:rPr lang="en-US" b="1" dirty="0">
-                <a:solidFill>
-                  <a:schemeClr val="bg1"/>
-                </a:solidFill>
-                <a:latin typeface="Times New Roman" panose="02020603050405020304" pitchFamily="18" charset="0"/>
-                <a:cs typeface="Times New Roman" panose="02020603050405020304" pitchFamily="18" charset="0"/>
-              </a:rPr>
-              <a:t>Survey Q7</a:t>
-            </a:r>
-          </a:p>
-        </p:txBody>
-      </p:sp>
-      <p:sp>
-        <p:nvSpPr>
-          <p:cNvPr id="5" name="Rectangle 4">
-            <a:extLst>
-              <a:ext uri="{FF2B5EF4-FFF2-40B4-BE49-F238E27FC236}">
-                <a16:creationId xmlns:a16="http://schemas.microsoft.com/office/drawing/2014/main" id="{BD8B4206-4A29-2148-B4B7-602E621F85F8}"/>
-              </a:ext>
-            </a:extLst>
-          </p:cNvPr>
-          <p:cNvSpPr/>
-          <p:nvPr/>
-        </p:nvSpPr>
-        <p:spPr>
-          <a:xfrm>
-            <a:off x="673768" y="2588027"/>
-            <a:ext cx="10965458" cy="3693319"/>
-          </a:xfrm>
-          <a:prstGeom prst="rect">
-            <a:avLst/>
-          </a:prstGeom>
-        </p:spPr>
-        <p:txBody>
-          <a:bodyPr wrap="square">
-            <a:spAutoFit/>
-          </a:bodyPr>
-          <a:lstStyle/>
-          <a:p>
-            <a:r>
-              <a:rPr lang="en-MY" sz="2600" b="1" dirty="0">
-                <a:solidFill>
-                  <a:schemeClr val="bg1"/>
-                </a:solidFill>
-                <a:latin typeface="Times New Roman" panose="02020603050405020304" pitchFamily="18" charset="0"/>
-                <a:cs typeface="Times New Roman" panose="02020603050405020304" pitchFamily="18" charset="0"/>
-              </a:rPr>
-              <a:t>Interpretation: </a:t>
-            </a:r>
-          </a:p>
-          <a:p>
-            <a:endParaRPr lang="en-MY" sz="2600" b="1" dirty="0">
-              <a:solidFill>
-                <a:schemeClr val="bg1"/>
-              </a:solidFill>
-              <a:latin typeface="Times New Roman" panose="02020603050405020304" pitchFamily="18" charset="0"/>
-              <a:cs typeface="Times New Roman" panose="02020603050405020304" pitchFamily="18" charset="0"/>
-            </a:endParaRPr>
-          </a:p>
-          <a:p>
-            <a:r>
-              <a:rPr lang="en-MY" sz="2600" dirty="0">
-                <a:solidFill>
-                  <a:srgbClr val="000000"/>
-                </a:solidFill>
-                <a:latin typeface="Times New Roman" panose="02020603050405020304" pitchFamily="18" charset="0"/>
-                <a:cs typeface="Times New Roman" panose="02020603050405020304" pitchFamily="18" charset="0"/>
-              </a:rPr>
-              <a:t>Q7_Q7_3 </a:t>
-            </a:r>
-            <a:r>
-              <a:rPr lang="en-MY" sz="2600" dirty="0">
-                <a:solidFill>
-                  <a:schemeClr val="bg1"/>
-                </a:solidFill>
-                <a:latin typeface="Times New Roman" panose="02020603050405020304" pitchFamily="18" charset="0"/>
-                <a:cs typeface="Times New Roman" panose="02020603050405020304" pitchFamily="18" charset="0"/>
-              </a:rPr>
-              <a:t>[ Q3 ] </a:t>
-            </a:r>
-            <a:r>
-              <a:rPr lang="en-MY" sz="2600" dirty="0">
-                <a:solidFill>
-                  <a:srgbClr val="000000"/>
-                </a:solidFill>
-                <a:latin typeface="Times New Roman" panose="02020603050405020304" pitchFamily="18" charset="0"/>
-                <a:cs typeface="Times New Roman" panose="02020603050405020304" pitchFamily="18" charset="0"/>
-              </a:rPr>
-              <a:t>is ‘I know somewhat more than most programmers about programming in </a:t>
-            </a:r>
-            <a:r>
-              <a:rPr lang="en-MY" sz="2600" dirty="0" err="1">
-                <a:solidFill>
-                  <a:srgbClr val="000000"/>
-                </a:solidFill>
-                <a:latin typeface="Times New Roman" panose="02020603050405020304" pitchFamily="18" charset="0"/>
-                <a:cs typeface="Times New Roman" panose="02020603050405020304" pitchFamily="18" charset="0"/>
-              </a:rPr>
-              <a:t>Javascript</a:t>
-            </a:r>
-            <a:r>
-              <a:rPr lang="en-MY" sz="2600" b="1" dirty="0">
-                <a:solidFill>
-                  <a:schemeClr val="bg2"/>
-                </a:solidFill>
-                <a:latin typeface="Times New Roman" panose="02020603050405020304" pitchFamily="18" charset="0"/>
-                <a:cs typeface="Times New Roman" panose="02020603050405020304" pitchFamily="18" charset="0"/>
-              </a:rPr>
-              <a:t>’ </a:t>
-            </a:r>
-            <a:r>
-              <a:rPr lang="en-MY" sz="2600" b="1" dirty="0">
-                <a:solidFill>
-                  <a:srgbClr val="FF0000"/>
-                </a:solidFill>
-                <a:latin typeface="Times New Roman" panose="02020603050405020304" pitchFamily="18" charset="0"/>
-                <a:cs typeface="Times New Roman" panose="02020603050405020304" pitchFamily="18" charset="0"/>
-              </a:rPr>
-              <a:t>[ most important ] </a:t>
-            </a:r>
-          </a:p>
-          <a:p>
-            <a:endParaRPr lang="en-MY" sz="2600" b="1" dirty="0">
-              <a:solidFill>
-                <a:srgbClr val="FF0000"/>
-              </a:solidFill>
-              <a:latin typeface="Times New Roman" panose="02020603050405020304" pitchFamily="18" charset="0"/>
-              <a:cs typeface="Times New Roman" panose="02020603050405020304" pitchFamily="18" charset="0"/>
-            </a:endParaRPr>
-          </a:p>
-          <a:p>
-            <a:r>
-              <a:rPr lang="en-MY" sz="2600" dirty="0">
-                <a:solidFill>
-                  <a:srgbClr val="000000"/>
-                </a:solidFill>
-                <a:latin typeface="Times New Roman" panose="02020603050405020304" pitchFamily="18" charset="0"/>
-                <a:cs typeface="Times New Roman" panose="02020603050405020304" pitchFamily="18" charset="0"/>
-              </a:rPr>
-              <a:t>Q7_Q7_1 [ Q1 ] is ‘I am extremely skilled at programming in </a:t>
-            </a:r>
-            <a:r>
-              <a:rPr lang="en-MY" sz="2600" dirty="0" err="1">
-                <a:solidFill>
-                  <a:srgbClr val="000000"/>
-                </a:solidFill>
-                <a:latin typeface="Times New Roman" panose="02020603050405020304" pitchFamily="18" charset="0"/>
-                <a:cs typeface="Times New Roman" panose="02020603050405020304" pitchFamily="18" charset="0"/>
-              </a:rPr>
-              <a:t>Javascript</a:t>
-            </a:r>
-            <a:r>
-              <a:rPr lang="en-MY" sz="2600" dirty="0">
-                <a:solidFill>
-                  <a:srgbClr val="000000"/>
-                </a:solidFill>
-                <a:latin typeface="Times New Roman" panose="02020603050405020304" pitchFamily="18" charset="0"/>
-                <a:cs typeface="Times New Roman" panose="02020603050405020304" pitchFamily="18" charset="0"/>
-              </a:rPr>
-              <a:t>’ </a:t>
-            </a:r>
-            <a:r>
-              <a:rPr lang="en-MY" sz="2600" b="1" dirty="0">
-                <a:solidFill>
-                  <a:srgbClr val="FF0000"/>
-                </a:solidFill>
-                <a:latin typeface="Times New Roman" panose="02020603050405020304" pitchFamily="18" charset="0"/>
-                <a:cs typeface="Times New Roman" panose="02020603050405020304" pitchFamily="18" charset="0"/>
-              </a:rPr>
-              <a:t>[ 2</a:t>
-            </a:r>
-            <a:r>
-              <a:rPr lang="en-MY" sz="2600" b="1" baseline="30000" dirty="0">
-                <a:solidFill>
-                  <a:srgbClr val="FF0000"/>
-                </a:solidFill>
-                <a:latin typeface="Times New Roman" panose="02020603050405020304" pitchFamily="18" charset="0"/>
-                <a:cs typeface="Times New Roman" panose="02020603050405020304" pitchFamily="18" charset="0"/>
-              </a:rPr>
-              <a:t>nd</a:t>
-            </a:r>
-            <a:r>
-              <a:rPr lang="en-MY" sz="2600" b="1" dirty="0">
-                <a:solidFill>
-                  <a:srgbClr val="FF0000"/>
-                </a:solidFill>
-                <a:latin typeface="Times New Roman" panose="02020603050405020304" pitchFamily="18" charset="0"/>
-                <a:cs typeface="Times New Roman" panose="02020603050405020304" pitchFamily="18" charset="0"/>
-              </a:rPr>
-              <a:t>  important ] </a:t>
-            </a:r>
-          </a:p>
-          <a:p>
-            <a:endParaRPr lang="en-MY" sz="2600" b="1" dirty="0">
-              <a:solidFill>
-                <a:srgbClr val="FF0000"/>
-              </a:solidFill>
-              <a:latin typeface="Times New Roman" panose="02020603050405020304" pitchFamily="18" charset="0"/>
-              <a:cs typeface="Times New Roman" panose="02020603050405020304" pitchFamily="18" charset="0"/>
-            </a:endParaRPr>
-          </a:p>
-          <a:p>
-            <a:endParaRPr lang="en-MY" sz="2600" b="1" i="0" dirty="0">
-              <a:solidFill>
-                <a:srgbClr val="FF0000"/>
-              </a:solidFill>
-              <a:effectLst/>
-              <a:latin typeface="Times New Roman" panose="02020603050405020304" pitchFamily="18" charset="0"/>
-              <a:cs typeface="Times New Roman" panose="02020603050405020304" pitchFamily="18" charset="0"/>
-            </a:endParaRPr>
-          </a:p>
-        </p:txBody>
-      </p:sp>
-      <p:pic>
-        <p:nvPicPr>
-          <p:cNvPr id="6" name="Picture 5">
-            <a:extLst>
-              <a:ext uri="{FF2B5EF4-FFF2-40B4-BE49-F238E27FC236}">
-                <a16:creationId xmlns:a16="http://schemas.microsoft.com/office/drawing/2014/main" id="{C55D2CF3-60C3-DC41-8414-58617174B45B}"/>
-              </a:ext>
-            </a:extLst>
-          </p:cNvPr>
-          <p:cNvPicPr>
-            <a:picLocks noChangeAspect="1"/>
-          </p:cNvPicPr>
-          <p:nvPr/>
-        </p:nvPicPr>
-        <p:blipFill>
-          <a:blip r:embed="rId3"/>
-          <a:stretch>
-            <a:fillRect/>
-          </a:stretch>
-        </p:blipFill>
-        <p:spPr>
-          <a:xfrm>
-            <a:off x="673768" y="857845"/>
-            <a:ext cx="10965458" cy="1434208"/>
-          </a:xfrm>
-          <a:prstGeom prst="rect">
-            <a:avLst/>
-          </a:prstGeom>
-        </p:spPr>
-      </p:pic>
-    </p:spTree>
-    <p:extLst>
-      <p:ext uri="{BB962C8B-B14F-4D97-AF65-F5344CB8AC3E}">
-        <p14:creationId xmlns:p14="http://schemas.microsoft.com/office/powerpoint/2010/main" val="3898009778"/>
       </p:ext>
     </p:extLst>
   </p:cSld>
@@ -18630,6 +19336,495 @@
     <p:extLst>
       <p:ext uri="{BB962C8B-B14F-4D97-AF65-F5344CB8AC3E}">
         <p14:creationId xmlns:p14="http://schemas.microsoft.com/office/powerpoint/2010/main" val="2812014357"/>
+      </p:ext>
+    </p:extLst>
+  </p:cSld>
+  <p:clrMapOvr>
+    <a:masterClrMapping/>
+  </p:clrMapOvr>
+</p:sld>
+</file>
+
+<file path=ppt/slides/slide50.xml><?xml version="1.0" encoding="utf-8"?>
+<p:sld xmlns:a="http://schemas.openxmlformats.org/drawingml/2006/main" xmlns:r="http://schemas.openxmlformats.org/officeDocument/2006/relationships" xmlns:p="http://schemas.openxmlformats.org/presentationml/2006/main" showMasterSp="0">
+  <p:cSld>
+    <p:bg>
+      <p:bgPr>
+        <a:solidFill>
+          <a:schemeClr val="tx1"/>
+        </a:solidFill>
+        <a:effectLst/>
+      </p:bgPr>
+    </p:bg>
+    <p:spTree>
+      <p:nvGrpSpPr>
+        <p:cNvPr id="1" name=""/>
+        <p:cNvGrpSpPr/>
+        <p:nvPr/>
+      </p:nvGrpSpPr>
+      <p:grpSpPr>
+        <a:xfrm>
+          <a:off x="0" y="0"/>
+          <a:ext cx="0" cy="0"/>
+          <a:chOff x="0" y="0"/>
+          <a:chExt cx="0" cy="0"/>
+        </a:xfrm>
+      </p:grpSpPr>
+      <p:sp>
+        <p:nvSpPr>
+          <p:cNvPr id="2" name="Title 1">
+            <a:extLst>
+              <a:ext uri="{FF2B5EF4-FFF2-40B4-BE49-F238E27FC236}">
+                <a16:creationId xmlns:a16="http://schemas.microsoft.com/office/drawing/2014/main" id="{F376363F-57CB-7C46-8D30-6997A8CB848E}"/>
+              </a:ext>
+            </a:extLst>
+          </p:cNvPr>
+          <p:cNvSpPr>
+            <a:spLocks noGrp="1"/>
+          </p:cNvSpPr>
+          <p:nvPr>
+            <p:ph type="title"/>
+          </p:nvPr>
+        </p:nvSpPr>
+        <p:spPr>
+          <a:xfrm>
+            <a:off x="3422542" y="290726"/>
+            <a:ext cx="5346915" cy="567119"/>
+          </a:xfrm>
+        </p:spPr>
+        <p:txBody>
+          <a:bodyPr/>
+          <a:lstStyle/>
+          <a:p>
+            <a:pPr algn="ctr"/>
+            <a:r>
+              <a:rPr lang="en-US" b="1">
+                <a:solidFill>
+                  <a:schemeClr val="bg1"/>
+                </a:solidFill>
+                <a:latin typeface="Times New Roman" panose="02020603050405020304" pitchFamily="18" charset="0"/>
+                <a:cs typeface="Times New Roman" panose="02020603050405020304" pitchFamily="18" charset="0"/>
+              </a:rPr>
+              <a:t>PCA </a:t>
+            </a:r>
+            <a:r>
+              <a:rPr lang="en-US" b="1" dirty="0">
+                <a:solidFill>
+                  <a:schemeClr val="bg1"/>
+                </a:solidFill>
+                <a:latin typeface="Times New Roman" panose="02020603050405020304" pitchFamily="18" charset="0"/>
+                <a:cs typeface="Times New Roman" panose="02020603050405020304" pitchFamily="18" charset="0"/>
+              </a:rPr>
+              <a:t>Survey Q7</a:t>
+            </a:r>
+          </a:p>
+        </p:txBody>
+      </p:sp>
+      <p:sp>
+        <p:nvSpPr>
+          <p:cNvPr id="5" name="Rectangle 4">
+            <a:extLst>
+              <a:ext uri="{FF2B5EF4-FFF2-40B4-BE49-F238E27FC236}">
+                <a16:creationId xmlns:a16="http://schemas.microsoft.com/office/drawing/2014/main" id="{BD8B4206-4A29-2148-B4B7-602E621F85F8}"/>
+              </a:ext>
+            </a:extLst>
+          </p:cNvPr>
+          <p:cNvSpPr/>
+          <p:nvPr/>
+        </p:nvSpPr>
+        <p:spPr>
+          <a:xfrm>
+            <a:off x="673768" y="2588027"/>
+            <a:ext cx="10965458" cy="3693319"/>
+          </a:xfrm>
+          <a:prstGeom prst="rect">
+            <a:avLst/>
+          </a:prstGeom>
+        </p:spPr>
+        <p:txBody>
+          <a:bodyPr wrap="square">
+            <a:spAutoFit/>
+          </a:bodyPr>
+          <a:lstStyle/>
+          <a:p>
+            <a:r>
+              <a:rPr lang="en-MY" sz="2600" b="1" dirty="0">
+                <a:solidFill>
+                  <a:schemeClr val="bg1"/>
+                </a:solidFill>
+                <a:latin typeface="Times New Roman" panose="02020603050405020304" pitchFamily="18" charset="0"/>
+                <a:cs typeface="Times New Roman" panose="02020603050405020304" pitchFamily="18" charset="0"/>
+              </a:rPr>
+              <a:t>Interpretation: </a:t>
+            </a:r>
+          </a:p>
+          <a:p>
+            <a:endParaRPr lang="en-MY" sz="2600" b="1" dirty="0">
+              <a:solidFill>
+                <a:schemeClr val="bg1"/>
+              </a:solidFill>
+              <a:latin typeface="Times New Roman" panose="02020603050405020304" pitchFamily="18" charset="0"/>
+              <a:cs typeface="Times New Roman" panose="02020603050405020304" pitchFamily="18" charset="0"/>
+            </a:endParaRPr>
+          </a:p>
+          <a:p>
+            <a:r>
+              <a:rPr lang="en-MY" sz="2600" dirty="0">
+                <a:solidFill>
+                  <a:srgbClr val="000000"/>
+                </a:solidFill>
+                <a:latin typeface="Times New Roman" panose="02020603050405020304" pitchFamily="18" charset="0"/>
+                <a:cs typeface="Times New Roman" panose="02020603050405020304" pitchFamily="18" charset="0"/>
+              </a:rPr>
+              <a:t>Q7_Q7_3 </a:t>
+            </a:r>
+            <a:r>
+              <a:rPr lang="en-MY" sz="2600" dirty="0">
+                <a:solidFill>
+                  <a:schemeClr val="bg1"/>
+                </a:solidFill>
+                <a:latin typeface="Times New Roman" panose="02020603050405020304" pitchFamily="18" charset="0"/>
+                <a:cs typeface="Times New Roman" panose="02020603050405020304" pitchFamily="18" charset="0"/>
+              </a:rPr>
+              <a:t>[ Q3 ] </a:t>
+            </a:r>
+            <a:r>
+              <a:rPr lang="en-MY" sz="2600" dirty="0">
+                <a:solidFill>
+                  <a:srgbClr val="000000"/>
+                </a:solidFill>
+                <a:latin typeface="Times New Roman" panose="02020603050405020304" pitchFamily="18" charset="0"/>
+                <a:cs typeface="Times New Roman" panose="02020603050405020304" pitchFamily="18" charset="0"/>
+              </a:rPr>
+              <a:t>is ‘I know somewhat more than most programmers about programming in </a:t>
+            </a:r>
+            <a:r>
+              <a:rPr lang="en-MY" sz="2600" dirty="0" err="1">
+                <a:solidFill>
+                  <a:srgbClr val="000000"/>
+                </a:solidFill>
+                <a:latin typeface="Times New Roman" panose="02020603050405020304" pitchFamily="18" charset="0"/>
+                <a:cs typeface="Times New Roman" panose="02020603050405020304" pitchFamily="18" charset="0"/>
+              </a:rPr>
+              <a:t>Javascript</a:t>
+            </a:r>
+            <a:r>
+              <a:rPr lang="en-MY" sz="2600" b="1" dirty="0">
+                <a:solidFill>
+                  <a:schemeClr val="bg2"/>
+                </a:solidFill>
+                <a:latin typeface="Times New Roman" panose="02020603050405020304" pitchFamily="18" charset="0"/>
+                <a:cs typeface="Times New Roman" panose="02020603050405020304" pitchFamily="18" charset="0"/>
+              </a:rPr>
+              <a:t>’ </a:t>
+            </a:r>
+            <a:r>
+              <a:rPr lang="en-MY" sz="2600" b="1" dirty="0">
+                <a:solidFill>
+                  <a:srgbClr val="FF0000"/>
+                </a:solidFill>
+                <a:latin typeface="Times New Roman" panose="02020603050405020304" pitchFamily="18" charset="0"/>
+                <a:cs typeface="Times New Roman" panose="02020603050405020304" pitchFamily="18" charset="0"/>
+              </a:rPr>
+              <a:t>[ most important ] </a:t>
+            </a:r>
+          </a:p>
+          <a:p>
+            <a:endParaRPr lang="en-MY" sz="2600" b="1" dirty="0">
+              <a:solidFill>
+                <a:srgbClr val="FF0000"/>
+              </a:solidFill>
+              <a:latin typeface="Times New Roman" panose="02020603050405020304" pitchFamily="18" charset="0"/>
+              <a:cs typeface="Times New Roman" panose="02020603050405020304" pitchFamily="18" charset="0"/>
+            </a:endParaRPr>
+          </a:p>
+          <a:p>
+            <a:r>
+              <a:rPr lang="en-MY" sz="2600" dirty="0">
+                <a:solidFill>
+                  <a:srgbClr val="000000"/>
+                </a:solidFill>
+                <a:latin typeface="Times New Roman" panose="02020603050405020304" pitchFamily="18" charset="0"/>
+                <a:cs typeface="Times New Roman" panose="02020603050405020304" pitchFamily="18" charset="0"/>
+              </a:rPr>
+              <a:t>Q7_Q7_1 [ Q1 ] is ‘I am extremely skilled at programming in </a:t>
+            </a:r>
+            <a:r>
+              <a:rPr lang="en-MY" sz="2600" dirty="0" err="1">
+                <a:solidFill>
+                  <a:srgbClr val="000000"/>
+                </a:solidFill>
+                <a:latin typeface="Times New Roman" panose="02020603050405020304" pitchFamily="18" charset="0"/>
+                <a:cs typeface="Times New Roman" panose="02020603050405020304" pitchFamily="18" charset="0"/>
+              </a:rPr>
+              <a:t>Javascript</a:t>
+            </a:r>
+            <a:r>
+              <a:rPr lang="en-MY" sz="2600" dirty="0">
+                <a:solidFill>
+                  <a:srgbClr val="000000"/>
+                </a:solidFill>
+                <a:latin typeface="Times New Roman" panose="02020603050405020304" pitchFamily="18" charset="0"/>
+                <a:cs typeface="Times New Roman" panose="02020603050405020304" pitchFamily="18" charset="0"/>
+              </a:rPr>
+              <a:t>’ </a:t>
+            </a:r>
+            <a:r>
+              <a:rPr lang="en-MY" sz="2600" b="1" dirty="0">
+                <a:solidFill>
+                  <a:srgbClr val="FF0000"/>
+                </a:solidFill>
+                <a:latin typeface="Times New Roman" panose="02020603050405020304" pitchFamily="18" charset="0"/>
+                <a:cs typeface="Times New Roman" panose="02020603050405020304" pitchFamily="18" charset="0"/>
+              </a:rPr>
+              <a:t>[ 2</a:t>
+            </a:r>
+            <a:r>
+              <a:rPr lang="en-MY" sz="2600" b="1" baseline="30000" dirty="0">
+                <a:solidFill>
+                  <a:srgbClr val="FF0000"/>
+                </a:solidFill>
+                <a:latin typeface="Times New Roman" panose="02020603050405020304" pitchFamily="18" charset="0"/>
+                <a:cs typeface="Times New Roman" panose="02020603050405020304" pitchFamily="18" charset="0"/>
+              </a:rPr>
+              <a:t>nd</a:t>
+            </a:r>
+            <a:r>
+              <a:rPr lang="en-MY" sz="2600" b="1" dirty="0">
+                <a:solidFill>
+                  <a:srgbClr val="FF0000"/>
+                </a:solidFill>
+                <a:latin typeface="Times New Roman" panose="02020603050405020304" pitchFamily="18" charset="0"/>
+                <a:cs typeface="Times New Roman" panose="02020603050405020304" pitchFamily="18" charset="0"/>
+              </a:rPr>
+              <a:t>  important ] </a:t>
+            </a:r>
+          </a:p>
+          <a:p>
+            <a:endParaRPr lang="en-MY" sz="2600" b="1" dirty="0">
+              <a:solidFill>
+                <a:srgbClr val="FF0000"/>
+              </a:solidFill>
+              <a:latin typeface="Times New Roman" panose="02020603050405020304" pitchFamily="18" charset="0"/>
+              <a:cs typeface="Times New Roman" panose="02020603050405020304" pitchFamily="18" charset="0"/>
+            </a:endParaRPr>
+          </a:p>
+          <a:p>
+            <a:endParaRPr lang="en-MY" sz="2600" b="1" i="0" dirty="0">
+              <a:solidFill>
+                <a:srgbClr val="FF0000"/>
+              </a:solidFill>
+              <a:effectLst/>
+              <a:latin typeface="Times New Roman" panose="02020603050405020304" pitchFamily="18" charset="0"/>
+              <a:cs typeface="Times New Roman" panose="02020603050405020304" pitchFamily="18" charset="0"/>
+            </a:endParaRPr>
+          </a:p>
+        </p:txBody>
+      </p:sp>
+      <p:pic>
+        <p:nvPicPr>
+          <p:cNvPr id="6" name="Picture 5">
+            <a:extLst>
+              <a:ext uri="{FF2B5EF4-FFF2-40B4-BE49-F238E27FC236}">
+                <a16:creationId xmlns:a16="http://schemas.microsoft.com/office/drawing/2014/main" id="{C55D2CF3-60C3-DC41-8414-58617174B45B}"/>
+              </a:ext>
+            </a:extLst>
+          </p:cNvPr>
+          <p:cNvPicPr>
+            <a:picLocks noChangeAspect="1"/>
+          </p:cNvPicPr>
+          <p:nvPr/>
+        </p:nvPicPr>
+        <p:blipFill>
+          <a:blip r:embed="rId3"/>
+          <a:stretch>
+            <a:fillRect/>
+          </a:stretch>
+        </p:blipFill>
+        <p:spPr>
+          <a:xfrm>
+            <a:off x="673768" y="857845"/>
+            <a:ext cx="10965458" cy="1434208"/>
+          </a:xfrm>
+          <a:prstGeom prst="rect">
+            <a:avLst/>
+          </a:prstGeom>
+        </p:spPr>
+      </p:pic>
+    </p:spTree>
+    <p:extLst>
+      <p:ext uri="{BB962C8B-B14F-4D97-AF65-F5344CB8AC3E}">
+        <p14:creationId xmlns:p14="http://schemas.microsoft.com/office/powerpoint/2010/main" val="3898009778"/>
+      </p:ext>
+    </p:extLst>
+  </p:cSld>
+  <p:clrMapOvr>
+    <a:masterClrMapping/>
+  </p:clrMapOvr>
+</p:sld>
+</file>
+
+<file path=ppt/slides/slide51.xml><?xml version="1.0" encoding="utf-8"?>
+<p:sld xmlns:a="http://schemas.openxmlformats.org/drawingml/2006/main" xmlns:r="http://schemas.openxmlformats.org/officeDocument/2006/relationships" xmlns:p="http://schemas.openxmlformats.org/presentationml/2006/main" showMasterSp="0">
+  <p:cSld>
+    <p:bg>
+      <p:bgPr>
+        <a:solidFill>
+          <a:schemeClr val="tx1"/>
+        </a:solidFill>
+        <a:effectLst/>
+      </p:bgPr>
+    </p:bg>
+    <p:spTree>
+      <p:nvGrpSpPr>
+        <p:cNvPr id="1" name=""/>
+        <p:cNvGrpSpPr/>
+        <p:nvPr/>
+      </p:nvGrpSpPr>
+      <p:grpSpPr>
+        <a:xfrm>
+          <a:off x="0" y="0"/>
+          <a:ext cx="0" cy="0"/>
+          <a:chOff x="0" y="0"/>
+          <a:chExt cx="0" cy="0"/>
+        </a:xfrm>
+      </p:grpSpPr>
+      <p:sp>
+        <p:nvSpPr>
+          <p:cNvPr id="2" name="Title 1">
+            <a:extLst>
+              <a:ext uri="{FF2B5EF4-FFF2-40B4-BE49-F238E27FC236}">
+                <a16:creationId xmlns:a16="http://schemas.microsoft.com/office/drawing/2014/main" id="{F376363F-57CB-7C46-8D30-6997A8CB848E}"/>
+              </a:ext>
+            </a:extLst>
+          </p:cNvPr>
+          <p:cNvSpPr>
+            <a:spLocks noGrp="1"/>
+          </p:cNvSpPr>
+          <p:nvPr>
+            <p:ph type="title"/>
+          </p:nvPr>
+        </p:nvSpPr>
+        <p:spPr>
+          <a:xfrm>
+            <a:off x="3422542" y="290726"/>
+            <a:ext cx="5346915" cy="567119"/>
+          </a:xfrm>
+        </p:spPr>
+        <p:txBody>
+          <a:bodyPr/>
+          <a:lstStyle/>
+          <a:p>
+            <a:pPr algn="ctr"/>
+            <a:r>
+              <a:rPr lang="en-US" b="1" dirty="0">
+                <a:solidFill>
+                  <a:schemeClr val="bg1"/>
+                </a:solidFill>
+                <a:latin typeface="Times New Roman" panose="02020603050405020304" pitchFamily="18" charset="0"/>
+                <a:cs typeface="Times New Roman" panose="02020603050405020304" pitchFamily="18" charset="0"/>
+              </a:rPr>
+              <a:t>Takeaway</a:t>
+            </a:r>
+          </a:p>
+        </p:txBody>
+      </p:sp>
+      <p:sp>
+        <p:nvSpPr>
+          <p:cNvPr id="5" name="Rectangle 4">
+            <a:extLst>
+              <a:ext uri="{FF2B5EF4-FFF2-40B4-BE49-F238E27FC236}">
+                <a16:creationId xmlns:a16="http://schemas.microsoft.com/office/drawing/2014/main" id="{BD8B4206-4A29-2148-B4B7-602E621F85F8}"/>
+              </a:ext>
+            </a:extLst>
+          </p:cNvPr>
+          <p:cNvSpPr/>
+          <p:nvPr/>
+        </p:nvSpPr>
+        <p:spPr>
+          <a:xfrm>
+            <a:off x="613270" y="857845"/>
+            <a:ext cx="10965458" cy="4262705"/>
+          </a:xfrm>
+          <a:prstGeom prst="rect">
+            <a:avLst/>
+          </a:prstGeom>
+        </p:spPr>
+        <p:txBody>
+          <a:bodyPr wrap="square">
+            <a:spAutoFit/>
+          </a:bodyPr>
+          <a:lstStyle/>
+          <a:p>
+            <a:endParaRPr lang="en-MY" sz="3500" b="1" dirty="0">
+              <a:solidFill>
+                <a:schemeClr val="bg1"/>
+              </a:solidFill>
+              <a:latin typeface="Times New Roman" panose="02020603050405020304" pitchFamily="18" charset="0"/>
+              <a:cs typeface="Times New Roman" panose="02020603050405020304" pitchFamily="18" charset="0"/>
+            </a:endParaRPr>
+          </a:p>
+          <a:p>
+            <a:pPr fontAlgn="base"/>
+            <a:r>
+              <a:rPr lang="en-MY" sz="3500" dirty="0">
+                <a:solidFill>
+                  <a:schemeClr val="bg1"/>
+                </a:solidFill>
+                <a:latin typeface="Times New Roman" panose="02020603050405020304" pitchFamily="18" charset="0"/>
+                <a:cs typeface="Times New Roman" panose="02020603050405020304" pitchFamily="18" charset="0"/>
+              </a:rPr>
+              <a:t>• Understand what the goal of analysis is and choose PCA or EFA for the data analysis</a:t>
+            </a:r>
+          </a:p>
+          <a:p>
+            <a:pPr fontAlgn="base"/>
+            <a:endParaRPr lang="en-MY" sz="3500" dirty="0">
+              <a:solidFill>
+                <a:schemeClr val="bg1"/>
+              </a:solidFill>
+              <a:latin typeface="Times New Roman" panose="02020603050405020304" pitchFamily="18" charset="0"/>
+              <a:cs typeface="Times New Roman" panose="02020603050405020304" pitchFamily="18" charset="0"/>
+            </a:endParaRPr>
+          </a:p>
+          <a:p>
+            <a:pPr fontAlgn="base"/>
+            <a:r>
+              <a:rPr lang="en-MY" sz="3500" dirty="0">
+                <a:solidFill>
+                  <a:schemeClr val="bg1"/>
+                </a:solidFill>
+                <a:latin typeface="Times New Roman" panose="02020603050405020304" pitchFamily="18" charset="0"/>
+                <a:cs typeface="Times New Roman" panose="02020603050405020304" pitchFamily="18" charset="0"/>
+              </a:rPr>
+              <a:t>• Having done one analysis there is no need to do the other analysis.</a:t>
+            </a:r>
+          </a:p>
+          <a:p>
+            <a:endParaRPr lang="en-MY" sz="3500" b="1" dirty="0">
+              <a:solidFill>
+                <a:srgbClr val="FF0000"/>
+              </a:solidFill>
+              <a:latin typeface="Times New Roman" panose="02020603050405020304" pitchFamily="18" charset="0"/>
+              <a:cs typeface="Times New Roman" panose="02020603050405020304" pitchFamily="18" charset="0"/>
+            </a:endParaRPr>
+          </a:p>
+          <a:p>
+            <a:endParaRPr lang="en-MY" sz="2600" b="1" i="0" dirty="0">
+              <a:solidFill>
+                <a:srgbClr val="FF0000"/>
+              </a:solidFill>
+              <a:effectLst/>
+              <a:latin typeface="Times New Roman" panose="02020603050405020304" pitchFamily="18" charset="0"/>
+              <a:cs typeface="Times New Roman" panose="02020603050405020304" pitchFamily="18" charset="0"/>
+            </a:endParaRPr>
+          </a:p>
+        </p:txBody>
+      </p:sp>
+    </p:spTree>
+    <p:extLst>
+      <p:ext uri="{BB962C8B-B14F-4D97-AF65-F5344CB8AC3E}">
+        <p14:creationId xmlns:p14="http://schemas.microsoft.com/office/powerpoint/2010/main" val="345986731"/>
       </p:ext>
     </p:extLst>
   </p:cSld>
